--- a/KICMistral_pre_v2.pptx
+++ b/KICMistral_pre_v2.pptx
@@ -218,7 +218,7 @@
           <a:p>
             <a:fld id="{0593CDAD-050A-435A-8B90-DDEC3FE3CFF6}" type="datetimeFigureOut">
               <a:rPr lang="en-US" smtClean="0"/>
-              <a:t>9/15/2024</a:t>
+              <a:t>9/16/2024</a:t>
             </a:fld>
             <a:endParaRPr lang="en-US"/>
           </a:p>
@@ -878,7 +878,7 @@
           <a:p>
             <a:fld id="{71BEB545-1150-4071-BC05-8EA9734F9E96}" type="datetimeFigureOut">
               <a:rPr lang="en-US" smtClean="0"/>
-              <a:t>9/15/2024</a:t>
+              <a:t>9/16/2024</a:t>
             </a:fld>
             <a:endParaRPr lang="en-US"/>
           </a:p>
@@ -1153,7 +1153,7 @@
           <a:p>
             <a:fld id="{71BEB545-1150-4071-BC05-8EA9734F9E96}" type="datetimeFigureOut">
               <a:rPr lang="en-US" smtClean="0"/>
-              <a:t>9/15/2024</a:t>
+              <a:t>9/16/2024</a:t>
             </a:fld>
             <a:endParaRPr lang="en-US"/>
           </a:p>
@@ -1347,7 +1347,7 @@
           <a:p>
             <a:fld id="{71BEB545-1150-4071-BC05-8EA9734F9E96}" type="datetimeFigureOut">
               <a:rPr lang="en-US" smtClean="0"/>
-              <a:t>9/15/2024</a:t>
+              <a:t>9/16/2024</a:t>
             </a:fld>
             <a:endParaRPr lang="en-US"/>
           </a:p>
@@ -1618,7 +1618,7 @@
           <a:p>
             <a:fld id="{71BEB545-1150-4071-BC05-8EA9734F9E96}" type="datetimeFigureOut">
               <a:rPr lang="en-US" smtClean="0"/>
-              <a:t>9/15/2024</a:t>
+              <a:t>9/16/2024</a:t>
             </a:fld>
             <a:endParaRPr lang="en-US"/>
           </a:p>
@@ -1945,7 +1945,7 @@
           <a:p>
             <a:fld id="{71BEB545-1150-4071-BC05-8EA9734F9E96}" type="datetimeFigureOut">
               <a:rPr lang="en-US" smtClean="0"/>
-              <a:t>9/15/2024</a:t>
+              <a:t>9/16/2024</a:t>
             </a:fld>
             <a:endParaRPr lang="en-US"/>
           </a:p>
@@ -2564,7 +2564,7 @@
           <a:p>
             <a:fld id="{71BEB545-1150-4071-BC05-8EA9734F9E96}" type="datetimeFigureOut">
               <a:rPr lang="en-US" smtClean="0"/>
-              <a:t>9/15/2024</a:t>
+              <a:t>9/16/2024</a:t>
             </a:fld>
             <a:endParaRPr lang="en-US"/>
           </a:p>
@@ -3411,7 +3411,7 @@
           <a:p>
             <a:fld id="{71BEB545-1150-4071-BC05-8EA9734F9E96}" type="datetimeFigureOut">
               <a:rPr lang="en-US" smtClean="0"/>
-              <a:t>9/15/2024</a:t>
+              <a:t>9/16/2024</a:t>
             </a:fld>
             <a:endParaRPr lang="en-US"/>
           </a:p>
@@ -3581,7 +3581,7 @@
           <a:p>
             <a:fld id="{71BEB545-1150-4071-BC05-8EA9734F9E96}" type="datetimeFigureOut">
               <a:rPr lang="en-US" smtClean="0"/>
-              <a:t>9/15/2024</a:t>
+              <a:t>9/16/2024</a:t>
             </a:fld>
             <a:endParaRPr lang="en-US"/>
           </a:p>
@@ -3761,7 +3761,7 @@
           <a:p>
             <a:fld id="{71BEB545-1150-4071-BC05-8EA9734F9E96}" type="datetimeFigureOut">
               <a:rPr lang="en-US" smtClean="0"/>
-              <a:t>9/15/2024</a:t>
+              <a:t>9/16/2024</a:t>
             </a:fld>
             <a:endParaRPr lang="en-US"/>
           </a:p>
@@ -3931,7 +3931,7 @@
           <a:p>
             <a:fld id="{71BEB545-1150-4071-BC05-8EA9734F9E96}" type="datetimeFigureOut">
               <a:rPr lang="en-US" smtClean="0"/>
-              <a:t>9/15/2024</a:t>
+              <a:t>9/16/2024</a:t>
             </a:fld>
             <a:endParaRPr lang="en-US"/>
           </a:p>
@@ -4178,7 +4178,7 @@
           <a:p>
             <a:fld id="{71BEB545-1150-4071-BC05-8EA9734F9E96}" type="datetimeFigureOut">
               <a:rPr lang="en-US" smtClean="0"/>
-              <a:t>9/15/2024</a:t>
+              <a:t>9/16/2024</a:t>
             </a:fld>
             <a:endParaRPr lang="en-US"/>
           </a:p>
@@ -4470,7 +4470,7 @@
           <a:p>
             <a:fld id="{71BEB545-1150-4071-BC05-8EA9734F9E96}" type="datetimeFigureOut">
               <a:rPr lang="en-US" smtClean="0"/>
-              <a:t>9/15/2024</a:t>
+              <a:t>9/16/2024</a:t>
             </a:fld>
             <a:endParaRPr lang="en-US"/>
           </a:p>
@@ -4919,7 +4919,7 @@
           <a:p>
             <a:fld id="{71BEB545-1150-4071-BC05-8EA9734F9E96}" type="datetimeFigureOut">
               <a:rPr lang="en-US" smtClean="0"/>
-              <a:t>9/15/2024</a:t>
+              <a:t>9/16/2024</a:t>
             </a:fld>
             <a:endParaRPr lang="en-US"/>
           </a:p>
@@ -5042,7 +5042,7 @@
           <a:p>
             <a:fld id="{71BEB545-1150-4071-BC05-8EA9734F9E96}" type="datetimeFigureOut">
               <a:rPr lang="en-US" smtClean="0"/>
-              <a:t>9/15/2024</a:t>
+              <a:t>9/16/2024</a:t>
             </a:fld>
             <a:endParaRPr lang="en-US"/>
           </a:p>
@@ -5137,7 +5137,7 @@
           <a:p>
             <a:fld id="{71BEB545-1150-4071-BC05-8EA9734F9E96}" type="datetimeFigureOut">
               <a:rPr lang="en-US" smtClean="0"/>
-              <a:t>9/15/2024</a:t>
+              <a:t>9/16/2024</a:t>
             </a:fld>
             <a:endParaRPr lang="en-US"/>
           </a:p>
@@ -5416,7 +5416,7 @@
           <a:p>
             <a:fld id="{71BEB545-1150-4071-BC05-8EA9734F9E96}" type="datetimeFigureOut">
               <a:rPr lang="en-US" smtClean="0"/>
-              <a:t>9/15/2024</a:t>
+              <a:t>9/16/2024</a:t>
             </a:fld>
             <a:endParaRPr lang="en-US"/>
           </a:p>
@@ -5696,7 +5696,7 @@
           <a:p>
             <a:fld id="{71BEB545-1150-4071-BC05-8EA9734F9E96}" type="datetimeFigureOut">
               <a:rPr lang="en-US" smtClean="0"/>
-              <a:t>9/15/2024</a:t>
+              <a:t>9/16/2024</a:t>
             </a:fld>
             <a:endParaRPr lang="en-US"/>
           </a:p>
@@ -6119,7 +6119,7 @@
           <a:p>
             <a:fld id="{71BEB545-1150-4071-BC05-8EA9734F9E96}" type="datetimeFigureOut">
               <a:rPr lang="en-US" smtClean="0"/>
-              <a:t>9/15/2024</a:t>
+              <a:t>9/16/2024</a:t>
             </a:fld>
             <a:endParaRPr lang="en-US"/>
           </a:p>
@@ -12844,7 +12844,7 @@
             <p:ph idx="1"/>
             <p:extLst>
               <p:ext uri="{D42A27DB-BD31-4B8C-83A1-F6EECF244321}">
-                <p14:modId xmlns:p14="http://schemas.microsoft.com/office/powerpoint/2010/main" val="3500477101"/>
+                <p14:modId xmlns:p14="http://schemas.microsoft.com/office/powerpoint/2010/main" val="2179249285"/>
               </p:ext>
             </p:extLst>
           </p:nvPr>
@@ -13505,7 +13505,7 @@
                         </a:spcAft>
                       </a:pPr>
                       <a:r>
-                        <a:rPr lang="en-US" sz="1400" b="0" u="none" dirty="0">
+                        <a:rPr lang="en-US" sz="1400" b="1" u="none" dirty="0">
                           <a:solidFill>
                             <a:schemeClr val="tx1"/>
                           </a:solidFill>
@@ -13533,7 +13533,7 @@
                         </a:spcAft>
                       </a:pPr>
                       <a:r>
-                        <a:rPr lang="en-US" sz="1400" b="0" u="none" dirty="0">
+                        <a:rPr lang="en-US" sz="1400" b="1" u="none" dirty="0">
                           <a:solidFill>
                             <a:schemeClr val="tx1"/>
                           </a:solidFill>
@@ -13561,7 +13561,7 @@
                         </a:spcAft>
                       </a:pPr>
                       <a:r>
-                        <a:rPr lang="en-US" sz="1400" b="0" u="none" dirty="0">
+                        <a:rPr lang="en-US" sz="1400" b="1" u="none" dirty="0">
                           <a:solidFill>
                             <a:schemeClr val="tx1"/>
                           </a:solidFill>
@@ -13589,7 +13589,7 @@
                         </a:spcAft>
                       </a:pPr>
                       <a:r>
-                        <a:rPr lang="en-US" sz="1400" b="0" u="none" dirty="0">
+                        <a:rPr lang="en-US" sz="1400" b="1" u="none" dirty="0">
                           <a:solidFill>
                             <a:schemeClr val="tx1"/>
                           </a:solidFill>
@@ -13616,14 +13616,17 @@
                           <a:spcPts val="0"/>
                         </a:spcAft>
                       </a:pPr>
-                      <a:endParaRPr lang="en-US" sz="1400" b="0" u="none" dirty="0">
-                        <a:solidFill>
-                          <a:schemeClr val="tx1"/>
-                        </a:solidFill>
-                        <a:effectLst/>
-                        <a:latin typeface="Times New Roman" panose="02020603050405020304" pitchFamily="18" charset="0"/>
-                        <a:cs typeface="Times New Roman" panose="02020603050405020304" pitchFamily="18" charset="0"/>
-                      </a:endParaRPr>
+                      <a:r>
+                        <a:rPr lang="en-US" sz="1400" b="0" u="none" dirty="0">
+                          <a:solidFill>
+                            <a:schemeClr val="tx1"/>
+                          </a:solidFill>
+                          <a:effectLst/>
+                          <a:latin typeface="Times New Roman" panose="02020603050405020304" pitchFamily="18" charset="0"/>
+                          <a:cs typeface="Times New Roman" panose="02020603050405020304" pitchFamily="18" charset="0"/>
+                        </a:rPr>
+                        <a:t>0.1295</a:t>
+                      </a:r>
                     </a:p>
                   </a:txBody>
                   <a:tcPr marL="63500" marR="63500" marT="63500" marB="63500" anchor="ctr"/>
@@ -13641,14 +13644,17 @@
                           <a:spcPts val="0"/>
                         </a:spcAft>
                       </a:pPr>
-                      <a:endParaRPr lang="en-US" sz="1400" b="0" u="none" dirty="0">
-                        <a:solidFill>
-                          <a:schemeClr val="tx1"/>
-                        </a:solidFill>
-                        <a:effectLst/>
-                        <a:latin typeface="Times New Roman" panose="02020603050405020304" pitchFamily="18" charset="0"/>
-                        <a:cs typeface="Times New Roman" panose="02020603050405020304" pitchFamily="18" charset="0"/>
-                      </a:endParaRPr>
+                      <a:r>
+                        <a:rPr lang="en-US" sz="1400" b="0" u="none" dirty="0">
+                          <a:solidFill>
+                            <a:schemeClr val="tx1"/>
+                          </a:solidFill>
+                          <a:effectLst/>
+                          <a:latin typeface="Times New Roman" panose="02020603050405020304" pitchFamily="18" charset="0"/>
+                          <a:cs typeface="Times New Roman" panose="02020603050405020304" pitchFamily="18" charset="0"/>
+                        </a:rPr>
+                        <a:t>0.0900</a:t>
+                      </a:r>
                     </a:p>
                   </a:txBody>
                   <a:tcPr marL="63500" marR="63500" marT="63500" marB="63500" anchor="ctr"/>
@@ -13666,14 +13672,17 @@
                           <a:spcPts val="0"/>
                         </a:spcAft>
                       </a:pPr>
-                      <a:endParaRPr lang="en-US" sz="1400" b="0" u="none" dirty="0">
-                        <a:solidFill>
-                          <a:schemeClr val="tx1"/>
-                        </a:solidFill>
-                        <a:effectLst/>
-                        <a:latin typeface="Times New Roman" panose="02020603050405020304" pitchFamily="18" charset="0"/>
-                        <a:cs typeface="Times New Roman" panose="02020603050405020304" pitchFamily="18" charset="0"/>
-                      </a:endParaRPr>
+                      <a:r>
+                        <a:rPr lang="en-US" sz="1400" b="0" u="none" dirty="0">
+                          <a:solidFill>
+                            <a:schemeClr val="tx1"/>
+                          </a:solidFill>
+                          <a:effectLst/>
+                          <a:latin typeface="Times New Roman" panose="02020603050405020304" pitchFamily="18" charset="0"/>
+                          <a:cs typeface="Times New Roman" panose="02020603050405020304" pitchFamily="18" charset="0"/>
+                        </a:rPr>
+                        <a:t>0.1600</a:t>
+                      </a:r>
                     </a:p>
                   </a:txBody>
                   <a:tcPr marL="63500" marR="63500" marT="63500" marB="63500" anchor="ctr"/>
@@ -13691,14 +13700,17 @@
                           <a:spcPts val="0"/>
                         </a:spcAft>
                       </a:pPr>
-                      <a:endParaRPr lang="en-US" sz="1400" b="0" u="none" dirty="0">
-                        <a:solidFill>
-                          <a:schemeClr val="tx1"/>
-                        </a:solidFill>
-                        <a:effectLst/>
-                        <a:latin typeface="Times New Roman" panose="02020603050405020304" pitchFamily="18" charset="0"/>
-                        <a:cs typeface="Times New Roman" panose="02020603050405020304" pitchFamily="18" charset="0"/>
-                      </a:endParaRPr>
+                      <a:r>
+                        <a:rPr lang="en-US" sz="1400" b="0" u="none" dirty="0">
+                          <a:solidFill>
+                            <a:schemeClr val="tx1"/>
+                          </a:solidFill>
+                          <a:effectLst/>
+                          <a:latin typeface="Times New Roman" panose="02020603050405020304" pitchFamily="18" charset="0"/>
+                          <a:cs typeface="Times New Roman" panose="02020603050405020304" pitchFamily="18" charset="0"/>
+                        </a:rPr>
+                        <a:t>0.2000</a:t>
+                      </a:r>
                     </a:p>
                   </a:txBody>
                   <a:tcPr marL="63500" marR="63500" marT="63500" marB="63500" anchor="ctr"/>
@@ -13863,14 +13875,17 @@
                           <a:spcPts val="0"/>
                         </a:spcAft>
                       </a:pPr>
-                      <a:endParaRPr lang="en-US" sz="1400" b="0" u="none" dirty="0">
-                        <a:solidFill>
-                          <a:schemeClr val="tx1"/>
-                        </a:solidFill>
-                        <a:effectLst/>
-                        <a:latin typeface="Times New Roman" panose="02020603050405020304" pitchFamily="18" charset="0"/>
-                        <a:cs typeface="Times New Roman" panose="02020603050405020304" pitchFamily="18" charset="0"/>
-                      </a:endParaRPr>
+                      <a:r>
+                        <a:rPr lang="en-US" sz="1400" b="0" u="none" dirty="0">
+                          <a:solidFill>
+                            <a:schemeClr val="tx1"/>
+                          </a:solidFill>
+                          <a:effectLst/>
+                          <a:latin typeface="Times New Roman" panose="02020603050405020304" pitchFamily="18" charset="0"/>
+                          <a:cs typeface="Times New Roman" panose="02020603050405020304" pitchFamily="18" charset="0"/>
+                        </a:rPr>
+                        <a:t>0.1277</a:t>
+                      </a:r>
                     </a:p>
                   </a:txBody>
                   <a:tcPr marL="63500" marR="63500" marT="63500" marB="63500" anchor="ctr"/>
@@ -13888,14 +13903,17 @@
                           <a:spcPts val="0"/>
                         </a:spcAft>
                       </a:pPr>
-                      <a:endParaRPr lang="en-US" sz="1400" b="0" u="none" dirty="0">
-                        <a:solidFill>
-                          <a:schemeClr val="tx1"/>
-                        </a:solidFill>
-                        <a:effectLst/>
-                        <a:latin typeface="Times New Roman" panose="02020603050405020304" pitchFamily="18" charset="0"/>
-                        <a:cs typeface="Times New Roman" panose="02020603050405020304" pitchFamily="18" charset="0"/>
-                      </a:endParaRPr>
+                      <a:r>
+                        <a:rPr lang="en-US" sz="1400" b="0" u="none" dirty="0">
+                          <a:solidFill>
+                            <a:schemeClr val="tx1"/>
+                          </a:solidFill>
+                          <a:effectLst/>
+                          <a:latin typeface="Times New Roman" panose="02020603050405020304" pitchFamily="18" charset="0"/>
+                          <a:cs typeface="Times New Roman" panose="02020603050405020304" pitchFamily="18" charset="0"/>
+                        </a:rPr>
+                        <a:t> 0.0800</a:t>
+                      </a:r>
                     </a:p>
                   </a:txBody>
                   <a:tcPr marL="63500" marR="63500" marT="63500" marB="63500" anchor="ctr"/>
@@ -13913,14 +13931,17 @@
                           <a:spcPts val="0"/>
                         </a:spcAft>
                       </a:pPr>
-                      <a:endParaRPr lang="en-US" sz="1400" b="0" u="none" dirty="0">
-                        <a:solidFill>
-                          <a:schemeClr val="tx1"/>
-                        </a:solidFill>
-                        <a:effectLst/>
-                        <a:latin typeface="Times New Roman" panose="02020603050405020304" pitchFamily="18" charset="0"/>
-                        <a:cs typeface="Times New Roman" panose="02020603050405020304" pitchFamily="18" charset="0"/>
-                      </a:endParaRPr>
+                      <a:r>
+                        <a:rPr lang="en-US" sz="1400" b="0" u="none" dirty="0">
+                          <a:solidFill>
+                            <a:schemeClr val="tx1"/>
+                          </a:solidFill>
+                          <a:effectLst/>
+                          <a:latin typeface="Times New Roman" panose="02020603050405020304" pitchFamily="18" charset="0"/>
+                          <a:cs typeface="Times New Roman" panose="02020603050405020304" pitchFamily="18" charset="0"/>
+                        </a:rPr>
+                        <a:t>0.1500</a:t>
+                      </a:r>
                     </a:p>
                   </a:txBody>
                   <a:tcPr marL="63500" marR="63500" marT="63500" marB="63500" anchor="ctr"/>
@@ -13938,14 +13959,17 @@
                           <a:spcPts val="0"/>
                         </a:spcAft>
                       </a:pPr>
-                      <a:endParaRPr lang="en-US" sz="1400" b="0" u="none" dirty="0">
-                        <a:solidFill>
-                          <a:schemeClr val="tx1"/>
-                        </a:solidFill>
-                        <a:effectLst/>
-                        <a:latin typeface="Times New Roman" panose="02020603050405020304" pitchFamily="18" charset="0"/>
-                        <a:cs typeface="Times New Roman" panose="02020603050405020304" pitchFamily="18" charset="0"/>
-                      </a:endParaRPr>
+                      <a:r>
+                        <a:rPr lang="en-US" sz="1400" b="0" u="none" dirty="0">
+                          <a:solidFill>
+                            <a:schemeClr val="tx1"/>
+                          </a:solidFill>
+                          <a:effectLst/>
+                          <a:latin typeface="Times New Roman" panose="02020603050405020304" pitchFamily="18" charset="0"/>
+                          <a:cs typeface="Times New Roman" panose="02020603050405020304" pitchFamily="18" charset="0"/>
+                        </a:rPr>
+                        <a:t>0.2300</a:t>
+                      </a:r>
                     </a:p>
                   </a:txBody>
                   <a:tcPr marL="63500" marR="63500" marT="63500" marB="63500" anchor="ctr"/>
@@ -13999,7 +14023,7 @@
                         </a:spcAft>
                       </a:pPr>
                       <a:r>
-                        <a:rPr lang="en-US" sz="1400" b="0" u="none" dirty="0">
+                        <a:rPr lang="en-US" sz="1400" b="0" u="sng" dirty="0">
                           <a:solidFill>
                             <a:schemeClr val="tx1"/>
                           </a:solidFill>
@@ -14027,7 +14051,7 @@
                         </a:spcAft>
                       </a:pPr>
                       <a:r>
-                        <a:rPr lang="en-US" sz="1400" b="0" u="none" dirty="0">
+                        <a:rPr lang="en-US" sz="1400" b="1" u="none" dirty="0">
                           <a:solidFill>
                             <a:schemeClr val="tx1"/>
                           </a:solidFill>
@@ -14055,7 +14079,7 @@
                         </a:spcAft>
                       </a:pPr>
                       <a:r>
-                        <a:rPr lang="en-US" sz="1400" b="0" u="none" dirty="0">
+                        <a:rPr lang="en-US" sz="1400" b="0" u="sng" dirty="0">
                           <a:solidFill>
                             <a:schemeClr val="tx1"/>
                           </a:solidFill>
@@ -14091,7 +14115,18 @@
                           <a:latin typeface="Times New Roman" panose="02020603050405020304" pitchFamily="18" charset="0"/>
                           <a:cs typeface="Times New Roman" panose="02020603050405020304" pitchFamily="18" charset="0"/>
                         </a:rPr>
-                        <a:t> 0.2800</a:t>
+                        <a:t> </a:t>
+                      </a:r>
+                      <a:r>
+                        <a:rPr lang="en-US" sz="1400" b="0" u="sng" dirty="0">
+                          <a:solidFill>
+                            <a:schemeClr val="tx1"/>
+                          </a:solidFill>
+                          <a:effectLst/>
+                          <a:latin typeface="Times New Roman" panose="02020603050405020304" pitchFamily="18" charset="0"/>
+                          <a:cs typeface="Times New Roman" panose="02020603050405020304" pitchFamily="18" charset="0"/>
+                        </a:rPr>
+                        <a:t>0.2800</a:t>
                       </a:r>
                     </a:p>
                   </a:txBody>
@@ -14110,14 +14145,17 @@
                           <a:spcPts val="0"/>
                         </a:spcAft>
                       </a:pPr>
-                      <a:endParaRPr lang="en-US" sz="1400" b="0" u="none" dirty="0">
-                        <a:solidFill>
-                          <a:schemeClr val="tx1"/>
-                        </a:solidFill>
-                        <a:effectLst/>
-                        <a:latin typeface="Times New Roman" panose="02020603050405020304" pitchFamily="18" charset="0"/>
-                        <a:cs typeface="Times New Roman" panose="02020603050405020304" pitchFamily="18" charset="0"/>
-                      </a:endParaRPr>
+                      <a:r>
+                        <a:rPr lang="en-US" sz="1400" b="0" u="none" dirty="0">
+                          <a:solidFill>
+                            <a:schemeClr val="tx1"/>
+                          </a:solidFill>
+                          <a:effectLst/>
+                          <a:latin typeface="Times New Roman" panose="02020603050405020304" pitchFamily="18" charset="0"/>
+                          <a:cs typeface="Times New Roman" panose="02020603050405020304" pitchFamily="18" charset="0"/>
+                        </a:rPr>
+                        <a:t>0.1057</a:t>
+                      </a:r>
                     </a:p>
                   </a:txBody>
                   <a:tcPr marL="63500" marR="63500" marT="63500" marB="63500" anchor="ctr"/>
@@ -14135,14 +14173,17 @@
                           <a:spcPts val="0"/>
                         </a:spcAft>
                       </a:pPr>
-                      <a:endParaRPr lang="en-US" sz="1400" b="0" u="none" dirty="0">
-                        <a:solidFill>
-                          <a:schemeClr val="tx1"/>
-                        </a:solidFill>
-                        <a:effectLst/>
-                        <a:latin typeface="Times New Roman" panose="02020603050405020304" pitchFamily="18" charset="0"/>
-                        <a:cs typeface="Times New Roman" panose="02020603050405020304" pitchFamily="18" charset="0"/>
-                      </a:endParaRPr>
+                      <a:r>
+                        <a:rPr lang="en-US" sz="1400" b="0" u="none" dirty="0">
+                          <a:solidFill>
+                            <a:schemeClr val="tx1"/>
+                          </a:solidFill>
+                          <a:effectLst/>
+                          <a:latin typeface="Times New Roman" panose="02020603050405020304" pitchFamily="18" charset="0"/>
+                          <a:cs typeface="Times New Roman" panose="02020603050405020304" pitchFamily="18" charset="0"/>
+                        </a:rPr>
+                        <a:t>0.0500</a:t>
+                      </a:r>
                     </a:p>
                   </a:txBody>
                   <a:tcPr marL="63500" marR="63500" marT="63500" marB="63500" anchor="ctr"/>
@@ -14160,14 +14201,17 @@
                           <a:spcPts val="0"/>
                         </a:spcAft>
                       </a:pPr>
-                      <a:endParaRPr lang="en-US" sz="1400" b="0" u="none" dirty="0">
-                        <a:solidFill>
-                          <a:schemeClr val="tx1"/>
-                        </a:solidFill>
-                        <a:effectLst/>
-                        <a:latin typeface="Times New Roman" panose="02020603050405020304" pitchFamily="18" charset="0"/>
-                        <a:cs typeface="Times New Roman" panose="02020603050405020304" pitchFamily="18" charset="0"/>
-                      </a:endParaRPr>
+                      <a:r>
+                        <a:rPr lang="en-US" sz="1400" b="0" u="none" dirty="0">
+                          <a:solidFill>
+                            <a:schemeClr val="tx1"/>
+                          </a:solidFill>
+                          <a:effectLst/>
+                          <a:latin typeface="Times New Roman" panose="02020603050405020304" pitchFamily="18" charset="0"/>
+                          <a:cs typeface="Times New Roman" panose="02020603050405020304" pitchFamily="18" charset="0"/>
+                        </a:rPr>
+                        <a:t>0.1600</a:t>
+                      </a:r>
                     </a:p>
                   </a:txBody>
                   <a:tcPr marL="63500" marR="63500" marT="63500" marB="63500" anchor="ctr"/>
@@ -14185,14 +14229,17 @@
                           <a:spcPts val="0"/>
                         </a:spcAft>
                       </a:pPr>
-                      <a:endParaRPr lang="en-US" sz="1400" b="0" u="none" dirty="0">
-                        <a:solidFill>
-                          <a:schemeClr val="tx1"/>
-                        </a:solidFill>
-                        <a:effectLst/>
-                        <a:latin typeface="Times New Roman" panose="02020603050405020304" pitchFamily="18" charset="0"/>
-                        <a:cs typeface="Times New Roman" panose="02020603050405020304" pitchFamily="18" charset="0"/>
-                      </a:endParaRPr>
+                      <a:r>
+                        <a:rPr lang="en-US" sz="1400" b="0" u="none" dirty="0">
+                          <a:solidFill>
+                            <a:schemeClr val="tx1"/>
+                          </a:solidFill>
+                          <a:effectLst/>
+                          <a:latin typeface="Times New Roman" panose="02020603050405020304" pitchFamily="18" charset="0"/>
+                          <a:cs typeface="Times New Roman" panose="02020603050405020304" pitchFamily="18" charset="0"/>
+                        </a:rPr>
+                        <a:t>0.1900</a:t>
+                      </a:r>
                     </a:p>
                   </a:txBody>
                   <a:tcPr marL="63500" marR="63500" marT="63500" marB="63500" anchor="ctr"/>
@@ -14357,14 +14404,17 @@
                           <a:spcPts val="0"/>
                         </a:spcAft>
                       </a:pPr>
-                      <a:endParaRPr lang="en-US" sz="1400" b="0" u="none" dirty="0">
-                        <a:solidFill>
-                          <a:schemeClr val="tx1"/>
-                        </a:solidFill>
-                        <a:effectLst/>
-                        <a:latin typeface="Times New Roman" panose="02020603050405020304" pitchFamily="18" charset="0"/>
-                        <a:cs typeface="Times New Roman" panose="02020603050405020304" pitchFamily="18" charset="0"/>
-                      </a:endParaRPr>
+                      <a:r>
+                        <a:rPr lang="en-US" sz="1400" b="0" u="none" dirty="0">
+                          <a:solidFill>
+                            <a:schemeClr val="tx1"/>
+                          </a:solidFill>
+                          <a:effectLst/>
+                          <a:latin typeface="Times New Roman" panose="02020603050405020304" pitchFamily="18" charset="0"/>
+                          <a:cs typeface="Times New Roman" panose="02020603050405020304" pitchFamily="18" charset="0"/>
+                        </a:rPr>
+                        <a:t>0.1280</a:t>
+                      </a:r>
                     </a:p>
                   </a:txBody>
                   <a:tcPr marL="63500" marR="63500" marT="63500" marB="63500" anchor="ctr"/>
@@ -14382,14 +14432,17 @@
                           <a:spcPts val="0"/>
                         </a:spcAft>
                       </a:pPr>
-                      <a:endParaRPr lang="en-US" sz="1400" b="0" u="none" dirty="0">
-                        <a:solidFill>
-                          <a:schemeClr val="tx1"/>
-                        </a:solidFill>
-                        <a:effectLst/>
-                        <a:latin typeface="Times New Roman" panose="02020603050405020304" pitchFamily="18" charset="0"/>
-                        <a:cs typeface="Times New Roman" panose="02020603050405020304" pitchFamily="18" charset="0"/>
-                      </a:endParaRPr>
+                      <a:r>
+                        <a:rPr lang="en-US" sz="1400" b="0" u="none" dirty="0">
+                          <a:solidFill>
+                            <a:schemeClr val="tx1"/>
+                          </a:solidFill>
+                          <a:effectLst/>
+                          <a:latin typeface="Times New Roman" panose="02020603050405020304" pitchFamily="18" charset="0"/>
+                          <a:cs typeface="Times New Roman" panose="02020603050405020304" pitchFamily="18" charset="0"/>
+                        </a:rPr>
+                        <a:t>0.0900</a:t>
+                      </a:r>
                     </a:p>
                   </a:txBody>
                   <a:tcPr marL="63500" marR="63500" marT="63500" marB="63500" anchor="ctr"/>
@@ -14407,14 +14460,17 @@
                           <a:spcPts val="0"/>
                         </a:spcAft>
                       </a:pPr>
-                      <a:endParaRPr lang="en-US" sz="1400" b="0" u="none" dirty="0">
-                        <a:solidFill>
-                          <a:schemeClr val="tx1"/>
-                        </a:solidFill>
-                        <a:effectLst/>
-                        <a:latin typeface="Times New Roman" panose="02020603050405020304" pitchFamily="18" charset="0"/>
-                        <a:cs typeface="Times New Roman" panose="02020603050405020304" pitchFamily="18" charset="0"/>
-                      </a:endParaRPr>
+                      <a:r>
+                        <a:rPr lang="en-US" sz="1400" b="0" u="none" dirty="0">
+                          <a:solidFill>
+                            <a:schemeClr val="tx1"/>
+                          </a:solidFill>
+                          <a:effectLst/>
+                          <a:latin typeface="Times New Roman" panose="02020603050405020304" pitchFamily="18" charset="0"/>
+                          <a:cs typeface="Times New Roman" panose="02020603050405020304" pitchFamily="18" charset="0"/>
+                        </a:rPr>
+                        <a:t>0.1400</a:t>
+                      </a:r>
                     </a:p>
                   </a:txBody>
                   <a:tcPr marL="63500" marR="63500" marT="63500" marB="63500" anchor="ctr"/>
@@ -14432,14 +14488,17 @@
                           <a:spcPts val="0"/>
                         </a:spcAft>
                       </a:pPr>
-                      <a:endParaRPr lang="en-US" sz="1400" b="0" u="none" dirty="0">
-                        <a:solidFill>
-                          <a:schemeClr val="tx1"/>
-                        </a:solidFill>
-                        <a:effectLst/>
-                        <a:latin typeface="Times New Roman" panose="02020603050405020304" pitchFamily="18" charset="0"/>
-                        <a:cs typeface="Times New Roman" panose="02020603050405020304" pitchFamily="18" charset="0"/>
-                      </a:endParaRPr>
+                      <a:r>
+                        <a:rPr lang="en-US" sz="1400" b="0" u="none" dirty="0">
+                          <a:solidFill>
+                            <a:schemeClr val="tx1"/>
+                          </a:solidFill>
+                          <a:effectLst/>
+                          <a:latin typeface="Times New Roman" panose="02020603050405020304" pitchFamily="18" charset="0"/>
+                          <a:cs typeface="Times New Roman" panose="02020603050405020304" pitchFamily="18" charset="0"/>
+                        </a:rPr>
+                        <a:t>0.2000</a:t>
+                      </a:r>
                     </a:p>
                   </a:txBody>
                   <a:tcPr marL="63500" marR="63500" marT="63500" marB="63500" anchor="ctr"/>
@@ -14604,14 +14663,17 @@
                           <a:spcPts val="0"/>
                         </a:spcAft>
                       </a:pPr>
-                      <a:endParaRPr lang="en-US" sz="1400" b="0" u="none" dirty="0">
-                        <a:solidFill>
-                          <a:schemeClr val="tx1"/>
-                        </a:solidFill>
-                        <a:effectLst/>
-                        <a:latin typeface="Times New Roman" panose="02020603050405020304" pitchFamily="18" charset="0"/>
-                        <a:cs typeface="Times New Roman" panose="02020603050405020304" pitchFamily="18" charset="0"/>
-                      </a:endParaRPr>
+                      <a:r>
+                        <a:rPr lang="en-US" sz="1400" b="0" u="none" dirty="0">
+                          <a:solidFill>
+                            <a:schemeClr val="tx1"/>
+                          </a:solidFill>
+                          <a:effectLst/>
+                          <a:latin typeface="Times New Roman" panose="02020603050405020304" pitchFamily="18" charset="0"/>
+                          <a:cs typeface="Times New Roman" panose="02020603050405020304" pitchFamily="18" charset="0"/>
+                        </a:rPr>
+                        <a:t>0.1723</a:t>
+                      </a:r>
                     </a:p>
                   </a:txBody>
                   <a:tcPr marL="63500" marR="63500" marT="63500" marB="63500" anchor="ctr"/>
@@ -14629,14 +14691,17 @@
                           <a:spcPts val="0"/>
                         </a:spcAft>
                       </a:pPr>
-                      <a:endParaRPr lang="en-US" sz="1400" b="0" u="none" dirty="0">
-                        <a:solidFill>
-                          <a:schemeClr val="tx1"/>
-                        </a:solidFill>
-                        <a:effectLst/>
-                        <a:latin typeface="Times New Roman" panose="02020603050405020304" pitchFamily="18" charset="0"/>
-                        <a:cs typeface="Times New Roman" panose="02020603050405020304" pitchFamily="18" charset="0"/>
-                      </a:endParaRPr>
+                      <a:r>
+                        <a:rPr lang="en-US" sz="1400" b="0" u="none" dirty="0">
+                          <a:solidFill>
+                            <a:schemeClr val="tx1"/>
+                          </a:solidFill>
+                          <a:effectLst/>
+                          <a:latin typeface="Times New Roman" panose="02020603050405020304" pitchFamily="18" charset="0"/>
+                          <a:cs typeface="Times New Roman" panose="02020603050405020304" pitchFamily="18" charset="0"/>
+                        </a:rPr>
+                        <a:t> 0.1200</a:t>
+                      </a:r>
                     </a:p>
                   </a:txBody>
                   <a:tcPr marL="63500" marR="63500" marT="63500" marB="63500" anchor="ctr"/>
@@ -14654,14 +14719,17 @@
                           <a:spcPts val="0"/>
                         </a:spcAft>
                       </a:pPr>
-                      <a:endParaRPr lang="en-US" sz="1400" b="0" u="none" dirty="0">
-                        <a:solidFill>
-                          <a:schemeClr val="tx1"/>
-                        </a:solidFill>
-                        <a:effectLst/>
-                        <a:latin typeface="Times New Roman" panose="02020603050405020304" pitchFamily="18" charset="0"/>
-                        <a:cs typeface="Times New Roman" panose="02020603050405020304" pitchFamily="18" charset="0"/>
-                      </a:endParaRPr>
+                      <a:r>
+                        <a:rPr lang="en-US" sz="1400" b="0" u="none" dirty="0">
+                          <a:solidFill>
+                            <a:schemeClr val="tx1"/>
+                          </a:solidFill>
+                          <a:effectLst/>
+                          <a:latin typeface="Times New Roman" panose="02020603050405020304" pitchFamily="18" charset="0"/>
+                          <a:cs typeface="Times New Roman" panose="02020603050405020304" pitchFamily="18" charset="0"/>
+                        </a:rPr>
+                        <a:t>0.2000</a:t>
+                      </a:r>
                     </a:p>
                   </a:txBody>
                   <a:tcPr marL="63500" marR="63500" marT="63500" marB="63500" anchor="ctr"/>
@@ -14679,14 +14747,17 @@
                           <a:spcPts val="0"/>
                         </a:spcAft>
                       </a:pPr>
-                      <a:endParaRPr lang="en-US" sz="1400" b="0" u="none" dirty="0">
-                        <a:solidFill>
-                          <a:schemeClr val="tx1"/>
-                        </a:solidFill>
-                        <a:effectLst/>
-                        <a:latin typeface="Times New Roman" panose="02020603050405020304" pitchFamily="18" charset="0"/>
-                        <a:cs typeface="Times New Roman" panose="02020603050405020304" pitchFamily="18" charset="0"/>
-                      </a:endParaRPr>
+                      <a:r>
+                        <a:rPr lang="en-US" sz="1400" b="0" u="none" dirty="0">
+                          <a:solidFill>
+                            <a:schemeClr val="tx1"/>
+                          </a:solidFill>
+                          <a:effectLst/>
+                          <a:latin typeface="Times New Roman" panose="02020603050405020304" pitchFamily="18" charset="0"/>
+                          <a:cs typeface="Times New Roman" panose="02020603050405020304" pitchFamily="18" charset="0"/>
+                        </a:rPr>
+                        <a:t>0.2700</a:t>
+                      </a:r>
                     </a:p>
                   </a:txBody>
                   <a:tcPr marL="63500" marR="63500" marT="63500" marB="63500" anchor="ctr"/>
@@ -17099,30 +17170,54 @@
           </a:p>
         </p:txBody>
       </p:sp>
+      <p:sp>
+        <p:nvSpPr>
+          <p:cNvPr id="5" name="Inhaltsplatzhalter 4">
+            <a:extLst>
+              <a:ext uri="{FF2B5EF4-FFF2-40B4-BE49-F238E27FC236}">
+                <a16:creationId xmlns:a16="http://schemas.microsoft.com/office/drawing/2014/main" id="{A7259958-7F47-F402-3145-BCC1D68E2AEA}"/>
+              </a:ext>
+            </a:extLst>
+          </p:cNvPr>
+          <p:cNvSpPr>
+            <a:spLocks noGrp="1"/>
+          </p:cNvSpPr>
+          <p:nvPr>
+            <p:ph idx="1"/>
+          </p:nvPr>
+        </p:nvSpPr>
+        <p:spPr/>
+        <p:txBody>
+          <a:bodyPr/>
+          <a:lstStyle/>
+          <a:p>
+            <a:endParaRPr lang="en-US"/>
+          </a:p>
+        </p:txBody>
+      </p:sp>
       <p:graphicFrame>
         <p:nvGraphicFramePr>
-          <p:cNvPr id="16" name="Inhaltsplatzhalter 15">
+          <p:cNvPr id="6" name="Inhaltsplatzhalter 15">
             <a:extLst>
               <a:ext uri="{FF2B5EF4-FFF2-40B4-BE49-F238E27FC236}">
-                <a16:creationId xmlns:a16="http://schemas.microsoft.com/office/drawing/2014/main" id="{ADD8224D-BD5E-4E97-7CD4-E925C47A5E38}"/>
+                <a16:creationId xmlns:a16="http://schemas.microsoft.com/office/drawing/2014/main" id="{8602AE10-CCB9-05E6-33B9-2791A2F16312}"/>
               </a:ext>
             </a:extLst>
           </p:cNvPr>
           <p:cNvGraphicFramePr>
-            <a:graphicFrameLocks noGrp="1"/>
+            <a:graphicFrameLocks/>
           </p:cNvGraphicFramePr>
           <p:nvPr>
-            <p:ph idx="1"/>
             <p:extLst>
               <p:ext uri="{D42A27DB-BD31-4B8C-83A1-F6EECF244321}">
-                <p14:modId xmlns:p14="http://schemas.microsoft.com/office/powerpoint/2010/main" val="1804795983"/>
+                <p14:modId xmlns:p14="http://schemas.microsoft.com/office/powerpoint/2010/main" val="2363018503"/>
               </p:ext>
             </p:extLst>
           </p:nvPr>
         </p:nvGraphicFramePr>
         <p:xfrm>
-          <a:off x="992188" y="1911451"/>
-          <a:ext cx="9675810" cy="4369169"/>
+          <a:off x="418043" y="1911451"/>
+          <a:ext cx="11319385" cy="4517701"/>
         </p:xfrm>
         <a:graphic>
           <a:graphicData uri="http://schemas.openxmlformats.org/drawingml/2006/table">
@@ -17131,38 +17226,66 @@
                 <a:tableStyleId>{5C22544A-7EE6-4342-B048-85BDC9FD1C3A}</a:tableStyleId>
               </a:tblPr>
               <a:tblGrid>
-                <a:gridCol w="2039790">
+                <a:gridCol w="1333721">
                   <a:extLst>
                     <a:ext uri="{9D8B030D-6E8A-4147-A177-3AD203B41FA5}">
                       <a16:colId xmlns:a16="http://schemas.microsoft.com/office/drawing/2014/main" val="2585912005"/>
                     </a:ext>
                   </a:extLst>
                 </a:gridCol>
-                <a:gridCol w="1909005">
+                <a:gridCol w="1248208">
                   <a:extLst>
                     <a:ext uri="{9D8B030D-6E8A-4147-A177-3AD203B41FA5}">
                       <a16:colId xmlns:a16="http://schemas.microsoft.com/office/drawing/2014/main" val="843601698"/>
                     </a:ext>
                   </a:extLst>
                 </a:gridCol>
-                <a:gridCol w="1909005">
+                <a:gridCol w="1248208">
                   <a:extLst>
                     <a:ext uri="{9D8B030D-6E8A-4147-A177-3AD203B41FA5}">
                       <a16:colId xmlns:a16="http://schemas.microsoft.com/office/drawing/2014/main" val="180885657"/>
                     </a:ext>
                   </a:extLst>
                 </a:gridCol>
-                <a:gridCol w="1909005">
+                <a:gridCol w="1248208">
                   <a:extLst>
                     <a:ext uri="{9D8B030D-6E8A-4147-A177-3AD203B41FA5}">
                       <a16:colId xmlns:a16="http://schemas.microsoft.com/office/drawing/2014/main" val="2540190345"/>
                     </a:ext>
                   </a:extLst>
                 </a:gridCol>
-                <a:gridCol w="1909005">
+                <a:gridCol w="1248208">
                   <a:extLst>
                     <a:ext uri="{9D8B030D-6E8A-4147-A177-3AD203B41FA5}">
                       <a16:colId xmlns:a16="http://schemas.microsoft.com/office/drawing/2014/main" val="3076687557"/>
+                    </a:ext>
+                  </a:extLst>
+                </a:gridCol>
+                <a:gridCol w="1248208">
+                  <a:extLst>
+                    <a:ext uri="{9D8B030D-6E8A-4147-A177-3AD203B41FA5}">
+                      <a16:colId xmlns:a16="http://schemas.microsoft.com/office/drawing/2014/main" val="773496404"/>
+                    </a:ext>
+                  </a:extLst>
+                </a:gridCol>
+                <a:gridCol w="1248208">
+                  <a:extLst>
+                    <a:ext uri="{9D8B030D-6E8A-4147-A177-3AD203B41FA5}">
+                      <a16:colId xmlns:a16="http://schemas.microsoft.com/office/drawing/2014/main" val="613038868"/>
+                    </a:ext>
+                  </a:extLst>
+                </a:gridCol>
+                <a:gridCol w="1248208">
+                  <a:extLst>
+                    <a:ext uri="{9D8B030D-6E8A-4147-A177-3AD203B41FA5}">
+                      <a16:colId xmlns:a16="http://schemas.microsoft.com/office/drawing/2014/main" val="3042228748"/>
+                    </a:ext>
+                  </a:extLst>
+                </a:gridCol>
+                <a:gridCol w="1248208">
+                  <a:extLst>
+                    <a:ext uri="{9D8B030D-6E8A-4147-A177-3AD203B41FA5}">
+                      <a16:colId xmlns:a16="http://schemas.microsoft.com/office/drawing/2014/main" val="986472483"/>
                     </a:ext>
                   </a:extLst>
                 </a:gridCol>
@@ -17195,14 +17318,17 @@
                           <a:spcPts val="0"/>
                         </a:spcAft>
                       </a:pPr>
-                      <a:endParaRPr lang="en-US" sz="1400" b="1" u="none" dirty="0">
-                        <a:solidFill>
-                          <a:schemeClr val="tx1"/>
-                        </a:solidFill>
-                        <a:effectLst/>
-                        <a:latin typeface="Times New Roman" panose="02020603050405020304" pitchFamily="18" charset="0"/>
-                        <a:cs typeface="Times New Roman" panose="02020603050405020304" pitchFamily="18" charset="0"/>
-                      </a:endParaRPr>
+                      <a:r>
+                        <a:rPr lang="en-US" sz="1400" b="1" i="1" u="none" dirty="0">
+                          <a:solidFill>
+                            <a:schemeClr val="tx1"/>
+                          </a:solidFill>
+                          <a:effectLst/>
+                          <a:latin typeface="Times New Roman" panose="02020603050405020304" pitchFamily="18" charset="0"/>
+                          <a:cs typeface="Times New Roman" panose="02020603050405020304" pitchFamily="18" charset="0"/>
+                        </a:rPr>
+                        <a:t>Mistral-7B-Instruct-v0.1</a:t>
+                      </a:r>
                     </a:p>
                   </a:txBody>
                   <a:tcPr/>
@@ -17233,6 +17359,155 @@
                     <a:lstStyle/>
                     <a:p>
                       <a:endParaRPr lang="en-US" dirty="0"/>
+                    </a:p>
+                  </a:txBody>
+                  <a:tcPr/>
+                </a:tc>
+                <a:tc gridSpan="4">
+                  <a:txBody>
+                    <a:bodyPr/>
+                    <a:lstStyle/>
+                    <a:p>
+                      <a:pPr marL="0" marR="0" lvl="0" indent="0" algn="ctr" defTabSz="457200" rtl="0" eaLnBrk="1" fontAlgn="t" latinLnBrk="0" hangingPunct="1">
+                        <a:lnSpc>
+                          <a:spcPct val="100000"/>
+                        </a:lnSpc>
+                        <a:spcBef>
+                          <a:spcPts val="0"/>
+                        </a:spcBef>
+                        <a:spcAft>
+                          <a:spcPts val="0"/>
+                        </a:spcAft>
+                        <a:buClrTx/>
+                        <a:buSzTx/>
+                        <a:buFontTx/>
+                        <a:buNone/>
+                        <a:tabLst/>
+                        <a:defRPr/>
+                      </a:pPr>
+                      <a:r>
+                        <a:rPr lang="en-US" sz="1400" b="1" i="1" u="none" dirty="0">
+                          <a:solidFill>
+                            <a:schemeClr val="tx1"/>
+                          </a:solidFill>
+                          <a:effectLst/>
+                          <a:latin typeface="Times New Roman" panose="02020603050405020304" pitchFamily="18" charset="0"/>
+                          <a:cs typeface="Times New Roman" panose="02020603050405020304" pitchFamily="18" charset="0"/>
+                        </a:rPr>
+                        <a:t>Mistral-7B-Instruct-v0.1</a:t>
+                      </a:r>
+                      <a:endParaRPr lang="en-US" sz="1400" b="1" u="none" dirty="0">
+                        <a:solidFill>
+                          <a:schemeClr val="tx1"/>
+                        </a:solidFill>
+                        <a:effectLst/>
+                        <a:latin typeface="Times New Roman" panose="02020603050405020304" pitchFamily="18" charset="0"/>
+                        <a:cs typeface="Times New Roman" panose="02020603050405020304" pitchFamily="18" charset="0"/>
+                      </a:endParaRPr>
+                    </a:p>
+                    <a:p>
+                      <a:pPr algn="ctr" rtl="0" fontAlgn="t">
+                        <a:spcBef>
+                          <a:spcPts val="0"/>
+                        </a:spcBef>
+                        <a:spcAft>
+                          <a:spcPts val="0"/>
+                        </a:spcAft>
+                      </a:pPr>
+                      <a:r>
+                        <a:rPr lang="en-US" altLang="zh-CN" sz="1400" b="1" u="none" dirty="0" err="1">
+                          <a:solidFill>
+                            <a:schemeClr val="tx1"/>
+                          </a:solidFill>
+                          <a:effectLst/>
+                          <a:latin typeface="Times New Roman" panose="02020603050405020304" pitchFamily="18" charset="0"/>
+                          <a:cs typeface="Times New Roman" panose="02020603050405020304" pitchFamily="18" charset="0"/>
+                        </a:rPr>
+                        <a:t>tsa</a:t>
+                      </a:r>
+                      <a:endParaRPr lang="en-US" sz="1400" b="1" u="none" dirty="0">
+                        <a:solidFill>
+                          <a:schemeClr val="tx1"/>
+                        </a:solidFill>
+                        <a:effectLst/>
+                        <a:latin typeface="Times New Roman" panose="02020603050405020304" pitchFamily="18" charset="0"/>
+                        <a:cs typeface="Times New Roman" panose="02020603050405020304" pitchFamily="18" charset="0"/>
+                      </a:endParaRPr>
+                    </a:p>
+                  </a:txBody>
+                  <a:tcPr/>
+                </a:tc>
+                <a:tc hMerge="1">
+                  <a:txBody>
+                    <a:bodyPr/>
+                    <a:lstStyle/>
+                    <a:p>
+                      <a:pPr algn="ctr" rtl="0" fontAlgn="t">
+                        <a:spcBef>
+                          <a:spcPts val="0"/>
+                        </a:spcBef>
+                        <a:spcAft>
+                          <a:spcPts val="0"/>
+                        </a:spcAft>
+                      </a:pPr>
+                      <a:endParaRPr lang="en-US" sz="1400" b="1" u="none" dirty="0">
+                        <a:solidFill>
+                          <a:schemeClr val="tx1"/>
+                        </a:solidFill>
+                        <a:effectLst/>
+                        <a:latin typeface="Times New Roman" panose="02020603050405020304" pitchFamily="18" charset="0"/>
+                        <a:cs typeface="Times New Roman" panose="02020603050405020304" pitchFamily="18" charset="0"/>
+                      </a:endParaRPr>
+                    </a:p>
+                  </a:txBody>
+                  <a:tcPr/>
+                </a:tc>
+                <a:tc hMerge="1">
+                  <a:txBody>
+                    <a:bodyPr/>
+                    <a:lstStyle/>
+                    <a:p>
+                      <a:pPr algn="ctr" rtl="0" fontAlgn="t">
+                        <a:spcBef>
+                          <a:spcPts val="0"/>
+                        </a:spcBef>
+                        <a:spcAft>
+                          <a:spcPts val="0"/>
+                        </a:spcAft>
+                      </a:pPr>
+                      <a:endParaRPr lang="en-US" sz="1400" b="1" u="none" dirty="0">
+                        <a:solidFill>
+                          <a:schemeClr val="tx1"/>
+                        </a:solidFill>
+                        <a:effectLst/>
+                        <a:latin typeface="Times New Roman" panose="02020603050405020304" pitchFamily="18" charset="0"/>
+                        <a:cs typeface="Times New Roman" panose="02020603050405020304" pitchFamily="18" charset="0"/>
+                      </a:endParaRPr>
+                    </a:p>
+                  </a:txBody>
+                  <a:tcPr/>
+                </a:tc>
+                <a:tc hMerge="1">
+                  <a:txBody>
+                    <a:bodyPr/>
+                    <a:lstStyle/>
+                    <a:p>
+                      <a:pPr algn="ctr" rtl="0" fontAlgn="t">
+                        <a:spcBef>
+                          <a:spcPts val="0"/>
+                        </a:spcBef>
+                        <a:spcAft>
+                          <a:spcPts val="0"/>
+                        </a:spcAft>
+                      </a:pPr>
+                      <a:endParaRPr lang="en-US" sz="1400" b="1" u="none" dirty="0">
+                        <a:solidFill>
+                          <a:schemeClr val="tx1"/>
+                        </a:solidFill>
+                        <a:effectLst/>
+                        <a:latin typeface="Times New Roman" panose="02020603050405020304" pitchFamily="18" charset="0"/>
+                        <a:cs typeface="Times New Roman" panose="02020603050405020304" pitchFamily="18" charset="0"/>
+                      </a:endParaRPr>
                     </a:p>
                   </a:txBody>
                   <a:tcPr/>
@@ -17279,6 +17554,138 @@
                         </a:rPr>
                         <a:t>andidates</a:t>
                       </a:r>
+                    </a:p>
+                  </a:txBody>
+                  <a:tcPr marL="63500" marR="63500" marT="63500" marB="63500" anchor="ctr"/>
+                </a:tc>
+                <a:tc>
+                  <a:txBody>
+                    <a:bodyPr/>
+                    <a:lstStyle/>
+                    <a:p>
+                      <a:pPr algn="ctr" rtl="0" fontAlgn="t">
+                        <a:spcBef>
+                          <a:spcPts val="0"/>
+                        </a:spcBef>
+                        <a:spcAft>
+                          <a:spcPts val="0"/>
+                        </a:spcAft>
+                      </a:pPr>
+                      <a:r>
+                        <a:rPr lang="en-US" sz="1400" b="1" i="0" u="none" strike="noStrike" dirty="0">
+                          <a:solidFill>
+                            <a:srgbClr val="000000"/>
+                          </a:solidFill>
+                          <a:effectLst/>
+                          <a:latin typeface="Times New Roman" panose="02020603050405020304" pitchFamily="18" charset="0"/>
+                          <a:cs typeface="Times New Roman" panose="02020603050405020304" pitchFamily="18" charset="0"/>
+                        </a:rPr>
+                        <a:t>MRR</a:t>
+                      </a:r>
+                      <a:endParaRPr lang="en-US" sz="1400" u="none" dirty="0">
+                        <a:effectLst/>
+                        <a:latin typeface="Times New Roman" panose="02020603050405020304" pitchFamily="18" charset="0"/>
+                        <a:cs typeface="Times New Roman" panose="02020603050405020304" pitchFamily="18" charset="0"/>
+                      </a:endParaRPr>
+                    </a:p>
+                  </a:txBody>
+                  <a:tcPr marL="63500" marR="63500" marT="63500" marB="63500" anchor="ctr"/>
+                </a:tc>
+                <a:tc>
+                  <a:txBody>
+                    <a:bodyPr/>
+                    <a:lstStyle/>
+                    <a:p>
+                      <a:pPr algn="ctr" rtl="0" fontAlgn="t">
+                        <a:spcBef>
+                          <a:spcPts val="0"/>
+                        </a:spcBef>
+                        <a:spcAft>
+                          <a:spcPts val="0"/>
+                        </a:spcAft>
+                      </a:pPr>
+                      <a:r>
+                        <a:rPr lang="en-US" sz="1400" b="1" i="0" u="none" strike="noStrike" dirty="0">
+                          <a:solidFill>
+                            <a:srgbClr val="000000"/>
+                          </a:solidFill>
+                          <a:effectLst/>
+                          <a:latin typeface="Times New Roman" panose="02020603050405020304" pitchFamily="18" charset="0"/>
+                          <a:cs typeface="Times New Roman" panose="02020603050405020304" pitchFamily="18" charset="0"/>
+                        </a:rPr>
+                        <a:t>Hits@1</a:t>
+                      </a:r>
+                      <a:endParaRPr lang="en-US" sz="1400" u="none" dirty="0">
+                        <a:effectLst/>
+                        <a:latin typeface="Times New Roman" panose="02020603050405020304" pitchFamily="18" charset="0"/>
+                        <a:cs typeface="Times New Roman" panose="02020603050405020304" pitchFamily="18" charset="0"/>
+                      </a:endParaRPr>
+                    </a:p>
+                  </a:txBody>
+                  <a:tcPr marL="63500" marR="63500" marT="63500" marB="63500" anchor="ctr"/>
+                </a:tc>
+                <a:tc>
+                  <a:txBody>
+                    <a:bodyPr/>
+                    <a:lstStyle/>
+                    <a:p>
+                      <a:pPr algn="ctr" rtl="0" fontAlgn="t">
+                        <a:spcBef>
+                          <a:spcPts val="0"/>
+                        </a:spcBef>
+                        <a:spcAft>
+                          <a:spcPts val="0"/>
+                        </a:spcAft>
+                      </a:pPr>
+                      <a:r>
+                        <a:rPr lang="en-US" sz="1400" b="1" i="0" u="none" strike="noStrike" dirty="0">
+                          <a:solidFill>
+                            <a:srgbClr val="000000"/>
+                          </a:solidFill>
+                          <a:effectLst/>
+                          <a:latin typeface="Times New Roman" panose="02020603050405020304" pitchFamily="18" charset="0"/>
+                          <a:cs typeface="Times New Roman" panose="02020603050405020304" pitchFamily="18" charset="0"/>
+                        </a:rPr>
+                        <a:t>Hits@3</a:t>
+                      </a:r>
+                      <a:endParaRPr lang="en-US" sz="1400" u="none" dirty="0">
+                        <a:effectLst/>
+                        <a:latin typeface="Times New Roman" panose="02020603050405020304" pitchFamily="18" charset="0"/>
+                        <a:cs typeface="Times New Roman" panose="02020603050405020304" pitchFamily="18" charset="0"/>
+                      </a:endParaRPr>
+                    </a:p>
+                  </a:txBody>
+                  <a:tcPr marL="63500" marR="63500" marT="63500" marB="63500" anchor="ctr"/>
+                </a:tc>
+                <a:tc>
+                  <a:txBody>
+                    <a:bodyPr/>
+                    <a:lstStyle/>
+                    <a:p>
+                      <a:pPr algn="ctr" rtl="0" fontAlgn="t">
+                        <a:spcBef>
+                          <a:spcPts val="0"/>
+                        </a:spcBef>
+                        <a:spcAft>
+                          <a:spcPts val="0"/>
+                        </a:spcAft>
+                      </a:pPr>
+                      <a:r>
+                        <a:rPr lang="en-US" sz="1400" b="1" i="0" u="none" strike="noStrike" dirty="0">
+                          <a:solidFill>
+                            <a:srgbClr val="000000"/>
+                          </a:solidFill>
+                          <a:effectLst/>
+                          <a:latin typeface="Times New Roman" panose="02020603050405020304" pitchFamily="18" charset="0"/>
+                          <a:cs typeface="Times New Roman" panose="02020603050405020304" pitchFamily="18" charset="0"/>
+                        </a:rPr>
+                        <a:t>Hits@10</a:t>
+                      </a:r>
+                      <a:endParaRPr lang="en-US" sz="1400" u="none" dirty="0">
+                        <a:effectLst/>
+                        <a:latin typeface="Times New Roman" panose="02020603050405020304" pitchFamily="18" charset="0"/>
+                        <a:cs typeface="Times New Roman" panose="02020603050405020304" pitchFamily="18" charset="0"/>
+                      </a:endParaRPr>
                     </a:p>
                   </a:txBody>
                   <a:tcPr marL="63500" marR="63500" marT="63500" marB="63500" anchor="ctr"/>
@@ -17464,7 +17871,7 @@
                         </a:spcAft>
                       </a:pPr>
                       <a:r>
-                        <a:rPr lang="en-US" sz="1400" b="0" u="none" dirty="0">
+                        <a:rPr lang="en-US" sz="1400" b="1" u="none" dirty="0">
                           <a:solidFill>
                             <a:schemeClr val="tx1"/>
                           </a:solidFill>
@@ -17492,7 +17899,7 @@
                         </a:spcAft>
                       </a:pPr>
                       <a:r>
-                        <a:rPr lang="en-US" sz="1400" b="0" u="none" dirty="0">
+                        <a:rPr lang="en-US" sz="1400" b="1" u="none" dirty="0">
                           <a:solidFill>
                             <a:schemeClr val="tx1"/>
                           </a:solidFill>
@@ -17520,7 +17927,7 @@
                         </a:spcAft>
                       </a:pPr>
                       <a:r>
-                        <a:rPr lang="en-US" sz="1400" b="0" u="none" dirty="0">
+                        <a:rPr lang="en-US" sz="1400" b="1" u="none" dirty="0">
                           <a:solidFill>
                             <a:schemeClr val="tx1"/>
                           </a:solidFill>
@@ -17548,6 +17955,34 @@
                         </a:spcAft>
                       </a:pPr>
                       <a:r>
+                        <a:rPr lang="en-US" sz="1400" b="1" u="none" dirty="0">
+                          <a:solidFill>
+                            <a:schemeClr val="tx1"/>
+                          </a:solidFill>
+                          <a:effectLst/>
+                          <a:latin typeface="Times New Roman" panose="02020603050405020304" pitchFamily="18" charset="0"/>
+                          <a:cs typeface="Times New Roman" panose="02020603050405020304" pitchFamily="18" charset="0"/>
+                        </a:rPr>
+                        <a:t>0.3200</a:t>
+                      </a:r>
+                    </a:p>
+                  </a:txBody>
+                  <a:tcPr marL="63500" marR="63500" marT="63500" marB="63500" anchor="ctr"/>
+                </a:tc>
+                <a:tc>
+                  <a:txBody>
+                    <a:bodyPr/>
+                    <a:lstStyle/>
+                    <a:p>
+                      <a:pPr algn="ctr" rtl="0" fontAlgn="ctr">
+                        <a:spcBef>
+                          <a:spcPts val="0"/>
+                        </a:spcBef>
+                        <a:spcAft>
+                          <a:spcPts val="0"/>
+                        </a:spcAft>
+                      </a:pPr>
+                      <a:r>
                         <a:rPr lang="en-US" sz="1400" b="0" u="none" dirty="0">
                           <a:solidFill>
                             <a:schemeClr val="tx1"/>
@@ -17556,7 +17991,91 @@
                           <a:latin typeface="Times New Roman" panose="02020603050405020304" pitchFamily="18" charset="0"/>
                           <a:cs typeface="Times New Roman" panose="02020603050405020304" pitchFamily="18" charset="0"/>
                         </a:rPr>
-                        <a:t>0.3200</a:t>
+                        <a:t>0.1295</a:t>
+                      </a:r>
+                    </a:p>
+                  </a:txBody>
+                  <a:tcPr marL="63500" marR="63500" marT="63500" marB="63500" anchor="ctr"/>
+                </a:tc>
+                <a:tc>
+                  <a:txBody>
+                    <a:bodyPr/>
+                    <a:lstStyle/>
+                    <a:p>
+                      <a:pPr algn="ctr" rtl="0" fontAlgn="ctr">
+                        <a:spcBef>
+                          <a:spcPts val="0"/>
+                        </a:spcBef>
+                        <a:spcAft>
+                          <a:spcPts val="0"/>
+                        </a:spcAft>
+                      </a:pPr>
+                      <a:r>
+                        <a:rPr lang="en-US" sz="1400" b="0" u="none" dirty="0">
+                          <a:solidFill>
+                            <a:schemeClr val="tx1"/>
+                          </a:solidFill>
+                          <a:effectLst/>
+                          <a:latin typeface="Times New Roman" panose="02020603050405020304" pitchFamily="18" charset="0"/>
+                          <a:cs typeface="Times New Roman" panose="02020603050405020304" pitchFamily="18" charset="0"/>
+                        </a:rPr>
+                        <a:t>0.0900</a:t>
+                      </a:r>
+                    </a:p>
+                  </a:txBody>
+                  <a:tcPr marL="63500" marR="63500" marT="63500" marB="63500" anchor="ctr"/>
+                </a:tc>
+                <a:tc>
+                  <a:txBody>
+                    <a:bodyPr/>
+                    <a:lstStyle/>
+                    <a:p>
+                      <a:pPr algn="ctr" rtl="0" fontAlgn="ctr">
+                        <a:spcBef>
+                          <a:spcPts val="0"/>
+                        </a:spcBef>
+                        <a:spcAft>
+                          <a:spcPts val="0"/>
+                        </a:spcAft>
+                      </a:pPr>
+                      <a:r>
+                        <a:rPr lang="en-US" sz="1400" b="0" u="none" dirty="0">
+                          <a:solidFill>
+                            <a:schemeClr val="tx1"/>
+                          </a:solidFill>
+                          <a:effectLst/>
+                          <a:latin typeface="Times New Roman" panose="02020603050405020304" pitchFamily="18" charset="0"/>
+                          <a:cs typeface="Times New Roman" panose="02020603050405020304" pitchFamily="18" charset="0"/>
+                        </a:rPr>
+                        <a:t>0.1600</a:t>
+                      </a:r>
+                    </a:p>
+                  </a:txBody>
+                  <a:tcPr marL="63500" marR="63500" marT="63500" marB="63500" anchor="ctr"/>
+                </a:tc>
+                <a:tc>
+                  <a:txBody>
+                    <a:bodyPr/>
+                    <a:lstStyle/>
+                    <a:p>
+                      <a:pPr algn="ctr" rtl="0" fontAlgn="ctr">
+                        <a:spcBef>
+                          <a:spcPts val="0"/>
+                        </a:spcBef>
+                        <a:spcAft>
+                          <a:spcPts val="0"/>
+                        </a:spcAft>
+                      </a:pPr>
+                      <a:r>
+                        <a:rPr lang="en-US" sz="1400" b="0" u="none" dirty="0">
+                          <a:solidFill>
+                            <a:schemeClr val="tx1"/>
+                          </a:solidFill>
+                          <a:effectLst/>
+                          <a:latin typeface="Times New Roman" panose="02020603050405020304" pitchFamily="18" charset="0"/>
+                          <a:cs typeface="Times New Roman" panose="02020603050405020304" pitchFamily="18" charset="0"/>
+                        </a:rPr>
+                        <a:t>0.2000</a:t>
                       </a:r>
                     </a:p>
                   </a:txBody>
@@ -17709,6 +18228,118 @@
                   </a:txBody>
                   <a:tcPr marL="63500" marR="63500" marT="63500" marB="63500" anchor="ctr"/>
                 </a:tc>
+                <a:tc>
+                  <a:txBody>
+                    <a:bodyPr/>
+                    <a:lstStyle/>
+                    <a:p>
+                      <a:pPr algn="ctr" rtl="0" fontAlgn="ctr">
+                        <a:spcBef>
+                          <a:spcPts val="0"/>
+                        </a:spcBef>
+                        <a:spcAft>
+                          <a:spcPts val="0"/>
+                        </a:spcAft>
+                      </a:pPr>
+                      <a:r>
+                        <a:rPr lang="en-US" sz="1400" b="0" u="none" dirty="0">
+                          <a:solidFill>
+                            <a:schemeClr val="tx1"/>
+                          </a:solidFill>
+                          <a:effectLst/>
+                          <a:latin typeface="Times New Roman" panose="02020603050405020304" pitchFamily="18" charset="0"/>
+                          <a:cs typeface="Times New Roman" panose="02020603050405020304" pitchFamily="18" charset="0"/>
+                        </a:rPr>
+                        <a:t>0.1277</a:t>
+                      </a:r>
+                    </a:p>
+                  </a:txBody>
+                  <a:tcPr marL="63500" marR="63500" marT="63500" marB="63500" anchor="ctr"/>
+                </a:tc>
+                <a:tc>
+                  <a:txBody>
+                    <a:bodyPr/>
+                    <a:lstStyle/>
+                    <a:p>
+                      <a:pPr algn="ctr" rtl="0" fontAlgn="ctr">
+                        <a:spcBef>
+                          <a:spcPts val="0"/>
+                        </a:spcBef>
+                        <a:spcAft>
+                          <a:spcPts val="0"/>
+                        </a:spcAft>
+                      </a:pPr>
+                      <a:r>
+                        <a:rPr lang="en-US" sz="1400" b="0" u="none" dirty="0">
+                          <a:solidFill>
+                            <a:schemeClr val="tx1"/>
+                          </a:solidFill>
+                          <a:effectLst/>
+                          <a:latin typeface="Times New Roman" panose="02020603050405020304" pitchFamily="18" charset="0"/>
+                          <a:cs typeface="Times New Roman" panose="02020603050405020304" pitchFamily="18" charset="0"/>
+                        </a:rPr>
+                        <a:t> 0.0800</a:t>
+                      </a:r>
+                    </a:p>
+                  </a:txBody>
+                  <a:tcPr marL="63500" marR="63500" marT="63500" marB="63500" anchor="ctr"/>
+                </a:tc>
+                <a:tc>
+                  <a:txBody>
+                    <a:bodyPr/>
+                    <a:lstStyle/>
+                    <a:p>
+                      <a:pPr algn="ctr" rtl="0" fontAlgn="ctr">
+                        <a:spcBef>
+                          <a:spcPts val="0"/>
+                        </a:spcBef>
+                        <a:spcAft>
+                          <a:spcPts val="0"/>
+                        </a:spcAft>
+                      </a:pPr>
+                      <a:r>
+                        <a:rPr lang="en-US" sz="1400" b="0" u="none" dirty="0">
+                          <a:solidFill>
+                            <a:schemeClr val="tx1"/>
+                          </a:solidFill>
+                          <a:effectLst/>
+                          <a:latin typeface="Times New Roman" panose="02020603050405020304" pitchFamily="18" charset="0"/>
+                          <a:cs typeface="Times New Roman" panose="02020603050405020304" pitchFamily="18" charset="0"/>
+                        </a:rPr>
+                        <a:t>0.1500</a:t>
+                      </a:r>
+                    </a:p>
+                  </a:txBody>
+                  <a:tcPr marL="63500" marR="63500" marT="63500" marB="63500" anchor="ctr"/>
+                </a:tc>
+                <a:tc>
+                  <a:txBody>
+                    <a:bodyPr/>
+                    <a:lstStyle/>
+                    <a:p>
+                      <a:pPr algn="ctr" rtl="0" fontAlgn="ctr">
+                        <a:spcBef>
+                          <a:spcPts val="0"/>
+                        </a:spcBef>
+                        <a:spcAft>
+                          <a:spcPts val="0"/>
+                        </a:spcAft>
+                      </a:pPr>
+                      <a:r>
+                        <a:rPr lang="en-US" sz="1400" b="0" u="none" dirty="0">
+                          <a:solidFill>
+                            <a:schemeClr val="tx1"/>
+                          </a:solidFill>
+                          <a:effectLst/>
+                          <a:latin typeface="Times New Roman" panose="02020603050405020304" pitchFamily="18" charset="0"/>
+                          <a:cs typeface="Times New Roman" panose="02020603050405020304" pitchFamily="18" charset="0"/>
+                        </a:rPr>
+                        <a:t>0.2300</a:t>
+                      </a:r>
+                    </a:p>
+                  </a:txBody>
+                  <a:tcPr marL="63500" marR="63500" marT="63500" marB="63500" anchor="ctr"/>
+                </a:tc>
                 <a:extLst>
                   <a:ext uri="{0D108BD9-81ED-4DB2-BD59-A6C34878D82A}">
                     <a16:rowId xmlns:a16="http://schemas.microsoft.com/office/drawing/2014/main" val="892219342"/>
@@ -17758,7 +18389,7 @@
                         </a:spcAft>
                       </a:pPr>
                       <a:r>
-                        <a:rPr lang="en-US" sz="1400" b="0" u="none" dirty="0">
+                        <a:rPr lang="en-US" sz="1400" b="0" u="sng" dirty="0">
                           <a:solidFill>
                             <a:schemeClr val="tx1"/>
                           </a:solidFill>
@@ -17786,7 +18417,7 @@
                         </a:spcAft>
                       </a:pPr>
                       <a:r>
-                        <a:rPr lang="en-US" sz="1400" b="0" u="none" dirty="0">
+                        <a:rPr lang="en-US" sz="1400" b="1" u="none" dirty="0">
                           <a:solidFill>
                             <a:schemeClr val="tx1"/>
                           </a:solidFill>
@@ -17814,7 +18445,7 @@
                         </a:spcAft>
                       </a:pPr>
                       <a:r>
-                        <a:rPr lang="en-US" sz="1400" b="0" u="none" dirty="0">
+                        <a:rPr lang="en-US" sz="1400" b="0" u="sng" dirty="0">
                           <a:solidFill>
                             <a:schemeClr val="tx1"/>
                           </a:solidFill>
@@ -17850,7 +18481,130 @@
                           <a:latin typeface="Times New Roman" panose="02020603050405020304" pitchFamily="18" charset="0"/>
                           <a:cs typeface="Times New Roman" panose="02020603050405020304" pitchFamily="18" charset="0"/>
                         </a:rPr>
-                        <a:t> 0.2800</a:t>
+                        <a:t> </a:t>
+                      </a:r>
+                      <a:r>
+                        <a:rPr lang="en-US" sz="1400" b="0" u="sng" dirty="0">
+                          <a:solidFill>
+                            <a:schemeClr val="tx1"/>
+                          </a:solidFill>
+                          <a:effectLst/>
+                          <a:latin typeface="Times New Roman" panose="02020603050405020304" pitchFamily="18" charset="0"/>
+                          <a:cs typeface="Times New Roman" panose="02020603050405020304" pitchFamily="18" charset="0"/>
+                        </a:rPr>
+                        <a:t>0.2800</a:t>
+                      </a:r>
+                    </a:p>
+                  </a:txBody>
+                  <a:tcPr marL="63500" marR="63500" marT="63500" marB="63500" anchor="ctr"/>
+                </a:tc>
+                <a:tc>
+                  <a:txBody>
+                    <a:bodyPr/>
+                    <a:lstStyle/>
+                    <a:p>
+                      <a:pPr algn="ctr" rtl="0" fontAlgn="ctr">
+                        <a:spcBef>
+                          <a:spcPts val="0"/>
+                        </a:spcBef>
+                        <a:spcAft>
+                          <a:spcPts val="0"/>
+                        </a:spcAft>
+                      </a:pPr>
+                      <a:r>
+                        <a:rPr lang="en-US" sz="1400" b="0" u="none" dirty="0">
+                          <a:solidFill>
+                            <a:schemeClr val="tx1"/>
+                          </a:solidFill>
+                          <a:effectLst/>
+                          <a:latin typeface="Times New Roman" panose="02020603050405020304" pitchFamily="18" charset="0"/>
+                          <a:cs typeface="Times New Roman" panose="02020603050405020304" pitchFamily="18" charset="0"/>
+                        </a:rPr>
+                        <a:t>0.1057</a:t>
+                      </a:r>
+                    </a:p>
+                  </a:txBody>
+                  <a:tcPr marL="63500" marR="63500" marT="63500" marB="63500" anchor="ctr"/>
+                </a:tc>
+                <a:tc>
+                  <a:txBody>
+                    <a:bodyPr/>
+                    <a:lstStyle/>
+                    <a:p>
+                      <a:pPr algn="ctr" rtl="0" fontAlgn="ctr">
+                        <a:spcBef>
+                          <a:spcPts val="0"/>
+                        </a:spcBef>
+                        <a:spcAft>
+                          <a:spcPts val="0"/>
+                        </a:spcAft>
+                      </a:pPr>
+                      <a:r>
+                        <a:rPr lang="en-US" sz="1400" b="0" u="none" dirty="0">
+                          <a:solidFill>
+                            <a:schemeClr val="tx1"/>
+                          </a:solidFill>
+                          <a:effectLst/>
+                          <a:latin typeface="Times New Roman" panose="02020603050405020304" pitchFamily="18" charset="0"/>
+                          <a:cs typeface="Times New Roman" panose="02020603050405020304" pitchFamily="18" charset="0"/>
+                        </a:rPr>
+                        <a:t>0.0500</a:t>
+                      </a:r>
+                    </a:p>
+                  </a:txBody>
+                  <a:tcPr marL="63500" marR="63500" marT="63500" marB="63500" anchor="ctr"/>
+                </a:tc>
+                <a:tc>
+                  <a:txBody>
+                    <a:bodyPr/>
+                    <a:lstStyle/>
+                    <a:p>
+                      <a:pPr algn="ctr" rtl="0" fontAlgn="ctr">
+                        <a:spcBef>
+                          <a:spcPts val="0"/>
+                        </a:spcBef>
+                        <a:spcAft>
+                          <a:spcPts val="0"/>
+                        </a:spcAft>
+                      </a:pPr>
+                      <a:r>
+                        <a:rPr lang="en-US" sz="1400" b="0" u="none" dirty="0">
+                          <a:solidFill>
+                            <a:schemeClr val="tx1"/>
+                          </a:solidFill>
+                          <a:effectLst/>
+                          <a:latin typeface="Times New Roman" panose="02020603050405020304" pitchFamily="18" charset="0"/>
+                          <a:cs typeface="Times New Roman" panose="02020603050405020304" pitchFamily="18" charset="0"/>
+                        </a:rPr>
+                        <a:t>0.1600</a:t>
+                      </a:r>
+                    </a:p>
+                  </a:txBody>
+                  <a:tcPr marL="63500" marR="63500" marT="63500" marB="63500" anchor="ctr"/>
+                </a:tc>
+                <a:tc>
+                  <a:txBody>
+                    <a:bodyPr/>
+                    <a:lstStyle/>
+                    <a:p>
+                      <a:pPr algn="ctr" rtl="0" fontAlgn="ctr">
+                        <a:spcBef>
+                          <a:spcPts val="0"/>
+                        </a:spcBef>
+                        <a:spcAft>
+                          <a:spcPts val="0"/>
+                        </a:spcAft>
+                      </a:pPr>
+                      <a:r>
+                        <a:rPr lang="en-US" sz="1400" b="0" u="none" dirty="0">
+                          <a:solidFill>
+                            <a:schemeClr val="tx1"/>
+                          </a:solidFill>
+                          <a:effectLst/>
+                          <a:latin typeface="Times New Roman" panose="02020603050405020304" pitchFamily="18" charset="0"/>
+                          <a:cs typeface="Times New Roman" panose="02020603050405020304" pitchFamily="18" charset="0"/>
+                        </a:rPr>
+                        <a:t>0.1900</a:t>
                       </a:r>
                     </a:p>
                   </a:txBody>
@@ -18003,6 +18757,118 @@
                   </a:txBody>
                   <a:tcPr marL="63500" marR="63500" marT="63500" marB="63500" anchor="ctr"/>
                 </a:tc>
+                <a:tc>
+                  <a:txBody>
+                    <a:bodyPr/>
+                    <a:lstStyle/>
+                    <a:p>
+                      <a:pPr algn="ctr" rtl="0" fontAlgn="ctr">
+                        <a:spcBef>
+                          <a:spcPts val="0"/>
+                        </a:spcBef>
+                        <a:spcAft>
+                          <a:spcPts val="0"/>
+                        </a:spcAft>
+                      </a:pPr>
+                      <a:r>
+                        <a:rPr lang="en-US" sz="1400" b="0" u="none" dirty="0">
+                          <a:solidFill>
+                            <a:schemeClr val="tx1"/>
+                          </a:solidFill>
+                          <a:effectLst/>
+                          <a:latin typeface="Times New Roman" panose="02020603050405020304" pitchFamily="18" charset="0"/>
+                          <a:cs typeface="Times New Roman" panose="02020603050405020304" pitchFamily="18" charset="0"/>
+                        </a:rPr>
+                        <a:t>0.1280</a:t>
+                      </a:r>
+                    </a:p>
+                  </a:txBody>
+                  <a:tcPr marL="63500" marR="63500" marT="63500" marB="63500" anchor="ctr"/>
+                </a:tc>
+                <a:tc>
+                  <a:txBody>
+                    <a:bodyPr/>
+                    <a:lstStyle/>
+                    <a:p>
+                      <a:pPr algn="ctr" rtl="0" fontAlgn="ctr">
+                        <a:spcBef>
+                          <a:spcPts val="0"/>
+                        </a:spcBef>
+                        <a:spcAft>
+                          <a:spcPts val="0"/>
+                        </a:spcAft>
+                      </a:pPr>
+                      <a:r>
+                        <a:rPr lang="en-US" sz="1400" b="0" u="none" dirty="0">
+                          <a:solidFill>
+                            <a:schemeClr val="tx1"/>
+                          </a:solidFill>
+                          <a:effectLst/>
+                          <a:latin typeface="Times New Roman" panose="02020603050405020304" pitchFamily="18" charset="0"/>
+                          <a:cs typeface="Times New Roman" panose="02020603050405020304" pitchFamily="18" charset="0"/>
+                        </a:rPr>
+                        <a:t>0.0900</a:t>
+                      </a:r>
+                    </a:p>
+                  </a:txBody>
+                  <a:tcPr marL="63500" marR="63500" marT="63500" marB="63500" anchor="ctr"/>
+                </a:tc>
+                <a:tc>
+                  <a:txBody>
+                    <a:bodyPr/>
+                    <a:lstStyle/>
+                    <a:p>
+                      <a:pPr algn="ctr" rtl="0" fontAlgn="ctr">
+                        <a:spcBef>
+                          <a:spcPts val="0"/>
+                        </a:spcBef>
+                        <a:spcAft>
+                          <a:spcPts val="0"/>
+                        </a:spcAft>
+                      </a:pPr>
+                      <a:r>
+                        <a:rPr lang="en-US" sz="1400" b="0" u="none" dirty="0">
+                          <a:solidFill>
+                            <a:schemeClr val="tx1"/>
+                          </a:solidFill>
+                          <a:effectLst/>
+                          <a:latin typeface="Times New Roman" panose="02020603050405020304" pitchFamily="18" charset="0"/>
+                          <a:cs typeface="Times New Roman" panose="02020603050405020304" pitchFamily="18" charset="0"/>
+                        </a:rPr>
+                        <a:t>0.1400</a:t>
+                      </a:r>
+                    </a:p>
+                  </a:txBody>
+                  <a:tcPr marL="63500" marR="63500" marT="63500" marB="63500" anchor="ctr"/>
+                </a:tc>
+                <a:tc>
+                  <a:txBody>
+                    <a:bodyPr/>
+                    <a:lstStyle/>
+                    <a:p>
+                      <a:pPr algn="ctr" rtl="0" fontAlgn="ctr">
+                        <a:spcBef>
+                          <a:spcPts val="0"/>
+                        </a:spcBef>
+                        <a:spcAft>
+                          <a:spcPts val="0"/>
+                        </a:spcAft>
+                      </a:pPr>
+                      <a:r>
+                        <a:rPr lang="en-US" sz="1400" b="0" u="none" dirty="0">
+                          <a:solidFill>
+                            <a:schemeClr val="tx1"/>
+                          </a:solidFill>
+                          <a:effectLst/>
+                          <a:latin typeface="Times New Roman" panose="02020603050405020304" pitchFamily="18" charset="0"/>
+                          <a:cs typeface="Times New Roman" panose="02020603050405020304" pitchFamily="18" charset="0"/>
+                        </a:rPr>
+                        <a:t>0.2000</a:t>
+                      </a:r>
+                    </a:p>
+                  </a:txBody>
+                  <a:tcPr marL="63500" marR="63500" marT="63500" marB="63500" anchor="ctr"/>
+                </a:tc>
                 <a:extLst>
                   <a:ext uri="{0D108BD9-81ED-4DB2-BD59-A6C34878D82A}">
                     <a16:rowId xmlns:a16="http://schemas.microsoft.com/office/drawing/2014/main" val="613799765"/>
@@ -18145,6 +19011,118 @@
                           <a:cs typeface="Times New Roman" panose="02020603050405020304" pitchFamily="18" charset="0"/>
                         </a:rPr>
                         <a:t>0.1900</a:t>
+                      </a:r>
+                    </a:p>
+                  </a:txBody>
+                  <a:tcPr marL="63500" marR="63500" marT="63500" marB="63500" anchor="ctr"/>
+                </a:tc>
+                <a:tc>
+                  <a:txBody>
+                    <a:bodyPr/>
+                    <a:lstStyle/>
+                    <a:p>
+                      <a:pPr algn="ctr" rtl="0" fontAlgn="ctr">
+                        <a:spcBef>
+                          <a:spcPts val="0"/>
+                        </a:spcBef>
+                        <a:spcAft>
+                          <a:spcPts val="0"/>
+                        </a:spcAft>
+                      </a:pPr>
+                      <a:r>
+                        <a:rPr lang="en-US" sz="1400" b="0" u="none" dirty="0">
+                          <a:solidFill>
+                            <a:schemeClr val="tx1"/>
+                          </a:solidFill>
+                          <a:effectLst/>
+                          <a:latin typeface="Times New Roman" panose="02020603050405020304" pitchFamily="18" charset="0"/>
+                          <a:cs typeface="Times New Roman" panose="02020603050405020304" pitchFamily="18" charset="0"/>
+                        </a:rPr>
+                        <a:t>0.1723</a:t>
+                      </a:r>
+                    </a:p>
+                  </a:txBody>
+                  <a:tcPr marL="63500" marR="63500" marT="63500" marB="63500" anchor="ctr"/>
+                </a:tc>
+                <a:tc>
+                  <a:txBody>
+                    <a:bodyPr/>
+                    <a:lstStyle/>
+                    <a:p>
+                      <a:pPr algn="ctr" rtl="0" fontAlgn="ctr">
+                        <a:spcBef>
+                          <a:spcPts val="0"/>
+                        </a:spcBef>
+                        <a:spcAft>
+                          <a:spcPts val="0"/>
+                        </a:spcAft>
+                      </a:pPr>
+                      <a:r>
+                        <a:rPr lang="en-US" sz="1400" b="0" u="none" dirty="0">
+                          <a:solidFill>
+                            <a:schemeClr val="tx1"/>
+                          </a:solidFill>
+                          <a:effectLst/>
+                          <a:latin typeface="Times New Roman" panose="02020603050405020304" pitchFamily="18" charset="0"/>
+                          <a:cs typeface="Times New Roman" panose="02020603050405020304" pitchFamily="18" charset="0"/>
+                        </a:rPr>
+                        <a:t> 0.1200</a:t>
+                      </a:r>
+                    </a:p>
+                  </a:txBody>
+                  <a:tcPr marL="63500" marR="63500" marT="63500" marB="63500" anchor="ctr"/>
+                </a:tc>
+                <a:tc>
+                  <a:txBody>
+                    <a:bodyPr/>
+                    <a:lstStyle/>
+                    <a:p>
+                      <a:pPr algn="ctr" rtl="0" fontAlgn="ctr">
+                        <a:spcBef>
+                          <a:spcPts val="0"/>
+                        </a:spcBef>
+                        <a:spcAft>
+                          <a:spcPts val="0"/>
+                        </a:spcAft>
+                      </a:pPr>
+                      <a:r>
+                        <a:rPr lang="en-US" sz="1400" b="0" u="none" dirty="0">
+                          <a:solidFill>
+                            <a:schemeClr val="tx1"/>
+                          </a:solidFill>
+                          <a:effectLst/>
+                          <a:latin typeface="Times New Roman" panose="02020603050405020304" pitchFamily="18" charset="0"/>
+                          <a:cs typeface="Times New Roman" panose="02020603050405020304" pitchFamily="18" charset="0"/>
+                        </a:rPr>
+                        <a:t>0.2000</a:t>
+                      </a:r>
+                    </a:p>
+                  </a:txBody>
+                  <a:tcPr marL="63500" marR="63500" marT="63500" marB="63500" anchor="ctr"/>
+                </a:tc>
+                <a:tc>
+                  <a:txBody>
+                    <a:bodyPr/>
+                    <a:lstStyle/>
+                    <a:p>
+                      <a:pPr algn="ctr" rtl="0" fontAlgn="ctr">
+                        <a:spcBef>
+                          <a:spcPts val="0"/>
+                        </a:spcBef>
+                        <a:spcAft>
+                          <a:spcPts val="0"/>
+                        </a:spcAft>
+                      </a:pPr>
+                      <a:r>
+                        <a:rPr lang="en-US" sz="1400" b="0" u="none" dirty="0">
+                          <a:solidFill>
+                            <a:schemeClr val="tx1"/>
+                          </a:solidFill>
+                          <a:effectLst/>
+                          <a:latin typeface="Times New Roman" panose="02020603050405020304" pitchFamily="18" charset="0"/>
+                          <a:cs typeface="Times New Roman" panose="02020603050405020304" pitchFamily="18" charset="0"/>
+                        </a:rPr>
+                        <a:t>0.2700</a:t>
                       </a:r>
                     </a:p>
                   </a:txBody>

--- a/KICMistral_pre_v2.pptx
+++ b/KICMistral_pre_v2.pptx
@@ -11,9 +11,9 @@
     <p:sldId id="256" r:id="rId2"/>
     <p:sldId id="257" r:id="rId3"/>
     <p:sldId id="285" r:id="rId4"/>
-    <p:sldId id="282" r:id="rId5"/>
-    <p:sldId id="283" r:id="rId6"/>
-    <p:sldId id="264" r:id="rId7"/>
+    <p:sldId id="264" r:id="rId5"/>
+    <p:sldId id="282" r:id="rId6"/>
+    <p:sldId id="283" r:id="rId7"/>
     <p:sldId id="262" r:id="rId8"/>
     <p:sldId id="266" r:id="rId9"/>
     <p:sldId id="267" r:id="rId10"/>
@@ -17210,7 +17210,7 @@
           <p:nvPr>
             <p:extLst>
               <p:ext uri="{D42A27DB-BD31-4B8C-83A1-F6EECF244321}">
-                <p14:modId xmlns:p14="http://schemas.microsoft.com/office/powerpoint/2010/main" val="2363018503"/>
+                <p14:modId xmlns:p14="http://schemas.microsoft.com/office/powerpoint/2010/main" val="3762791044"/>
               </p:ext>
             </p:extLst>
           </p:nvPr>
@@ -17871,7 +17871,7 @@
                         </a:spcAft>
                       </a:pPr>
                       <a:r>
-                        <a:rPr lang="en-US" sz="1400" b="1" u="none" dirty="0">
+                        <a:rPr lang="en-US" sz="1400" b="0" u="none" dirty="0">
                           <a:solidFill>
                             <a:schemeClr val="tx1"/>
                           </a:solidFill>
@@ -17879,7 +17879,7 @@
                           <a:latin typeface="Times New Roman" panose="02020603050405020304" pitchFamily="18" charset="0"/>
                           <a:cs typeface="Times New Roman" panose="02020603050405020304" pitchFamily="18" charset="0"/>
                         </a:rPr>
-                        <a:t>0.1886</a:t>
+                        <a:t>0.2595</a:t>
                       </a:r>
                     </a:p>
                   </a:txBody>
@@ -17899,7 +17899,7 @@
                         </a:spcAft>
                       </a:pPr>
                       <a:r>
-                        <a:rPr lang="en-US" sz="1400" b="1" u="none" dirty="0">
+                        <a:rPr lang="en-US" sz="1400" b="0" u="none" dirty="0">
                           <a:solidFill>
                             <a:schemeClr val="tx1"/>
                           </a:solidFill>
@@ -17907,7 +17907,238 @@
                           <a:latin typeface="Times New Roman" panose="02020603050405020304" pitchFamily="18" charset="0"/>
                           <a:cs typeface="Times New Roman" panose="02020603050405020304" pitchFamily="18" charset="0"/>
                         </a:rPr>
-                        <a:t>0.1200</a:t>
+                        <a:t>0.1900</a:t>
+                      </a:r>
+                    </a:p>
+                  </a:txBody>
+                  <a:tcPr marL="63500" marR="63500" marT="63500" marB="63500" anchor="ctr"/>
+                </a:tc>
+                <a:tc>
+                  <a:txBody>
+                    <a:bodyPr/>
+                    <a:lstStyle/>
+                    <a:p>
+                      <a:pPr algn="ctr" rtl="0" fontAlgn="ctr">
+                        <a:spcBef>
+                          <a:spcPts val="0"/>
+                        </a:spcBef>
+                        <a:spcAft>
+                          <a:spcPts val="0"/>
+                        </a:spcAft>
+                      </a:pPr>
+                      <a:r>
+                        <a:rPr lang="en-US" sz="1400" b="0" u="none" dirty="0">
+                          <a:solidFill>
+                            <a:schemeClr val="tx1"/>
+                          </a:solidFill>
+                          <a:effectLst/>
+                          <a:latin typeface="Times New Roman" panose="02020603050405020304" pitchFamily="18" charset="0"/>
+                          <a:cs typeface="Times New Roman" panose="02020603050405020304" pitchFamily="18" charset="0"/>
+                        </a:rPr>
+                        <a:t>0.3000</a:t>
+                      </a:r>
+                    </a:p>
+                  </a:txBody>
+                  <a:tcPr marL="63500" marR="63500" marT="63500" marB="63500" anchor="ctr"/>
+                </a:tc>
+                <a:tc>
+                  <a:txBody>
+                    <a:bodyPr/>
+                    <a:lstStyle/>
+                    <a:p>
+                      <a:pPr algn="ctr" rtl="0" fontAlgn="ctr">
+                        <a:spcBef>
+                          <a:spcPts val="0"/>
+                        </a:spcBef>
+                        <a:spcAft>
+                          <a:spcPts val="0"/>
+                        </a:spcAft>
+                      </a:pPr>
+                      <a:r>
+                        <a:rPr lang="en-US" sz="1400" b="0" u="none" dirty="0">
+                          <a:solidFill>
+                            <a:schemeClr val="tx1"/>
+                          </a:solidFill>
+                          <a:effectLst/>
+                          <a:latin typeface="Times New Roman" panose="02020603050405020304" pitchFamily="18" charset="0"/>
+                          <a:cs typeface="Times New Roman" panose="02020603050405020304" pitchFamily="18" charset="0"/>
+                        </a:rPr>
+                        <a:t>0.4300</a:t>
+                      </a:r>
+                    </a:p>
+                  </a:txBody>
+                  <a:tcPr marL="63500" marR="63500" marT="63500" marB="63500" anchor="ctr"/>
+                </a:tc>
+                <a:tc>
+                  <a:txBody>
+                    <a:bodyPr/>
+                    <a:lstStyle/>
+                    <a:p>
+                      <a:pPr algn="ctr" rtl="0" fontAlgn="ctr">
+                        <a:spcBef>
+                          <a:spcPts val="0"/>
+                        </a:spcBef>
+                        <a:spcAft>
+                          <a:spcPts val="0"/>
+                        </a:spcAft>
+                      </a:pPr>
+                      <a:r>
+                        <a:rPr lang="en-US" sz="1400" b="0" u="none" dirty="0">
+                          <a:solidFill>
+                            <a:schemeClr val="tx1"/>
+                          </a:solidFill>
+                          <a:effectLst/>
+                          <a:latin typeface="Times New Roman" panose="02020603050405020304" pitchFamily="18" charset="0"/>
+                          <a:cs typeface="Times New Roman" panose="02020603050405020304" pitchFamily="18" charset="0"/>
+                        </a:rPr>
+                        <a:t>0.2199</a:t>
+                      </a:r>
+                    </a:p>
+                  </a:txBody>
+                  <a:tcPr marL="63500" marR="63500" marT="63500" marB="63500" anchor="ctr"/>
+                </a:tc>
+                <a:tc>
+                  <a:txBody>
+                    <a:bodyPr/>
+                    <a:lstStyle/>
+                    <a:p>
+                      <a:pPr algn="ctr" rtl="0" fontAlgn="ctr">
+                        <a:spcBef>
+                          <a:spcPts val="0"/>
+                        </a:spcBef>
+                        <a:spcAft>
+                          <a:spcPts val="0"/>
+                        </a:spcAft>
+                      </a:pPr>
+                      <a:r>
+                        <a:rPr lang="en-US" sz="1400" b="0" u="none" dirty="0">
+                          <a:solidFill>
+                            <a:schemeClr val="tx1"/>
+                          </a:solidFill>
+                          <a:effectLst/>
+                          <a:latin typeface="Times New Roman" panose="02020603050405020304" pitchFamily="18" charset="0"/>
+                          <a:cs typeface="Times New Roman" panose="02020603050405020304" pitchFamily="18" charset="0"/>
+                        </a:rPr>
+                        <a:t> 0.1500</a:t>
+                      </a:r>
+                    </a:p>
+                  </a:txBody>
+                  <a:tcPr marL="63500" marR="63500" marT="63500" marB="63500" anchor="ctr"/>
+                </a:tc>
+                <a:tc>
+                  <a:txBody>
+                    <a:bodyPr/>
+                    <a:lstStyle/>
+                    <a:p>
+                      <a:pPr algn="ctr" rtl="0" fontAlgn="ctr">
+                        <a:spcBef>
+                          <a:spcPts val="0"/>
+                        </a:spcBef>
+                        <a:spcAft>
+                          <a:spcPts val="0"/>
+                        </a:spcAft>
+                      </a:pPr>
+                      <a:r>
+                        <a:rPr lang="en-US" sz="1400" b="0" u="none" dirty="0">
+                          <a:solidFill>
+                            <a:schemeClr val="tx1"/>
+                          </a:solidFill>
+                          <a:effectLst/>
+                          <a:latin typeface="Times New Roman" panose="02020603050405020304" pitchFamily="18" charset="0"/>
+                          <a:cs typeface="Times New Roman" panose="02020603050405020304" pitchFamily="18" charset="0"/>
+                        </a:rPr>
+                        <a:t> 0.2800</a:t>
+                      </a:r>
+                    </a:p>
+                  </a:txBody>
+                  <a:tcPr marL="63500" marR="63500" marT="63500" marB="63500" anchor="ctr"/>
+                </a:tc>
+                <a:tc>
+                  <a:txBody>
+                    <a:bodyPr/>
+                    <a:lstStyle/>
+                    <a:p>
+                      <a:pPr algn="ctr" rtl="0" fontAlgn="ctr">
+                        <a:spcBef>
+                          <a:spcPts val="0"/>
+                        </a:spcBef>
+                        <a:spcAft>
+                          <a:spcPts val="0"/>
+                        </a:spcAft>
+                      </a:pPr>
+                      <a:r>
+                        <a:rPr lang="en-US" sz="1400" b="0" u="none" dirty="0">
+                          <a:solidFill>
+                            <a:schemeClr val="tx1"/>
+                          </a:solidFill>
+                          <a:effectLst/>
+                          <a:latin typeface="Times New Roman" panose="02020603050405020304" pitchFamily="18" charset="0"/>
+                          <a:cs typeface="Times New Roman" panose="02020603050405020304" pitchFamily="18" charset="0"/>
+                        </a:rPr>
+                        <a:t>0.3700</a:t>
+                      </a:r>
+                    </a:p>
+                  </a:txBody>
+                  <a:tcPr marL="63500" marR="63500" marT="63500" marB="63500" anchor="ctr"/>
+                </a:tc>
+                <a:extLst>
+                  <a:ext uri="{0D108BD9-81ED-4DB2-BD59-A6C34878D82A}">
+                    <a16:rowId xmlns:a16="http://schemas.microsoft.com/office/drawing/2014/main" val="782074905"/>
+                  </a:ext>
+                </a:extLst>
+              </a:tr>
+              <a:tr h="673433">
+                <a:tc>
+                  <a:txBody>
+                    <a:bodyPr/>
+                    <a:lstStyle/>
+                    <a:p>
+                      <a:pPr algn="ctr" rtl="0" fontAlgn="t">
+                        <a:spcBef>
+                          <a:spcPts val="0"/>
+                        </a:spcBef>
+                        <a:spcAft>
+                          <a:spcPts val="0"/>
+                        </a:spcAft>
+                      </a:pPr>
+                      <a:r>
+                        <a:rPr lang="en-US" sz="1400" b="0" i="0" u="none" dirty="0">
+                          <a:solidFill>
+                            <a:schemeClr val="tx1"/>
+                          </a:solidFill>
+                          <a:effectLst/>
+                          <a:latin typeface="Times New Roman" panose="02020603050405020304" pitchFamily="18" charset="0"/>
+                          <a:cs typeface="Times New Roman" panose="02020603050405020304" pitchFamily="18" charset="0"/>
+                        </a:rPr>
+                        <a:t>20</a:t>
+                      </a:r>
+                    </a:p>
+                  </a:txBody>
+                  <a:tcPr marL="63500" marR="63500" marT="63500" marB="63500" anchor="ctr"/>
+                </a:tc>
+                <a:tc>
+                  <a:txBody>
+                    <a:bodyPr/>
+                    <a:lstStyle/>
+                    <a:p>
+                      <a:pPr algn="ctr" rtl="0" fontAlgn="ctr">
+                        <a:spcBef>
+                          <a:spcPts val="0"/>
+                        </a:spcBef>
+                        <a:spcAft>
+                          <a:spcPts val="0"/>
+                        </a:spcAft>
+                      </a:pPr>
+                      <a:r>
+                        <a:rPr lang="en-US" sz="1400" b="0" u="sng" dirty="0">
+                          <a:solidFill>
+                            <a:schemeClr val="tx1"/>
+                          </a:solidFill>
+                          <a:effectLst/>
+                          <a:latin typeface="Times New Roman" panose="02020603050405020304" pitchFamily="18" charset="0"/>
+                          <a:cs typeface="Times New Roman" panose="02020603050405020304" pitchFamily="18" charset="0"/>
+                        </a:rPr>
+                        <a:t>0.3174</a:t>
                       </a:r>
                     </a:p>
                   </a:txBody>
@@ -17955,7 +18186,266 @@
                         </a:spcAft>
                       </a:pPr>
                       <a:r>
-                        <a:rPr lang="en-US" sz="1400" b="1" u="none" dirty="0">
+                        <a:rPr lang="en-US" sz="1400" b="0" u="sng" dirty="0">
+                          <a:solidFill>
+                            <a:schemeClr val="tx1"/>
+                          </a:solidFill>
+                          <a:effectLst/>
+                          <a:latin typeface="Times New Roman" panose="02020603050405020304" pitchFamily="18" charset="0"/>
+                          <a:cs typeface="Times New Roman" panose="02020603050405020304" pitchFamily="18" charset="0"/>
+                        </a:rPr>
+                        <a:t>0.3700</a:t>
+                      </a:r>
+                    </a:p>
+                  </a:txBody>
+                  <a:tcPr marL="63500" marR="63500" marT="63500" marB="63500" anchor="ctr"/>
+                </a:tc>
+                <a:tc>
+                  <a:txBody>
+                    <a:bodyPr/>
+                    <a:lstStyle/>
+                    <a:p>
+                      <a:pPr algn="ctr" rtl="0" fontAlgn="ctr">
+                        <a:spcBef>
+                          <a:spcPts val="0"/>
+                        </a:spcBef>
+                        <a:spcAft>
+                          <a:spcPts val="0"/>
+                        </a:spcAft>
+                      </a:pPr>
+                      <a:r>
+                        <a:rPr lang="en-US" sz="1400" b="0" u="sng" dirty="0">
+                          <a:solidFill>
+                            <a:schemeClr val="tx1"/>
+                          </a:solidFill>
+                          <a:effectLst/>
+                          <a:latin typeface="Times New Roman" panose="02020603050405020304" pitchFamily="18" charset="0"/>
+                          <a:cs typeface="Times New Roman" panose="02020603050405020304" pitchFamily="18" charset="0"/>
+                        </a:rPr>
+                        <a:t>0.5100</a:t>
+                      </a:r>
+                    </a:p>
+                  </a:txBody>
+                  <a:tcPr marL="63500" marR="63500" marT="63500" marB="63500" anchor="ctr"/>
+                </a:tc>
+                <a:tc>
+                  <a:txBody>
+                    <a:bodyPr/>
+                    <a:lstStyle/>
+                    <a:p>
+                      <a:pPr algn="ctr" rtl="0" fontAlgn="ctr">
+                        <a:spcBef>
+                          <a:spcPts val="0"/>
+                        </a:spcBef>
+                        <a:spcAft>
+                          <a:spcPts val="0"/>
+                        </a:spcAft>
+                      </a:pPr>
+                      <a:r>
+                        <a:rPr lang="en-US" sz="1400" b="0" u="none" dirty="0">
+                          <a:solidFill>
+                            <a:schemeClr val="tx1"/>
+                          </a:solidFill>
+                          <a:effectLst/>
+                          <a:latin typeface="Times New Roman" panose="02020603050405020304" pitchFamily="18" charset="0"/>
+                          <a:cs typeface="Times New Roman" panose="02020603050405020304" pitchFamily="18" charset="0"/>
+                        </a:rPr>
+                        <a:t>0.2423</a:t>
+                      </a:r>
+                    </a:p>
+                  </a:txBody>
+                  <a:tcPr marL="63500" marR="63500" marT="63500" marB="63500" anchor="ctr"/>
+                </a:tc>
+                <a:tc>
+                  <a:txBody>
+                    <a:bodyPr/>
+                    <a:lstStyle/>
+                    <a:p>
+                      <a:pPr algn="ctr" rtl="0" fontAlgn="ctr">
+                        <a:spcBef>
+                          <a:spcPts val="0"/>
+                        </a:spcBef>
+                        <a:spcAft>
+                          <a:spcPts val="0"/>
+                        </a:spcAft>
+                      </a:pPr>
+                      <a:r>
+                        <a:rPr lang="en-US" sz="1400" b="0" u="none" dirty="0">
+                          <a:solidFill>
+                            <a:schemeClr val="tx1"/>
+                          </a:solidFill>
+                          <a:effectLst/>
+                          <a:latin typeface="Times New Roman" panose="02020603050405020304" pitchFamily="18" charset="0"/>
+                          <a:cs typeface="Times New Roman" panose="02020603050405020304" pitchFamily="18" charset="0"/>
+                        </a:rPr>
+                        <a:t>0.1800</a:t>
+                      </a:r>
+                    </a:p>
+                  </a:txBody>
+                  <a:tcPr marL="63500" marR="63500" marT="63500" marB="63500" anchor="ctr"/>
+                </a:tc>
+                <a:tc>
+                  <a:txBody>
+                    <a:bodyPr/>
+                    <a:lstStyle/>
+                    <a:p>
+                      <a:pPr algn="ctr" rtl="0" fontAlgn="ctr">
+                        <a:spcBef>
+                          <a:spcPts val="0"/>
+                        </a:spcBef>
+                        <a:spcAft>
+                          <a:spcPts val="0"/>
+                        </a:spcAft>
+                      </a:pPr>
+                      <a:r>
+                        <a:rPr lang="en-US" sz="1400" b="0" u="none" dirty="0">
+                          <a:solidFill>
+                            <a:schemeClr val="tx1"/>
+                          </a:solidFill>
+                          <a:effectLst/>
+                          <a:latin typeface="Times New Roman" panose="02020603050405020304" pitchFamily="18" charset="0"/>
+                          <a:cs typeface="Times New Roman" panose="02020603050405020304" pitchFamily="18" charset="0"/>
+                        </a:rPr>
+                        <a:t> 0.2800</a:t>
+                      </a:r>
+                    </a:p>
+                  </a:txBody>
+                  <a:tcPr marL="63500" marR="63500" marT="63500" marB="63500" anchor="ctr"/>
+                </a:tc>
+                <a:tc>
+                  <a:txBody>
+                    <a:bodyPr/>
+                    <a:lstStyle/>
+                    <a:p>
+                      <a:pPr algn="ctr" rtl="0" fontAlgn="ctr">
+                        <a:spcBef>
+                          <a:spcPts val="0"/>
+                        </a:spcBef>
+                        <a:spcAft>
+                          <a:spcPts val="0"/>
+                        </a:spcAft>
+                      </a:pPr>
+                      <a:r>
+                        <a:rPr lang="en-US" sz="1400" b="0" u="none" dirty="0">
+                          <a:solidFill>
+                            <a:schemeClr val="tx1"/>
+                          </a:solidFill>
+                          <a:effectLst/>
+                          <a:latin typeface="Times New Roman" panose="02020603050405020304" pitchFamily="18" charset="0"/>
+                          <a:cs typeface="Times New Roman" panose="02020603050405020304" pitchFamily="18" charset="0"/>
+                        </a:rPr>
+                        <a:t>0.3700</a:t>
+                      </a:r>
+                    </a:p>
+                  </a:txBody>
+                  <a:tcPr marL="63500" marR="63500" marT="63500" marB="63500" anchor="ctr"/>
+                </a:tc>
+                <a:extLst>
+                  <a:ext uri="{0D108BD9-81ED-4DB2-BD59-A6C34878D82A}">
+                    <a16:rowId xmlns:a16="http://schemas.microsoft.com/office/drawing/2014/main" val="892219342"/>
+                  </a:ext>
+                </a:extLst>
+              </a:tr>
+              <a:tr h="734193">
+                <a:tc>
+                  <a:txBody>
+                    <a:bodyPr/>
+                    <a:lstStyle/>
+                    <a:p>
+                      <a:pPr algn="ctr" rtl="0" fontAlgn="t">
+                        <a:spcBef>
+                          <a:spcPts val="0"/>
+                        </a:spcBef>
+                        <a:spcAft>
+                          <a:spcPts val="0"/>
+                        </a:spcAft>
+                      </a:pPr>
+                      <a:r>
+                        <a:rPr lang="en-US" sz="1400" b="0" i="0" u="none" dirty="0">
+                          <a:solidFill>
+                            <a:schemeClr val="tx1"/>
+                          </a:solidFill>
+                          <a:effectLst/>
+                          <a:latin typeface="Times New Roman" panose="02020603050405020304" pitchFamily="18" charset="0"/>
+                          <a:cs typeface="Times New Roman" panose="02020603050405020304" pitchFamily="18" charset="0"/>
+                        </a:rPr>
+                        <a:t>30</a:t>
+                      </a:r>
+                    </a:p>
+                  </a:txBody>
+                  <a:tcPr marL="63500" marR="63500" marT="63500" marB="63500" anchor="ctr"/>
+                </a:tc>
+                <a:tc>
+                  <a:txBody>
+                    <a:bodyPr/>
+                    <a:lstStyle/>
+                    <a:p>
+                      <a:pPr algn="ctr" rtl="0" fontAlgn="ctr">
+                        <a:spcBef>
+                          <a:spcPts val="0"/>
+                        </a:spcBef>
+                        <a:spcAft>
+                          <a:spcPts val="0"/>
+                        </a:spcAft>
+                      </a:pPr>
+                      <a:r>
+                        <a:rPr lang="en-US" sz="1400" b="0" u="none" dirty="0">
+                          <a:solidFill>
+                            <a:schemeClr val="tx1"/>
+                          </a:solidFill>
+                          <a:effectLst/>
+                          <a:latin typeface="Times New Roman" panose="02020603050405020304" pitchFamily="18" charset="0"/>
+                          <a:cs typeface="Times New Roman" panose="02020603050405020304" pitchFamily="18" charset="0"/>
+                        </a:rPr>
+                        <a:t>0.2704</a:t>
+                      </a:r>
+                    </a:p>
+                  </a:txBody>
+                  <a:tcPr marL="63500" marR="63500" marT="63500" marB="63500" anchor="ctr"/>
+                </a:tc>
+                <a:tc>
+                  <a:txBody>
+                    <a:bodyPr/>
+                    <a:lstStyle/>
+                    <a:p>
+                      <a:pPr algn="ctr" rtl="0" fontAlgn="ctr">
+                        <a:spcBef>
+                          <a:spcPts val="0"/>
+                        </a:spcBef>
+                        <a:spcAft>
+                          <a:spcPts val="0"/>
+                        </a:spcAft>
+                      </a:pPr>
+                      <a:r>
+                        <a:rPr lang="en-US" sz="1400" b="0" u="none" dirty="0">
+                          <a:solidFill>
+                            <a:schemeClr val="tx1"/>
+                          </a:solidFill>
+                          <a:effectLst/>
+                          <a:latin typeface="Times New Roman" panose="02020603050405020304" pitchFamily="18" charset="0"/>
+                          <a:cs typeface="Times New Roman" panose="02020603050405020304" pitchFamily="18" charset="0"/>
+                        </a:rPr>
+                        <a:t>0.1800</a:t>
+                      </a:r>
+                    </a:p>
+                  </a:txBody>
+                  <a:tcPr marL="63500" marR="63500" marT="63500" marB="63500" anchor="ctr"/>
+                </a:tc>
+                <a:tc>
+                  <a:txBody>
+                    <a:bodyPr/>
+                    <a:lstStyle/>
+                    <a:p>
+                      <a:pPr algn="ctr" rtl="0" fontAlgn="ctr">
+                        <a:spcBef>
+                          <a:spcPts val="0"/>
+                        </a:spcBef>
+                        <a:spcAft>
+                          <a:spcPts val="0"/>
+                        </a:spcAft>
+                      </a:pPr>
+                      <a:r>
+                        <a:rPr lang="en-US" sz="1400" b="0" u="none" dirty="0">
                           <a:solidFill>
                             <a:schemeClr val="tx1"/>
                           </a:solidFill>
@@ -17991,7 +18481,7 @@
                           <a:latin typeface="Times New Roman" panose="02020603050405020304" pitchFamily="18" charset="0"/>
                           <a:cs typeface="Times New Roman" panose="02020603050405020304" pitchFamily="18" charset="0"/>
                         </a:rPr>
-                        <a:t>0.1295</a:t>
+                        <a:t>0.4600</a:t>
                       </a:r>
                     </a:p>
                   </a:txBody>
@@ -18019,7 +18509,7 @@
                           <a:latin typeface="Times New Roman" panose="02020603050405020304" pitchFamily="18" charset="0"/>
                           <a:cs typeface="Times New Roman" panose="02020603050405020304" pitchFamily="18" charset="0"/>
                         </a:rPr>
-                        <a:t>0.0900</a:t>
+                        <a:t>0.2352</a:t>
                       </a:r>
                     </a:p>
                   </a:txBody>
@@ -18075,423 +18565,6 @@
                           <a:latin typeface="Times New Roman" panose="02020603050405020304" pitchFamily="18" charset="0"/>
                           <a:cs typeface="Times New Roman" panose="02020603050405020304" pitchFamily="18" charset="0"/>
                         </a:rPr>
-                        <a:t>0.2000</a:t>
-                      </a:r>
-                    </a:p>
-                  </a:txBody>
-                  <a:tcPr marL="63500" marR="63500" marT="63500" marB="63500" anchor="ctr"/>
-                </a:tc>
-                <a:extLst>
-                  <a:ext uri="{0D108BD9-81ED-4DB2-BD59-A6C34878D82A}">
-                    <a16:rowId xmlns:a16="http://schemas.microsoft.com/office/drawing/2014/main" val="782074905"/>
-                  </a:ext>
-                </a:extLst>
-              </a:tr>
-              <a:tr h="673433">
-                <a:tc>
-                  <a:txBody>
-                    <a:bodyPr/>
-                    <a:lstStyle/>
-                    <a:p>
-                      <a:pPr algn="ctr" rtl="0" fontAlgn="t">
-                        <a:spcBef>
-                          <a:spcPts val="0"/>
-                        </a:spcBef>
-                        <a:spcAft>
-                          <a:spcPts val="0"/>
-                        </a:spcAft>
-                      </a:pPr>
-                      <a:r>
-                        <a:rPr lang="en-US" sz="1400" b="0" i="0" u="none" dirty="0">
-                          <a:solidFill>
-                            <a:schemeClr val="tx1"/>
-                          </a:solidFill>
-                          <a:effectLst/>
-                          <a:latin typeface="Times New Roman" panose="02020603050405020304" pitchFamily="18" charset="0"/>
-                          <a:cs typeface="Times New Roman" panose="02020603050405020304" pitchFamily="18" charset="0"/>
-                        </a:rPr>
-                        <a:t>20</a:t>
-                      </a:r>
-                    </a:p>
-                  </a:txBody>
-                  <a:tcPr marL="63500" marR="63500" marT="63500" marB="63500" anchor="ctr"/>
-                </a:tc>
-                <a:tc>
-                  <a:txBody>
-                    <a:bodyPr/>
-                    <a:lstStyle/>
-                    <a:p>
-                      <a:pPr algn="ctr" rtl="0" fontAlgn="ctr">
-                        <a:spcBef>
-                          <a:spcPts val="0"/>
-                        </a:spcBef>
-                        <a:spcAft>
-                          <a:spcPts val="0"/>
-                        </a:spcAft>
-                      </a:pPr>
-                      <a:r>
-                        <a:rPr lang="en-US" sz="1400" b="0" u="none" dirty="0">
-                          <a:solidFill>
-                            <a:schemeClr val="tx1"/>
-                          </a:solidFill>
-                          <a:effectLst/>
-                          <a:latin typeface="Times New Roman" panose="02020603050405020304" pitchFamily="18" charset="0"/>
-                          <a:cs typeface="Times New Roman" panose="02020603050405020304" pitchFamily="18" charset="0"/>
-                        </a:rPr>
-                        <a:t>0.1533</a:t>
-                      </a:r>
-                    </a:p>
-                  </a:txBody>
-                  <a:tcPr marL="63500" marR="63500" marT="63500" marB="63500" anchor="ctr"/>
-                </a:tc>
-                <a:tc>
-                  <a:txBody>
-                    <a:bodyPr/>
-                    <a:lstStyle/>
-                    <a:p>
-                      <a:pPr algn="ctr" rtl="0" fontAlgn="ctr">
-                        <a:spcBef>
-                          <a:spcPts val="0"/>
-                        </a:spcBef>
-                        <a:spcAft>
-                          <a:spcPts val="0"/>
-                        </a:spcAft>
-                      </a:pPr>
-                      <a:r>
-                        <a:rPr lang="en-US" sz="1400" b="0" u="none" dirty="0">
-                          <a:solidFill>
-                            <a:schemeClr val="tx1"/>
-                          </a:solidFill>
-                          <a:effectLst/>
-                          <a:latin typeface="Times New Roman" panose="02020603050405020304" pitchFamily="18" charset="0"/>
-                          <a:cs typeface="Times New Roman" panose="02020603050405020304" pitchFamily="18" charset="0"/>
-                        </a:rPr>
-                        <a:t>0.1100</a:t>
-                      </a:r>
-                    </a:p>
-                  </a:txBody>
-                  <a:tcPr marL="63500" marR="63500" marT="63500" marB="63500" anchor="ctr"/>
-                </a:tc>
-                <a:tc>
-                  <a:txBody>
-                    <a:bodyPr/>
-                    <a:lstStyle/>
-                    <a:p>
-                      <a:pPr algn="ctr" rtl="0" fontAlgn="ctr">
-                        <a:spcBef>
-                          <a:spcPts val="0"/>
-                        </a:spcBef>
-                        <a:spcAft>
-                          <a:spcPts val="0"/>
-                        </a:spcAft>
-                      </a:pPr>
-                      <a:r>
-                        <a:rPr lang="en-US" sz="1400" b="0" u="none" dirty="0">
-                          <a:solidFill>
-                            <a:schemeClr val="tx1"/>
-                          </a:solidFill>
-                          <a:effectLst/>
-                          <a:latin typeface="Times New Roman" panose="02020603050405020304" pitchFamily="18" charset="0"/>
-                          <a:cs typeface="Times New Roman" panose="02020603050405020304" pitchFamily="18" charset="0"/>
-                        </a:rPr>
-                        <a:t>0.1800</a:t>
-                      </a:r>
-                    </a:p>
-                  </a:txBody>
-                  <a:tcPr marL="63500" marR="63500" marT="63500" marB="63500" anchor="ctr"/>
-                </a:tc>
-                <a:tc>
-                  <a:txBody>
-                    <a:bodyPr/>
-                    <a:lstStyle/>
-                    <a:p>
-                      <a:pPr algn="ctr" rtl="0" fontAlgn="ctr">
-                        <a:spcBef>
-                          <a:spcPts val="0"/>
-                        </a:spcBef>
-                        <a:spcAft>
-                          <a:spcPts val="0"/>
-                        </a:spcAft>
-                      </a:pPr>
-                      <a:r>
-                        <a:rPr lang="en-US" sz="1400" b="0" u="none" dirty="0">
-                          <a:solidFill>
-                            <a:schemeClr val="tx1"/>
-                          </a:solidFill>
-                          <a:effectLst/>
-                          <a:latin typeface="Times New Roman" panose="02020603050405020304" pitchFamily="18" charset="0"/>
-                          <a:cs typeface="Times New Roman" panose="02020603050405020304" pitchFamily="18" charset="0"/>
-                        </a:rPr>
-                        <a:t>0.2300</a:t>
-                      </a:r>
-                    </a:p>
-                  </a:txBody>
-                  <a:tcPr marL="63500" marR="63500" marT="63500" marB="63500" anchor="ctr"/>
-                </a:tc>
-                <a:tc>
-                  <a:txBody>
-                    <a:bodyPr/>
-                    <a:lstStyle/>
-                    <a:p>
-                      <a:pPr algn="ctr" rtl="0" fontAlgn="ctr">
-                        <a:spcBef>
-                          <a:spcPts val="0"/>
-                        </a:spcBef>
-                        <a:spcAft>
-                          <a:spcPts val="0"/>
-                        </a:spcAft>
-                      </a:pPr>
-                      <a:r>
-                        <a:rPr lang="en-US" sz="1400" b="0" u="none" dirty="0">
-                          <a:solidFill>
-                            <a:schemeClr val="tx1"/>
-                          </a:solidFill>
-                          <a:effectLst/>
-                          <a:latin typeface="Times New Roman" panose="02020603050405020304" pitchFamily="18" charset="0"/>
-                          <a:cs typeface="Times New Roman" panose="02020603050405020304" pitchFamily="18" charset="0"/>
-                        </a:rPr>
-                        <a:t>0.1277</a:t>
-                      </a:r>
-                    </a:p>
-                  </a:txBody>
-                  <a:tcPr marL="63500" marR="63500" marT="63500" marB="63500" anchor="ctr"/>
-                </a:tc>
-                <a:tc>
-                  <a:txBody>
-                    <a:bodyPr/>
-                    <a:lstStyle/>
-                    <a:p>
-                      <a:pPr algn="ctr" rtl="0" fontAlgn="ctr">
-                        <a:spcBef>
-                          <a:spcPts val="0"/>
-                        </a:spcBef>
-                        <a:spcAft>
-                          <a:spcPts val="0"/>
-                        </a:spcAft>
-                      </a:pPr>
-                      <a:r>
-                        <a:rPr lang="en-US" sz="1400" b="0" u="none" dirty="0">
-                          <a:solidFill>
-                            <a:schemeClr val="tx1"/>
-                          </a:solidFill>
-                          <a:effectLst/>
-                          <a:latin typeface="Times New Roman" panose="02020603050405020304" pitchFamily="18" charset="0"/>
-                          <a:cs typeface="Times New Roman" panose="02020603050405020304" pitchFamily="18" charset="0"/>
-                        </a:rPr>
-                        <a:t> 0.0800</a:t>
-                      </a:r>
-                    </a:p>
-                  </a:txBody>
-                  <a:tcPr marL="63500" marR="63500" marT="63500" marB="63500" anchor="ctr"/>
-                </a:tc>
-                <a:tc>
-                  <a:txBody>
-                    <a:bodyPr/>
-                    <a:lstStyle/>
-                    <a:p>
-                      <a:pPr algn="ctr" rtl="0" fontAlgn="ctr">
-                        <a:spcBef>
-                          <a:spcPts val="0"/>
-                        </a:spcBef>
-                        <a:spcAft>
-                          <a:spcPts val="0"/>
-                        </a:spcAft>
-                      </a:pPr>
-                      <a:r>
-                        <a:rPr lang="en-US" sz="1400" b="0" u="none" dirty="0">
-                          <a:solidFill>
-                            <a:schemeClr val="tx1"/>
-                          </a:solidFill>
-                          <a:effectLst/>
-                          <a:latin typeface="Times New Roman" panose="02020603050405020304" pitchFamily="18" charset="0"/>
-                          <a:cs typeface="Times New Roman" panose="02020603050405020304" pitchFamily="18" charset="0"/>
-                        </a:rPr>
-                        <a:t>0.1500</a:t>
-                      </a:r>
-                    </a:p>
-                  </a:txBody>
-                  <a:tcPr marL="63500" marR="63500" marT="63500" marB="63500" anchor="ctr"/>
-                </a:tc>
-                <a:tc>
-                  <a:txBody>
-                    <a:bodyPr/>
-                    <a:lstStyle/>
-                    <a:p>
-                      <a:pPr algn="ctr" rtl="0" fontAlgn="ctr">
-                        <a:spcBef>
-                          <a:spcPts val="0"/>
-                        </a:spcBef>
-                        <a:spcAft>
-                          <a:spcPts val="0"/>
-                        </a:spcAft>
-                      </a:pPr>
-                      <a:r>
-                        <a:rPr lang="en-US" sz="1400" b="0" u="none" dirty="0">
-                          <a:solidFill>
-                            <a:schemeClr val="tx1"/>
-                          </a:solidFill>
-                          <a:effectLst/>
-                          <a:latin typeface="Times New Roman" panose="02020603050405020304" pitchFamily="18" charset="0"/>
-                          <a:cs typeface="Times New Roman" panose="02020603050405020304" pitchFamily="18" charset="0"/>
-                        </a:rPr>
-                        <a:t>0.2300</a:t>
-                      </a:r>
-                    </a:p>
-                  </a:txBody>
-                  <a:tcPr marL="63500" marR="63500" marT="63500" marB="63500" anchor="ctr"/>
-                </a:tc>
-                <a:extLst>
-                  <a:ext uri="{0D108BD9-81ED-4DB2-BD59-A6C34878D82A}">
-                    <a16:rowId xmlns:a16="http://schemas.microsoft.com/office/drawing/2014/main" val="892219342"/>
-                  </a:ext>
-                </a:extLst>
-              </a:tr>
-              <a:tr h="734193">
-                <a:tc>
-                  <a:txBody>
-                    <a:bodyPr/>
-                    <a:lstStyle/>
-                    <a:p>
-                      <a:pPr algn="ctr" rtl="0" fontAlgn="t">
-                        <a:spcBef>
-                          <a:spcPts val="0"/>
-                        </a:spcBef>
-                        <a:spcAft>
-                          <a:spcPts val="0"/>
-                        </a:spcAft>
-                      </a:pPr>
-                      <a:r>
-                        <a:rPr lang="en-US" sz="1400" b="0" i="0" u="none" dirty="0">
-                          <a:solidFill>
-                            <a:schemeClr val="tx1"/>
-                          </a:solidFill>
-                          <a:effectLst/>
-                          <a:latin typeface="Times New Roman" panose="02020603050405020304" pitchFamily="18" charset="0"/>
-                          <a:cs typeface="Times New Roman" panose="02020603050405020304" pitchFamily="18" charset="0"/>
-                        </a:rPr>
-                        <a:t>30</a:t>
-                      </a:r>
-                    </a:p>
-                  </a:txBody>
-                  <a:tcPr marL="63500" marR="63500" marT="63500" marB="63500" anchor="ctr"/>
-                </a:tc>
-                <a:tc>
-                  <a:txBody>
-                    <a:bodyPr/>
-                    <a:lstStyle/>
-                    <a:p>
-                      <a:pPr algn="ctr" rtl="0" fontAlgn="ctr">
-                        <a:spcBef>
-                          <a:spcPts val="0"/>
-                        </a:spcBef>
-                        <a:spcAft>
-                          <a:spcPts val="0"/>
-                        </a:spcAft>
-                      </a:pPr>
-                      <a:r>
-                        <a:rPr lang="en-US" sz="1400" b="0" u="sng" dirty="0">
-                          <a:solidFill>
-                            <a:schemeClr val="tx1"/>
-                          </a:solidFill>
-                          <a:effectLst/>
-                          <a:latin typeface="Times New Roman" panose="02020603050405020304" pitchFamily="18" charset="0"/>
-                          <a:cs typeface="Times New Roman" panose="02020603050405020304" pitchFamily="18" charset="0"/>
-                        </a:rPr>
-                        <a:t>0.1775</a:t>
-                      </a:r>
-                    </a:p>
-                  </a:txBody>
-                  <a:tcPr marL="63500" marR="63500" marT="63500" marB="63500" anchor="ctr"/>
-                </a:tc>
-                <a:tc>
-                  <a:txBody>
-                    <a:bodyPr/>
-                    <a:lstStyle/>
-                    <a:p>
-                      <a:pPr algn="ctr" rtl="0" fontAlgn="ctr">
-                        <a:spcBef>
-                          <a:spcPts val="0"/>
-                        </a:spcBef>
-                        <a:spcAft>
-                          <a:spcPts val="0"/>
-                        </a:spcAft>
-                      </a:pPr>
-                      <a:r>
-                        <a:rPr lang="en-US" sz="1400" b="1" u="none" dirty="0">
-                          <a:solidFill>
-                            <a:schemeClr val="tx1"/>
-                          </a:solidFill>
-                          <a:effectLst/>
-                          <a:latin typeface="Times New Roman" panose="02020603050405020304" pitchFamily="18" charset="0"/>
-                          <a:cs typeface="Times New Roman" panose="02020603050405020304" pitchFamily="18" charset="0"/>
-                        </a:rPr>
-                        <a:t>0.1200</a:t>
-                      </a:r>
-                    </a:p>
-                  </a:txBody>
-                  <a:tcPr marL="63500" marR="63500" marT="63500" marB="63500" anchor="ctr"/>
-                </a:tc>
-                <a:tc>
-                  <a:txBody>
-                    <a:bodyPr/>
-                    <a:lstStyle/>
-                    <a:p>
-                      <a:pPr algn="ctr" rtl="0" fontAlgn="ctr">
-                        <a:spcBef>
-                          <a:spcPts val="0"/>
-                        </a:spcBef>
-                        <a:spcAft>
-                          <a:spcPts val="0"/>
-                        </a:spcAft>
-                      </a:pPr>
-                      <a:r>
-                        <a:rPr lang="en-US" sz="1400" b="0" u="sng" dirty="0">
-                          <a:solidFill>
-                            <a:schemeClr val="tx1"/>
-                          </a:solidFill>
-                          <a:effectLst/>
-                          <a:latin typeface="Times New Roman" panose="02020603050405020304" pitchFamily="18" charset="0"/>
-                          <a:cs typeface="Times New Roman" panose="02020603050405020304" pitchFamily="18" charset="0"/>
-                        </a:rPr>
-                        <a:t>0.2200</a:t>
-                      </a:r>
-                    </a:p>
-                  </a:txBody>
-                  <a:tcPr marL="63500" marR="63500" marT="63500" marB="63500" anchor="ctr"/>
-                </a:tc>
-                <a:tc>
-                  <a:txBody>
-                    <a:bodyPr/>
-                    <a:lstStyle/>
-                    <a:p>
-                      <a:pPr algn="ctr" rtl="0" fontAlgn="ctr">
-                        <a:spcBef>
-                          <a:spcPts val="0"/>
-                        </a:spcBef>
-                        <a:spcAft>
-                          <a:spcPts val="0"/>
-                        </a:spcAft>
-                      </a:pPr>
-                      <a:r>
-                        <a:rPr lang="en-US" sz="1400" b="0" u="none" dirty="0">
-                          <a:solidFill>
-                            <a:schemeClr val="tx1"/>
-                          </a:solidFill>
-                          <a:effectLst/>
-                          <a:latin typeface="Times New Roman" panose="02020603050405020304" pitchFamily="18" charset="0"/>
-                          <a:cs typeface="Times New Roman" panose="02020603050405020304" pitchFamily="18" charset="0"/>
-                        </a:rPr>
-                        <a:t> </a:t>
-                      </a:r>
-                      <a:r>
-                        <a:rPr lang="en-US" sz="1400" b="0" u="sng" dirty="0">
-                          <a:solidFill>
-                            <a:schemeClr val="tx1"/>
-                          </a:solidFill>
-                          <a:effectLst/>
-                          <a:latin typeface="Times New Roman" panose="02020603050405020304" pitchFamily="18" charset="0"/>
-                          <a:cs typeface="Times New Roman" panose="02020603050405020304" pitchFamily="18" charset="0"/>
-                        </a:rPr>
                         <a:t>0.2800</a:t>
                       </a:r>
                     </a:p>
@@ -18520,91 +18593,7 @@
                           <a:latin typeface="Times New Roman" panose="02020603050405020304" pitchFamily="18" charset="0"/>
                           <a:cs typeface="Times New Roman" panose="02020603050405020304" pitchFamily="18" charset="0"/>
                         </a:rPr>
-                        <a:t>0.1057</a:t>
-                      </a:r>
-                    </a:p>
-                  </a:txBody>
-                  <a:tcPr marL="63500" marR="63500" marT="63500" marB="63500" anchor="ctr"/>
-                </a:tc>
-                <a:tc>
-                  <a:txBody>
-                    <a:bodyPr/>
-                    <a:lstStyle/>
-                    <a:p>
-                      <a:pPr algn="ctr" rtl="0" fontAlgn="ctr">
-                        <a:spcBef>
-                          <a:spcPts val="0"/>
-                        </a:spcBef>
-                        <a:spcAft>
-                          <a:spcPts val="0"/>
-                        </a:spcAft>
-                      </a:pPr>
-                      <a:r>
-                        <a:rPr lang="en-US" sz="1400" b="0" u="none" dirty="0">
-                          <a:solidFill>
-                            <a:schemeClr val="tx1"/>
-                          </a:solidFill>
-                          <a:effectLst/>
-                          <a:latin typeface="Times New Roman" panose="02020603050405020304" pitchFamily="18" charset="0"/>
-                          <a:cs typeface="Times New Roman" panose="02020603050405020304" pitchFamily="18" charset="0"/>
-                        </a:rPr>
-                        <a:t>0.0500</a:t>
-                      </a:r>
-                    </a:p>
-                  </a:txBody>
-                  <a:tcPr marL="63500" marR="63500" marT="63500" marB="63500" anchor="ctr"/>
-                </a:tc>
-                <a:tc>
-                  <a:txBody>
-                    <a:bodyPr/>
-                    <a:lstStyle/>
-                    <a:p>
-                      <a:pPr algn="ctr" rtl="0" fontAlgn="ctr">
-                        <a:spcBef>
-                          <a:spcPts val="0"/>
-                        </a:spcBef>
-                        <a:spcAft>
-                          <a:spcPts val="0"/>
-                        </a:spcAft>
-                      </a:pPr>
-                      <a:r>
-                        <a:rPr lang="en-US" sz="1400" b="0" u="none" dirty="0">
-                          <a:solidFill>
-                            <a:schemeClr val="tx1"/>
-                          </a:solidFill>
-                          <a:effectLst/>
-                          <a:latin typeface="Times New Roman" panose="02020603050405020304" pitchFamily="18" charset="0"/>
-                          <a:cs typeface="Times New Roman" panose="02020603050405020304" pitchFamily="18" charset="0"/>
-                        </a:rPr>
-                        <a:t>0.1600</a:t>
-                      </a:r>
-                    </a:p>
-                  </a:txBody>
-                  <a:tcPr marL="63500" marR="63500" marT="63500" marB="63500" anchor="ctr"/>
-                </a:tc>
-                <a:tc>
-                  <a:txBody>
-                    <a:bodyPr/>
-                    <a:lstStyle/>
-                    <a:p>
-                      <a:pPr algn="ctr" rtl="0" fontAlgn="ctr">
-                        <a:spcBef>
-                          <a:spcPts val="0"/>
-                        </a:spcBef>
-                        <a:spcAft>
-                          <a:spcPts val="0"/>
-                        </a:spcAft>
-                      </a:pPr>
-                      <a:r>
-                        <a:rPr lang="en-US" sz="1400" b="0" u="none" dirty="0">
-                          <a:solidFill>
-                            <a:schemeClr val="tx1"/>
-                          </a:solidFill>
-                          <a:effectLst/>
-                          <a:latin typeface="Times New Roman" panose="02020603050405020304" pitchFamily="18" charset="0"/>
-                          <a:cs typeface="Times New Roman" panose="02020603050405020304" pitchFamily="18" charset="0"/>
-                        </a:rPr>
-                        <a:t>0.1900</a:t>
+                        <a:t>0.3700</a:t>
                       </a:r>
                     </a:p>
                   </a:txBody>
@@ -18667,63 +18656,7 @@
                           <a:latin typeface="Times New Roman" panose="02020603050405020304" pitchFamily="18" charset="0"/>
                           <a:cs typeface="Times New Roman" panose="02020603050405020304" pitchFamily="18" charset="0"/>
                         </a:rPr>
-                        <a:t>0.1429</a:t>
-                      </a:r>
-                    </a:p>
-                  </a:txBody>
-                  <a:tcPr marL="63500" marR="63500" marT="63500" marB="63500" anchor="ctr"/>
-                </a:tc>
-                <a:tc>
-                  <a:txBody>
-                    <a:bodyPr/>
-                    <a:lstStyle/>
-                    <a:p>
-                      <a:pPr algn="ctr" rtl="0" fontAlgn="ctr">
-                        <a:spcBef>
-                          <a:spcPts val="0"/>
-                        </a:spcBef>
-                        <a:spcAft>
-                          <a:spcPts val="0"/>
-                        </a:spcAft>
-                      </a:pPr>
-                      <a:r>
-                        <a:rPr lang="en-US" sz="1400" b="0" u="none" dirty="0">
-                          <a:solidFill>
-                            <a:schemeClr val="tx1"/>
-                          </a:solidFill>
-                          <a:effectLst/>
-                          <a:latin typeface="Times New Roman" panose="02020603050405020304" pitchFamily="18" charset="0"/>
-                          <a:cs typeface="Times New Roman" panose="02020603050405020304" pitchFamily="18" charset="0"/>
-                        </a:rPr>
-                        <a:t>0.1000</a:t>
-                      </a:r>
-                    </a:p>
-                  </a:txBody>
-                  <a:tcPr marL="63500" marR="63500" marT="63500" marB="63500" anchor="ctr"/>
-                </a:tc>
-                <a:tc>
-                  <a:txBody>
-                    <a:bodyPr/>
-                    <a:lstStyle/>
-                    <a:p>
-                      <a:pPr algn="ctr" rtl="0" fontAlgn="ctr">
-                        <a:spcBef>
-                          <a:spcPts val="0"/>
-                        </a:spcBef>
-                        <a:spcAft>
-                          <a:spcPts val="0"/>
-                        </a:spcAft>
-                      </a:pPr>
-                      <a:r>
-                        <a:rPr lang="en-US" sz="1400" b="0" u="none" dirty="0">
-                          <a:solidFill>
-                            <a:schemeClr val="tx1"/>
-                          </a:solidFill>
-                          <a:effectLst/>
-                          <a:latin typeface="Times New Roman" panose="02020603050405020304" pitchFamily="18" charset="0"/>
-                          <a:cs typeface="Times New Roman" panose="02020603050405020304" pitchFamily="18" charset="0"/>
-                        </a:rPr>
-                        <a:t>0.1700</a:t>
+                        <a:t> 0.3063</a:t>
                       </a:r>
                     </a:p>
                   </a:txBody>
@@ -18779,7 +18712,7 @@
                           <a:latin typeface="Times New Roman" panose="02020603050405020304" pitchFamily="18" charset="0"/>
                           <a:cs typeface="Times New Roman" panose="02020603050405020304" pitchFamily="18" charset="0"/>
                         </a:rPr>
-                        <a:t>0.1280</a:t>
+                        <a:t>0.3600</a:t>
                       </a:r>
                     </a:p>
                   </a:txBody>
@@ -18807,7 +18740,7 @@
                           <a:latin typeface="Times New Roman" panose="02020603050405020304" pitchFamily="18" charset="0"/>
                           <a:cs typeface="Times New Roman" panose="02020603050405020304" pitchFamily="18" charset="0"/>
                         </a:rPr>
-                        <a:t>0.0900</a:t>
+                        <a:t>0.4500</a:t>
                       </a:r>
                     </a:p>
                   </a:txBody>
@@ -18835,7 +18768,7 @@
                           <a:latin typeface="Times New Roman" panose="02020603050405020304" pitchFamily="18" charset="0"/>
                           <a:cs typeface="Times New Roman" panose="02020603050405020304" pitchFamily="18" charset="0"/>
                         </a:rPr>
-                        <a:t>0.1400</a:t>
+                        <a:t>0.2209</a:t>
                       </a:r>
                     </a:p>
                   </a:txBody>
@@ -18863,7 +18796,63 @@
                           <a:latin typeface="Times New Roman" panose="02020603050405020304" pitchFamily="18" charset="0"/>
                           <a:cs typeface="Times New Roman" panose="02020603050405020304" pitchFamily="18" charset="0"/>
                         </a:rPr>
-                        <a:t>0.2000</a:t>
+                        <a:t>0.1500</a:t>
+                      </a:r>
+                    </a:p>
+                  </a:txBody>
+                  <a:tcPr marL="63500" marR="63500" marT="63500" marB="63500" anchor="ctr"/>
+                </a:tc>
+                <a:tc>
+                  <a:txBody>
+                    <a:bodyPr/>
+                    <a:lstStyle/>
+                    <a:p>
+                      <a:pPr algn="ctr" rtl="0" fontAlgn="ctr">
+                        <a:spcBef>
+                          <a:spcPts val="0"/>
+                        </a:spcBef>
+                        <a:spcAft>
+                          <a:spcPts val="0"/>
+                        </a:spcAft>
+                      </a:pPr>
+                      <a:r>
+                        <a:rPr lang="en-US" sz="1400" b="0" u="none" dirty="0">
+                          <a:solidFill>
+                            <a:schemeClr val="tx1"/>
+                          </a:solidFill>
+                          <a:effectLst/>
+                          <a:latin typeface="Times New Roman" panose="02020603050405020304" pitchFamily="18" charset="0"/>
+                          <a:cs typeface="Times New Roman" panose="02020603050405020304" pitchFamily="18" charset="0"/>
+                        </a:rPr>
+                        <a:t>0.2600</a:t>
+                      </a:r>
+                    </a:p>
+                  </a:txBody>
+                  <a:tcPr marL="63500" marR="63500" marT="63500" marB="63500" anchor="ctr"/>
+                </a:tc>
+                <a:tc>
+                  <a:txBody>
+                    <a:bodyPr/>
+                    <a:lstStyle/>
+                    <a:p>
+                      <a:pPr algn="ctr" rtl="0" fontAlgn="ctr">
+                        <a:spcBef>
+                          <a:spcPts val="0"/>
+                        </a:spcBef>
+                        <a:spcAft>
+                          <a:spcPts val="0"/>
+                        </a:spcAft>
+                      </a:pPr>
+                      <a:r>
+                        <a:rPr lang="en-US" sz="1400" b="0" u="none" dirty="0">
+                          <a:solidFill>
+                            <a:schemeClr val="tx1"/>
+                          </a:solidFill>
+                          <a:effectLst/>
+                          <a:latin typeface="Times New Roman" panose="02020603050405020304" pitchFamily="18" charset="0"/>
+                          <a:cs typeface="Times New Roman" panose="02020603050405020304" pitchFamily="18" charset="0"/>
+                        </a:rPr>
+                        <a:t>0.3900</a:t>
                       </a:r>
                     </a:p>
                   </a:txBody>
@@ -18918,7 +18907,7 @@
                         </a:spcAft>
                       </a:pPr>
                       <a:r>
-                        <a:rPr lang="en-US" sz="1400" b="0" u="none" dirty="0">
+                        <a:rPr lang="en-US" sz="1400" b="1" u="none" dirty="0">
                           <a:solidFill>
                             <a:schemeClr val="tx1"/>
                           </a:solidFill>
@@ -18926,7 +18915,63 @@
                           <a:latin typeface="Times New Roman" panose="02020603050405020304" pitchFamily="18" charset="0"/>
                           <a:cs typeface="Times New Roman" panose="02020603050405020304" pitchFamily="18" charset="0"/>
                         </a:rPr>
-                        <a:t>0.0980</a:t>
+                        <a:t>0.3262</a:t>
+                      </a:r>
+                    </a:p>
+                  </a:txBody>
+                  <a:tcPr marL="63500" marR="63500" marT="63500" marB="63500" anchor="ctr"/>
+                </a:tc>
+                <a:tc>
+                  <a:txBody>
+                    <a:bodyPr/>
+                    <a:lstStyle/>
+                    <a:p>
+                      <a:pPr algn="ctr" rtl="0" fontAlgn="ctr">
+                        <a:spcBef>
+                          <a:spcPts val="0"/>
+                        </a:spcBef>
+                        <a:spcAft>
+                          <a:spcPts val="0"/>
+                        </a:spcAft>
+                      </a:pPr>
+                      <a:r>
+                        <a:rPr lang="en-US" sz="1400" b="1" u="none" dirty="0">
+                          <a:solidFill>
+                            <a:schemeClr val="tx1"/>
+                          </a:solidFill>
+                          <a:effectLst/>
+                          <a:latin typeface="Times New Roman" panose="02020603050405020304" pitchFamily="18" charset="0"/>
+                          <a:cs typeface="Times New Roman" panose="02020603050405020304" pitchFamily="18" charset="0"/>
+                        </a:rPr>
+                        <a:t>0.2300</a:t>
+                      </a:r>
+                    </a:p>
+                  </a:txBody>
+                  <a:tcPr marL="63500" marR="63500" marT="63500" marB="63500" anchor="ctr"/>
+                </a:tc>
+                <a:tc>
+                  <a:txBody>
+                    <a:bodyPr/>
+                    <a:lstStyle/>
+                    <a:p>
+                      <a:pPr algn="ctr" rtl="0" fontAlgn="ctr">
+                        <a:spcBef>
+                          <a:spcPts val="0"/>
+                        </a:spcBef>
+                        <a:spcAft>
+                          <a:spcPts val="0"/>
+                        </a:spcAft>
+                      </a:pPr>
+                      <a:r>
+                        <a:rPr lang="en-US" sz="1400" b="1" u="none" dirty="0">
+                          <a:solidFill>
+                            <a:schemeClr val="tx1"/>
+                          </a:solidFill>
+                          <a:effectLst/>
+                          <a:latin typeface="Times New Roman" panose="02020603050405020304" pitchFamily="18" charset="0"/>
+                          <a:cs typeface="Times New Roman" panose="02020603050405020304" pitchFamily="18" charset="0"/>
+                        </a:rPr>
+                        <a:t>0.3800</a:t>
                       </a:r>
                     </a:p>
                   </a:txBody>
@@ -18954,7 +18999,18 @@
                           <a:latin typeface="Times New Roman" panose="02020603050405020304" pitchFamily="18" charset="0"/>
                           <a:cs typeface="Times New Roman" panose="02020603050405020304" pitchFamily="18" charset="0"/>
                         </a:rPr>
-                        <a:t>0.0300</a:t>
+                        <a:t> </a:t>
+                      </a:r>
+                      <a:r>
+                        <a:rPr lang="en-US" sz="1400" b="1" u="none" dirty="0">
+                          <a:solidFill>
+                            <a:schemeClr val="tx1"/>
+                          </a:solidFill>
+                          <a:effectLst/>
+                          <a:latin typeface="Times New Roman" panose="02020603050405020304" pitchFamily="18" charset="0"/>
+                          <a:cs typeface="Times New Roman" panose="02020603050405020304" pitchFamily="18" charset="0"/>
+                        </a:rPr>
+                        <a:t>0.5200</a:t>
                       </a:r>
                     </a:p>
                   </a:txBody>
@@ -18982,7 +19038,7 @@
                           <a:latin typeface="Times New Roman" panose="02020603050405020304" pitchFamily="18" charset="0"/>
                           <a:cs typeface="Times New Roman" panose="02020603050405020304" pitchFamily="18" charset="0"/>
                         </a:rPr>
-                        <a:t>0.1600</a:t>
+                        <a:t>0.2603</a:t>
                       </a:r>
                     </a:p>
                   </a:txBody>
@@ -19010,7 +19066,7 @@
                           <a:latin typeface="Times New Roman" panose="02020603050405020304" pitchFamily="18" charset="0"/>
                           <a:cs typeface="Times New Roman" panose="02020603050405020304" pitchFamily="18" charset="0"/>
                         </a:rPr>
-                        <a:t>0.1900</a:t>
+                        <a:t>0.1800</a:t>
                       </a:r>
                     </a:p>
                   </a:txBody>
@@ -19038,7 +19094,7 @@
                           <a:latin typeface="Times New Roman" panose="02020603050405020304" pitchFamily="18" charset="0"/>
                           <a:cs typeface="Times New Roman" panose="02020603050405020304" pitchFamily="18" charset="0"/>
                         </a:rPr>
-                        <a:t>0.1723</a:t>
+                        <a:t>0.3100</a:t>
                       </a:r>
                     </a:p>
                   </a:txBody>
@@ -19066,63 +19122,7 @@
                           <a:latin typeface="Times New Roman" panose="02020603050405020304" pitchFamily="18" charset="0"/>
                           <a:cs typeface="Times New Roman" panose="02020603050405020304" pitchFamily="18" charset="0"/>
                         </a:rPr>
-                        <a:t> 0.1200</a:t>
-                      </a:r>
-                    </a:p>
-                  </a:txBody>
-                  <a:tcPr marL="63500" marR="63500" marT="63500" marB="63500" anchor="ctr"/>
-                </a:tc>
-                <a:tc>
-                  <a:txBody>
-                    <a:bodyPr/>
-                    <a:lstStyle/>
-                    <a:p>
-                      <a:pPr algn="ctr" rtl="0" fontAlgn="ctr">
-                        <a:spcBef>
-                          <a:spcPts val="0"/>
-                        </a:spcBef>
-                        <a:spcAft>
-                          <a:spcPts val="0"/>
-                        </a:spcAft>
-                      </a:pPr>
-                      <a:r>
-                        <a:rPr lang="en-US" sz="1400" b="0" u="none" dirty="0">
-                          <a:solidFill>
-                            <a:schemeClr val="tx1"/>
-                          </a:solidFill>
-                          <a:effectLst/>
-                          <a:latin typeface="Times New Roman" panose="02020603050405020304" pitchFamily="18" charset="0"/>
-                          <a:cs typeface="Times New Roman" panose="02020603050405020304" pitchFamily="18" charset="0"/>
-                        </a:rPr>
-                        <a:t>0.2000</a:t>
-                      </a:r>
-                    </a:p>
-                  </a:txBody>
-                  <a:tcPr marL="63500" marR="63500" marT="63500" marB="63500" anchor="ctr"/>
-                </a:tc>
-                <a:tc>
-                  <a:txBody>
-                    <a:bodyPr/>
-                    <a:lstStyle/>
-                    <a:p>
-                      <a:pPr algn="ctr" rtl="0" fontAlgn="ctr">
-                        <a:spcBef>
-                          <a:spcPts val="0"/>
-                        </a:spcBef>
-                        <a:spcAft>
-                          <a:spcPts val="0"/>
-                        </a:spcAft>
-                      </a:pPr>
-                      <a:r>
-                        <a:rPr lang="en-US" sz="1400" b="0" u="none" dirty="0">
-                          <a:solidFill>
-                            <a:schemeClr val="tx1"/>
-                          </a:solidFill>
-                          <a:effectLst/>
-                          <a:latin typeface="Times New Roman" panose="02020603050405020304" pitchFamily="18" charset="0"/>
-                          <a:cs typeface="Times New Roman" panose="02020603050405020304" pitchFamily="18" charset="0"/>
-                        </a:rPr>
-                        <a:t>0.2700</a:t>
+                        <a:t>0.4200</a:t>
                       </a:r>
                     </a:p>
                   </a:txBody>
@@ -19152,166 +19152,6 @@
 </file>
 
 <file path=ppt/slides/slide4.xml><?xml version="1.0" encoding="utf-8"?>
-<p:sld xmlns:a="http://schemas.openxmlformats.org/drawingml/2006/main" xmlns:r="http://schemas.openxmlformats.org/officeDocument/2006/relationships" xmlns:p="http://schemas.openxmlformats.org/presentationml/2006/main">
-  <p:cSld>
-    <p:spTree>
-      <p:nvGrpSpPr>
-        <p:cNvPr id="1" name=""/>
-        <p:cNvGrpSpPr/>
-        <p:nvPr/>
-      </p:nvGrpSpPr>
-      <p:grpSpPr>
-        <a:xfrm>
-          <a:off x="0" y="0"/>
-          <a:ext cx="0" cy="0"/>
-          <a:chOff x="0" y="0"/>
-          <a:chExt cx="0" cy="0"/>
-        </a:xfrm>
-      </p:grpSpPr>
-      <p:sp>
-        <p:nvSpPr>
-          <p:cNvPr id="2" name="Titel 1">
-            <a:extLst>
-              <a:ext uri="{FF2B5EF4-FFF2-40B4-BE49-F238E27FC236}">
-                <a16:creationId xmlns:a16="http://schemas.microsoft.com/office/drawing/2014/main" id="{97290941-D096-864F-D6D7-C6BFB0E6514B}"/>
-              </a:ext>
-            </a:extLst>
-          </p:cNvPr>
-          <p:cNvSpPr>
-            <a:spLocks noGrp="1"/>
-          </p:cNvSpPr>
-          <p:nvPr>
-            <p:ph type="title"/>
-          </p:nvPr>
-        </p:nvSpPr>
-        <p:spPr/>
-        <p:txBody>
-          <a:bodyPr/>
-          <a:lstStyle/>
-          <a:p>
-            <a:endParaRPr lang="en-US"/>
-          </a:p>
-        </p:txBody>
-      </p:sp>
-      <p:sp>
-        <p:nvSpPr>
-          <p:cNvPr id="3" name="Inhaltsplatzhalter 2">
-            <a:extLst>
-              <a:ext uri="{FF2B5EF4-FFF2-40B4-BE49-F238E27FC236}">
-                <a16:creationId xmlns:a16="http://schemas.microsoft.com/office/drawing/2014/main" id="{7D5D73AD-43A7-6FD4-8836-A629ABE00D36}"/>
-              </a:ext>
-            </a:extLst>
-          </p:cNvPr>
-          <p:cNvSpPr>
-            <a:spLocks noGrp="1"/>
-          </p:cNvSpPr>
-          <p:nvPr>
-            <p:ph idx="1"/>
-          </p:nvPr>
-        </p:nvSpPr>
-        <p:spPr/>
-        <p:txBody>
-          <a:bodyPr/>
-          <a:lstStyle/>
-          <a:p>
-            <a:endParaRPr lang="en-US"/>
-          </a:p>
-        </p:txBody>
-      </p:sp>
-    </p:spTree>
-    <p:extLst>
-      <p:ext uri="{BB962C8B-B14F-4D97-AF65-F5344CB8AC3E}">
-        <p14:creationId xmlns:p14="http://schemas.microsoft.com/office/powerpoint/2010/main" val="1575556044"/>
-      </p:ext>
-    </p:extLst>
-  </p:cSld>
-  <p:clrMapOvr>
-    <a:masterClrMapping/>
-  </p:clrMapOvr>
-</p:sld>
-</file>
-
-<file path=ppt/slides/slide5.xml><?xml version="1.0" encoding="utf-8"?>
-<p:sld xmlns:a="http://schemas.openxmlformats.org/drawingml/2006/main" xmlns:r="http://schemas.openxmlformats.org/officeDocument/2006/relationships" xmlns:p="http://schemas.openxmlformats.org/presentationml/2006/main">
-  <p:cSld>
-    <p:spTree>
-      <p:nvGrpSpPr>
-        <p:cNvPr id="1" name=""/>
-        <p:cNvGrpSpPr/>
-        <p:nvPr/>
-      </p:nvGrpSpPr>
-      <p:grpSpPr>
-        <a:xfrm>
-          <a:off x="0" y="0"/>
-          <a:ext cx="0" cy="0"/>
-          <a:chOff x="0" y="0"/>
-          <a:chExt cx="0" cy="0"/>
-        </a:xfrm>
-      </p:grpSpPr>
-      <p:sp>
-        <p:nvSpPr>
-          <p:cNvPr id="2" name="Titel 1">
-            <a:extLst>
-              <a:ext uri="{FF2B5EF4-FFF2-40B4-BE49-F238E27FC236}">
-                <a16:creationId xmlns:a16="http://schemas.microsoft.com/office/drawing/2014/main" id="{4686D9AE-F14A-98A2-4A00-08FFBA8102A0}"/>
-              </a:ext>
-            </a:extLst>
-          </p:cNvPr>
-          <p:cNvSpPr>
-            <a:spLocks noGrp="1"/>
-          </p:cNvSpPr>
-          <p:nvPr>
-            <p:ph type="title"/>
-          </p:nvPr>
-        </p:nvSpPr>
-        <p:spPr/>
-        <p:txBody>
-          <a:bodyPr/>
-          <a:lstStyle/>
-          <a:p>
-            <a:endParaRPr lang="en-US"/>
-          </a:p>
-        </p:txBody>
-      </p:sp>
-      <p:sp>
-        <p:nvSpPr>
-          <p:cNvPr id="3" name="Inhaltsplatzhalter 2">
-            <a:extLst>
-              <a:ext uri="{FF2B5EF4-FFF2-40B4-BE49-F238E27FC236}">
-                <a16:creationId xmlns:a16="http://schemas.microsoft.com/office/drawing/2014/main" id="{906AA005-C2C5-5691-550F-2635BFF9C8B6}"/>
-              </a:ext>
-            </a:extLst>
-          </p:cNvPr>
-          <p:cNvSpPr>
-            <a:spLocks noGrp="1"/>
-          </p:cNvSpPr>
-          <p:nvPr>
-            <p:ph idx="1"/>
-          </p:nvPr>
-        </p:nvSpPr>
-        <p:spPr/>
-        <p:txBody>
-          <a:bodyPr/>
-          <a:lstStyle/>
-          <a:p>
-            <a:endParaRPr lang="en-US"/>
-          </a:p>
-        </p:txBody>
-      </p:sp>
-    </p:spTree>
-    <p:extLst>
-      <p:ext uri="{BB962C8B-B14F-4D97-AF65-F5344CB8AC3E}">
-        <p14:creationId xmlns:p14="http://schemas.microsoft.com/office/powerpoint/2010/main" val="313061371"/>
-      </p:ext>
-    </p:extLst>
-  </p:cSld>
-  <p:clrMapOvr>
-    <a:masterClrMapping/>
-  </p:clrMapOvr>
-</p:sld>
-</file>
-
-<file path=ppt/slides/slide6.xml><?xml version="1.0" encoding="utf-8"?>
 <p:sld xmlns:a="http://schemas.openxmlformats.org/drawingml/2006/main" xmlns:r="http://schemas.openxmlformats.org/officeDocument/2006/relationships" xmlns:p="http://schemas.openxmlformats.org/presentationml/2006/main">
   <p:cSld>
     <p:bg>
@@ -20399,14 +20239,14 @@
             <p:ph idx="1"/>
             <p:extLst>
               <p:ext uri="{D42A27DB-BD31-4B8C-83A1-F6EECF244321}">
-                <p14:modId xmlns:p14="http://schemas.microsoft.com/office/powerpoint/2010/main" val="2359176962"/>
+                <p14:modId xmlns:p14="http://schemas.microsoft.com/office/powerpoint/2010/main" val="365787773"/>
               </p:ext>
             </p:extLst>
           </p:nvPr>
         </p:nvGraphicFramePr>
         <p:xfrm>
-          <a:off x="660943" y="2810256"/>
-          <a:ext cx="10462669" cy="2862198"/>
+          <a:off x="648930" y="2140097"/>
+          <a:ext cx="10420393" cy="3902164"/>
         </p:xfrm>
         <a:graphic>
           <a:graphicData uri="http://schemas.openxmlformats.org/drawingml/2006/table">
@@ -20415,7 +20255,7 @@
                 <a:tableStyleId>{5C22544A-7EE6-4342-B048-85BDC9FD1C3A}</a:tableStyleId>
               </a:tblPr>
               <a:tblGrid>
-                <a:gridCol w="2614958">
+                <a:gridCol w="2572682">
                   <a:extLst>
                     <a:ext uri="{9D8B030D-6E8A-4147-A177-3AD203B41FA5}">
                       <a16:colId xmlns:a16="http://schemas.microsoft.com/office/drawing/2014/main" val="2180807056"/>
@@ -20580,7 +20420,7 @@
                     <a:p>
                       <a:pPr algn="ctr"/>
                       <a:r>
-                        <a:rPr lang="en-US" sz="2100">
+                        <a:rPr lang="en-US" sz="1800" dirty="0">
                           <a:latin typeface="Times New Roman" panose="02020603050405020304" pitchFamily="18" charset="0"/>
                           <a:cs typeface="Times New Roman" panose="02020603050405020304" pitchFamily="18" charset="0"/>
                         </a:rPr>
@@ -20704,12 +20544,23 @@
                     <a:p>
                       <a:pPr algn="ctr"/>
                       <a:r>
-                        <a:rPr lang="en-US" sz="2100">
+                        <a:rPr lang="en-US" sz="1800" dirty="0">
                           <a:latin typeface="Times New Roman" panose="02020603050405020304" pitchFamily="18" charset="0"/>
                           <a:cs typeface="Times New Roman" panose="02020603050405020304" pitchFamily="18" charset="0"/>
                         </a:rPr>
-                        <a:t>KICGPT tsa</a:t>
+                        <a:t>KICGPT </a:t>
                       </a:r>
+                      <a:r>
+                        <a:rPr lang="en-US" sz="1800" dirty="0" err="1">
+                          <a:latin typeface="Times New Roman" panose="02020603050405020304" pitchFamily="18" charset="0"/>
+                          <a:cs typeface="Times New Roman" panose="02020603050405020304" pitchFamily="18" charset="0"/>
+                        </a:rPr>
+                        <a:t>tsa</a:t>
+                      </a:r>
+                      <a:endParaRPr lang="en-US" sz="1800" dirty="0">
+                        <a:latin typeface="Times New Roman" panose="02020603050405020304" pitchFamily="18" charset="0"/>
+                        <a:cs typeface="Times New Roman" panose="02020603050405020304" pitchFamily="18" charset="0"/>
+                      </a:endParaRPr>
                     </a:p>
                   </a:txBody>
                   <a:tcPr marL="108416" marR="108416" marT="54208" marB="54208"/>
@@ -20828,20 +20679,27 @@
                     <a:p>
                       <a:pPr algn="ctr"/>
                       <a:r>
-                        <a:rPr lang="en-US" sz="2100">
+                        <a:rPr lang="en-US" sz="1800" dirty="0" err="1">
                           <a:latin typeface="Times New Roman" panose="02020603050405020304" pitchFamily="18" charset="0"/>
                           <a:cs typeface="Times New Roman" panose="02020603050405020304" pitchFamily="18" charset="0"/>
                         </a:rPr>
-                        <a:t>KICMistral 7B</a:t>
+                        <a:t>KICMistral</a:t>
                       </a:r>
                       <a:r>
-                        <a:rPr lang="de-DE" sz="2100">
+                        <a:rPr lang="en-US" sz="1800" dirty="0">
+                          <a:latin typeface="Times New Roman" panose="02020603050405020304" pitchFamily="18" charset="0"/>
+                          <a:cs typeface="Times New Roman" panose="02020603050405020304" pitchFamily="18" charset="0"/>
+                        </a:rPr>
+                        <a:t> 7B</a:t>
+                      </a:r>
+                      <a:r>
+                        <a:rPr lang="de-DE" sz="1800" dirty="0">
                           <a:latin typeface="Times New Roman" panose="02020603050405020304" pitchFamily="18" charset="0"/>
                           <a:cs typeface="Times New Roman" panose="02020603050405020304" pitchFamily="18" charset="0"/>
                         </a:rPr>
                         <a:t>_10</a:t>
                       </a:r>
-                      <a:endParaRPr lang="en-US" sz="2100">
+                      <a:endParaRPr lang="en-US" sz="1800" dirty="0">
                         <a:latin typeface="Times New Roman" panose="02020603050405020304" pitchFamily="18" charset="0"/>
                         <a:cs typeface="Times New Roman" panose="02020603050405020304" pitchFamily="18" charset="0"/>
                       </a:endParaRPr>
@@ -20947,20 +20805,27 @@
                         <a:defRPr/>
                       </a:pPr>
                       <a:r>
-                        <a:rPr lang="en-US" sz="2100">
+                        <a:rPr lang="en-US" sz="1800" dirty="0" err="1">
                           <a:latin typeface="Times New Roman" panose="02020603050405020304" pitchFamily="18" charset="0"/>
                           <a:cs typeface="Times New Roman" panose="02020603050405020304" pitchFamily="18" charset="0"/>
                         </a:rPr>
-                        <a:t>KICMistral 7B</a:t>
+                        <a:t>KICMistral</a:t>
                       </a:r>
                       <a:r>
-                        <a:rPr lang="de-DE" sz="2100">
+                        <a:rPr lang="en-US" sz="1800" dirty="0">
+                          <a:latin typeface="Times New Roman" panose="02020603050405020304" pitchFamily="18" charset="0"/>
+                          <a:cs typeface="Times New Roman" panose="02020603050405020304" pitchFamily="18" charset="0"/>
+                        </a:rPr>
+                        <a:t> 7B</a:t>
+                      </a:r>
+                      <a:r>
+                        <a:rPr lang="de-DE" sz="1800" dirty="0">
                           <a:latin typeface="Times New Roman" panose="02020603050405020304" pitchFamily="18" charset="0"/>
                           <a:cs typeface="Times New Roman" panose="02020603050405020304" pitchFamily="18" charset="0"/>
                         </a:rPr>
                         <a:t>_50</a:t>
                       </a:r>
-                      <a:endParaRPr lang="en-US" sz="2100">
+                      <a:endParaRPr lang="en-US" sz="1800" dirty="0">
                         <a:latin typeface="Times New Roman" panose="02020603050405020304" pitchFamily="18" charset="0"/>
                         <a:cs typeface="Times New Roman" panose="02020603050405020304" pitchFamily="18" charset="0"/>
                       </a:endParaRPr>
@@ -21066,14 +20931,14 @@
                         <a:defRPr/>
                       </a:pPr>
                       <a:r>
-                        <a:rPr lang="en-US" sz="2100" dirty="0" err="1">
+                        <a:rPr lang="en-US" sz="1800" dirty="0" err="1">
                           <a:latin typeface="Times New Roman" panose="02020603050405020304" pitchFamily="18" charset="0"/>
                           <a:cs typeface="Times New Roman" panose="02020603050405020304" pitchFamily="18" charset="0"/>
                         </a:rPr>
                         <a:t>KICMistral</a:t>
                       </a:r>
                       <a:r>
-                        <a:rPr lang="en-US" sz="2100" dirty="0">
+                        <a:rPr lang="en-US" sz="1800" dirty="0">
                           <a:latin typeface="Times New Roman" panose="02020603050405020304" pitchFamily="18" charset="0"/>
                           <a:cs typeface="Times New Roman" panose="02020603050405020304" pitchFamily="18" charset="0"/>
                         </a:rPr>
@@ -21157,6 +21022,223 @@
                   </a:ext>
                 </a:extLst>
               </a:tr>
+              <a:tr h="562933">
+                <a:tc>
+                  <a:txBody>
+                    <a:bodyPr/>
+                    <a:lstStyle/>
+                    <a:p>
+                      <a:pPr marL="0" marR="0" lvl="0" indent="0" algn="ctr" defTabSz="457200" rtl="0" eaLnBrk="1" fontAlgn="auto" latinLnBrk="0" hangingPunct="1">
+                        <a:lnSpc>
+                          <a:spcPct val="100000"/>
+                        </a:lnSpc>
+                        <a:spcBef>
+                          <a:spcPts val="0"/>
+                        </a:spcBef>
+                        <a:spcAft>
+                          <a:spcPts val="0"/>
+                        </a:spcAft>
+                        <a:buClrTx/>
+                        <a:buSzTx/>
+                        <a:buFontTx/>
+                        <a:buNone/>
+                        <a:tabLst/>
+                        <a:defRPr/>
+                      </a:pPr>
+                      <a:r>
+                        <a:rPr lang="en-US" sz="1800" dirty="0" err="1">
+                          <a:latin typeface="Times New Roman" panose="02020603050405020304" pitchFamily="18" charset="0"/>
+                          <a:cs typeface="Times New Roman" panose="02020603050405020304" pitchFamily="18" charset="0"/>
+                        </a:rPr>
+                        <a:t>KICMistral</a:t>
+                      </a:r>
+                      <a:r>
+                        <a:rPr lang="en-US" sz="1800" dirty="0">
+                          <a:latin typeface="Times New Roman" panose="02020603050405020304" pitchFamily="18" charset="0"/>
+                          <a:cs typeface="Times New Roman" panose="02020603050405020304" pitchFamily="18" charset="0"/>
+                        </a:rPr>
+                        <a:t> 8X7B-50</a:t>
+                      </a:r>
+                    </a:p>
+                  </a:txBody>
+                  <a:tcPr marL="108416" marR="108416" marT="54208" marB="54208"/>
+                </a:tc>
+                <a:tc>
+                  <a:txBody>
+                    <a:bodyPr/>
+                    <a:lstStyle/>
+                    <a:p>
+                      <a:pPr algn="ctr"/>
+                      <a:endParaRPr lang="en-US" sz="2100" dirty="0">
+                        <a:latin typeface="Times New Roman" panose="02020603050405020304" pitchFamily="18" charset="0"/>
+                        <a:cs typeface="Times New Roman" panose="02020603050405020304" pitchFamily="18" charset="0"/>
+                      </a:endParaRPr>
+                    </a:p>
+                  </a:txBody>
+                  <a:tcPr marL="108416" marR="108416" marT="54208" marB="54208"/>
+                </a:tc>
+                <a:tc>
+                  <a:txBody>
+                    <a:bodyPr/>
+                    <a:lstStyle/>
+                    <a:p>
+                      <a:pPr algn="ctr"/>
+                      <a:endParaRPr lang="en-US" sz="2100" dirty="0">
+                        <a:latin typeface="Times New Roman" panose="02020603050405020304" pitchFamily="18" charset="0"/>
+                        <a:cs typeface="Times New Roman" panose="02020603050405020304" pitchFamily="18" charset="0"/>
+                      </a:endParaRPr>
+                    </a:p>
+                  </a:txBody>
+                  <a:tcPr marL="108416" marR="108416" marT="54208" marB="54208"/>
+                </a:tc>
+                <a:tc>
+                  <a:txBody>
+                    <a:bodyPr/>
+                    <a:lstStyle/>
+                    <a:p>
+                      <a:pPr algn="ctr"/>
+                      <a:endParaRPr lang="en-US" sz="2100">
+                        <a:latin typeface="Times New Roman" panose="02020603050405020304" pitchFamily="18" charset="0"/>
+                        <a:cs typeface="Times New Roman" panose="02020603050405020304" pitchFamily="18" charset="0"/>
+                      </a:endParaRPr>
+                    </a:p>
+                  </a:txBody>
+                  <a:tcPr marL="108416" marR="108416" marT="54208" marB="54208"/>
+                </a:tc>
+                <a:tc>
+                  <a:txBody>
+                    <a:bodyPr/>
+                    <a:lstStyle/>
+                    <a:p>
+                      <a:pPr algn="ctr"/>
+                      <a:endParaRPr lang="en-US" sz="2100" dirty="0">
+                        <a:latin typeface="Times New Roman" panose="02020603050405020304" pitchFamily="18" charset="0"/>
+                        <a:cs typeface="Times New Roman" panose="02020603050405020304" pitchFamily="18" charset="0"/>
+                      </a:endParaRPr>
+                    </a:p>
+                  </a:txBody>
+                  <a:tcPr marL="108416" marR="108416" marT="54208" marB="54208"/>
+                </a:tc>
+                <a:extLst>
+                  <a:ext uri="{0D108BD9-81ED-4DB2-BD59-A6C34878D82A}">
+                    <a16:rowId xmlns:a16="http://schemas.microsoft.com/office/drawing/2014/main" val="2681619329"/>
+                  </a:ext>
+                </a:extLst>
+              </a:tr>
+              <a:tr h="477033">
+                <a:tc>
+                  <a:txBody>
+                    <a:bodyPr/>
+                    <a:lstStyle/>
+                    <a:p>
+                      <a:pPr marL="0" marR="0" lvl="0" indent="0" algn="ctr" defTabSz="457200" rtl="0" eaLnBrk="1" fontAlgn="auto" latinLnBrk="0" hangingPunct="1">
+                        <a:lnSpc>
+                          <a:spcPct val="100000"/>
+                        </a:lnSpc>
+                        <a:spcBef>
+                          <a:spcPts val="0"/>
+                        </a:spcBef>
+                        <a:spcAft>
+                          <a:spcPts val="0"/>
+                        </a:spcAft>
+                        <a:buClrTx/>
+                        <a:buSzTx/>
+                        <a:buFontTx/>
+                        <a:buNone/>
+                        <a:tabLst/>
+                        <a:defRPr/>
+                      </a:pPr>
+                      <a:r>
+                        <a:rPr lang="en-US" sz="1800" dirty="0" err="1">
+                          <a:latin typeface="Times New Roman" panose="02020603050405020304" pitchFamily="18" charset="0"/>
+                          <a:cs typeface="Times New Roman" panose="02020603050405020304" pitchFamily="18" charset="0"/>
+                        </a:rPr>
+                        <a:t>KICMistral</a:t>
+                      </a:r>
+                      <a:r>
+                        <a:rPr lang="en-US" sz="1800" dirty="0">
+                          <a:latin typeface="Times New Roman" panose="02020603050405020304" pitchFamily="18" charset="0"/>
+                          <a:cs typeface="Times New Roman" panose="02020603050405020304" pitchFamily="18" charset="0"/>
+                        </a:rPr>
+                        <a:t> 8X7B-50 </a:t>
+                      </a:r>
+                      <a:r>
+                        <a:rPr lang="en-US" altLang="zh-CN" sz="1800" dirty="0" err="1">
+                          <a:latin typeface="Times New Roman" panose="02020603050405020304" pitchFamily="18" charset="0"/>
+                          <a:cs typeface="Times New Roman" panose="02020603050405020304" pitchFamily="18" charset="0"/>
+                        </a:rPr>
+                        <a:t>tsa</a:t>
+                      </a:r>
+                      <a:endParaRPr lang="en-US" sz="1800" dirty="0">
+                        <a:latin typeface="Times New Roman" panose="02020603050405020304" pitchFamily="18" charset="0"/>
+                        <a:cs typeface="Times New Roman" panose="02020603050405020304" pitchFamily="18" charset="0"/>
+                      </a:endParaRPr>
+                    </a:p>
+                  </a:txBody>
+                  <a:tcPr marL="108416" marR="108416" marT="54208" marB="54208"/>
+                </a:tc>
+                <a:tc>
+                  <a:txBody>
+                    <a:bodyPr/>
+                    <a:lstStyle/>
+                    <a:p>
+                      <a:pPr algn="ctr"/>
+                      <a:endParaRPr lang="en-US" sz="2100" dirty="0">
+                        <a:latin typeface="Times New Roman" panose="02020603050405020304" pitchFamily="18" charset="0"/>
+                        <a:cs typeface="Times New Roman" panose="02020603050405020304" pitchFamily="18" charset="0"/>
+                      </a:endParaRPr>
+                    </a:p>
+                  </a:txBody>
+                  <a:tcPr marL="108416" marR="108416" marT="54208" marB="54208"/>
+                </a:tc>
+                <a:tc>
+                  <a:txBody>
+                    <a:bodyPr/>
+                    <a:lstStyle/>
+                    <a:p>
+                      <a:pPr algn="ctr"/>
+                      <a:endParaRPr lang="en-US" sz="2100" dirty="0">
+                        <a:latin typeface="Times New Roman" panose="02020603050405020304" pitchFamily="18" charset="0"/>
+                        <a:cs typeface="Times New Roman" panose="02020603050405020304" pitchFamily="18" charset="0"/>
+                      </a:endParaRPr>
+                    </a:p>
+                  </a:txBody>
+                  <a:tcPr marL="108416" marR="108416" marT="54208" marB="54208"/>
+                </a:tc>
+                <a:tc>
+                  <a:txBody>
+                    <a:bodyPr/>
+                    <a:lstStyle/>
+                    <a:p>
+                      <a:pPr algn="ctr"/>
+                      <a:endParaRPr lang="en-US" sz="2100">
+                        <a:latin typeface="Times New Roman" panose="02020603050405020304" pitchFamily="18" charset="0"/>
+                        <a:cs typeface="Times New Roman" panose="02020603050405020304" pitchFamily="18" charset="0"/>
+                      </a:endParaRPr>
+                    </a:p>
+                  </a:txBody>
+                  <a:tcPr marL="108416" marR="108416" marT="54208" marB="54208"/>
+                </a:tc>
+                <a:tc>
+                  <a:txBody>
+                    <a:bodyPr/>
+                    <a:lstStyle/>
+                    <a:p>
+                      <a:pPr algn="ctr"/>
+                      <a:endParaRPr lang="en-US" sz="2100" dirty="0">
+                        <a:latin typeface="Times New Roman" panose="02020603050405020304" pitchFamily="18" charset="0"/>
+                        <a:cs typeface="Times New Roman" panose="02020603050405020304" pitchFamily="18" charset="0"/>
+                      </a:endParaRPr>
+                    </a:p>
+                  </a:txBody>
+                  <a:tcPr marL="108416" marR="108416" marT="54208" marB="54208"/>
+                </a:tc>
+                <a:extLst>
+                  <a:ext uri="{0D108BD9-81ED-4DB2-BD59-A6C34878D82A}">
+                    <a16:rowId xmlns:a16="http://schemas.microsoft.com/office/drawing/2014/main" val="2508150010"/>
+                  </a:ext>
+                </a:extLst>
+              </a:tr>
             </a:tbl>
           </a:graphicData>
         </a:graphic>
@@ -21170,6 +21252,166 @@
   </p:cSld>
   <p:clrMapOvr>
     <a:overrideClrMapping bg1="lt1" tx1="dk1" bg2="lt2" tx2="dk2" accent1="accent1" accent2="accent2" accent3="accent3" accent4="accent4" accent5="accent5" accent6="accent6" hlink="hlink" folHlink="folHlink"/>
+  </p:clrMapOvr>
+</p:sld>
+</file>
+
+<file path=ppt/slides/slide5.xml><?xml version="1.0" encoding="utf-8"?>
+<p:sld xmlns:a="http://schemas.openxmlformats.org/drawingml/2006/main" xmlns:r="http://schemas.openxmlformats.org/officeDocument/2006/relationships" xmlns:p="http://schemas.openxmlformats.org/presentationml/2006/main">
+  <p:cSld>
+    <p:spTree>
+      <p:nvGrpSpPr>
+        <p:cNvPr id="1" name=""/>
+        <p:cNvGrpSpPr/>
+        <p:nvPr/>
+      </p:nvGrpSpPr>
+      <p:grpSpPr>
+        <a:xfrm>
+          <a:off x="0" y="0"/>
+          <a:ext cx="0" cy="0"/>
+          <a:chOff x="0" y="0"/>
+          <a:chExt cx="0" cy="0"/>
+        </a:xfrm>
+      </p:grpSpPr>
+      <p:sp>
+        <p:nvSpPr>
+          <p:cNvPr id="2" name="Titel 1">
+            <a:extLst>
+              <a:ext uri="{FF2B5EF4-FFF2-40B4-BE49-F238E27FC236}">
+                <a16:creationId xmlns:a16="http://schemas.microsoft.com/office/drawing/2014/main" id="{97290941-D096-864F-D6D7-C6BFB0E6514B}"/>
+              </a:ext>
+            </a:extLst>
+          </p:cNvPr>
+          <p:cNvSpPr>
+            <a:spLocks noGrp="1"/>
+          </p:cNvSpPr>
+          <p:nvPr>
+            <p:ph type="title"/>
+          </p:nvPr>
+        </p:nvSpPr>
+        <p:spPr/>
+        <p:txBody>
+          <a:bodyPr/>
+          <a:lstStyle/>
+          <a:p>
+            <a:endParaRPr lang="en-US"/>
+          </a:p>
+        </p:txBody>
+      </p:sp>
+      <p:sp>
+        <p:nvSpPr>
+          <p:cNvPr id="3" name="Inhaltsplatzhalter 2">
+            <a:extLst>
+              <a:ext uri="{FF2B5EF4-FFF2-40B4-BE49-F238E27FC236}">
+                <a16:creationId xmlns:a16="http://schemas.microsoft.com/office/drawing/2014/main" id="{7D5D73AD-43A7-6FD4-8836-A629ABE00D36}"/>
+              </a:ext>
+            </a:extLst>
+          </p:cNvPr>
+          <p:cNvSpPr>
+            <a:spLocks noGrp="1"/>
+          </p:cNvSpPr>
+          <p:nvPr>
+            <p:ph idx="1"/>
+          </p:nvPr>
+        </p:nvSpPr>
+        <p:spPr/>
+        <p:txBody>
+          <a:bodyPr/>
+          <a:lstStyle/>
+          <a:p>
+            <a:endParaRPr lang="en-US"/>
+          </a:p>
+        </p:txBody>
+      </p:sp>
+    </p:spTree>
+    <p:extLst>
+      <p:ext uri="{BB962C8B-B14F-4D97-AF65-F5344CB8AC3E}">
+        <p14:creationId xmlns:p14="http://schemas.microsoft.com/office/powerpoint/2010/main" val="1575556044"/>
+      </p:ext>
+    </p:extLst>
+  </p:cSld>
+  <p:clrMapOvr>
+    <a:masterClrMapping/>
+  </p:clrMapOvr>
+</p:sld>
+</file>
+
+<file path=ppt/slides/slide6.xml><?xml version="1.0" encoding="utf-8"?>
+<p:sld xmlns:a="http://schemas.openxmlformats.org/drawingml/2006/main" xmlns:r="http://schemas.openxmlformats.org/officeDocument/2006/relationships" xmlns:p="http://schemas.openxmlformats.org/presentationml/2006/main">
+  <p:cSld>
+    <p:spTree>
+      <p:nvGrpSpPr>
+        <p:cNvPr id="1" name=""/>
+        <p:cNvGrpSpPr/>
+        <p:nvPr/>
+      </p:nvGrpSpPr>
+      <p:grpSpPr>
+        <a:xfrm>
+          <a:off x="0" y="0"/>
+          <a:ext cx="0" cy="0"/>
+          <a:chOff x="0" y="0"/>
+          <a:chExt cx="0" cy="0"/>
+        </a:xfrm>
+      </p:grpSpPr>
+      <p:sp>
+        <p:nvSpPr>
+          <p:cNvPr id="2" name="Titel 1">
+            <a:extLst>
+              <a:ext uri="{FF2B5EF4-FFF2-40B4-BE49-F238E27FC236}">
+                <a16:creationId xmlns:a16="http://schemas.microsoft.com/office/drawing/2014/main" id="{4686D9AE-F14A-98A2-4A00-08FFBA8102A0}"/>
+              </a:ext>
+            </a:extLst>
+          </p:cNvPr>
+          <p:cNvSpPr>
+            <a:spLocks noGrp="1"/>
+          </p:cNvSpPr>
+          <p:nvPr>
+            <p:ph type="title"/>
+          </p:nvPr>
+        </p:nvSpPr>
+        <p:spPr/>
+        <p:txBody>
+          <a:bodyPr/>
+          <a:lstStyle/>
+          <a:p>
+            <a:endParaRPr lang="en-US"/>
+          </a:p>
+        </p:txBody>
+      </p:sp>
+      <p:sp>
+        <p:nvSpPr>
+          <p:cNvPr id="3" name="Inhaltsplatzhalter 2">
+            <a:extLst>
+              <a:ext uri="{FF2B5EF4-FFF2-40B4-BE49-F238E27FC236}">
+                <a16:creationId xmlns:a16="http://schemas.microsoft.com/office/drawing/2014/main" id="{906AA005-C2C5-5691-550F-2635BFF9C8B6}"/>
+              </a:ext>
+            </a:extLst>
+          </p:cNvPr>
+          <p:cNvSpPr>
+            <a:spLocks noGrp="1"/>
+          </p:cNvSpPr>
+          <p:nvPr>
+            <p:ph idx="1"/>
+          </p:nvPr>
+        </p:nvSpPr>
+        <p:spPr/>
+        <p:txBody>
+          <a:bodyPr/>
+          <a:lstStyle/>
+          <a:p>
+            <a:endParaRPr lang="en-US"/>
+          </a:p>
+        </p:txBody>
+      </p:sp>
+    </p:spTree>
+    <p:extLst>
+      <p:ext uri="{BB962C8B-B14F-4D97-AF65-F5344CB8AC3E}">
+        <p14:creationId xmlns:p14="http://schemas.microsoft.com/office/powerpoint/2010/main" val="313061371"/>
+      </p:ext>
+    </p:extLst>
+  </p:cSld>
+  <p:clrMapOvr>
+    <a:masterClrMapping/>
   </p:clrMapOvr>
 </p:sld>
 </file>

--- a/KICMistral_pre_v2.pptx
+++ b/KICMistral_pre_v2.pptx
@@ -11,9 +11,9 @@
     <p:sldId id="256" r:id="rId2"/>
     <p:sldId id="271" r:id="rId3"/>
     <p:sldId id="257" r:id="rId4"/>
-    <p:sldId id="285" r:id="rId5"/>
-    <p:sldId id="264" r:id="rId6"/>
-    <p:sldId id="282" r:id="rId7"/>
+    <p:sldId id="282" r:id="rId5"/>
+    <p:sldId id="285" r:id="rId6"/>
+    <p:sldId id="264" r:id="rId7"/>
     <p:sldId id="283" r:id="rId8"/>
   </p:sldIdLst>
   <p:sldSz cx="12192000" cy="6858000"/>
@@ -8393,8 +8393,8 @@
         </p:nvSpPr>
         <p:spPr>
           <a:xfrm>
-            <a:off x="4318232" y="6452928"/>
-            <a:ext cx="7475835" cy="553998"/>
+            <a:off x="-606972" y="6452928"/>
+            <a:ext cx="12401039" cy="276999"/>
           </a:xfrm>
           <a:prstGeom prst="rect">
             <a:avLst/>
@@ -8443,21 +8443,8 @@
                 <a:effectLst/>
                 <a:latin typeface="Arial" panose="020B0604020202020204" pitchFamily="34" charset="0"/>
               </a:rPr>
-              <a:t> samples from the test dataset of WN18RR</a:t>
+              <a:t> samples from the test dataset of WN18RR		// 	The format of outputs vary</a:t>
             </a:r>
-          </a:p>
-          <a:p>
-            <a:pPr marL="2743200" indent="457200" rtl="0">
-              <a:spcBef>
-                <a:spcPts val="0"/>
-              </a:spcBef>
-              <a:spcAft>
-                <a:spcPts val="0"/>
-              </a:spcAft>
-            </a:pPr>
-            <a:endParaRPr lang="en-US" b="0" dirty="0">
-              <a:effectLst/>
-            </a:endParaRPr>
           </a:p>
         </p:txBody>
       </p:sp>
@@ -8477,14 +8464,14 @@
             <p:ph idx="1"/>
             <p:extLst>
               <p:ext uri="{D42A27DB-BD31-4B8C-83A1-F6EECF244321}">
-                <p14:modId xmlns:p14="http://schemas.microsoft.com/office/powerpoint/2010/main" val="1321652769"/>
+                <p14:modId xmlns:p14="http://schemas.microsoft.com/office/powerpoint/2010/main" val="3780411958"/>
               </p:ext>
             </p:extLst>
           </p:nvPr>
         </p:nvGraphicFramePr>
         <p:xfrm>
           <a:off x="418043" y="1911451"/>
-          <a:ext cx="11319385" cy="4517701"/>
+          <a:ext cx="11319385" cy="4617666"/>
         </p:xfrm>
         <a:graphic>
           <a:graphicData uri="http://schemas.openxmlformats.org/drawingml/2006/table">
@@ -8566,6 +8553,9 @@
                       <a:pPr algn="ctr"/>
                       <a:r>
                         <a:rPr lang="en-US" sz="1400" u="none" dirty="0">
+                          <a:solidFill>
+                            <a:schemeClr val="tx1"/>
+                          </a:solidFill>
                           <a:latin typeface="Times New Roman" panose="02020603050405020304" pitchFamily="18" charset="0"/>
                           <a:cs typeface="Times New Roman" panose="02020603050405020304" pitchFamily="18" charset="0"/>
                         </a:rPr>
@@ -9141,7 +9131,7 @@
                         </a:spcAft>
                       </a:pPr>
                       <a:r>
-                        <a:rPr lang="en-US" sz="1400" b="1" u="none" dirty="0">
+                        <a:rPr lang="en-US" sz="1400" b="0" u="sng" dirty="0">
                           <a:solidFill>
                             <a:schemeClr val="tx1"/>
                           </a:solidFill>
@@ -9169,7 +9159,7 @@
                         </a:spcAft>
                       </a:pPr>
                       <a:r>
-                        <a:rPr lang="en-US" sz="1400" b="1" u="none" dirty="0">
+                        <a:rPr lang="en-US" sz="1400" b="0" u="none" dirty="0">
                           <a:solidFill>
                             <a:schemeClr val="tx1"/>
                           </a:solidFill>
@@ -9197,7 +9187,7 @@
                         </a:spcAft>
                       </a:pPr>
                       <a:r>
-                        <a:rPr lang="en-US" sz="1400" b="1" u="none" dirty="0">
+                        <a:rPr lang="en-US" sz="1400" b="0" u="sng" dirty="0">
                           <a:solidFill>
                             <a:schemeClr val="tx1"/>
                           </a:solidFill>
@@ -9261,7 +9251,266 @@
                           <a:latin typeface="Times New Roman" panose="02020603050405020304" pitchFamily="18" charset="0"/>
                           <a:cs typeface="Times New Roman" panose="02020603050405020304" pitchFamily="18" charset="0"/>
                         </a:rPr>
-                        <a:t>0.1295</a:t>
+                        <a:t>0.1456</a:t>
+                      </a:r>
+                    </a:p>
+                  </a:txBody>
+                  <a:tcPr marL="63500" marR="63500" marT="63500" marB="63500" anchor="ctr"/>
+                </a:tc>
+                <a:tc>
+                  <a:txBody>
+                    <a:bodyPr/>
+                    <a:lstStyle/>
+                    <a:p>
+                      <a:pPr algn="ctr" rtl="0" fontAlgn="ctr">
+                        <a:spcBef>
+                          <a:spcPts val="0"/>
+                        </a:spcBef>
+                        <a:spcAft>
+                          <a:spcPts val="0"/>
+                        </a:spcAft>
+                      </a:pPr>
+                      <a:r>
+                        <a:rPr lang="en-US" sz="1400" b="0" u="none" dirty="0">
+                          <a:solidFill>
+                            <a:schemeClr val="tx1"/>
+                          </a:solidFill>
+                          <a:effectLst/>
+                          <a:latin typeface="Times New Roman" panose="02020603050405020304" pitchFamily="18" charset="0"/>
+                          <a:cs typeface="Times New Roman" panose="02020603050405020304" pitchFamily="18" charset="0"/>
+                        </a:rPr>
+                        <a:t>0.1000</a:t>
+                      </a:r>
+                    </a:p>
+                  </a:txBody>
+                  <a:tcPr marL="63500" marR="63500" marT="63500" marB="63500" anchor="ctr"/>
+                </a:tc>
+                <a:tc>
+                  <a:txBody>
+                    <a:bodyPr/>
+                    <a:lstStyle/>
+                    <a:p>
+                      <a:pPr algn="ctr" rtl="0" fontAlgn="ctr">
+                        <a:spcBef>
+                          <a:spcPts val="0"/>
+                        </a:spcBef>
+                        <a:spcAft>
+                          <a:spcPts val="0"/>
+                        </a:spcAft>
+                      </a:pPr>
+                      <a:r>
+                        <a:rPr lang="en-US" sz="1400" b="0" u="none" dirty="0">
+                          <a:solidFill>
+                            <a:schemeClr val="tx1"/>
+                          </a:solidFill>
+                          <a:effectLst/>
+                          <a:latin typeface="Times New Roman" panose="02020603050405020304" pitchFamily="18" charset="0"/>
+                          <a:cs typeface="Times New Roman" panose="02020603050405020304" pitchFamily="18" charset="0"/>
+                        </a:rPr>
+                        <a:t>0.1800</a:t>
+                      </a:r>
+                    </a:p>
+                  </a:txBody>
+                  <a:tcPr marL="63500" marR="63500" marT="63500" marB="63500" anchor="ctr"/>
+                </a:tc>
+                <a:tc>
+                  <a:txBody>
+                    <a:bodyPr/>
+                    <a:lstStyle/>
+                    <a:p>
+                      <a:pPr algn="ctr" rtl="0" fontAlgn="ctr">
+                        <a:spcBef>
+                          <a:spcPts val="0"/>
+                        </a:spcBef>
+                        <a:spcAft>
+                          <a:spcPts val="0"/>
+                        </a:spcAft>
+                      </a:pPr>
+                      <a:r>
+                        <a:rPr lang="en-US" sz="1400" b="0" u="none" dirty="0">
+                          <a:solidFill>
+                            <a:schemeClr val="tx1"/>
+                          </a:solidFill>
+                          <a:effectLst/>
+                          <a:latin typeface="Times New Roman" panose="02020603050405020304" pitchFamily="18" charset="0"/>
+                          <a:cs typeface="Times New Roman" panose="02020603050405020304" pitchFamily="18" charset="0"/>
+                        </a:rPr>
+                        <a:t>0.2300</a:t>
+                      </a:r>
+                    </a:p>
+                  </a:txBody>
+                  <a:tcPr marL="63500" marR="63500" marT="63500" marB="63500" anchor="ctr"/>
+                </a:tc>
+                <a:extLst>
+                  <a:ext uri="{0D108BD9-81ED-4DB2-BD59-A6C34878D82A}">
+                    <a16:rowId xmlns:a16="http://schemas.microsoft.com/office/drawing/2014/main" val="782074905"/>
+                  </a:ext>
+                </a:extLst>
+              </a:tr>
+              <a:tr h="673433">
+                <a:tc>
+                  <a:txBody>
+                    <a:bodyPr/>
+                    <a:lstStyle/>
+                    <a:p>
+                      <a:pPr algn="ctr" rtl="0" fontAlgn="t">
+                        <a:spcBef>
+                          <a:spcPts val="0"/>
+                        </a:spcBef>
+                        <a:spcAft>
+                          <a:spcPts val="0"/>
+                        </a:spcAft>
+                      </a:pPr>
+                      <a:r>
+                        <a:rPr lang="en-US" sz="1400" b="0" i="0" u="none" dirty="0">
+                          <a:solidFill>
+                            <a:schemeClr val="tx1"/>
+                          </a:solidFill>
+                          <a:effectLst/>
+                          <a:latin typeface="Times New Roman" panose="02020603050405020304" pitchFamily="18" charset="0"/>
+                          <a:cs typeface="Times New Roman" panose="02020603050405020304" pitchFamily="18" charset="0"/>
+                        </a:rPr>
+                        <a:t>20</a:t>
+                      </a:r>
+                    </a:p>
+                  </a:txBody>
+                  <a:tcPr marL="63500" marR="63500" marT="63500" marB="63500" anchor="ctr"/>
+                </a:tc>
+                <a:tc>
+                  <a:txBody>
+                    <a:bodyPr/>
+                    <a:lstStyle/>
+                    <a:p>
+                      <a:pPr algn="ctr" rtl="0" fontAlgn="ctr">
+                        <a:spcBef>
+                          <a:spcPts val="0"/>
+                        </a:spcBef>
+                        <a:spcAft>
+                          <a:spcPts val="0"/>
+                        </a:spcAft>
+                      </a:pPr>
+                      <a:r>
+                        <a:rPr lang="en-US" sz="1400" b="0" u="none" dirty="0">
+                          <a:solidFill>
+                            <a:schemeClr val="tx1"/>
+                          </a:solidFill>
+                          <a:effectLst/>
+                          <a:latin typeface="Times New Roman" panose="02020603050405020304" pitchFamily="18" charset="0"/>
+                          <a:cs typeface="Times New Roman" panose="02020603050405020304" pitchFamily="18" charset="0"/>
+                        </a:rPr>
+                        <a:t>0.1760</a:t>
+                      </a:r>
+                    </a:p>
+                  </a:txBody>
+                  <a:tcPr marL="63500" marR="63500" marT="63500" marB="63500" anchor="ctr"/>
+                </a:tc>
+                <a:tc>
+                  <a:txBody>
+                    <a:bodyPr/>
+                    <a:lstStyle/>
+                    <a:p>
+                      <a:pPr algn="ctr" rtl="0" fontAlgn="ctr">
+                        <a:spcBef>
+                          <a:spcPts val="0"/>
+                        </a:spcBef>
+                        <a:spcAft>
+                          <a:spcPts val="0"/>
+                        </a:spcAft>
+                      </a:pPr>
+                      <a:r>
+                        <a:rPr lang="en-US" sz="1400" b="1" u="none" dirty="0">
+                          <a:solidFill>
+                            <a:schemeClr val="tx1"/>
+                          </a:solidFill>
+                          <a:effectLst/>
+                          <a:latin typeface="Times New Roman" panose="02020603050405020304" pitchFamily="18" charset="0"/>
+                          <a:cs typeface="Times New Roman" panose="02020603050405020304" pitchFamily="18" charset="0"/>
+                        </a:rPr>
+                        <a:t>0.1300</a:t>
+                      </a:r>
+                    </a:p>
+                  </a:txBody>
+                  <a:tcPr marL="63500" marR="63500" marT="63500" marB="63500" anchor="ctr"/>
+                </a:tc>
+                <a:tc>
+                  <a:txBody>
+                    <a:bodyPr/>
+                    <a:lstStyle/>
+                    <a:p>
+                      <a:pPr algn="ctr" rtl="0" fontAlgn="ctr">
+                        <a:spcBef>
+                          <a:spcPts val="0"/>
+                        </a:spcBef>
+                        <a:spcAft>
+                          <a:spcPts val="0"/>
+                        </a:spcAft>
+                      </a:pPr>
+                      <a:r>
+                        <a:rPr lang="en-US" sz="1400" b="0" u="none" dirty="0">
+                          <a:solidFill>
+                            <a:schemeClr val="tx1"/>
+                          </a:solidFill>
+                          <a:effectLst/>
+                          <a:latin typeface="Times New Roman" panose="02020603050405020304" pitchFamily="18" charset="0"/>
+                          <a:cs typeface="Times New Roman" panose="02020603050405020304" pitchFamily="18" charset="0"/>
+                        </a:rPr>
+                        <a:t>0.2000</a:t>
+                      </a:r>
+                    </a:p>
+                  </a:txBody>
+                  <a:tcPr marL="63500" marR="63500" marT="63500" marB="63500" anchor="ctr"/>
+                </a:tc>
+                <a:tc>
+                  <a:txBody>
+                    <a:bodyPr/>
+                    <a:lstStyle/>
+                    <a:p>
+                      <a:pPr algn="ctr" rtl="0" fontAlgn="ctr">
+                        <a:spcBef>
+                          <a:spcPts val="0"/>
+                        </a:spcBef>
+                        <a:spcAft>
+                          <a:spcPts val="0"/>
+                        </a:spcAft>
+                      </a:pPr>
+                      <a:r>
+                        <a:rPr lang="en-US" sz="1400" b="0" u="none" dirty="0">
+                          <a:solidFill>
+                            <a:schemeClr val="tx1"/>
+                          </a:solidFill>
+                          <a:effectLst/>
+                          <a:latin typeface="Times New Roman" panose="02020603050405020304" pitchFamily="18" charset="0"/>
+                          <a:cs typeface="Times New Roman" panose="02020603050405020304" pitchFamily="18" charset="0"/>
+                        </a:rPr>
+                        <a:t>0.2600</a:t>
+                      </a:r>
+                    </a:p>
+                  </a:txBody>
+                  <a:tcPr marL="63500" marR="63500" marT="63500" marB="63500" anchor="ctr"/>
+                </a:tc>
+                <a:tc>
+                  <a:txBody>
+                    <a:bodyPr/>
+                    <a:lstStyle/>
+                    <a:p>
+                      <a:pPr algn="ctr" rtl="0" fontAlgn="ctr">
+                        <a:spcBef>
+                          <a:spcPts val="0"/>
+                        </a:spcBef>
+                        <a:spcAft>
+                          <a:spcPts val="0"/>
+                        </a:spcAft>
+                      </a:pPr>
+                      <a:r>
+                        <a:rPr lang="en-US" sz="1400" b="0" u="none" dirty="0">
+                          <a:solidFill>
+                            <a:schemeClr val="tx1"/>
+                          </a:solidFill>
+                          <a:effectLst/>
+                          <a:latin typeface="Times New Roman" panose="02020603050405020304" pitchFamily="18" charset="0"/>
+                          <a:cs typeface="Times New Roman" panose="02020603050405020304" pitchFamily="18" charset="0"/>
+                        </a:rPr>
+                        <a:t>0.1430</a:t>
                       </a:r>
                     </a:p>
                   </a:txBody>
@@ -9317,7 +9566,7 @@
                           <a:latin typeface="Times New Roman" panose="02020603050405020304" pitchFamily="18" charset="0"/>
                           <a:cs typeface="Times New Roman" panose="02020603050405020304" pitchFamily="18" charset="0"/>
                         </a:rPr>
-                        <a:t>0.1600</a:t>
+                        <a:t>0.1700</a:t>
                       </a:r>
                     </a:p>
                   </a:txBody>
@@ -9345,266 +9594,7 @@
                           <a:latin typeface="Times New Roman" panose="02020603050405020304" pitchFamily="18" charset="0"/>
                           <a:cs typeface="Times New Roman" panose="02020603050405020304" pitchFamily="18" charset="0"/>
                         </a:rPr>
-                        <a:t>0.2000</a:t>
-                      </a:r>
-                    </a:p>
-                  </a:txBody>
-                  <a:tcPr marL="63500" marR="63500" marT="63500" marB="63500" anchor="ctr"/>
-                </a:tc>
-                <a:extLst>
-                  <a:ext uri="{0D108BD9-81ED-4DB2-BD59-A6C34878D82A}">
-                    <a16:rowId xmlns:a16="http://schemas.microsoft.com/office/drawing/2014/main" val="782074905"/>
-                  </a:ext>
-                </a:extLst>
-              </a:tr>
-              <a:tr h="673433">
-                <a:tc>
-                  <a:txBody>
-                    <a:bodyPr/>
-                    <a:lstStyle/>
-                    <a:p>
-                      <a:pPr algn="ctr" rtl="0" fontAlgn="t">
-                        <a:spcBef>
-                          <a:spcPts val="0"/>
-                        </a:spcBef>
-                        <a:spcAft>
-                          <a:spcPts val="0"/>
-                        </a:spcAft>
-                      </a:pPr>
-                      <a:r>
-                        <a:rPr lang="en-US" sz="1400" b="0" i="0" u="none" dirty="0">
-                          <a:solidFill>
-                            <a:schemeClr val="tx1"/>
-                          </a:solidFill>
-                          <a:effectLst/>
-                          <a:latin typeface="Times New Roman" panose="02020603050405020304" pitchFamily="18" charset="0"/>
-                          <a:cs typeface="Times New Roman" panose="02020603050405020304" pitchFamily="18" charset="0"/>
-                        </a:rPr>
-                        <a:t>20</a:t>
-                      </a:r>
-                    </a:p>
-                  </a:txBody>
-                  <a:tcPr marL="63500" marR="63500" marT="63500" marB="63500" anchor="ctr"/>
-                </a:tc>
-                <a:tc>
-                  <a:txBody>
-                    <a:bodyPr/>
-                    <a:lstStyle/>
-                    <a:p>
-                      <a:pPr algn="ctr" rtl="0" fontAlgn="ctr">
-                        <a:spcBef>
-                          <a:spcPts val="0"/>
-                        </a:spcBef>
-                        <a:spcAft>
-                          <a:spcPts val="0"/>
-                        </a:spcAft>
-                      </a:pPr>
-                      <a:r>
-                        <a:rPr lang="en-US" sz="1400" b="0" u="none" dirty="0">
-                          <a:solidFill>
-                            <a:schemeClr val="tx1"/>
-                          </a:solidFill>
-                          <a:effectLst/>
-                          <a:latin typeface="Times New Roman" panose="02020603050405020304" pitchFamily="18" charset="0"/>
-                          <a:cs typeface="Times New Roman" panose="02020603050405020304" pitchFamily="18" charset="0"/>
-                        </a:rPr>
-                        <a:t>0.1533</a:t>
-                      </a:r>
-                    </a:p>
-                  </a:txBody>
-                  <a:tcPr marL="63500" marR="63500" marT="63500" marB="63500" anchor="ctr"/>
-                </a:tc>
-                <a:tc>
-                  <a:txBody>
-                    <a:bodyPr/>
-                    <a:lstStyle/>
-                    <a:p>
-                      <a:pPr algn="ctr" rtl="0" fontAlgn="ctr">
-                        <a:spcBef>
-                          <a:spcPts val="0"/>
-                        </a:spcBef>
-                        <a:spcAft>
-                          <a:spcPts val="0"/>
-                        </a:spcAft>
-                      </a:pPr>
-                      <a:r>
-                        <a:rPr lang="en-US" sz="1400" b="0" u="none" dirty="0">
-                          <a:solidFill>
-                            <a:schemeClr val="tx1"/>
-                          </a:solidFill>
-                          <a:effectLst/>
-                          <a:latin typeface="Times New Roman" panose="02020603050405020304" pitchFamily="18" charset="0"/>
-                          <a:cs typeface="Times New Roman" panose="02020603050405020304" pitchFamily="18" charset="0"/>
-                        </a:rPr>
-                        <a:t>0.1100</a:t>
-                      </a:r>
-                    </a:p>
-                  </a:txBody>
-                  <a:tcPr marL="63500" marR="63500" marT="63500" marB="63500" anchor="ctr"/>
-                </a:tc>
-                <a:tc>
-                  <a:txBody>
-                    <a:bodyPr/>
-                    <a:lstStyle/>
-                    <a:p>
-                      <a:pPr algn="ctr" rtl="0" fontAlgn="ctr">
-                        <a:spcBef>
-                          <a:spcPts val="0"/>
-                        </a:spcBef>
-                        <a:spcAft>
-                          <a:spcPts val="0"/>
-                        </a:spcAft>
-                      </a:pPr>
-                      <a:r>
-                        <a:rPr lang="en-US" sz="1400" b="0" u="none" dirty="0">
-                          <a:solidFill>
-                            <a:schemeClr val="tx1"/>
-                          </a:solidFill>
-                          <a:effectLst/>
-                          <a:latin typeface="Times New Roman" panose="02020603050405020304" pitchFamily="18" charset="0"/>
-                          <a:cs typeface="Times New Roman" panose="02020603050405020304" pitchFamily="18" charset="0"/>
-                        </a:rPr>
-                        <a:t>0.1800</a:t>
-                      </a:r>
-                    </a:p>
-                  </a:txBody>
-                  <a:tcPr marL="63500" marR="63500" marT="63500" marB="63500" anchor="ctr"/>
-                </a:tc>
-                <a:tc>
-                  <a:txBody>
-                    <a:bodyPr/>
-                    <a:lstStyle/>
-                    <a:p>
-                      <a:pPr algn="ctr" rtl="0" fontAlgn="ctr">
-                        <a:spcBef>
-                          <a:spcPts val="0"/>
-                        </a:spcBef>
-                        <a:spcAft>
-                          <a:spcPts val="0"/>
-                        </a:spcAft>
-                      </a:pPr>
-                      <a:r>
-                        <a:rPr lang="en-US" sz="1400" b="0" u="none" dirty="0">
-                          <a:solidFill>
-                            <a:schemeClr val="tx1"/>
-                          </a:solidFill>
-                          <a:effectLst/>
-                          <a:latin typeface="Times New Roman" panose="02020603050405020304" pitchFamily="18" charset="0"/>
-                          <a:cs typeface="Times New Roman" panose="02020603050405020304" pitchFamily="18" charset="0"/>
-                        </a:rPr>
-                        <a:t>0.2300</a:t>
-                      </a:r>
-                    </a:p>
-                  </a:txBody>
-                  <a:tcPr marL="63500" marR="63500" marT="63500" marB="63500" anchor="ctr"/>
-                </a:tc>
-                <a:tc>
-                  <a:txBody>
-                    <a:bodyPr/>
-                    <a:lstStyle/>
-                    <a:p>
-                      <a:pPr algn="ctr" rtl="0" fontAlgn="ctr">
-                        <a:spcBef>
-                          <a:spcPts val="0"/>
-                        </a:spcBef>
-                        <a:spcAft>
-                          <a:spcPts val="0"/>
-                        </a:spcAft>
-                      </a:pPr>
-                      <a:r>
-                        <a:rPr lang="en-US" sz="1400" b="0" u="none" dirty="0">
-                          <a:solidFill>
-                            <a:schemeClr val="tx1"/>
-                          </a:solidFill>
-                          <a:effectLst/>
-                          <a:latin typeface="Times New Roman" panose="02020603050405020304" pitchFamily="18" charset="0"/>
-                          <a:cs typeface="Times New Roman" panose="02020603050405020304" pitchFamily="18" charset="0"/>
-                        </a:rPr>
-                        <a:t>0.1277</a:t>
-                      </a:r>
-                    </a:p>
-                  </a:txBody>
-                  <a:tcPr marL="63500" marR="63500" marT="63500" marB="63500" anchor="ctr"/>
-                </a:tc>
-                <a:tc>
-                  <a:txBody>
-                    <a:bodyPr/>
-                    <a:lstStyle/>
-                    <a:p>
-                      <a:pPr algn="ctr" rtl="0" fontAlgn="ctr">
-                        <a:spcBef>
-                          <a:spcPts val="0"/>
-                        </a:spcBef>
-                        <a:spcAft>
-                          <a:spcPts val="0"/>
-                        </a:spcAft>
-                      </a:pPr>
-                      <a:r>
-                        <a:rPr lang="en-US" sz="1400" b="0" u="none" dirty="0">
-                          <a:solidFill>
-                            <a:schemeClr val="tx1"/>
-                          </a:solidFill>
-                          <a:effectLst/>
-                          <a:latin typeface="Times New Roman" panose="02020603050405020304" pitchFamily="18" charset="0"/>
-                          <a:cs typeface="Times New Roman" panose="02020603050405020304" pitchFamily="18" charset="0"/>
-                        </a:rPr>
-                        <a:t> 0.0800</a:t>
-                      </a:r>
-                    </a:p>
-                  </a:txBody>
-                  <a:tcPr marL="63500" marR="63500" marT="63500" marB="63500" anchor="ctr"/>
-                </a:tc>
-                <a:tc>
-                  <a:txBody>
-                    <a:bodyPr/>
-                    <a:lstStyle/>
-                    <a:p>
-                      <a:pPr algn="ctr" rtl="0" fontAlgn="ctr">
-                        <a:spcBef>
-                          <a:spcPts val="0"/>
-                        </a:spcBef>
-                        <a:spcAft>
-                          <a:spcPts val="0"/>
-                        </a:spcAft>
-                      </a:pPr>
-                      <a:r>
-                        <a:rPr lang="en-US" sz="1400" b="0" u="none" dirty="0">
-                          <a:solidFill>
-                            <a:schemeClr val="tx1"/>
-                          </a:solidFill>
-                          <a:effectLst/>
-                          <a:latin typeface="Times New Roman" panose="02020603050405020304" pitchFamily="18" charset="0"/>
-                          <a:cs typeface="Times New Roman" panose="02020603050405020304" pitchFamily="18" charset="0"/>
-                        </a:rPr>
-                        <a:t>0.1500</a:t>
-                      </a:r>
-                    </a:p>
-                  </a:txBody>
-                  <a:tcPr marL="63500" marR="63500" marT="63500" marB="63500" anchor="ctr"/>
-                </a:tc>
-                <a:tc>
-                  <a:txBody>
-                    <a:bodyPr/>
-                    <a:lstStyle/>
-                    <a:p>
-                      <a:pPr algn="ctr" rtl="0" fontAlgn="ctr">
-                        <a:spcBef>
-                          <a:spcPts val="0"/>
-                        </a:spcBef>
-                        <a:spcAft>
-                          <a:spcPts val="0"/>
-                        </a:spcAft>
-                      </a:pPr>
-                      <a:r>
-                        <a:rPr lang="en-US" sz="1400" b="0" u="none" dirty="0">
-                          <a:solidFill>
-                            <a:schemeClr val="tx1"/>
-                          </a:solidFill>
-                          <a:effectLst/>
-                          <a:latin typeface="Times New Roman" panose="02020603050405020304" pitchFamily="18" charset="0"/>
-                          <a:cs typeface="Times New Roman" panose="02020603050405020304" pitchFamily="18" charset="0"/>
-                        </a:rPr>
-                        <a:t>0.2300</a:t>
+                        <a:t>0.2600</a:t>
                       </a:r>
                     </a:p>
                   </a:txBody>
@@ -9616,7 +9606,7 @@
                   </a:ext>
                 </a:extLst>
               </a:tr>
-              <a:tr h="734193">
+              <a:tr h="834158">
                 <a:tc>
                   <a:txBody>
                     <a:bodyPr/>
@@ -9659,7 +9649,7 @@
                         </a:spcAft>
                       </a:pPr>
                       <a:r>
-                        <a:rPr lang="en-US" sz="1400" b="0" u="sng" dirty="0">
+                        <a:rPr lang="en-US" sz="1400" b="1" u="none" dirty="0">
                           <a:solidFill>
                             <a:schemeClr val="tx1"/>
                           </a:solidFill>
@@ -9667,7 +9657,7 @@
                           <a:latin typeface="Times New Roman" panose="02020603050405020304" pitchFamily="18" charset="0"/>
                           <a:cs typeface="Times New Roman" panose="02020603050405020304" pitchFamily="18" charset="0"/>
                         </a:rPr>
-                        <a:t>0.1775</a:t>
+                        <a:t>0.1895</a:t>
                       </a:r>
                     </a:p>
                   </a:txBody>
@@ -9687,7 +9677,7 @@
                         </a:spcAft>
                       </a:pPr>
                       <a:r>
-                        <a:rPr lang="en-US" sz="1400" b="1" u="none" dirty="0">
+                        <a:rPr lang="en-US" sz="1400" b="0" u="none" dirty="0">
                           <a:solidFill>
                             <a:schemeClr val="tx1"/>
                           </a:solidFill>
@@ -9715,7 +9705,7 @@
                         </a:spcAft>
                       </a:pPr>
                       <a:r>
-                        <a:rPr lang="en-US" sz="1400" b="0" u="sng" dirty="0">
+                        <a:rPr lang="en-US" sz="1400" b="1" u="none" dirty="0">
                           <a:solidFill>
                             <a:schemeClr val="tx1"/>
                           </a:solidFill>
@@ -9723,7 +9713,7 @@
                           <a:latin typeface="Times New Roman" panose="02020603050405020304" pitchFamily="18" charset="0"/>
                           <a:cs typeface="Times New Roman" panose="02020603050405020304" pitchFamily="18" charset="0"/>
                         </a:rPr>
-                        <a:t>0.2200</a:t>
+                        <a:t>0.2400</a:t>
                       </a:r>
                     </a:p>
                   </a:txBody>
@@ -9751,18 +9741,7 @@
                           <a:latin typeface="Times New Roman" panose="02020603050405020304" pitchFamily="18" charset="0"/>
                           <a:cs typeface="Times New Roman" panose="02020603050405020304" pitchFamily="18" charset="0"/>
                         </a:rPr>
-                        <a:t> </a:t>
-                      </a:r>
-                      <a:r>
-                        <a:rPr lang="en-US" sz="1400" b="0" u="sng" dirty="0">
-                          <a:solidFill>
-                            <a:schemeClr val="tx1"/>
-                          </a:solidFill>
-                          <a:effectLst/>
-                          <a:latin typeface="Times New Roman" panose="02020603050405020304" pitchFamily="18" charset="0"/>
-                          <a:cs typeface="Times New Roman" panose="02020603050405020304" pitchFamily="18" charset="0"/>
-                        </a:rPr>
-                        <a:t>0.2800</a:t>
+                        <a:t> 0.3100</a:t>
                       </a:r>
                     </a:p>
                   </a:txBody>
@@ -9790,7 +9769,7 @@
                           <a:latin typeface="Times New Roman" panose="02020603050405020304" pitchFamily="18" charset="0"/>
                           <a:cs typeface="Times New Roman" panose="02020603050405020304" pitchFamily="18" charset="0"/>
                         </a:rPr>
-                        <a:t>0.1057</a:t>
+                        <a:t>0.1349</a:t>
                       </a:r>
                     </a:p>
                   </a:txBody>
@@ -9818,7 +9797,413 @@
                           <a:latin typeface="Times New Roman" panose="02020603050405020304" pitchFamily="18" charset="0"/>
                           <a:cs typeface="Times New Roman" panose="02020603050405020304" pitchFamily="18" charset="0"/>
                         </a:rPr>
-                        <a:t>0.0500</a:t>
+                        <a:t>0.0700</a:t>
+                      </a:r>
+                    </a:p>
+                  </a:txBody>
+                  <a:tcPr marL="63500" marR="63500" marT="63500" marB="63500" anchor="ctr"/>
+                </a:tc>
+                <a:tc>
+                  <a:txBody>
+                    <a:bodyPr/>
+                    <a:lstStyle/>
+                    <a:p>
+                      <a:pPr algn="ctr" rtl="0" fontAlgn="ctr">
+                        <a:spcBef>
+                          <a:spcPts val="0"/>
+                        </a:spcBef>
+                        <a:spcAft>
+                          <a:spcPts val="0"/>
+                        </a:spcAft>
+                      </a:pPr>
+                      <a:r>
+                        <a:rPr lang="en-US" sz="1400" b="0" u="none" dirty="0">
+                          <a:solidFill>
+                            <a:schemeClr val="tx1"/>
+                          </a:solidFill>
+                          <a:effectLst/>
+                          <a:latin typeface="Times New Roman" panose="02020603050405020304" pitchFamily="18" charset="0"/>
+                          <a:cs typeface="Times New Roman" panose="02020603050405020304" pitchFamily="18" charset="0"/>
+                        </a:rPr>
+                        <a:t>0.2000</a:t>
+                      </a:r>
+                    </a:p>
+                  </a:txBody>
+                  <a:tcPr marL="63500" marR="63500" marT="63500" marB="63500" anchor="ctr"/>
+                </a:tc>
+                <a:tc>
+                  <a:txBody>
+                    <a:bodyPr/>
+                    <a:lstStyle/>
+                    <a:p>
+                      <a:pPr algn="ctr" rtl="0" fontAlgn="ctr">
+                        <a:spcBef>
+                          <a:spcPts val="0"/>
+                        </a:spcBef>
+                        <a:spcAft>
+                          <a:spcPts val="0"/>
+                        </a:spcAft>
+                      </a:pPr>
+                      <a:r>
+                        <a:rPr lang="en-US" sz="1400" b="0" u="none" dirty="0">
+                          <a:solidFill>
+                            <a:schemeClr val="tx1"/>
+                          </a:solidFill>
+                          <a:effectLst/>
+                          <a:latin typeface="Times New Roman" panose="02020603050405020304" pitchFamily="18" charset="0"/>
+                          <a:cs typeface="Times New Roman" panose="02020603050405020304" pitchFamily="18" charset="0"/>
+                        </a:rPr>
+                        <a:t>0.2300</a:t>
+                      </a:r>
+                    </a:p>
+                  </a:txBody>
+                  <a:tcPr marL="63500" marR="63500" marT="63500" marB="63500" anchor="ctr"/>
+                </a:tc>
+                <a:extLst>
+                  <a:ext uri="{0D108BD9-81ED-4DB2-BD59-A6C34878D82A}">
+                    <a16:rowId xmlns:a16="http://schemas.microsoft.com/office/drawing/2014/main" val="3807958631"/>
+                  </a:ext>
+                </a:extLst>
+              </a:tr>
+              <a:tr h="734193">
+                <a:tc>
+                  <a:txBody>
+                    <a:bodyPr/>
+                    <a:lstStyle/>
+                    <a:p>
+                      <a:pPr algn="ctr" rtl="0" fontAlgn="t">
+                        <a:spcBef>
+                          <a:spcPts val="0"/>
+                        </a:spcBef>
+                        <a:spcAft>
+                          <a:spcPts val="0"/>
+                        </a:spcAft>
+                      </a:pPr>
+                      <a:r>
+                        <a:rPr lang="en-US" sz="1400" b="0" i="0" u="none" dirty="0">
+                          <a:solidFill>
+                            <a:schemeClr val="tx1"/>
+                          </a:solidFill>
+                          <a:effectLst/>
+                          <a:latin typeface="Times New Roman" panose="02020603050405020304" pitchFamily="18" charset="0"/>
+                          <a:cs typeface="Times New Roman" panose="02020603050405020304" pitchFamily="18" charset="0"/>
+                        </a:rPr>
+                        <a:t>40</a:t>
+                      </a:r>
+                    </a:p>
+                  </a:txBody>
+                  <a:tcPr marL="63500" marR="63500" marT="63500" marB="63500" anchor="ctr"/>
+                </a:tc>
+                <a:tc>
+                  <a:txBody>
+                    <a:bodyPr/>
+                    <a:lstStyle/>
+                    <a:p>
+                      <a:pPr algn="ctr" rtl="0" fontAlgn="ctr">
+                        <a:spcBef>
+                          <a:spcPts val="0"/>
+                        </a:spcBef>
+                        <a:spcAft>
+                          <a:spcPts val="0"/>
+                        </a:spcAft>
+                      </a:pPr>
+                      <a:r>
+                        <a:rPr lang="en-US" sz="1400" b="0" u="none" dirty="0">
+                          <a:solidFill>
+                            <a:schemeClr val="tx1"/>
+                          </a:solidFill>
+                          <a:effectLst/>
+                          <a:latin typeface="Times New Roman" panose="02020603050405020304" pitchFamily="18" charset="0"/>
+                          <a:cs typeface="Times New Roman" panose="02020603050405020304" pitchFamily="18" charset="0"/>
+                        </a:rPr>
+                        <a:t>0.1681</a:t>
+                      </a:r>
+                    </a:p>
+                  </a:txBody>
+                  <a:tcPr marL="63500" marR="63500" marT="63500" marB="63500" anchor="ctr"/>
+                </a:tc>
+                <a:tc>
+                  <a:txBody>
+                    <a:bodyPr/>
+                    <a:lstStyle/>
+                    <a:p>
+                      <a:pPr algn="ctr" rtl="0" fontAlgn="ctr">
+                        <a:spcBef>
+                          <a:spcPts val="0"/>
+                        </a:spcBef>
+                        <a:spcAft>
+                          <a:spcPts val="0"/>
+                        </a:spcAft>
+                      </a:pPr>
+                      <a:r>
+                        <a:rPr lang="en-US" sz="1400" b="0" u="none" dirty="0">
+                          <a:solidFill>
+                            <a:schemeClr val="tx1"/>
+                          </a:solidFill>
+                          <a:effectLst/>
+                          <a:latin typeface="Times New Roman" panose="02020603050405020304" pitchFamily="18" charset="0"/>
+                          <a:cs typeface="Times New Roman" panose="02020603050405020304" pitchFamily="18" charset="0"/>
+                        </a:rPr>
+                        <a:t>0.1200</a:t>
+                      </a:r>
+                    </a:p>
+                  </a:txBody>
+                  <a:tcPr marL="63500" marR="63500" marT="63500" marB="63500" anchor="ctr"/>
+                </a:tc>
+                <a:tc>
+                  <a:txBody>
+                    <a:bodyPr/>
+                    <a:lstStyle/>
+                    <a:p>
+                      <a:pPr algn="ctr" rtl="0" fontAlgn="ctr">
+                        <a:spcBef>
+                          <a:spcPts val="0"/>
+                        </a:spcBef>
+                        <a:spcAft>
+                          <a:spcPts val="0"/>
+                        </a:spcAft>
+                      </a:pPr>
+                      <a:r>
+                        <a:rPr lang="en-US" sz="1400" b="0" u="none" dirty="0">
+                          <a:solidFill>
+                            <a:schemeClr val="tx1"/>
+                          </a:solidFill>
+                          <a:effectLst/>
+                          <a:latin typeface="Times New Roman" panose="02020603050405020304" pitchFamily="18" charset="0"/>
+                          <a:cs typeface="Times New Roman" panose="02020603050405020304" pitchFamily="18" charset="0"/>
+                        </a:rPr>
+                        <a:t>0.2000</a:t>
+                      </a:r>
+                    </a:p>
+                  </a:txBody>
+                  <a:tcPr marL="63500" marR="63500" marT="63500" marB="63500" anchor="ctr"/>
+                </a:tc>
+                <a:tc>
+                  <a:txBody>
+                    <a:bodyPr/>
+                    <a:lstStyle/>
+                    <a:p>
+                      <a:pPr algn="ctr" rtl="0" fontAlgn="ctr">
+                        <a:spcBef>
+                          <a:spcPts val="0"/>
+                        </a:spcBef>
+                        <a:spcAft>
+                          <a:spcPts val="0"/>
+                        </a:spcAft>
+                      </a:pPr>
+                      <a:r>
+                        <a:rPr lang="en-US" sz="1400" b="0" u="none" dirty="0">
+                          <a:solidFill>
+                            <a:schemeClr val="tx1"/>
+                          </a:solidFill>
+                          <a:effectLst/>
+                          <a:latin typeface="Times New Roman" panose="02020603050405020304" pitchFamily="18" charset="0"/>
+                          <a:cs typeface="Times New Roman" panose="02020603050405020304" pitchFamily="18" charset="0"/>
+                        </a:rPr>
+                        <a:t>0.2600</a:t>
+                      </a:r>
+                    </a:p>
+                  </a:txBody>
+                  <a:tcPr marL="63500" marR="63500" marT="63500" marB="63500" anchor="ctr"/>
+                </a:tc>
+                <a:tc>
+                  <a:txBody>
+                    <a:bodyPr/>
+                    <a:lstStyle/>
+                    <a:p>
+                      <a:pPr algn="ctr" rtl="0" fontAlgn="ctr">
+                        <a:spcBef>
+                          <a:spcPts val="0"/>
+                        </a:spcBef>
+                        <a:spcAft>
+                          <a:spcPts val="0"/>
+                        </a:spcAft>
+                      </a:pPr>
+                      <a:r>
+                        <a:rPr lang="en-US" sz="1400" b="0" u="none" dirty="0">
+                          <a:solidFill>
+                            <a:schemeClr val="tx1"/>
+                          </a:solidFill>
+                          <a:effectLst/>
+                          <a:latin typeface="Times New Roman" panose="02020603050405020304" pitchFamily="18" charset="0"/>
+                          <a:cs typeface="Times New Roman" panose="02020603050405020304" pitchFamily="18" charset="0"/>
+                        </a:rPr>
+                        <a:t>0.1580</a:t>
+                      </a:r>
+                    </a:p>
+                  </a:txBody>
+                  <a:tcPr marL="63500" marR="63500" marT="63500" marB="63500" anchor="ctr"/>
+                </a:tc>
+                <a:tc>
+                  <a:txBody>
+                    <a:bodyPr/>
+                    <a:lstStyle/>
+                    <a:p>
+                      <a:pPr algn="ctr" rtl="0" fontAlgn="ctr">
+                        <a:spcBef>
+                          <a:spcPts val="0"/>
+                        </a:spcBef>
+                        <a:spcAft>
+                          <a:spcPts val="0"/>
+                        </a:spcAft>
+                      </a:pPr>
+                      <a:r>
+                        <a:rPr lang="en-US" sz="1400" b="0" u="none" dirty="0">
+                          <a:solidFill>
+                            <a:schemeClr val="tx1"/>
+                          </a:solidFill>
+                          <a:effectLst/>
+                          <a:latin typeface="Times New Roman" panose="02020603050405020304" pitchFamily="18" charset="0"/>
+                          <a:cs typeface="Times New Roman" panose="02020603050405020304" pitchFamily="18" charset="0"/>
+                        </a:rPr>
+                        <a:t>0.1200</a:t>
+                      </a:r>
+                    </a:p>
+                  </a:txBody>
+                  <a:tcPr marL="63500" marR="63500" marT="63500" marB="63500" anchor="ctr"/>
+                </a:tc>
+                <a:tc>
+                  <a:txBody>
+                    <a:bodyPr/>
+                    <a:lstStyle/>
+                    <a:p>
+                      <a:pPr algn="ctr" rtl="0" fontAlgn="ctr">
+                        <a:spcBef>
+                          <a:spcPts val="0"/>
+                        </a:spcBef>
+                        <a:spcAft>
+                          <a:spcPts val="0"/>
+                        </a:spcAft>
+                      </a:pPr>
+                      <a:r>
+                        <a:rPr lang="en-US" sz="1400" b="0" u="none" dirty="0">
+                          <a:solidFill>
+                            <a:schemeClr val="tx1"/>
+                          </a:solidFill>
+                          <a:effectLst/>
+                          <a:latin typeface="Times New Roman" panose="02020603050405020304" pitchFamily="18" charset="0"/>
+                          <a:cs typeface="Times New Roman" panose="02020603050405020304" pitchFamily="18" charset="0"/>
+                        </a:rPr>
+                        <a:t>0.1700</a:t>
+                      </a:r>
+                    </a:p>
+                  </a:txBody>
+                  <a:tcPr marL="63500" marR="63500" marT="63500" marB="63500" anchor="ctr"/>
+                </a:tc>
+                <a:tc>
+                  <a:txBody>
+                    <a:bodyPr/>
+                    <a:lstStyle/>
+                    <a:p>
+                      <a:pPr algn="ctr" rtl="0" fontAlgn="ctr">
+                        <a:spcBef>
+                          <a:spcPts val="0"/>
+                        </a:spcBef>
+                        <a:spcAft>
+                          <a:spcPts val="0"/>
+                        </a:spcAft>
+                      </a:pPr>
+                      <a:r>
+                        <a:rPr lang="en-US" sz="1400" b="0" u="none" dirty="0">
+                          <a:solidFill>
+                            <a:schemeClr val="tx1"/>
+                          </a:solidFill>
+                          <a:effectLst/>
+                          <a:latin typeface="Times New Roman" panose="02020603050405020304" pitchFamily="18" charset="0"/>
+                          <a:cs typeface="Times New Roman" panose="02020603050405020304" pitchFamily="18" charset="0"/>
+                        </a:rPr>
+                        <a:t>0.2300</a:t>
+                      </a:r>
+                    </a:p>
+                  </a:txBody>
+                  <a:tcPr marL="63500" marR="63500" marT="63500" marB="63500" anchor="ctr"/>
+                </a:tc>
+                <a:extLst>
+                  <a:ext uri="{0D108BD9-81ED-4DB2-BD59-A6C34878D82A}">
+                    <a16:rowId xmlns:a16="http://schemas.microsoft.com/office/drawing/2014/main" val="613799765"/>
+                  </a:ext>
+                </a:extLst>
+              </a:tr>
+              <a:tr h="734193">
+                <a:tc>
+                  <a:txBody>
+                    <a:bodyPr/>
+                    <a:lstStyle/>
+                    <a:p>
+                      <a:pPr algn="ctr" rtl="0" fontAlgn="t">
+                        <a:spcBef>
+                          <a:spcPts val="0"/>
+                        </a:spcBef>
+                        <a:spcAft>
+                          <a:spcPts val="0"/>
+                        </a:spcAft>
+                      </a:pPr>
+                      <a:r>
+                        <a:rPr lang="en-US" sz="1400" b="0" i="0" u="none" dirty="0">
+                          <a:solidFill>
+                            <a:schemeClr val="tx1"/>
+                          </a:solidFill>
+                          <a:effectLst/>
+                          <a:latin typeface="Times New Roman" panose="02020603050405020304" pitchFamily="18" charset="0"/>
+                          <a:cs typeface="Times New Roman" panose="02020603050405020304" pitchFamily="18" charset="0"/>
+                        </a:rPr>
+                        <a:t>50</a:t>
+                      </a:r>
+                    </a:p>
+                  </a:txBody>
+                  <a:tcPr marL="63500" marR="63500" marT="63500" marB="63500" anchor="ctr"/>
+                </a:tc>
+                <a:tc>
+                  <a:txBody>
+                    <a:bodyPr/>
+                    <a:lstStyle/>
+                    <a:p>
+                      <a:pPr algn="ctr" rtl="0" fontAlgn="ctr">
+                        <a:spcBef>
+                          <a:spcPts val="0"/>
+                        </a:spcBef>
+                        <a:spcAft>
+                          <a:spcPts val="0"/>
+                        </a:spcAft>
+                      </a:pPr>
+                      <a:r>
+                        <a:rPr lang="en-US" sz="1400" b="0" u="none" dirty="0">
+                          <a:solidFill>
+                            <a:schemeClr val="tx1"/>
+                          </a:solidFill>
+                          <a:effectLst/>
+                          <a:latin typeface="Times New Roman" panose="02020603050405020304" pitchFamily="18" charset="0"/>
+                          <a:cs typeface="Times New Roman" panose="02020603050405020304" pitchFamily="18" charset="0"/>
+                        </a:rPr>
+                        <a:t>0.1005</a:t>
+                      </a:r>
+                    </a:p>
+                  </a:txBody>
+                  <a:tcPr marL="63500" marR="63500" marT="63500" marB="63500" anchor="ctr"/>
+                </a:tc>
+                <a:tc>
+                  <a:txBody>
+                    <a:bodyPr/>
+                    <a:lstStyle/>
+                    <a:p>
+                      <a:pPr algn="ctr" rtl="0" fontAlgn="ctr">
+                        <a:spcBef>
+                          <a:spcPts val="0"/>
+                        </a:spcBef>
+                        <a:spcAft>
+                          <a:spcPts val="0"/>
+                        </a:spcAft>
+                      </a:pPr>
+                      <a:r>
+                        <a:rPr lang="en-US" sz="1400" b="0" u="none" dirty="0">
+                          <a:solidFill>
+                            <a:schemeClr val="tx1"/>
+                          </a:solidFill>
+                          <a:effectLst/>
+                          <a:latin typeface="Times New Roman" panose="02020603050405020304" pitchFamily="18" charset="0"/>
+                          <a:cs typeface="Times New Roman" panose="02020603050405020304" pitchFamily="18" charset="0"/>
+                        </a:rPr>
+                        <a:t>0.0300</a:t>
                       </a:r>
                     </a:p>
                   </a:txBody>
@@ -9874,42 +10259,7 @@
                           <a:latin typeface="Times New Roman" panose="02020603050405020304" pitchFamily="18" charset="0"/>
                           <a:cs typeface="Times New Roman" panose="02020603050405020304" pitchFamily="18" charset="0"/>
                         </a:rPr>
-                        <a:t>0.1900</a:t>
-                      </a:r>
-                    </a:p>
-                  </a:txBody>
-                  <a:tcPr marL="63500" marR="63500" marT="63500" marB="63500" anchor="ctr"/>
-                </a:tc>
-                <a:extLst>
-                  <a:ext uri="{0D108BD9-81ED-4DB2-BD59-A6C34878D82A}">
-                    <a16:rowId xmlns:a16="http://schemas.microsoft.com/office/drawing/2014/main" val="3807958631"/>
-                  </a:ext>
-                </a:extLst>
-              </a:tr>
-              <a:tr h="734193">
-                <a:tc>
-                  <a:txBody>
-                    <a:bodyPr/>
-                    <a:lstStyle/>
-                    <a:p>
-                      <a:pPr algn="ctr" rtl="0" fontAlgn="t">
-                        <a:spcBef>
-                          <a:spcPts val="0"/>
-                        </a:spcBef>
-                        <a:spcAft>
-                          <a:spcPts val="0"/>
-                        </a:spcAft>
-                      </a:pPr>
-                      <a:r>
-                        <a:rPr lang="en-US" sz="1400" b="0" i="0" u="none" dirty="0">
-                          <a:solidFill>
-                            <a:schemeClr val="tx1"/>
-                          </a:solidFill>
-                          <a:effectLst/>
-                          <a:latin typeface="Times New Roman" panose="02020603050405020304" pitchFamily="18" charset="0"/>
-                          <a:cs typeface="Times New Roman" panose="02020603050405020304" pitchFamily="18" charset="0"/>
-                        </a:rPr>
-                        <a:t>40</a:t>
+                        <a:t>0.2000</a:t>
                       </a:r>
                     </a:p>
                   </a:txBody>
@@ -9937,378 +10287,7 @@
                           <a:latin typeface="Times New Roman" panose="02020603050405020304" pitchFamily="18" charset="0"/>
                           <a:cs typeface="Times New Roman" panose="02020603050405020304" pitchFamily="18" charset="0"/>
                         </a:rPr>
-                        <a:t>0.1429</a:t>
-                      </a:r>
-                    </a:p>
-                  </a:txBody>
-                  <a:tcPr marL="63500" marR="63500" marT="63500" marB="63500" anchor="ctr"/>
-                </a:tc>
-                <a:tc>
-                  <a:txBody>
-                    <a:bodyPr/>
-                    <a:lstStyle/>
-                    <a:p>
-                      <a:pPr algn="ctr" rtl="0" fontAlgn="ctr">
-                        <a:spcBef>
-                          <a:spcPts val="0"/>
-                        </a:spcBef>
-                        <a:spcAft>
-                          <a:spcPts val="0"/>
-                        </a:spcAft>
-                      </a:pPr>
-                      <a:r>
-                        <a:rPr lang="en-US" sz="1400" b="0" u="none" dirty="0">
-                          <a:solidFill>
-                            <a:schemeClr val="tx1"/>
-                          </a:solidFill>
-                          <a:effectLst/>
-                          <a:latin typeface="Times New Roman" panose="02020603050405020304" pitchFamily="18" charset="0"/>
-                          <a:cs typeface="Times New Roman" panose="02020603050405020304" pitchFamily="18" charset="0"/>
-                        </a:rPr>
-                        <a:t>0.1000</a:t>
-                      </a:r>
-                    </a:p>
-                  </a:txBody>
-                  <a:tcPr marL="63500" marR="63500" marT="63500" marB="63500" anchor="ctr"/>
-                </a:tc>
-                <a:tc>
-                  <a:txBody>
-                    <a:bodyPr/>
-                    <a:lstStyle/>
-                    <a:p>
-                      <a:pPr algn="ctr" rtl="0" fontAlgn="ctr">
-                        <a:spcBef>
-                          <a:spcPts val="0"/>
-                        </a:spcBef>
-                        <a:spcAft>
-                          <a:spcPts val="0"/>
-                        </a:spcAft>
-                      </a:pPr>
-                      <a:r>
-                        <a:rPr lang="en-US" sz="1400" b="0" u="none" dirty="0">
-                          <a:solidFill>
-                            <a:schemeClr val="tx1"/>
-                          </a:solidFill>
-                          <a:effectLst/>
-                          <a:latin typeface="Times New Roman" panose="02020603050405020304" pitchFamily="18" charset="0"/>
-                          <a:cs typeface="Times New Roman" panose="02020603050405020304" pitchFamily="18" charset="0"/>
-                        </a:rPr>
-                        <a:t>0.1700</a:t>
-                      </a:r>
-                    </a:p>
-                  </a:txBody>
-                  <a:tcPr marL="63500" marR="63500" marT="63500" marB="63500" anchor="ctr"/>
-                </a:tc>
-                <a:tc>
-                  <a:txBody>
-                    <a:bodyPr/>
-                    <a:lstStyle/>
-                    <a:p>
-                      <a:pPr algn="ctr" rtl="0" fontAlgn="ctr">
-                        <a:spcBef>
-                          <a:spcPts val="0"/>
-                        </a:spcBef>
-                        <a:spcAft>
-                          <a:spcPts val="0"/>
-                        </a:spcAft>
-                      </a:pPr>
-                      <a:r>
-                        <a:rPr lang="en-US" sz="1400" b="0" u="none" dirty="0">
-                          <a:solidFill>
-                            <a:schemeClr val="tx1"/>
-                          </a:solidFill>
-                          <a:effectLst/>
-                          <a:latin typeface="Times New Roman" panose="02020603050405020304" pitchFamily="18" charset="0"/>
-                          <a:cs typeface="Times New Roman" panose="02020603050405020304" pitchFamily="18" charset="0"/>
-                        </a:rPr>
-                        <a:t>0.2300</a:t>
-                      </a:r>
-                    </a:p>
-                  </a:txBody>
-                  <a:tcPr marL="63500" marR="63500" marT="63500" marB="63500" anchor="ctr"/>
-                </a:tc>
-                <a:tc>
-                  <a:txBody>
-                    <a:bodyPr/>
-                    <a:lstStyle/>
-                    <a:p>
-                      <a:pPr algn="ctr" rtl="0" fontAlgn="ctr">
-                        <a:spcBef>
-                          <a:spcPts val="0"/>
-                        </a:spcBef>
-                        <a:spcAft>
-                          <a:spcPts val="0"/>
-                        </a:spcAft>
-                      </a:pPr>
-                      <a:r>
-                        <a:rPr lang="en-US" sz="1400" b="0" u="none" dirty="0">
-                          <a:solidFill>
-                            <a:schemeClr val="tx1"/>
-                          </a:solidFill>
-                          <a:effectLst/>
-                          <a:latin typeface="Times New Roman" panose="02020603050405020304" pitchFamily="18" charset="0"/>
-                          <a:cs typeface="Times New Roman" panose="02020603050405020304" pitchFamily="18" charset="0"/>
-                        </a:rPr>
-                        <a:t>0.1280</a:t>
-                      </a:r>
-                    </a:p>
-                  </a:txBody>
-                  <a:tcPr marL="63500" marR="63500" marT="63500" marB="63500" anchor="ctr"/>
-                </a:tc>
-                <a:tc>
-                  <a:txBody>
-                    <a:bodyPr/>
-                    <a:lstStyle/>
-                    <a:p>
-                      <a:pPr algn="ctr" rtl="0" fontAlgn="ctr">
-                        <a:spcBef>
-                          <a:spcPts val="0"/>
-                        </a:spcBef>
-                        <a:spcAft>
-                          <a:spcPts val="0"/>
-                        </a:spcAft>
-                      </a:pPr>
-                      <a:r>
-                        <a:rPr lang="en-US" sz="1400" b="0" u="none" dirty="0">
-                          <a:solidFill>
-                            <a:schemeClr val="tx1"/>
-                          </a:solidFill>
-                          <a:effectLst/>
-                          <a:latin typeface="Times New Roman" panose="02020603050405020304" pitchFamily="18" charset="0"/>
-                          <a:cs typeface="Times New Roman" panose="02020603050405020304" pitchFamily="18" charset="0"/>
-                        </a:rPr>
-                        <a:t>0.0900</a:t>
-                      </a:r>
-                    </a:p>
-                  </a:txBody>
-                  <a:tcPr marL="63500" marR="63500" marT="63500" marB="63500" anchor="ctr"/>
-                </a:tc>
-                <a:tc>
-                  <a:txBody>
-                    <a:bodyPr/>
-                    <a:lstStyle/>
-                    <a:p>
-                      <a:pPr algn="ctr" rtl="0" fontAlgn="ctr">
-                        <a:spcBef>
-                          <a:spcPts val="0"/>
-                        </a:spcBef>
-                        <a:spcAft>
-                          <a:spcPts val="0"/>
-                        </a:spcAft>
-                      </a:pPr>
-                      <a:r>
-                        <a:rPr lang="en-US" sz="1400" b="0" u="none" dirty="0">
-                          <a:solidFill>
-                            <a:schemeClr val="tx1"/>
-                          </a:solidFill>
-                          <a:effectLst/>
-                          <a:latin typeface="Times New Roman" panose="02020603050405020304" pitchFamily="18" charset="0"/>
-                          <a:cs typeface="Times New Roman" panose="02020603050405020304" pitchFamily="18" charset="0"/>
-                        </a:rPr>
-                        <a:t>0.1400</a:t>
-                      </a:r>
-                    </a:p>
-                  </a:txBody>
-                  <a:tcPr marL="63500" marR="63500" marT="63500" marB="63500" anchor="ctr"/>
-                </a:tc>
-                <a:tc>
-                  <a:txBody>
-                    <a:bodyPr/>
-                    <a:lstStyle/>
-                    <a:p>
-                      <a:pPr algn="ctr" rtl="0" fontAlgn="ctr">
-                        <a:spcBef>
-                          <a:spcPts val="0"/>
-                        </a:spcBef>
-                        <a:spcAft>
-                          <a:spcPts val="0"/>
-                        </a:spcAft>
-                      </a:pPr>
-                      <a:r>
-                        <a:rPr lang="en-US" sz="1400" b="0" u="none" dirty="0">
-                          <a:solidFill>
-                            <a:schemeClr val="tx1"/>
-                          </a:solidFill>
-                          <a:effectLst/>
-                          <a:latin typeface="Times New Roman" panose="02020603050405020304" pitchFamily="18" charset="0"/>
-                          <a:cs typeface="Times New Roman" panose="02020603050405020304" pitchFamily="18" charset="0"/>
-                        </a:rPr>
-                        <a:t>0.2000</a:t>
-                      </a:r>
-                    </a:p>
-                  </a:txBody>
-                  <a:tcPr marL="63500" marR="63500" marT="63500" marB="63500" anchor="ctr"/>
-                </a:tc>
-                <a:extLst>
-                  <a:ext uri="{0D108BD9-81ED-4DB2-BD59-A6C34878D82A}">
-                    <a16:rowId xmlns:a16="http://schemas.microsoft.com/office/drawing/2014/main" val="613799765"/>
-                  </a:ext>
-                </a:extLst>
-              </a:tr>
-              <a:tr h="734193">
-                <a:tc>
-                  <a:txBody>
-                    <a:bodyPr/>
-                    <a:lstStyle/>
-                    <a:p>
-                      <a:pPr algn="ctr" rtl="0" fontAlgn="t">
-                        <a:spcBef>
-                          <a:spcPts val="0"/>
-                        </a:spcBef>
-                        <a:spcAft>
-                          <a:spcPts val="0"/>
-                        </a:spcAft>
-                      </a:pPr>
-                      <a:r>
-                        <a:rPr lang="en-US" sz="1400" b="0" i="0" u="none" dirty="0">
-                          <a:solidFill>
-                            <a:schemeClr val="tx1"/>
-                          </a:solidFill>
-                          <a:effectLst/>
-                          <a:latin typeface="Times New Roman" panose="02020603050405020304" pitchFamily="18" charset="0"/>
-                          <a:cs typeface="Times New Roman" panose="02020603050405020304" pitchFamily="18" charset="0"/>
-                        </a:rPr>
-                        <a:t>50</a:t>
-                      </a:r>
-                    </a:p>
-                  </a:txBody>
-                  <a:tcPr marL="63500" marR="63500" marT="63500" marB="63500" anchor="ctr"/>
-                </a:tc>
-                <a:tc>
-                  <a:txBody>
-                    <a:bodyPr/>
-                    <a:lstStyle/>
-                    <a:p>
-                      <a:pPr algn="ctr" rtl="0" fontAlgn="ctr">
-                        <a:spcBef>
-                          <a:spcPts val="0"/>
-                        </a:spcBef>
-                        <a:spcAft>
-                          <a:spcPts val="0"/>
-                        </a:spcAft>
-                      </a:pPr>
-                      <a:r>
-                        <a:rPr lang="en-US" sz="1400" b="0" u="none" dirty="0">
-                          <a:solidFill>
-                            <a:schemeClr val="tx1"/>
-                          </a:solidFill>
-                          <a:effectLst/>
-                          <a:latin typeface="Times New Roman" panose="02020603050405020304" pitchFamily="18" charset="0"/>
-                          <a:cs typeface="Times New Roman" panose="02020603050405020304" pitchFamily="18" charset="0"/>
-                        </a:rPr>
-                        <a:t>0.0980</a:t>
-                      </a:r>
-                    </a:p>
-                  </a:txBody>
-                  <a:tcPr marL="63500" marR="63500" marT="63500" marB="63500" anchor="ctr"/>
-                </a:tc>
-                <a:tc>
-                  <a:txBody>
-                    <a:bodyPr/>
-                    <a:lstStyle/>
-                    <a:p>
-                      <a:pPr algn="ctr" rtl="0" fontAlgn="ctr">
-                        <a:spcBef>
-                          <a:spcPts val="0"/>
-                        </a:spcBef>
-                        <a:spcAft>
-                          <a:spcPts val="0"/>
-                        </a:spcAft>
-                      </a:pPr>
-                      <a:r>
-                        <a:rPr lang="en-US" sz="1400" b="0" u="none" dirty="0">
-                          <a:solidFill>
-                            <a:schemeClr val="tx1"/>
-                          </a:solidFill>
-                          <a:effectLst/>
-                          <a:latin typeface="Times New Roman" panose="02020603050405020304" pitchFamily="18" charset="0"/>
-                          <a:cs typeface="Times New Roman" panose="02020603050405020304" pitchFamily="18" charset="0"/>
-                        </a:rPr>
-                        <a:t>0.0300</a:t>
-                      </a:r>
-                    </a:p>
-                  </a:txBody>
-                  <a:tcPr marL="63500" marR="63500" marT="63500" marB="63500" anchor="ctr"/>
-                </a:tc>
-                <a:tc>
-                  <a:txBody>
-                    <a:bodyPr/>
-                    <a:lstStyle/>
-                    <a:p>
-                      <a:pPr algn="ctr" rtl="0" fontAlgn="ctr">
-                        <a:spcBef>
-                          <a:spcPts val="0"/>
-                        </a:spcBef>
-                        <a:spcAft>
-                          <a:spcPts val="0"/>
-                        </a:spcAft>
-                      </a:pPr>
-                      <a:r>
-                        <a:rPr lang="en-US" sz="1400" b="0" u="none" dirty="0">
-                          <a:solidFill>
-                            <a:schemeClr val="tx1"/>
-                          </a:solidFill>
-                          <a:effectLst/>
-                          <a:latin typeface="Times New Roman" panose="02020603050405020304" pitchFamily="18" charset="0"/>
-                          <a:cs typeface="Times New Roman" panose="02020603050405020304" pitchFamily="18" charset="0"/>
-                        </a:rPr>
-                        <a:t>0.1600</a:t>
-                      </a:r>
-                    </a:p>
-                  </a:txBody>
-                  <a:tcPr marL="63500" marR="63500" marT="63500" marB="63500" anchor="ctr"/>
-                </a:tc>
-                <a:tc>
-                  <a:txBody>
-                    <a:bodyPr/>
-                    <a:lstStyle/>
-                    <a:p>
-                      <a:pPr algn="ctr" rtl="0" fontAlgn="ctr">
-                        <a:spcBef>
-                          <a:spcPts val="0"/>
-                        </a:spcBef>
-                        <a:spcAft>
-                          <a:spcPts val="0"/>
-                        </a:spcAft>
-                      </a:pPr>
-                      <a:r>
-                        <a:rPr lang="en-US" sz="1400" b="0" u="none" dirty="0">
-                          <a:solidFill>
-                            <a:schemeClr val="tx1"/>
-                          </a:solidFill>
-                          <a:effectLst/>
-                          <a:latin typeface="Times New Roman" panose="02020603050405020304" pitchFamily="18" charset="0"/>
-                          <a:cs typeface="Times New Roman" panose="02020603050405020304" pitchFamily="18" charset="0"/>
-                        </a:rPr>
-                        <a:t>0.1900</a:t>
-                      </a:r>
-                    </a:p>
-                  </a:txBody>
-                  <a:tcPr marL="63500" marR="63500" marT="63500" marB="63500" anchor="ctr"/>
-                </a:tc>
-                <a:tc>
-                  <a:txBody>
-                    <a:bodyPr/>
-                    <a:lstStyle/>
-                    <a:p>
-                      <a:pPr algn="ctr" rtl="0" fontAlgn="ctr">
-                        <a:spcBef>
-                          <a:spcPts val="0"/>
-                        </a:spcBef>
-                        <a:spcAft>
-                          <a:spcPts val="0"/>
-                        </a:spcAft>
-                      </a:pPr>
-                      <a:r>
-                        <a:rPr lang="en-US" sz="1400" b="0" u="none" dirty="0">
-                          <a:solidFill>
-                            <a:schemeClr val="tx1"/>
-                          </a:solidFill>
-                          <a:effectLst/>
-                          <a:latin typeface="Times New Roman" panose="02020603050405020304" pitchFamily="18" charset="0"/>
-                          <a:cs typeface="Times New Roman" panose="02020603050405020304" pitchFamily="18" charset="0"/>
-                        </a:rPr>
-                        <a:t>0.1723</a:t>
+                        <a:t>0.1858</a:t>
                       </a:r>
                     </a:p>
                   </a:txBody>
@@ -10364,7 +10343,7 @@
                           <a:latin typeface="Times New Roman" panose="02020603050405020304" pitchFamily="18" charset="0"/>
                           <a:cs typeface="Times New Roman" panose="02020603050405020304" pitchFamily="18" charset="0"/>
                         </a:rPr>
-                        <a:t>0.2000</a:t>
+                        <a:t>0.2200</a:t>
                       </a:r>
                     </a:p>
                   </a:txBody>
@@ -10392,7 +10371,7 @@
                           <a:latin typeface="Times New Roman" panose="02020603050405020304" pitchFamily="18" charset="0"/>
                           <a:cs typeface="Times New Roman" panose="02020603050405020304" pitchFamily="18" charset="0"/>
                         </a:rPr>
-                        <a:t>0.2700</a:t>
+                        <a:t>0.3000</a:t>
                       </a:r>
                     </a:p>
                   </a:txBody>
@@ -10422,6 +10401,73 @@
 </file>
 
 <file path=ppt/slides/slide4.xml><?xml version="1.0" encoding="utf-8"?>
+<p:sld xmlns:a="http://schemas.openxmlformats.org/drawingml/2006/main" xmlns:r="http://schemas.openxmlformats.org/officeDocument/2006/relationships" xmlns:p="http://schemas.openxmlformats.org/presentationml/2006/main">
+  <p:cSld>
+    <p:spTree>
+      <p:nvGrpSpPr>
+        <p:cNvPr id="1" name=""/>
+        <p:cNvGrpSpPr/>
+        <p:nvPr/>
+      </p:nvGrpSpPr>
+      <p:grpSpPr>
+        <a:xfrm>
+          <a:off x="0" y="0"/>
+          <a:ext cx="0" cy="0"/>
+          <a:chOff x="0" y="0"/>
+          <a:chExt cx="0" cy="0"/>
+        </a:xfrm>
+      </p:grpSpPr>
+      <p:sp>
+        <p:nvSpPr>
+          <p:cNvPr id="2" name="Titel 1">
+            <a:extLst>
+              <a:ext uri="{FF2B5EF4-FFF2-40B4-BE49-F238E27FC236}">
+                <a16:creationId xmlns:a16="http://schemas.microsoft.com/office/drawing/2014/main" id="{97290941-D096-864F-D6D7-C6BFB0E6514B}"/>
+              </a:ext>
+            </a:extLst>
+          </p:cNvPr>
+          <p:cNvSpPr>
+            <a:spLocks noGrp="1"/>
+          </p:cNvSpPr>
+          <p:nvPr>
+            <p:ph type="title"/>
+          </p:nvPr>
+        </p:nvSpPr>
+        <p:spPr>
+          <a:xfrm>
+            <a:off x="1623573" y="2817546"/>
+            <a:ext cx="9404723" cy="1400530"/>
+          </a:xfrm>
+        </p:spPr>
+        <p:txBody>
+          <a:bodyPr/>
+          <a:lstStyle/>
+          <a:p>
+            <a:pPr algn="ctr"/>
+            <a:r>
+              <a:rPr lang="en-US" sz="6000" dirty="0">
+                <a:latin typeface="Times New Roman" panose="02020603050405020304" pitchFamily="18" charset="0"/>
+                <a:cs typeface="Times New Roman" panose="02020603050405020304" pitchFamily="18" charset="0"/>
+              </a:rPr>
+              <a:t>GIVE UP MISTRAL 7B</a:t>
+            </a:r>
+          </a:p>
+        </p:txBody>
+      </p:sp>
+    </p:spTree>
+    <p:extLst>
+      <p:ext uri="{BB962C8B-B14F-4D97-AF65-F5344CB8AC3E}">
+        <p14:creationId xmlns:p14="http://schemas.microsoft.com/office/powerpoint/2010/main" val="1575556044"/>
+      </p:ext>
+    </p:extLst>
+  </p:cSld>
+  <p:clrMapOvr>
+    <a:masterClrMapping/>
+  </p:clrMapOvr>
+</p:sld>
+</file>
+
+<file path=ppt/slides/slide5.xml><?xml version="1.0" encoding="utf-8"?>
 <p:sld xmlns:a="http://schemas.openxmlformats.org/drawingml/2006/main" xmlns:r="http://schemas.openxmlformats.org/officeDocument/2006/relationships" xmlns:p="http://schemas.openxmlformats.org/presentationml/2006/main">
   <p:cSld>
     <p:bg>
@@ -11619,8 +11665,8 @@
         </p:nvSpPr>
         <p:spPr>
           <a:xfrm>
-            <a:off x="4318232" y="6452928"/>
-            <a:ext cx="7475835" cy="553998"/>
+            <a:off x="-1529254" y="6452928"/>
+            <a:ext cx="13323322" cy="276999"/>
           </a:xfrm>
           <a:prstGeom prst="rect">
             <a:avLst/>
@@ -11633,107 +11679,44 @@
           </a:bodyPr>
           <a:lstStyle/>
           <a:p>
-            <a:pPr marL="2743200" marR="0" lvl="0" indent="457200" algn="l" defTabSz="457200" rtl="0" eaLnBrk="1" fontAlgn="auto" latinLnBrk="0" hangingPunct="1">
-              <a:lnSpc>
-                <a:spcPct val="100000"/>
-              </a:lnSpc>
+            <a:pPr marL="2743200" indent="457200" rtl="0">
               <a:spcBef>
                 <a:spcPts val="0"/>
               </a:spcBef>
               <a:spcAft>
                 <a:spcPts val="0"/>
               </a:spcAft>
-              <a:buClrTx/>
-              <a:buSzTx/>
-              <a:buFontTx/>
-              <a:buNone/>
-              <a:tabLst/>
-              <a:defRPr/>
             </a:pPr>
             <a:r>
-              <a:rPr kumimoji="0" lang="en-US" sz="1200" b="0" i="0" u="none" strike="noStrike" kern="1200" cap="none" spc="0" normalizeH="0" baseline="0" noProof="0" dirty="0">
-                <a:ln>
-                  <a:noFill/>
-                </a:ln>
+              <a:rPr lang="en-US" sz="1200" b="0" i="0" u="none" strike="noStrike" dirty="0">
                 <a:solidFill>
                   <a:srgbClr val="000000"/>
                 </a:solidFill>
                 <a:effectLst/>
-                <a:uLnTx/>
-                <a:uFillTx/>
                 <a:latin typeface="Arial" panose="020B0604020202020204" pitchFamily="34" charset="0"/>
-                <a:ea typeface="+mn-ea"/>
-                <a:cs typeface="+mn-cs"/>
               </a:rPr>
               <a:t>*Use the first </a:t>
             </a:r>
             <a:r>
-              <a:rPr kumimoji="0" lang="en-US" sz="1200" b="1" i="0" u="none" strike="noStrike" kern="1200" cap="none" spc="0" normalizeH="0" baseline="0" noProof="0" dirty="0">
-                <a:ln>
-                  <a:noFill/>
-                </a:ln>
+              <a:rPr lang="en-US" sz="1200" b="1" i="0" u="none" strike="noStrike" dirty="0">
                 <a:solidFill>
                   <a:srgbClr val="000000"/>
                 </a:solidFill>
                 <a:effectLst/>
-                <a:uLnTx/>
-                <a:uFillTx/>
                 <a:latin typeface="Arial" panose="020B0604020202020204" pitchFamily="34" charset="0"/>
-                <a:ea typeface="+mn-ea"/>
-                <a:cs typeface="+mn-cs"/>
               </a:rPr>
               <a:t>100</a:t>
             </a:r>
             <a:r>
-              <a:rPr kumimoji="0" lang="en-US" sz="1200" b="0" i="0" u="none" strike="noStrike" kern="1200" cap="none" spc="0" normalizeH="0" baseline="0" noProof="0" dirty="0">
-                <a:ln>
-                  <a:noFill/>
-                </a:ln>
+              <a:rPr lang="en-US" sz="1200" b="0" i="0" u="none" strike="noStrike" dirty="0">
                 <a:solidFill>
                   <a:srgbClr val="000000"/>
                 </a:solidFill>
                 <a:effectLst/>
-                <a:uLnTx/>
-                <a:uFillTx/>
                 <a:latin typeface="Arial" panose="020B0604020202020204" pitchFamily="34" charset="0"/>
-                <a:ea typeface="+mn-ea"/>
-                <a:cs typeface="+mn-cs"/>
               </a:rPr>
-              <a:t> samples from the test dataset of WN18RR</a:t>
+              <a:t> samples from the test dataset of WN18RR		// 	The format of outputs vary</a:t>
             </a:r>
-          </a:p>
-          <a:p>
-            <a:pPr marL="2743200" marR="0" lvl="0" indent="457200" algn="l" defTabSz="457200" rtl="0" eaLnBrk="1" fontAlgn="auto" latinLnBrk="0" hangingPunct="1">
-              <a:lnSpc>
-                <a:spcPct val="100000"/>
-              </a:lnSpc>
-              <a:spcBef>
-                <a:spcPts val="0"/>
-              </a:spcBef>
-              <a:spcAft>
-                <a:spcPts val="0"/>
-              </a:spcAft>
-              <a:buClrTx/>
-              <a:buSzTx/>
-              <a:buFontTx/>
-              <a:buNone/>
-              <a:tabLst/>
-              <a:defRPr/>
-            </a:pPr>
-            <a:endParaRPr kumimoji="0" lang="en-US" sz="1800" b="0" i="0" u="none" strike="noStrike" kern="1200" cap="none" spc="0" normalizeH="0" baseline="0" noProof="0" dirty="0">
-              <a:ln>
-                <a:noFill/>
-              </a:ln>
-              <a:solidFill>
-                <a:prstClr val="black"/>
-              </a:solidFill>
-              <a:effectLst/>
-              <a:uLnTx/>
-              <a:uFillTx/>
-              <a:latin typeface="Century Gothic" panose="020B0502020202020204"/>
-              <a:ea typeface="+mn-ea"/>
-              <a:cs typeface="+mn-cs"/>
-            </a:endParaRPr>
           </a:p>
         </p:txBody>
       </p:sp>
@@ -11777,7 +11760,7 @@
           <p:nvPr>
             <p:extLst>
               <p:ext uri="{D42A27DB-BD31-4B8C-83A1-F6EECF244321}">
-                <p14:modId xmlns:p14="http://schemas.microsoft.com/office/powerpoint/2010/main" val="3695269955"/>
+                <p14:modId xmlns:p14="http://schemas.microsoft.com/office/powerpoint/2010/main" val="3154547690"/>
               </p:ext>
             </p:extLst>
           </p:nvPr>
@@ -11882,6 +11865,9 @@
                       </a:pPr>
                       <a:r>
                         <a:rPr lang="en-US" sz="1400" u="none" dirty="0">
+                          <a:solidFill>
+                            <a:schemeClr val="tx1"/>
+                          </a:solidFill>
                           <a:latin typeface="Times New Roman" panose="02020603050405020304" pitchFamily="18" charset="0"/>
                           <a:cs typeface="Times New Roman" panose="02020603050405020304" pitchFamily="18" charset="0"/>
                         </a:rPr>
@@ -11896,25 +11882,40 @@
                     <a:bodyPr/>
                     <a:lstStyle/>
                     <a:p>
-                      <a:pPr algn="ctr" rtl="0" fontAlgn="t">
+                      <a:pPr marL="0" marR="0" lvl="0" indent="0" algn="ctr" defTabSz="457200" rtl="0" eaLnBrk="1" fontAlgn="auto" latinLnBrk="0" hangingPunct="1">
+                        <a:lnSpc>
+                          <a:spcPct val="100000"/>
+                        </a:lnSpc>
                         <a:spcBef>
                           <a:spcPts val="0"/>
                         </a:spcBef>
                         <a:spcAft>
                           <a:spcPts val="0"/>
                         </a:spcAft>
+                        <a:buClrTx/>
+                        <a:buSzTx/>
+                        <a:buFontTx/>
+                        <a:buNone/>
+                        <a:tabLst/>
+                        <a:defRPr/>
                       </a:pPr>
                       <a:r>
-                        <a:rPr lang="en-US" sz="1400" b="1" i="1" u="none" dirty="0">
+                        <a:rPr lang="en-US" sz="1400" b="1" dirty="0" err="1">
                           <a:solidFill>
                             <a:schemeClr val="tx1"/>
                           </a:solidFill>
-                          <a:effectLst/>
                           <a:latin typeface="Times New Roman" panose="02020603050405020304" pitchFamily="18" charset="0"/>
                           <a:cs typeface="Times New Roman" panose="02020603050405020304" pitchFamily="18" charset="0"/>
                         </a:rPr>
-                        <a:t>Mistral-7B-Instruct-v0.1</a:t>
+                        <a:t>KICMistral</a:t>
                       </a:r>
+                      <a:endParaRPr lang="en-US" sz="1400" b="1" dirty="0">
+                        <a:solidFill>
+                          <a:schemeClr val="tx1"/>
+                        </a:solidFill>
+                        <a:latin typeface="Times New Roman" panose="02020603050405020304" pitchFamily="18" charset="0"/>
+                        <a:cs typeface="Times New Roman" panose="02020603050405020304" pitchFamily="18" charset="0"/>
+                      </a:endParaRPr>
                     </a:p>
                   </a:txBody>
                   <a:tcPr/>
@@ -11954,7 +11955,7 @@
                     <a:bodyPr/>
                     <a:lstStyle/>
                     <a:p>
-                      <a:pPr marL="0" marR="0" lvl="0" indent="0" algn="ctr" defTabSz="457200" rtl="0" eaLnBrk="1" fontAlgn="t" latinLnBrk="0" hangingPunct="1">
+                      <a:pPr marL="0" marR="0" lvl="0" indent="0" algn="ctr" defTabSz="457200" rtl="0" eaLnBrk="1" fontAlgn="auto" latinLnBrk="0" hangingPunct="1">
                         <a:lnSpc>
                           <a:spcPct val="100000"/>
                         </a:lnSpc>
@@ -11972,24 +11973,25 @@
                         <a:defRPr/>
                       </a:pPr>
                       <a:r>
-                        <a:rPr lang="en-US" sz="1400" b="1" i="1" u="none" dirty="0">
+                        <a:rPr lang="en-US" sz="1400" b="1" dirty="0" err="1">
                           <a:solidFill>
                             <a:schemeClr val="tx1"/>
                           </a:solidFill>
-                          <a:effectLst/>
                           <a:latin typeface="Times New Roman" panose="02020603050405020304" pitchFamily="18" charset="0"/>
                           <a:cs typeface="Times New Roman" panose="02020603050405020304" pitchFamily="18" charset="0"/>
                         </a:rPr>
-                        <a:t>Mistral-7B-Instruct-v0.1</a:t>
+                        <a:t>KICMistral</a:t>
                       </a:r>
-                      <a:endParaRPr lang="en-US" sz="1400" b="1" u="none" dirty="0">
-                        <a:solidFill>
-                          <a:schemeClr val="tx1"/>
-                        </a:solidFill>
-                        <a:effectLst/>
-                        <a:latin typeface="Times New Roman" panose="02020603050405020304" pitchFamily="18" charset="0"/>
-                        <a:cs typeface="Times New Roman" panose="02020603050405020304" pitchFamily="18" charset="0"/>
-                      </a:endParaRPr>
+                      <a:r>
+                        <a:rPr lang="en-US" sz="1400" b="1" dirty="0">
+                          <a:solidFill>
+                            <a:schemeClr val="tx1"/>
+                          </a:solidFill>
+                          <a:latin typeface="Times New Roman" panose="02020603050405020304" pitchFamily="18" charset="0"/>
+                          <a:cs typeface="Times New Roman" panose="02020603050405020304" pitchFamily="18" charset="0"/>
+                        </a:rPr>
+                        <a:t> 8X7B-50</a:t>
+                      </a:r>
                     </a:p>
                     <a:p>
                       <a:pPr algn="ctr" rtl="0" fontAlgn="t">
@@ -12465,7 +12467,637 @@
                           <a:latin typeface="Times New Roman" panose="02020603050405020304" pitchFamily="18" charset="0"/>
                           <a:cs typeface="Times New Roman" panose="02020603050405020304" pitchFamily="18" charset="0"/>
                         </a:rPr>
-                        <a:t>0.2595</a:t>
+                        <a:t>0.3260</a:t>
+                      </a:r>
+                    </a:p>
+                  </a:txBody>
+                  <a:tcPr marL="63500" marR="63500" marT="63500" marB="63500" anchor="ctr"/>
+                </a:tc>
+                <a:tc>
+                  <a:txBody>
+                    <a:bodyPr/>
+                    <a:lstStyle/>
+                    <a:p>
+                      <a:pPr algn="ctr" rtl="0" fontAlgn="ctr">
+                        <a:spcBef>
+                          <a:spcPts val="0"/>
+                        </a:spcBef>
+                        <a:spcAft>
+                          <a:spcPts val="0"/>
+                        </a:spcAft>
+                      </a:pPr>
+                      <a:r>
+                        <a:rPr lang="en-US" sz="1400" b="0" u="none" dirty="0">
+                          <a:solidFill>
+                            <a:schemeClr val="tx1"/>
+                          </a:solidFill>
+                          <a:effectLst/>
+                          <a:latin typeface="Times New Roman" panose="02020603050405020304" pitchFamily="18" charset="0"/>
+                          <a:cs typeface="Times New Roman" panose="02020603050405020304" pitchFamily="18" charset="0"/>
+                        </a:rPr>
+                        <a:t> 0.2400</a:t>
+                      </a:r>
+                    </a:p>
+                  </a:txBody>
+                  <a:tcPr marL="63500" marR="63500" marT="63500" marB="63500" anchor="ctr"/>
+                </a:tc>
+                <a:tc>
+                  <a:txBody>
+                    <a:bodyPr/>
+                    <a:lstStyle/>
+                    <a:p>
+                      <a:pPr algn="ctr" rtl="0" fontAlgn="ctr">
+                        <a:spcBef>
+                          <a:spcPts val="0"/>
+                        </a:spcBef>
+                        <a:spcAft>
+                          <a:spcPts val="0"/>
+                        </a:spcAft>
+                      </a:pPr>
+                      <a:r>
+                        <a:rPr lang="en-US" sz="1400" b="0" u="none" dirty="0">
+                          <a:solidFill>
+                            <a:schemeClr val="tx1"/>
+                          </a:solidFill>
+                          <a:effectLst/>
+                          <a:latin typeface="Times New Roman" panose="02020603050405020304" pitchFamily="18" charset="0"/>
+                          <a:cs typeface="Times New Roman" panose="02020603050405020304" pitchFamily="18" charset="0"/>
+                        </a:rPr>
+                        <a:t>0.3800</a:t>
+                      </a:r>
+                    </a:p>
+                  </a:txBody>
+                  <a:tcPr marL="63500" marR="63500" marT="63500" marB="63500" anchor="ctr"/>
+                </a:tc>
+                <a:tc>
+                  <a:txBody>
+                    <a:bodyPr/>
+                    <a:lstStyle/>
+                    <a:p>
+                      <a:pPr algn="ctr" rtl="0" fontAlgn="ctr">
+                        <a:spcBef>
+                          <a:spcPts val="0"/>
+                        </a:spcBef>
+                        <a:spcAft>
+                          <a:spcPts val="0"/>
+                        </a:spcAft>
+                      </a:pPr>
+                      <a:r>
+                        <a:rPr lang="en-US" sz="1400" b="0" u="none" dirty="0">
+                          <a:solidFill>
+                            <a:schemeClr val="tx1"/>
+                          </a:solidFill>
+                          <a:effectLst/>
+                          <a:latin typeface="Times New Roman" panose="02020603050405020304" pitchFamily="18" charset="0"/>
+                          <a:cs typeface="Times New Roman" panose="02020603050405020304" pitchFamily="18" charset="0"/>
+                        </a:rPr>
+                        <a:t>0.5400</a:t>
+                      </a:r>
+                    </a:p>
+                  </a:txBody>
+                  <a:tcPr marL="63500" marR="63500" marT="63500" marB="63500" anchor="ctr"/>
+                </a:tc>
+                <a:tc>
+                  <a:txBody>
+                    <a:bodyPr/>
+                    <a:lstStyle/>
+                    <a:p>
+                      <a:pPr algn="ctr" rtl="0" fontAlgn="ctr">
+                        <a:spcBef>
+                          <a:spcPts val="0"/>
+                        </a:spcBef>
+                        <a:spcAft>
+                          <a:spcPts val="0"/>
+                        </a:spcAft>
+                      </a:pPr>
+                      <a:r>
+                        <a:rPr lang="en-US" sz="1400" b="0" u="none" dirty="0">
+                          <a:solidFill>
+                            <a:schemeClr val="tx1"/>
+                          </a:solidFill>
+                          <a:effectLst/>
+                          <a:latin typeface="Times New Roman" panose="02020603050405020304" pitchFamily="18" charset="0"/>
+                          <a:cs typeface="Times New Roman" panose="02020603050405020304" pitchFamily="18" charset="0"/>
+                        </a:rPr>
+                        <a:t>0.3383</a:t>
+                      </a:r>
+                    </a:p>
+                  </a:txBody>
+                  <a:tcPr marL="63500" marR="63500" marT="63500" marB="63500" anchor="ctr"/>
+                </a:tc>
+                <a:tc>
+                  <a:txBody>
+                    <a:bodyPr/>
+                    <a:lstStyle/>
+                    <a:p>
+                      <a:pPr algn="ctr" rtl="0" fontAlgn="ctr">
+                        <a:spcBef>
+                          <a:spcPts val="0"/>
+                        </a:spcBef>
+                        <a:spcAft>
+                          <a:spcPts val="0"/>
+                        </a:spcAft>
+                      </a:pPr>
+                      <a:r>
+                        <a:rPr lang="en-US" sz="1400" b="0" u="none" dirty="0">
+                          <a:solidFill>
+                            <a:schemeClr val="tx1"/>
+                          </a:solidFill>
+                          <a:effectLst/>
+                          <a:latin typeface="Times New Roman" panose="02020603050405020304" pitchFamily="18" charset="0"/>
+                          <a:cs typeface="Times New Roman" panose="02020603050405020304" pitchFamily="18" charset="0"/>
+                        </a:rPr>
+                        <a:t> 0.2300</a:t>
+                      </a:r>
+                    </a:p>
+                  </a:txBody>
+                  <a:tcPr marL="63500" marR="63500" marT="63500" marB="63500" anchor="ctr"/>
+                </a:tc>
+                <a:tc>
+                  <a:txBody>
+                    <a:bodyPr/>
+                    <a:lstStyle/>
+                    <a:p>
+                      <a:pPr algn="ctr" rtl="0" fontAlgn="ctr">
+                        <a:spcBef>
+                          <a:spcPts val="0"/>
+                        </a:spcBef>
+                        <a:spcAft>
+                          <a:spcPts val="0"/>
+                        </a:spcAft>
+                      </a:pPr>
+                      <a:r>
+                        <a:rPr lang="en-US" sz="1400" b="0" u="none" dirty="0">
+                          <a:solidFill>
+                            <a:schemeClr val="tx1"/>
+                          </a:solidFill>
+                          <a:effectLst/>
+                          <a:latin typeface="Times New Roman" panose="02020603050405020304" pitchFamily="18" charset="0"/>
+                          <a:cs typeface="Times New Roman" panose="02020603050405020304" pitchFamily="18" charset="0"/>
+                        </a:rPr>
+                        <a:t> 0.4400</a:t>
+                      </a:r>
+                    </a:p>
+                  </a:txBody>
+                  <a:tcPr marL="63500" marR="63500" marT="63500" marB="63500" anchor="ctr"/>
+                </a:tc>
+                <a:tc>
+                  <a:txBody>
+                    <a:bodyPr/>
+                    <a:lstStyle/>
+                    <a:p>
+                      <a:pPr algn="ctr" rtl="0" fontAlgn="ctr">
+                        <a:spcBef>
+                          <a:spcPts val="0"/>
+                        </a:spcBef>
+                        <a:spcAft>
+                          <a:spcPts val="0"/>
+                        </a:spcAft>
+                      </a:pPr>
+                      <a:r>
+                        <a:rPr lang="en-US" sz="1400" b="0" u="none" dirty="0">
+                          <a:solidFill>
+                            <a:schemeClr val="tx1"/>
+                          </a:solidFill>
+                          <a:effectLst/>
+                          <a:latin typeface="Times New Roman" panose="02020603050405020304" pitchFamily="18" charset="0"/>
+                          <a:cs typeface="Times New Roman" panose="02020603050405020304" pitchFamily="18" charset="0"/>
+                        </a:rPr>
+                        <a:t>0.5500</a:t>
+                      </a:r>
+                    </a:p>
+                  </a:txBody>
+                  <a:tcPr marL="63500" marR="63500" marT="63500" marB="63500" anchor="ctr"/>
+                </a:tc>
+                <a:extLst>
+                  <a:ext uri="{0D108BD9-81ED-4DB2-BD59-A6C34878D82A}">
+                    <a16:rowId xmlns:a16="http://schemas.microsoft.com/office/drawing/2014/main" val="782074905"/>
+                  </a:ext>
+                </a:extLst>
+              </a:tr>
+              <a:tr h="673433">
+                <a:tc>
+                  <a:txBody>
+                    <a:bodyPr/>
+                    <a:lstStyle/>
+                    <a:p>
+                      <a:pPr algn="ctr" rtl="0" fontAlgn="t">
+                        <a:spcBef>
+                          <a:spcPts val="0"/>
+                        </a:spcBef>
+                        <a:spcAft>
+                          <a:spcPts val="0"/>
+                        </a:spcAft>
+                      </a:pPr>
+                      <a:r>
+                        <a:rPr lang="en-US" sz="1400" b="0" i="0" u="none" dirty="0">
+                          <a:solidFill>
+                            <a:schemeClr val="tx1"/>
+                          </a:solidFill>
+                          <a:effectLst/>
+                          <a:latin typeface="Times New Roman" panose="02020603050405020304" pitchFamily="18" charset="0"/>
+                          <a:cs typeface="Times New Roman" panose="02020603050405020304" pitchFamily="18" charset="0"/>
+                        </a:rPr>
+                        <a:t>20</a:t>
+                      </a:r>
+                    </a:p>
+                  </a:txBody>
+                  <a:tcPr marL="63500" marR="63500" marT="63500" marB="63500" anchor="ctr"/>
+                </a:tc>
+                <a:tc>
+                  <a:txBody>
+                    <a:bodyPr/>
+                    <a:lstStyle/>
+                    <a:p>
+                      <a:pPr algn="ctr" rtl="0" fontAlgn="ctr">
+                        <a:spcBef>
+                          <a:spcPts val="0"/>
+                        </a:spcBef>
+                        <a:spcAft>
+                          <a:spcPts val="0"/>
+                        </a:spcAft>
+                      </a:pPr>
+                      <a:r>
+                        <a:rPr lang="en-US" sz="1400" b="0" u="none" dirty="0">
+                          <a:solidFill>
+                            <a:schemeClr val="tx1"/>
+                          </a:solidFill>
+                          <a:effectLst/>
+                          <a:latin typeface="Times New Roman" panose="02020603050405020304" pitchFamily="18" charset="0"/>
+                          <a:cs typeface="Times New Roman" panose="02020603050405020304" pitchFamily="18" charset="0"/>
+                        </a:rPr>
+                        <a:t>0.3241</a:t>
+                      </a:r>
+                    </a:p>
+                  </a:txBody>
+                  <a:tcPr marL="63500" marR="63500" marT="63500" marB="63500" anchor="ctr"/>
+                </a:tc>
+                <a:tc>
+                  <a:txBody>
+                    <a:bodyPr/>
+                    <a:lstStyle/>
+                    <a:p>
+                      <a:pPr algn="ctr" rtl="0" fontAlgn="ctr">
+                        <a:spcBef>
+                          <a:spcPts val="0"/>
+                        </a:spcBef>
+                        <a:spcAft>
+                          <a:spcPts val="0"/>
+                        </a:spcAft>
+                      </a:pPr>
+                      <a:r>
+                        <a:rPr lang="en-US" sz="1400" b="0" u="none" dirty="0">
+                          <a:solidFill>
+                            <a:schemeClr val="tx1"/>
+                          </a:solidFill>
+                          <a:effectLst/>
+                          <a:latin typeface="Times New Roman" panose="02020603050405020304" pitchFamily="18" charset="0"/>
+                          <a:cs typeface="Times New Roman" panose="02020603050405020304" pitchFamily="18" charset="0"/>
+                        </a:rPr>
+                        <a:t>0.2300</a:t>
+                      </a:r>
+                    </a:p>
+                  </a:txBody>
+                  <a:tcPr marL="63500" marR="63500" marT="63500" marB="63500" anchor="ctr"/>
+                </a:tc>
+                <a:tc>
+                  <a:txBody>
+                    <a:bodyPr/>
+                    <a:lstStyle/>
+                    <a:p>
+                      <a:pPr algn="ctr" rtl="0" fontAlgn="ctr">
+                        <a:spcBef>
+                          <a:spcPts val="0"/>
+                        </a:spcBef>
+                        <a:spcAft>
+                          <a:spcPts val="0"/>
+                        </a:spcAft>
+                      </a:pPr>
+                      <a:r>
+                        <a:rPr lang="en-US" sz="1400" b="0" u="none" dirty="0">
+                          <a:solidFill>
+                            <a:schemeClr val="tx1"/>
+                          </a:solidFill>
+                          <a:effectLst/>
+                          <a:latin typeface="Times New Roman" panose="02020603050405020304" pitchFamily="18" charset="0"/>
+                          <a:cs typeface="Times New Roman" panose="02020603050405020304" pitchFamily="18" charset="0"/>
+                        </a:rPr>
+                        <a:t>0.3800</a:t>
+                      </a:r>
+                    </a:p>
+                  </a:txBody>
+                  <a:tcPr marL="63500" marR="63500" marT="63500" marB="63500" anchor="ctr"/>
+                </a:tc>
+                <a:tc>
+                  <a:txBody>
+                    <a:bodyPr/>
+                    <a:lstStyle/>
+                    <a:p>
+                      <a:pPr algn="ctr" rtl="0" fontAlgn="ctr">
+                        <a:spcBef>
+                          <a:spcPts val="0"/>
+                        </a:spcBef>
+                        <a:spcAft>
+                          <a:spcPts val="0"/>
+                        </a:spcAft>
+                      </a:pPr>
+                      <a:r>
+                        <a:rPr lang="en-US" sz="1400" b="0" u="none" dirty="0">
+                          <a:solidFill>
+                            <a:schemeClr val="tx1"/>
+                          </a:solidFill>
+                          <a:effectLst/>
+                          <a:latin typeface="Times New Roman" panose="02020603050405020304" pitchFamily="18" charset="0"/>
+                          <a:cs typeface="Times New Roman" panose="02020603050405020304" pitchFamily="18" charset="0"/>
+                        </a:rPr>
+                        <a:t>0.5300</a:t>
+                      </a:r>
+                    </a:p>
+                  </a:txBody>
+                  <a:tcPr marL="63500" marR="63500" marT="63500" marB="63500" anchor="ctr"/>
+                </a:tc>
+                <a:tc>
+                  <a:txBody>
+                    <a:bodyPr/>
+                    <a:lstStyle/>
+                    <a:p>
+                      <a:pPr algn="ctr" rtl="0" fontAlgn="ctr">
+                        <a:spcBef>
+                          <a:spcPts val="0"/>
+                        </a:spcBef>
+                        <a:spcAft>
+                          <a:spcPts val="0"/>
+                        </a:spcAft>
+                      </a:pPr>
+                      <a:r>
+                        <a:rPr lang="en-US" sz="1400" b="0" u="none" dirty="0">
+                          <a:solidFill>
+                            <a:schemeClr val="tx1"/>
+                          </a:solidFill>
+                          <a:effectLst/>
+                          <a:latin typeface="Times New Roman" panose="02020603050405020304" pitchFamily="18" charset="0"/>
+                          <a:cs typeface="Times New Roman" panose="02020603050405020304" pitchFamily="18" charset="0"/>
+                        </a:rPr>
+                        <a:t>0.3424</a:t>
+                      </a:r>
+                    </a:p>
+                  </a:txBody>
+                  <a:tcPr marL="63500" marR="63500" marT="63500" marB="63500" anchor="ctr"/>
+                </a:tc>
+                <a:tc>
+                  <a:txBody>
+                    <a:bodyPr/>
+                    <a:lstStyle/>
+                    <a:p>
+                      <a:pPr algn="ctr" rtl="0" fontAlgn="ctr">
+                        <a:spcBef>
+                          <a:spcPts val="0"/>
+                        </a:spcBef>
+                        <a:spcAft>
+                          <a:spcPts val="0"/>
+                        </a:spcAft>
+                      </a:pPr>
+                      <a:r>
+                        <a:rPr lang="en-US" sz="1400" b="0" u="none" dirty="0">
+                          <a:solidFill>
+                            <a:schemeClr val="tx1"/>
+                          </a:solidFill>
+                          <a:effectLst/>
+                          <a:latin typeface="Times New Roman" panose="02020603050405020304" pitchFamily="18" charset="0"/>
+                          <a:cs typeface="Times New Roman" panose="02020603050405020304" pitchFamily="18" charset="0"/>
+                        </a:rPr>
+                        <a:t>0.2500</a:t>
+                      </a:r>
+                    </a:p>
+                  </a:txBody>
+                  <a:tcPr marL="63500" marR="63500" marT="63500" marB="63500" anchor="ctr"/>
+                </a:tc>
+                <a:tc>
+                  <a:txBody>
+                    <a:bodyPr/>
+                    <a:lstStyle/>
+                    <a:p>
+                      <a:pPr algn="ctr" rtl="0" fontAlgn="ctr">
+                        <a:spcBef>
+                          <a:spcPts val="0"/>
+                        </a:spcBef>
+                        <a:spcAft>
+                          <a:spcPts val="0"/>
+                        </a:spcAft>
+                      </a:pPr>
+                      <a:r>
+                        <a:rPr lang="en-US" sz="1400" b="0" u="none" dirty="0">
+                          <a:solidFill>
+                            <a:schemeClr val="tx1"/>
+                          </a:solidFill>
+                          <a:effectLst/>
+                          <a:latin typeface="Times New Roman" panose="02020603050405020304" pitchFamily="18" charset="0"/>
+                          <a:cs typeface="Times New Roman" panose="02020603050405020304" pitchFamily="18" charset="0"/>
+                        </a:rPr>
+                        <a:t> 0.3800</a:t>
+                      </a:r>
+                    </a:p>
+                  </a:txBody>
+                  <a:tcPr marL="63500" marR="63500" marT="63500" marB="63500" anchor="ctr"/>
+                </a:tc>
+                <a:tc>
+                  <a:txBody>
+                    <a:bodyPr/>
+                    <a:lstStyle/>
+                    <a:p>
+                      <a:pPr algn="ctr" rtl="0" fontAlgn="ctr">
+                        <a:spcBef>
+                          <a:spcPts val="0"/>
+                        </a:spcBef>
+                        <a:spcAft>
+                          <a:spcPts val="0"/>
+                        </a:spcAft>
+                      </a:pPr>
+                      <a:r>
+                        <a:rPr lang="en-US" sz="1400" b="0" u="none" dirty="0">
+                          <a:solidFill>
+                            <a:schemeClr val="tx1"/>
+                          </a:solidFill>
+                          <a:effectLst/>
+                          <a:latin typeface="Times New Roman" panose="02020603050405020304" pitchFamily="18" charset="0"/>
+                          <a:cs typeface="Times New Roman" panose="02020603050405020304" pitchFamily="18" charset="0"/>
+                        </a:rPr>
+                        <a:t>0.5400</a:t>
+                      </a:r>
+                    </a:p>
+                  </a:txBody>
+                  <a:tcPr marL="63500" marR="63500" marT="63500" marB="63500" anchor="ctr"/>
+                </a:tc>
+                <a:extLst>
+                  <a:ext uri="{0D108BD9-81ED-4DB2-BD59-A6C34878D82A}">
+                    <a16:rowId xmlns:a16="http://schemas.microsoft.com/office/drawing/2014/main" val="892219342"/>
+                  </a:ext>
+                </a:extLst>
+              </a:tr>
+              <a:tr h="734193">
+                <a:tc>
+                  <a:txBody>
+                    <a:bodyPr/>
+                    <a:lstStyle/>
+                    <a:p>
+                      <a:pPr algn="ctr" rtl="0" fontAlgn="t">
+                        <a:spcBef>
+                          <a:spcPts val="0"/>
+                        </a:spcBef>
+                        <a:spcAft>
+                          <a:spcPts val="0"/>
+                        </a:spcAft>
+                      </a:pPr>
+                      <a:r>
+                        <a:rPr lang="en-US" sz="1400" b="0" i="0" u="none" dirty="0">
+                          <a:solidFill>
+                            <a:schemeClr val="tx1"/>
+                          </a:solidFill>
+                          <a:effectLst/>
+                          <a:latin typeface="Times New Roman" panose="02020603050405020304" pitchFamily="18" charset="0"/>
+                          <a:cs typeface="Times New Roman" panose="02020603050405020304" pitchFamily="18" charset="0"/>
+                        </a:rPr>
+                        <a:t>30</a:t>
+                      </a:r>
+                    </a:p>
+                  </a:txBody>
+                  <a:tcPr marL="63500" marR="63500" marT="63500" marB="63500" anchor="ctr"/>
+                </a:tc>
+                <a:tc>
+                  <a:txBody>
+                    <a:bodyPr/>
+                    <a:lstStyle/>
+                    <a:p>
+                      <a:pPr algn="ctr" rtl="0" fontAlgn="ctr">
+                        <a:spcBef>
+                          <a:spcPts val="0"/>
+                        </a:spcBef>
+                        <a:spcAft>
+                          <a:spcPts val="0"/>
+                        </a:spcAft>
+                      </a:pPr>
+                      <a:r>
+                        <a:rPr lang="en-US" sz="1400" b="0" u="none" dirty="0">
+                          <a:solidFill>
+                            <a:schemeClr val="tx1"/>
+                          </a:solidFill>
+                          <a:effectLst/>
+                          <a:latin typeface="Times New Roman" panose="02020603050405020304" pitchFamily="18" charset="0"/>
+                          <a:cs typeface="Times New Roman" panose="02020603050405020304" pitchFamily="18" charset="0"/>
+                        </a:rPr>
+                        <a:t>0.3079</a:t>
+                      </a:r>
+                    </a:p>
+                  </a:txBody>
+                  <a:tcPr marL="63500" marR="63500" marT="63500" marB="63500" anchor="ctr"/>
+                </a:tc>
+                <a:tc>
+                  <a:txBody>
+                    <a:bodyPr/>
+                    <a:lstStyle/>
+                    <a:p>
+                      <a:pPr algn="ctr" rtl="0" fontAlgn="ctr">
+                        <a:spcBef>
+                          <a:spcPts val="0"/>
+                        </a:spcBef>
+                        <a:spcAft>
+                          <a:spcPts val="0"/>
+                        </a:spcAft>
+                      </a:pPr>
+                      <a:r>
+                        <a:rPr lang="en-US" sz="1400" b="0" u="none" dirty="0">
+                          <a:solidFill>
+                            <a:schemeClr val="tx1"/>
+                          </a:solidFill>
+                          <a:effectLst/>
+                          <a:latin typeface="Times New Roman" panose="02020603050405020304" pitchFamily="18" charset="0"/>
+                          <a:cs typeface="Times New Roman" panose="02020603050405020304" pitchFamily="18" charset="0"/>
+                        </a:rPr>
+                        <a:t>0.2000</a:t>
+                      </a:r>
+                    </a:p>
+                  </a:txBody>
+                  <a:tcPr marL="63500" marR="63500" marT="63500" marB="63500" anchor="ctr"/>
+                </a:tc>
+                <a:tc>
+                  <a:txBody>
+                    <a:bodyPr/>
+                    <a:lstStyle/>
+                    <a:p>
+                      <a:pPr algn="ctr" rtl="0" fontAlgn="ctr">
+                        <a:spcBef>
+                          <a:spcPts val="0"/>
+                        </a:spcBef>
+                        <a:spcAft>
+                          <a:spcPts val="0"/>
+                        </a:spcAft>
+                      </a:pPr>
+                      <a:r>
+                        <a:rPr lang="en-US" sz="1400" b="0" u="none" dirty="0">
+                          <a:solidFill>
+                            <a:schemeClr val="tx1"/>
+                          </a:solidFill>
+                          <a:effectLst/>
+                          <a:latin typeface="Times New Roman" panose="02020603050405020304" pitchFamily="18" charset="0"/>
+                          <a:cs typeface="Times New Roman" panose="02020603050405020304" pitchFamily="18" charset="0"/>
+                        </a:rPr>
+                        <a:t>0.3800</a:t>
+                      </a:r>
+                    </a:p>
+                  </a:txBody>
+                  <a:tcPr marL="63500" marR="63500" marT="63500" marB="63500" anchor="ctr"/>
+                </a:tc>
+                <a:tc>
+                  <a:txBody>
+                    <a:bodyPr/>
+                    <a:lstStyle/>
+                    <a:p>
+                      <a:pPr algn="ctr" rtl="0" fontAlgn="ctr">
+                        <a:spcBef>
+                          <a:spcPts val="0"/>
+                        </a:spcBef>
+                        <a:spcAft>
+                          <a:spcPts val="0"/>
+                        </a:spcAft>
+                      </a:pPr>
+                      <a:r>
+                        <a:rPr lang="en-US" sz="1400" b="0" u="none" dirty="0">
+                          <a:solidFill>
+                            <a:schemeClr val="tx1"/>
+                          </a:solidFill>
+                          <a:effectLst/>
+                          <a:latin typeface="Times New Roman" panose="02020603050405020304" pitchFamily="18" charset="0"/>
+                          <a:cs typeface="Times New Roman" panose="02020603050405020304" pitchFamily="18" charset="0"/>
+                        </a:rPr>
+                        <a:t>0.5200</a:t>
+                      </a:r>
+                    </a:p>
+                  </a:txBody>
+                  <a:tcPr marL="63500" marR="63500" marT="63500" marB="63500" anchor="ctr"/>
+                </a:tc>
+                <a:tc>
+                  <a:txBody>
+                    <a:bodyPr/>
+                    <a:lstStyle/>
+                    <a:p>
+                      <a:pPr algn="ctr" rtl="0" fontAlgn="ctr">
+                        <a:spcBef>
+                          <a:spcPts val="0"/>
+                        </a:spcBef>
+                        <a:spcAft>
+                          <a:spcPts val="0"/>
+                        </a:spcAft>
+                      </a:pPr>
+                      <a:r>
+                        <a:rPr lang="en-US" sz="1400" b="0" u="none" dirty="0">
+                          <a:solidFill>
+                            <a:schemeClr val="tx1"/>
+                          </a:solidFill>
+                          <a:effectLst/>
+                          <a:latin typeface="Times New Roman" panose="02020603050405020304" pitchFamily="18" charset="0"/>
+                          <a:cs typeface="Times New Roman" panose="02020603050405020304" pitchFamily="18" charset="0"/>
+                        </a:rPr>
+                        <a:t>0.3001</a:t>
                       </a:r>
                     </a:p>
                   </a:txBody>
@@ -12521,7 +13153,7 @@
                           <a:latin typeface="Times New Roman" panose="02020603050405020304" pitchFamily="18" charset="0"/>
                           <a:cs typeface="Times New Roman" panose="02020603050405020304" pitchFamily="18" charset="0"/>
                         </a:rPr>
-                        <a:t>0.3000</a:t>
+                        <a:t>0.3500</a:t>
                       </a:r>
                     </a:p>
                   </a:txBody>
@@ -12549,637 +13181,7 @@
                           <a:latin typeface="Times New Roman" panose="02020603050405020304" pitchFamily="18" charset="0"/>
                           <a:cs typeface="Times New Roman" panose="02020603050405020304" pitchFamily="18" charset="0"/>
                         </a:rPr>
-                        <a:t>0.4300</a:t>
-                      </a:r>
-                    </a:p>
-                  </a:txBody>
-                  <a:tcPr marL="63500" marR="63500" marT="63500" marB="63500" anchor="ctr"/>
-                </a:tc>
-                <a:tc>
-                  <a:txBody>
-                    <a:bodyPr/>
-                    <a:lstStyle/>
-                    <a:p>
-                      <a:pPr algn="ctr" rtl="0" fontAlgn="ctr">
-                        <a:spcBef>
-                          <a:spcPts val="0"/>
-                        </a:spcBef>
-                        <a:spcAft>
-                          <a:spcPts val="0"/>
-                        </a:spcAft>
-                      </a:pPr>
-                      <a:r>
-                        <a:rPr lang="en-US" sz="1400" b="0" u="none" dirty="0">
-                          <a:solidFill>
-                            <a:schemeClr val="tx1"/>
-                          </a:solidFill>
-                          <a:effectLst/>
-                          <a:latin typeface="Times New Roman" panose="02020603050405020304" pitchFamily="18" charset="0"/>
-                          <a:cs typeface="Times New Roman" panose="02020603050405020304" pitchFamily="18" charset="0"/>
-                        </a:rPr>
-                        <a:t>0.2199</a:t>
-                      </a:r>
-                    </a:p>
-                  </a:txBody>
-                  <a:tcPr marL="63500" marR="63500" marT="63500" marB="63500" anchor="ctr"/>
-                </a:tc>
-                <a:tc>
-                  <a:txBody>
-                    <a:bodyPr/>
-                    <a:lstStyle/>
-                    <a:p>
-                      <a:pPr algn="ctr" rtl="0" fontAlgn="ctr">
-                        <a:spcBef>
-                          <a:spcPts val="0"/>
-                        </a:spcBef>
-                        <a:spcAft>
-                          <a:spcPts val="0"/>
-                        </a:spcAft>
-                      </a:pPr>
-                      <a:r>
-                        <a:rPr lang="en-US" sz="1400" b="0" u="none" dirty="0">
-                          <a:solidFill>
-                            <a:schemeClr val="tx1"/>
-                          </a:solidFill>
-                          <a:effectLst/>
-                          <a:latin typeface="Times New Roman" panose="02020603050405020304" pitchFamily="18" charset="0"/>
-                          <a:cs typeface="Times New Roman" panose="02020603050405020304" pitchFamily="18" charset="0"/>
-                        </a:rPr>
-                        <a:t> 0.1500</a:t>
-                      </a:r>
-                    </a:p>
-                  </a:txBody>
-                  <a:tcPr marL="63500" marR="63500" marT="63500" marB="63500" anchor="ctr"/>
-                </a:tc>
-                <a:tc>
-                  <a:txBody>
-                    <a:bodyPr/>
-                    <a:lstStyle/>
-                    <a:p>
-                      <a:pPr algn="ctr" rtl="0" fontAlgn="ctr">
-                        <a:spcBef>
-                          <a:spcPts val="0"/>
-                        </a:spcBef>
-                        <a:spcAft>
-                          <a:spcPts val="0"/>
-                        </a:spcAft>
-                      </a:pPr>
-                      <a:r>
-                        <a:rPr lang="en-US" sz="1400" b="0" u="none" dirty="0">
-                          <a:solidFill>
-                            <a:schemeClr val="tx1"/>
-                          </a:solidFill>
-                          <a:effectLst/>
-                          <a:latin typeface="Times New Roman" panose="02020603050405020304" pitchFamily="18" charset="0"/>
-                          <a:cs typeface="Times New Roman" panose="02020603050405020304" pitchFamily="18" charset="0"/>
-                        </a:rPr>
-                        <a:t> 0.2800</a:t>
-                      </a:r>
-                    </a:p>
-                  </a:txBody>
-                  <a:tcPr marL="63500" marR="63500" marT="63500" marB="63500" anchor="ctr"/>
-                </a:tc>
-                <a:tc>
-                  <a:txBody>
-                    <a:bodyPr/>
-                    <a:lstStyle/>
-                    <a:p>
-                      <a:pPr algn="ctr" rtl="0" fontAlgn="ctr">
-                        <a:spcBef>
-                          <a:spcPts val="0"/>
-                        </a:spcBef>
-                        <a:spcAft>
-                          <a:spcPts val="0"/>
-                        </a:spcAft>
-                      </a:pPr>
-                      <a:r>
-                        <a:rPr lang="en-US" sz="1400" b="0" u="none" dirty="0">
-                          <a:solidFill>
-                            <a:schemeClr val="tx1"/>
-                          </a:solidFill>
-                          <a:effectLst/>
-                          <a:latin typeface="Times New Roman" panose="02020603050405020304" pitchFamily="18" charset="0"/>
-                          <a:cs typeface="Times New Roman" panose="02020603050405020304" pitchFamily="18" charset="0"/>
-                        </a:rPr>
-                        <a:t>0.3700</a:t>
-                      </a:r>
-                    </a:p>
-                  </a:txBody>
-                  <a:tcPr marL="63500" marR="63500" marT="63500" marB="63500" anchor="ctr"/>
-                </a:tc>
-                <a:extLst>
-                  <a:ext uri="{0D108BD9-81ED-4DB2-BD59-A6C34878D82A}">
-                    <a16:rowId xmlns:a16="http://schemas.microsoft.com/office/drawing/2014/main" val="782074905"/>
-                  </a:ext>
-                </a:extLst>
-              </a:tr>
-              <a:tr h="673433">
-                <a:tc>
-                  <a:txBody>
-                    <a:bodyPr/>
-                    <a:lstStyle/>
-                    <a:p>
-                      <a:pPr algn="ctr" rtl="0" fontAlgn="t">
-                        <a:spcBef>
-                          <a:spcPts val="0"/>
-                        </a:spcBef>
-                        <a:spcAft>
-                          <a:spcPts val="0"/>
-                        </a:spcAft>
-                      </a:pPr>
-                      <a:r>
-                        <a:rPr lang="en-US" sz="1400" b="0" i="0" u="none" dirty="0">
-                          <a:solidFill>
-                            <a:schemeClr val="tx1"/>
-                          </a:solidFill>
-                          <a:effectLst/>
-                          <a:latin typeface="Times New Roman" panose="02020603050405020304" pitchFamily="18" charset="0"/>
-                          <a:cs typeface="Times New Roman" panose="02020603050405020304" pitchFamily="18" charset="0"/>
-                        </a:rPr>
-                        <a:t>20</a:t>
-                      </a:r>
-                    </a:p>
-                  </a:txBody>
-                  <a:tcPr marL="63500" marR="63500" marT="63500" marB="63500" anchor="ctr"/>
-                </a:tc>
-                <a:tc>
-                  <a:txBody>
-                    <a:bodyPr/>
-                    <a:lstStyle/>
-                    <a:p>
-                      <a:pPr algn="ctr" rtl="0" fontAlgn="ctr">
-                        <a:spcBef>
-                          <a:spcPts val="0"/>
-                        </a:spcBef>
-                        <a:spcAft>
-                          <a:spcPts val="0"/>
-                        </a:spcAft>
-                      </a:pPr>
-                      <a:r>
-                        <a:rPr lang="en-US" sz="1400" b="0" u="sng" dirty="0">
-                          <a:solidFill>
-                            <a:schemeClr val="tx1"/>
-                          </a:solidFill>
-                          <a:effectLst/>
-                          <a:latin typeface="Times New Roman" panose="02020603050405020304" pitchFamily="18" charset="0"/>
-                          <a:cs typeface="Times New Roman" panose="02020603050405020304" pitchFamily="18" charset="0"/>
-                        </a:rPr>
-                        <a:t>0.3174</a:t>
-                      </a:r>
-                    </a:p>
-                  </a:txBody>
-                  <a:tcPr marL="63500" marR="63500" marT="63500" marB="63500" anchor="ctr"/>
-                </a:tc>
-                <a:tc>
-                  <a:txBody>
-                    <a:bodyPr/>
-                    <a:lstStyle/>
-                    <a:p>
-                      <a:pPr algn="ctr" rtl="0" fontAlgn="ctr">
-                        <a:spcBef>
-                          <a:spcPts val="0"/>
-                        </a:spcBef>
-                        <a:spcAft>
-                          <a:spcPts val="0"/>
-                        </a:spcAft>
-                      </a:pPr>
-                      <a:r>
-                        <a:rPr lang="en-US" sz="1400" b="1" u="none" dirty="0">
-                          <a:solidFill>
-                            <a:schemeClr val="tx1"/>
-                          </a:solidFill>
-                          <a:effectLst/>
-                          <a:latin typeface="Times New Roman" panose="02020603050405020304" pitchFamily="18" charset="0"/>
-                          <a:cs typeface="Times New Roman" panose="02020603050405020304" pitchFamily="18" charset="0"/>
-                        </a:rPr>
-                        <a:t>0.2300</a:t>
-                      </a:r>
-                    </a:p>
-                  </a:txBody>
-                  <a:tcPr marL="63500" marR="63500" marT="63500" marB="63500" anchor="ctr"/>
-                </a:tc>
-                <a:tc>
-                  <a:txBody>
-                    <a:bodyPr/>
-                    <a:lstStyle/>
-                    <a:p>
-                      <a:pPr algn="ctr" rtl="0" fontAlgn="ctr">
-                        <a:spcBef>
-                          <a:spcPts val="0"/>
-                        </a:spcBef>
-                        <a:spcAft>
-                          <a:spcPts val="0"/>
-                        </a:spcAft>
-                      </a:pPr>
-                      <a:r>
-                        <a:rPr lang="en-US" sz="1400" b="0" u="sng" dirty="0">
-                          <a:solidFill>
-                            <a:schemeClr val="tx1"/>
-                          </a:solidFill>
-                          <a:effectLst/>
-                          <a:latin typeface="Times New Roman" panose="02020603050405020304" pitchFamily="18" charset="0"/>
-                          <a:cs typeface="Times New Roman" panose="02020603050405020304" pitchFamily="18" charset="0"/>
-                        </a:rPr>
-                        <a:t>0.3700</a:t>
-                      </a:r>
-                    </a:p>
-                  </a:txBody>
-                  <a:tcPr marL="63500" marR="63500" marT="63500" marB="63500" anchor="ctr"/>
-                </a:tc>
-                <a:tc>
-                  <a:txBody>
-                    <a:bodyPr/>
-                    <a:lstStyle/>
-                    <a:p>
-                      <a:pPr algn="ctr" rtl="0" fontAlgn="ctr">
-                        <a:spcBef>
-                          <a:spcPts val="0"/>
-                        </a:spcBef>
-                        <a:spcAft>
-                          <a:spcPts val="0"/>
-                        </a:spcAft>
-                      </a:pPr>
-                      <a:r>
-                        <a:rPr lang="en-US" sz="1400" b="0" u="sng" dirty="0">
-                          <a:solidFill>
-                            <a:schemeClr val="tx1"/>
-                          </a:solidFill>
-                          <a:effectLst/>
-                          <a:latin typeface="Times New Roman" panose="02020603050405020304" pitchFamily="18" charset="0"/>
-                          <a:cs typeface="Times New Roman" panose="02020603050405020304" pitchFamily="18" charset="0"/>
-                        </a:rPr>
-                        <a:t>0.5100</a:t>
-                      </a:r>
-                    </a:p>
-                  </a:txBody>
-                  <a:tcPr marL="63500" marR="63500" marT="63500" marB="63500" anchor="ctr"/>
-                </a:tc>
-                <a:tc>
-                  <a:txBody>
-                    <a:bodyPr/>
-                    <a:lstStyle/>
-                    <a:p>
-                      <a:pPr algn="ctr" rtl="0" fontAlgn="ctr">
-                        <a:spcBef>
-                          <a:spcPts val="0"/>
-                        </a:spcBef>
-                        <a:spcAft>
-                          <a:spcPts val="0"/>
-                        </a:spcAft>
-                      </a:pPr>
-                      <a:r>
-                        <a:rPr lang="en-US" sz="1400" b="0" u="none" dirty="0">
-                          <a:solidFill>
-                            <a:schemeClr val="tx1"/>
-                          </a:solidFill>
-                          <a:effectLst/>
-                          <a:latin typeface="Times New Roman" panose="02020603050405020304" pitchFamily="18" charset="0"/>
-                          <a:cs typeface="Times New Roman" panose="02020603050405020304" pitchFamily="18" charset="0"/>
-                        </a:rPr>
-                        <a:t>0.2423</a:t>
-                      </a:r>
-                    </a:p>
-                  </a:txBody>
-                  <a:tcPr marL="63500" marR="63500" marT="63500" marB="63500" anchor="ctr"/>
-                </a:tc>
-                <a:tc>
-                  <a:txBody>
-                    <a:bodyPr/>
-                    <a:lstStyle/>
-                    <a:p>
-                      <a:pPr algn="ctr" rtl="0" fontAlgn="ctr">
-                        <a:spcBef>
-                          <a:spcPts val="0"/>
-                        </a:spcBef>
-                        <a:spcAft>
-                          <a:spcPts val="0"/>
-                        </a:spcAft>
-                      </a:pPr>
-                      <a:r>
-                        <a:rPr lang="en-US" sz="1400" b="0" u="none" dirty="0">
-                          <a:solidFill>
-                            <a:schemeClr val="tx1"/>
-                          </a:solidFill>
-                          <a:effectLst/>
-                          <a:latin typeface="Times New Roman" panose="02020603050405020304" pitchFamily="18" charset="0"/>
-                          <a:cs typeface="Times New Roman" panose="02020603050405020304" pitchFamily="18" charset="0"/>
-                        </a:rPr>
-                        <a:t>0.1800</a:t>
-                      </a:r>
-                    </a:p>
-                  </a:txBody>
-                  <a:tcPr marL="63500" marR="63500" marT="63500" marB="63500" anchor="ctr"/>
-                </a:tc>
-                <a:tc>
-                  <a:txBody>
-                    <a:bodyPr/>
-                    <a:lstStyle/>
-                    <a:p>
-                      <a:pPr algn="ctr" rtl="0" fontAlgn="ctr">
-                        <a:spcBef>
-                          <a:spcPts val="0"/>
-                        </a:spcBef>
-                        <a:spcAft>
-                          <a:spcPts val="0"/>
-                        </a:spcAft>
-                      </a:pPr>
-                      <a:r>
-                        <a:rPr lang="en-US" sz="1400" b="0" u="none" dirty="0">
-                          <a:solidFill>
-                            <a:schemeClr val="tx1"/>
-                          </a:solidFill>
-                          <a:effectLst/>
-                          <a:latin typeface="Times New Roman" panose="02020603050405020304" pitchFamily="18" charset="0"/>
-                          <a:cs typeface="Times New Roman" panose="02020603050405020304" pitchFamily="18" charset="0"/>
-                        </a:rPr>
-                        <a:t> 0.2800</a:t>
-                      </a:r>
-                    </a:p>
-                  </a:txBody>
-                  <a:tcPr marL="63500" marR="63500" marT="63500" marB="63500" anchor="ctr"/>
-                </a:tc>
-                <a:tc>
-                  <a:txBody>
-                    <a:bodyPr/>
-                    <a:lstStyle/>
-                    <a:p>
-                      <a:pPr algn="ctr" rtl="0" fontAlgn="ctr">
-                        <a:spcBef>
-                          <a:spcPts val="0"/>
-                        </a:spcBef>
-                        <a:spcAft>
-                          <a:spcPts val="0"/>
-                        </a:spcAft>
-                      </a:pPr>
-                      <a:r>
-                        <a:rPr lang="en-US" sz="1400" b="0" u="none" dirty="0">
-                          <a:solidFill>
-                            <a:schemeClr val="tx1"/>
-                          </a:solidFill>
-                          <a:effectLst/>
-                          <a:latin typeface="Times New Roman" panose="02020603050405020304" pitchFamily="18" charset="0"/>
-                          <a:cs typeface="Times New Roman" panose="02020603050405020304" pitchFamily="18" charset="0"/>
-                        </a:rPr>
-                        <a:t>0.3700</a:t>
-                      </a:r>
-                    </a:p>
-                  </a:txBody>
-                  <a:tcPr marL="63500" marR="63500" marT="63500" marB="63500" anchor="ctr"/>
-                </a:tc>
-                <a:extLst>
-                  <a:ext uri="{0D108BD9-81ED-4DB2-BD59-A6C34878D82A}">
-                    <a16:rowId xmlns:a16="http://schemas.microsoft.com/office/drawing/2014/main" val="892219342"/>
-                  </a:ext>
-                </a:extLst>
-              </a:tr>
-              <a:tr h="734193">
-                <a:tc>
-                  <a:txBody>
-                    <a:bodyPr/>
-                    <a:lstStyle/>
-                    <a:p>
-                      <a:pPr algn="ctr" rtl="0" fontAlgn="t">
-                        <a:spcBef>
-                          <a:spcPts val="0"/>
-                        </a:spcBef>
-                        <a:spcAft>
-                          <a:spcPts val="0"/>
-                        </a:spcAft>
-                      </a:pPr>
-                      <a:r>
-                        <a:rPr lang="en-US" sz="1400" b="0" i="0" u="none" dirty="0">
-                          <a:solidFill>
-                            <a:schemeClr val="tx1"/>
-                          </a:solidFill>
-                          <a:effectLst/>
-                          <a:latin typeface="Times New Roman" panose="02020603050405020304" pitchFamily="18" charset="0"/>
-                          <a:cs typeface="Times New Roman" panose="02020603050405020304" pitchFamily="18" charset="0"/>
-                        </a:rPr>
-                        <a:t>30</a:t>
-                      </a:r>
-                    </a:p>
-                  </a:txBody>
-                  <a:tcPr marL="63500" marR="63500" marT="63500" marB="63500" anchor="ctr"/>
-                </a:tc>
-                <a:tc>
-                  <a:txBody>
-                    <a:bodyPr/>
-                    <a:lstStyle/>
-                    <a:p>
-                      <a:pPr algn="ctr" rtl="0" fontAlgn="ctr">
-                        <a:spcBef>
-                          <a:spcPts val="0"/>
-                        </a:spcBef>
-                        <a:spcAft>
-                          <a:spcPts val="0"/>
-                        </a:spcAft>
-                      </a:pPr>
-                      <a:r>
-                        <a:rPr lang="en-US" sz="1400" b="0" u="none" dirty="0">
-                          <a:solidFill>
-                            <a:schemeClr val="tx1"/>
-                          </a:solidFill>
-                          <a:effectLst/>
-                          <a:latin typeface="Times New Roman" panose="02020603050405020304" pitchFamily="18" charset="0"/>
-                          <a:cs typeface="Times New Roman" panose="02020603050405020304" pitchFamily="18" charset="0"/>
-                        </a:rPr>
-                        <a:t>0.2704</a:t>
-                      </a:r>
-                    </a:p>
-                  </a:txBody>
-                  <a:tcPr marL="63500" marR="63500" marT="63500" marB="63500" anchor="ctr"/>
-                </a:tc>
-                <a:tc>
-                  <a:txBody>
-                    <a:bodyPr/>
-                    <a:lstStyle/>
-                    <a:p>
-                      <a:pPr algn="ctr" rtl="0" fontAlgn="ctr">
-                        <a:spcBef>
-                          <a:spcPts val="0"/>
-                        </a:spcBef>
-                        <a:spcAft>
-                          <a:spcPts val="0"/>
-                        </a:spcAft>
-                      </a:pPr>
-                      <a:r>
-                        <a:rPr lang="en-US" sz="1400" b="0" u="none" dirty="0">
-                          <a:solidFill>
-                            <a:schemeClr val="tx1"/>
-                          </a:solidFill>
-                          <a:effectLst/>
-                          <a:latin typeface="Times New Roman" panose="02020603050405020304" pitchFamily="18" charset="0"/>
-                          <a:cs typeface="Times New Roman" panose="02020603050405020304" pitchFamily="18" charset="0"/>
-                        </a:rPr>
-                        <a:t>0.1800</a:t>
-                      </a:r>
-                    </a:p>
-                  </a:txBody>
-                  <a:tcPr marL="63500" marR="63500" marT="63500" marB="63500" anchor="ctr"/>
-                </a:tc>
-                <a:tc>
-                  <a:txBody>
-                    <a:bodyPr/>
-                    <a:lstStyle/>
-                    <a:p>
-                      <a:pPr algn="ctr" rtl="0" fontAlgn="ctr">
-                        <a:spcBef>
-                          <a:spcPts val="0"/>
-                        </a:spcBef>
-                        <a:spcAft>
-                          <a:spcPts val="0"/>
-                        </a:spcAft>
-                      </a:pPr>
-                      <a:r>
-                        <a:rPr lang="en-US" sz="1400" b="0" u="none" dirty="0">
-                          <a:solidFill>
-                            <a:schemeClr val="tx1"/>
-                          </a:solidFill>
-                          <a:effectLst/>
-                          <a:latin typeface="Times New Roman" panose="02020603050405020304" pitchFamily="18" charset="0"/>
-                          <a:cs typeface="Times New Roman" panose="02020603050405020304" pitchFamily="18" charset="0"/>
-                        </a:rPr>
-                        <a:t>0.3200</a:t>
-                      </a:r>
-                    </a:p>
-                  </a:txBody>
-                  <a:tcPr marL="63500" marR="63500" marT="63500" marB="63500" anchor="ctr"/>
-                </a:tc>
-                <a:tc>
-                  <a:txBody>
-                    <a:bodyPr/>
-                    <a:lstStyle/>
-                    <a:p>
-                      <a:pPr algn="ctr" rtl="0" fontAlgn="ctr">
-                        <a:spcBef>
-                          <a:spcPts val="0"/>
-                        </a:spcBef>
-                        <a:spcAft>
-                          <a:spcPts val="0"/>
-                        </a:spcAft>
-                      </a:pPr>
-                      <a:r>
-                        <a:rPr lang="en-US" sz="1400" b="0" u="none" dirty="0">
-                          <a:solidFill>
-                            <a:schemeClr val="tx1"/>
-                          </a:solidFill>
-                          <a:effectLst/>
-                          <a:latin typeface="Times New Roman" panose="02020603050405020304" pitchFamily="18" charset="0"/>
-                          <a:cs typeface="Times New Roman" panose="02020603050405020304" pitchFamily="18" charset="0"/>
-                        </a:rPr>
-                        <a:t>0.4600</a:t>
-                      </a:r>
-                    </a:p>
-                  </a:txBody>
-                  <a:tcPr marL="63500" marR="63500" marT="63500" marB="63500" anchor="ctr"/>
-                </a:tc>
-                <a:tc>
-                  <a:txBody>
-                    <a:bodyPr/>
-                    <a:lstStyle/>
-                    <a:p>
-                      <a:pPr algn="ctr" rtl="0" fontAlgn="ctr">
-                        <a:spcBef>
-                          <a:spcPts val="0"/>
-                        </a:spcBef>
-                        <a:spcAft>
-                          <a:spcPts val="0"/>
-                        </a:spcAft>
-                      </a:pPr>
-                      <a:r>
-                        <a:rPr lang="en-US" sz="1400" b="0" u="none" dirty="0">
-                          <a:solidFill>
-                            <a:schemeClr val="tx1"/>
-                          </a:solidFill>
-                          <a:effectLst/>
-                          <a:latin typeface="Times New Roman" panose="02020603050405020304" pitchFamily="18" charset="0"/>
-                          <a:cs typeface="Times New Roman" panose="02020603050405020304" pitchFamily="18" charset="0"/>
-                        </a:rPr>
-                        <a:t>0.2352</a:t>
-                      </a:r>
-                    </a:p>
-                  </a:txBody>
-                  <a:tcPr marL="63500" marR="63500" marT="63500" marB="63500" anchor="ctr"/>
-                </a:tc>
-                <a:tc>
-                  <a:txBody>
-                    <a:bodyPr/>
-                    <a:lstStyle/>
-                    <a:p>
-                      <a:pPr algn="ctr" rtl="0" fontAlgn="ctr">
-                        <a:spcBef>
-                          <a:spcPts val="0"/>
-                        </a:spcBef>
-                        <a:spcAft>
-                          <a:spcPts val="0"/>
-                        </a:spcAft>
-                      </a:pPr>
-                      <a:r>
-                        <a:rPr lang="en-US" sz="1400" b="0" u="none" dirty="0">
-                          <a:solidFill>
-                            <a:schemeClr val="tx1"/>
-                          </a:solidFill>
-                          <a:effectLst/>
-                          <a:latin typeface="Times New Roman" panose="02020603050405020304" pitchFamily="18" charset="0"/>
-                          <a:cs typeface="Times New Roman" panose="02020603050405020304" pitchFamily="18" charset="0"/>
-                        </a:rPr>
-                        <a:t>0.1600</a:t>
-                      </a:r>
-                    </a:p>
-                  </a:txBody>
-                  <a:tcPr marL="63500" marR="63500" marT="63500" marB="63500" anchor="ctr"/>
-                </a:tc>
-                <a:tc>
-                  <a:txBody>
-                    <a:bodyPr/>
-                    <a:lstStyle/>
-                    <a:p>
-                      <a:pPr algn="ctr" rtl="0" fontAlgn="ctr">
-                        <a:spcBef>
-                          <a:spcPts val="0"/>
-                        </a:spcBef>
-                        <a:spcAft>
-                          <a:spcPts val="0"/>
-                        </a:spcAft>
-                      </a:pPr>
-                      <a:r>
-                        <a:rPr lang="en-US" sz="1400" b="0" u="none" dirty="0">
-                          <a:solidFill>
-                            <a:schemeClr val="tx1"/>
-                          </a:solidFill>
-                          <a:effectLst/>
-                          <a:latin typeface="Times New Roman" panose="02020603050405020304" pitchFamily="18" charset="0"/>
-                          <a:cs typeface="Times New Roman" panose="02020603050405020304" pitchFamily="18" charset="0"/>
-                        </a:rPr>
-                        <a:t>0.2800</a:t>
-                      </a:r>
-                    </a:p>
-                  </a:txBody>
-                  <a:tcPr marL="63500" marR="63500" marT="63500" marB="63500" anchor="ctr"/>
-                </a:tc>
-                <a:tc>
-                  <a:txBody>
-                    <a:bodyPr/>
-                    <a:lstStyle/>
-                    <a:p>
-                      <a:pPr algn="ctr" rtl="0" fontAlgn="ctr">
-                        <a:spcBef>
-                          <a:spcPts val="0"/>
-                        </a:spcBef>
-                        <a:spcAft>
-                          <a:spcPts val="0"/>
-                        </a:spcAft>
-                      </a:pPr>
-                      <a:r>
-                        <a:rPr lang="en-US" sz="1400" b="0" u="none" dirty="0">
-                          <a:solidFill>
-                            <a:schemeClr val="tx1"/>
-                          </a:solidFill>
-                          <a:effectLst/>
-                          <a:latin typeface="Times New Roman" panose="02020603050405020304" pitchFamily="18" charset="0"/>
-                          <a:cs typeface="Times New Roman" panose="02020603050405020304" pitchFamily="18" charset="0"/>
-                        </a:rPr>
-                        <a:t>0.3700</a:t>
+                        <a:t>0.5400</a:t>
                       </a:r>
                     </a:p>
                   </a:txBody>
@@ -13242,7 +13244,7 @@
                           <a:latin typeface="Times New Roman" panose="02020603050405020304" pitchFamily="18" charset="0"/>
                           <a:cs typeface="Times New Roman" panose="02020603050405020304" pitchFamily="18" charset="0"/>
                         </a:rPr>
-                        <a:t> 0.3063</a:t>
+                        <a:t> 0.3446</a:t>
                       </a:r>
                     </a:p>
                   </a:txBody>
@@ -13262,147 +13264,7 @@
                         </a:spcAft>
                       </a:pPr>
                       <a:r>
-                        <a:rPr lang="en-US" sz="1400" b="0" u="none" dirty="0">
-                          <a:solidFill>
-                            <a:schemeClr val="tx1"/>
-                          </a:solidFill>
-                          <a:effectLst/>
-                          <a:latin typeface="Times New Roman" panose="02020603050405020304" pitchFamily="18" charset="0"/>
-                          <a:cs typeface="Times New Roman" panose="02020603050405020304" pitchFamily="18" charset="0"/>
-                        </a:rPr>
-                        <a:t>0.2300</a:t>
-                      </a:r>
-                    </a:p>
-                  </a:txBody>
-                  <a:tcPr marL="63500" marR="63500" marT="63500" marB="63500" anchor="ctr"/>
-                </a:tc>
-                <a:tc>
-                  <a:txBody>
-                    <a:bodyPr/>
-                    <a:lstStyle/>
-                    <a:p>
-                      <a:pPr algn="ctr" rtl="0" fontAlgn="ctr">
-                        <a:spcBef>
-                          <a:spcPts val="0"/>
-                        </a:spcBef>
-                        <a:spcAft>
-                          <a:spcPts val="0"/>
-                        </a:spcAft>
-                      </a:pPr>
-                      <a:r>
-                        <a:rPr lang="en-US" sz="1400" b="0" u="none" dirty="0">
-                          <a:solidFill>
-                            <a:schemeClr val="tx1"/>
-                          </a:solidFill>
-                          <a:effectLst/>
-                          <a:latin typeface="Times New Roman" panose="02020603050405020304" pitchFamily="18" charset="0"/>
-                          <a:cs typeface="Times New Roman" panose="02020603050405020304" pitchFamily="18" charset="0"/>
-                        </a:rPr>
-                        <a:t>0.3600</a:t>
-                      </a:r>
-                    </a:p>
-                  </a:txBody>
-                  <a:tcPr marL="63500" marR="63500" marT="63500" marB="63500" anchor="ctr"/>
-                </a:tc>
-                <a:tc>
-                  <a:txBody>
-                    <a:bodyPr/>
-                    <a:lstStyle/>
-                    <a:p>
-                      <a:pPr algn="ctr" rtl="0" fontAlgn="ctr">
-                        <a:spcBef>
-                          <a:spcPts val="0"/>
-                        </a:spcBef>
-                        <a:spcAft>
-                          <a:spcPts val="0"/>
-                        </a:spcAft>
-                      </a:pPr>
-                      <a:r>
-                        <a:rPr lang="en-US" sz="1400" b="0" u="none" dirty="0">
-                          <a:solidFill>
-                            <a:schemeClr val="tx1"/>
-                          </a:solidFill>
-                          <a:effectLst/>
-                          <a:latin typeface="Times New Roman" panose="02020603050405020304" pitchFamily="18" charset="0"/>
-                          <a:cs typeface="Times New Roman" panose="02020603050405020304" pitchFamily="18" charset="0"/>
-                        </a:rPr>
-                        <a:t>0.4500</a:t>
-                      </a:r>
-                    </a:p>
-                  </a:txBody>
-                  <a:tcPr marL="63500" marR="63500" marT="63500" marB="63500" anchor="ctr"/>
-                </a:tc>
-                <a:tc>
-                  <a:txBody>
-                    <a:bodyPr/>
-                    <a:lstStyle/>
-                    <a:p>
-                      <a:pPr algn="ctr" rtl="0" fontAlgn="ctr">
-                        <a:spcBef>
-                          <a:spcPts val="0"/>
-                        </a:spcBef>
-                        <a:spcAft>
-                          <a:spcPts val="0"/>
-                        </a:spcAft>
-                      </a:pPr>
-                      <a:r>
-                        <a:rPr lang="en-US" sz="1400" b="0" u="none" dirty="0">
-                          <a:solidFill>
-                            <a:schemeClr val="tx1"/>
-                          </a:solidFill>
-                          <a:effectLst/>
-                          <a:latin typeface="Times New Roman" panose="02020603050405020304" pitchFamily="18" charset="0"/>
-                          <a:cs typeface="Times New Roman" panose="02020603050405020304" pitchFamily="18" charset="0"/>
-                        </a:rPr>
-                        <a:t>0.2209</a:t>
-                      </a:r>
-                    </a:p>
-                  </a:txBody>
-                  <a:tcPr marL="63500" marR="63500" marT="63500" marB="63500" anchor="ctr"/>
-                </a:tc>
-                <a:tc>
-                  <a:txBody>
-                    <a:bodyPr/>
-                    <a:lstStyle/>
-                    <a:p>
-                      <a:pPr algn="ctr" rtl="0" fontAlgn="ctr">
-                        <a:spcBef>
-                          <a:spcPts val="0"/>
-                        </a:spcBef>
-                        <a:spcAft>
-                          <a:spcPts val="0"/>
-                        </a:spcAft>
-                      </a:pPr>
-                      <a:r>
-                        <a:rPr lang="en-US" sz="1400" b="0" u="none" dirty="0">
-                          <a:solidFill>
-                            <a:schemeClr val="tx1"/>
-                          </a:solidFill>
-                          <a:effectLst/>
-                          <a:latin typeface="Times New Roman" panose="02020603050405020304" pitchFamily="18" charset="0"/>
-                          <a:cs typeface="Times New Roman" panose="02020603050405020304" pitchFamily="18" charset="0"/>
-                        </a:rPr>
-                        <a:t>0.1500</a:t>
-                      </a:r>
-                    </a:p>
-                  </a:txBody>
-                  <a:tcPr marL="63500" marR="63500" marT="63500" marB="63500" anchor="ctr"/>
-                </a:tc>
-                <a:tc>
-                  <a:txBody>
-                    <a:bodyPr/>
-                    <a:lstStyle/>
-                    <a:p>
-                      <a:pPr algn="ctr" rtl="0" fontAlgn="ctr">
-                        <a:spcBef>
-                          <a:spcPts val="0"/>
-                        </a:spcBef>
-                        <a:spcAft>
-                          <a:spcPts val="0"/>
-                        </a:spcAft>
-                      </a:pPr>
-                      <a:r>
-                        <a:rPr lang="en-US" sz="1400" b="0" u="none" dirty="0">
+                        <a:rPr lang="en-US" sz="1400" b="1" u="none" dirty="0">
                           <a:solidFill>
                             <a:schemeClr val="tx1"/>
                           </a:solidFill>
@@ -13438,7 +13300,147 @@
                           <a:latin typeface="Times New Roman" panose="02020603050405020304" pitchFamily="18" charset="0"/>
                           <a:cs typeface="Times New Roman" panose="02020603050405020304" pitchFamily="18" charset="0"/>
                         </a:rPr>
-                        <a:t>0.3900</a:t>
+                        <a:t>0.4000</a:t>
+                      </a:r>
+                    </a:p>
+                  </a:txBody>
+                  <a:tcPr marL="63500" marR="63500" marT="63500" marB="63500" anchor="ctr"/>
+                </a:tc>
+                <a:tc>
+                  <a:txBody>
+                    <a:bodyPr/>
+                    <a:lstStyle/>
+                    <a:p>
+                      <a:pPr algn="ctr" rtl="0" fontAlgn="ctr">
+                        <a:spcBef>
+                          <a:spcPts val="0"/>
+                        </a:spcBef>
+                        <a:spcAft>
+                          <a:spcPts val="0"/>
+                        </a:spcAft>
+                      </a:pPr>
+                      <a:r>
+                        <a:rPr lang="en-US" sz="1400" b="0" u="none" dirty="0">
+                          <a:solidFill>
+                            <a:schemeClr val="tx1"/>
+                          </a:solidFill>
+                          <a:effectLst/>
+                          <a:latin typeface="Times New Roman" panose="02020603050405020304" pitchFamily="18" charset="0"/>
+                          <a:cs typeface="Times New Roman" panose="02020603050405020304" pitchFamily="18" charset="0"/>
+                        </a:rPr>
+                        <a:t>0.5100</a:t>
+                      </a:r>
+                    </a:p>
+                  </a:txBody>
+                  <a:tcPr marL="63500" marR="63500" marT="63500" marB="63500" anchor="ctr"/>
+                </a:tc>
+                <a:tc>
+                  <a:txBody>
+                    <a:bodyPr/>
+                    <a:lstStyle/>
+                    <a:p>
+                      <a:pPr algn="ctr" rtl="0" fontAlgn="ctr">
+                        <a:spcBef>
+                          <a:spcPts val="0"/>
+                        </a:spcBef>
+                        <a:spcAft>
+                          <a:spcPts val="0"/>
+                        </a:spcAft>
+                      </a:pPr>
+                      <a:r>
+                        <a:rPr lang="en-US" sz="1400" b="0" u="none" dirty="0">
+                          <a:solidFill>
+                            <a:schemeClr val="tx1"/>
+                          </a:solidFill>
+                          <a:effectLst/>
+                          <a:latin typeface="Times New Roman" panose="02020603050405020304" pitchFamily="18" charset="0"/>
+                          <a:cs typeface="Times New Roman" panose="02020603050405020304" pitchFamily="18" charset="0"/>
+                        </a:rPr>
+                        <a:t>0.3206</a:t>
+                      </a:r>
+                    </a:p>
+                  </a:txBody>
+                  <a:tcPr marL="63500" marR="63500" marT="63500" marB="63500" anchor="ctr"/>
+                </a:tc>
+                <a:tc>
+                  <a:txBody>
+                    <a:bodyPr/>
+                    <a:lstStyle/>
+                    <a:p>
+                      <a:pPr algn="ctr" rtl="0" fontAlgn="ctr">
+                        <a:spcBef>
+                          <a:spcPts val="0"/>
+                        </a:spcBef>
+                        <a:spcAft>
+                          <a:spcPts val="0"/>
+                        </a:spcAft>
+                      </a:pPr>
+                      <a:r>
+                        <a:rPr lang="en-US" sz="1400" b="0" u="none" dirty="0">
+                          <a:solidFill>
+                            <a:schemeClr val="tx1"/>
+                          </a:solidFill>
+                          <a:effectLst/>
+                          <a:latin typeface="Times New Roman" panose="02020603050405020304" pitchFamily="18" charset="0"/>
+                          <a:cs typeface="Times New Roman" panose="02020603050405020304" pitchFamily="18" charset="0"/>
+                        </a:rPr>
+                        <a:t>0.2000</a:t>
+                      </a:r>
+                    </a:p>
+                  </a:txBody>
+                  <a:tcPr marL="63500" marR="63500" marT="63500" marB="63500" anchor="ctr"/>
+                </a:tc>
+                <a:tc>
+                  <a:txBody>
+                    <a:bodyPr/>
+                    <a:lstStyle/>
+                    <a:p>
+                      <a:pPr algn="ctr" rtl="0" fontAlgn="ctr">
+                        <a:spcBef>
+                          <a:spcPts val="0"/>
+                        </a:spcBef>
+                        <a:spcAft>
+                          <a:spcPts val="0"/>
+                        </a:spcAft>
+                      </a:pPr>
+                      <a:r>
+                        <a:rPr lang="en-US" sz="1400" b="0" u="none" dirty="0">
+                          <a:solidFill>
+                            <a:schemeClr val="tx1"/>
+                          </a:solidFill>
+                          <a:effectLst/>
+                          <a:latin typeface="Times New Roman" panose="02020603050405020304" pitchFamily="18" charset="0"/>
+                          <a:cs typeface="Times New Roman" panose="02020603050405020304" pitchFamily="18" charset="0"/>
+                        </a:rPr>
+                        <a:t>0.4000</a:t>
+                      </a:r>
+                    </a:p>
+                  </a:txBody>
+                  <a:tcPr marL="63500" marR="63500" marT="63500" marB="63500" anchor="ctr"/>
+                </a:tc>
+                <a:tc>
+                  <a:txBody>
+                    <a:bodyPr/>
+                    <a:lstStyle/>
+                    <a:p>
+                      <a:pPr algn="ctr" rtl="0" fontAlgn="ctr">
+                        <a:spcBef>
+                          <a:spcPts val="0"/>
+                        </a:spcBef>
+                        <a:spcAft>
+                          <a:spcPts val="0"/>
+                        </a:spcAft>
+                      </a:pPr>
+                      <a:r>
+                        <a:rPr lang="en-US" sz="1400" b="0" u="none" dirty="0">
+                          <a:solidFill>
+                            <a:schemeClr val="tx1"/>
+                          </a:solidFill>
+                          <a:effectLst/>
+                          <a:latin typeface="Times New Roman" panose="02020603050405020304" pitchFamily="18" charset="0"/>
+                          <a:cs typeface="Times New Roman" panose="02020603050405020304" pitchFamily="18" charset="0"/>
+                        </a:rPr>
+                        <a:t>0.5700</a:t>
                       </a:r>
                     </a:p>
                   </a:txBody>
@@ -13501,7 +13503,7 @@
                           <a:latin typeface="Times New Roman" panose="02020603050405020304" pitchFamily="18" charset="0"/>
                           <a:cs typeface="Times New Roman" panose="02020603050405020304" pitchFamily="18" charset="0"/>
                         </a:rPr>
-                        <a:t>0.3262</a:t>
+                        <a:t>0.3523</a:t>
                       </a:r>
                     </a:p>
                   </a:txBody>
@@ -13521,7 +13523,7 @@
                         </a:spcAft>
                       </a:pPr>
                       <a:r>
-                        <a:rPr lang="en-US" sz="1400" b="1" u="none" dirty="0">
+                        <a:rPr lang="en-US" sz="1400" b="0" u="sng" dirty="0">
                           <a:solidFill>
                             <a:schemeClr val="tx1"/>
                           </a:solidFill>
@@ -13529,7 +13531,7 @@
                           <a:latin typeface="Times New Roman" panose="02020603050405020304" pitchFamily="18" charset="0"/>
                           <a:cs typeface="Times New Roman" panose="02020603050405020304" pitchFamily="18" charset="0"/>
                         </a:rPr>
-                        <a:t>0.2300</a:t>
+                        <a:t>0.2500</a:t>
                       </a:r>
                     </a:p>
                   </a:txBody>
@@ -13557,7 +13559,7 @@
                           <a:latin typeface="Times New Roman" panose="02020603050405020304" pitchFamily="18" charset="0"/>
                           <a:cs typeface="Times New Roman" panose="02020603050405020304" pitchFamily="18" charset="0"/>
                         </a:rPr>
-                        <a:t>0.3800</a:t>
+                        <a:t>0.4100</a:t>
                       </a:r>
                     </a:p>
                   </a:txBody>
@@ -13596,7 +13598,7 @@
                           <a:latin typeface="Times New Roman" panose="02020603050405020304" pitchFamily="18" charset="0"/>
                           <a:cs typeface="Times New Roman" panose="02020603050405020304" pitchFamily="18" charset="0"/>
                         </a:rPr>
-                        <a:t>0.5200</a:t>
+                        <a:t>0.5600</a:t>
                       </a:r>
                     </a:p>
                   </a:txBody>
@@ -13624,7 +13626,7 @@
                           <a:latin typeface="Times New Roman" panose="02020603050405020304" pitchFamily="18" charset="0"/>
                           <a:cs typeface="Times New Roman" panose="02020603050405020304" pitchFamily="18" charset="0"/>
                         </a:rPr>
-                        <a:t>0.2603</a:t>
+                        <a:t>0.3064</a:t>
                       </a:r>
                     </a:p>
                   </a:txBody>
@@ -13652,7 +13654,7 @@
                           <a:latin typeface="Times New Roman" panose="02020603050405020304" pitchFamily="18" charset="0"/>
                           <a:cs typeface="Times New Roman" panose="02020603050405020304" pitchFamily="18" charset="0"/>
                         </a:rPr>
-                        <a:t>0.1800</a:t>
+                        <a:t>0.2000</a:t>
                       </a:r>
                     </a:p>
                   </a:txBody>
@@ -13680,7 +13682,7 @@
                           <a:latin typeface="Times New Roman" panose="02020603050405020304" pitchFamily="18" charset="0"/>
                           <a:cs typeface="Times New Roman" panose="02020603050405020304" pitchFamily="18" charset="0"/>
                         </a:rPr>
-                        <a:t>0.3100</a:t>
+                        <a:t>0.3800</a:t>
                       </a:r>
                     </a:p>
                   </a:txBody>
@@ -13708,7 +13710,7 @@
                           <a:latin typeface="Times New Roman" panose="02020603050405020304" pitchFamily="18" charset="0"/>
                           <a:cs typeface="Times New Roman" panose="02020603050405020304" pitchFamily="18" charset="0"/>
                         </a:rPr>
-                        <a:t>0.4200</a:t>
+                        <a:t>0.5000</a:t>
                       </a:r>
                     </a:p>
                   </a:txBody>
@@ -13737,7 +13739,7 @@
 </p:sld>
 </file>
 
-<file path=ppt/slides/slide5.xml><?xml version="1.0" encoding="utf-8"?>
+<file path=ppt/slides/slide6.xml><?xml version="1.0" encoding="utf-8"?>
 <p:sld xmlns:a="http://schemas.openxmlformats.org/drawingml/2006/main" xmlns:r="http://schemas.openxmlformats.org/officeDocument/2006/relationships" xmlns:p="http://schemas.openxmlformats.org/presentationml/2006/main">
   <p:cSld>
     <p:bg>
@@ -14825,14 +14827,14 @@
             <p:ph idx="1"/>
             <p:extLst>
               <p:ext uri="{D42A27DB-BD31-4B8C-83A1-F6EECF244321}">
-                <p14:modId xmlns:p14="http://schemas.microsoft.com/office/powerpoint/2010/main" val="365787773"/>
+                <p14:modId xmlns:p14="http://schemas.microsoft.com/office/powerpoint/2010/main" val="1816009552"/>
               </p:ext>
             </p:extLst>
           </p:nvPr>
         </p:nvGraphicFramePr>
         <p:xfrm>
           <a:off x="648930" y="2140097"/>
-          <a:ext cx="10420393" cy="3902164"/>
+          <a:ext cx="10420393" cy="2948098"/>
         </p:xfrm>
         <a:graphic>
           <a:graphicData uri="http://schemas.openxmlformats.org/drawingml/2006/table">
@@ -15263,242 +15265,6 @@
                     <a:bodyPr/>
                     <a:lstStyle/>
                     <a:p>
-                      <a:pPr algn="ctr"/>
-                      <a:r>
-                        <a:rPr lang="en-US" sz="1800" dirty="0" err="1">
-                          <a:latin typeface="Times New Roman" panose="02020603050405020304" pitchFamily="18" charset="0"/>
-                          <a:cs typeface="Times New Roman" panose="02020603050405020304" pitchFamily="18" charset="0"/>
-                        </a:rPr>
-                        <a:t>KICMistral</a:t>
-                      </a:r>
-                      <a:r>
-                        <a:rPr lang="en-US" sz="1800" dirty="0">
-                          <a:latin typeface="Times New Roman" panose="02020603050405020304" pitchFamily="18" charset="0"/>
-                          <a:cs typeface="Times New Roman" panose="02020603050405020304" pitchFamily="18" charset="0"/>
-                        </a:rPr>
-                        <a:t> 7B</a:t>
-                      </a:r>
-                      <a:r>
-                        <a:rPr lang="de-DE" sz="1800" dirty="0">
-                          <a:latin typeface="Times New Roman" panose="02020603050405020304" pitchFamily="18" charset="0"/>
-                          <a:cs typeface="Times New Roman" panose="02020603050405020304" pitchFamily="18" charset="0"/>
-                        </a:rPr>
-                        <a:t>_10</a:t>
-                      </a:r>
-                      <a:endParaRPr lang="en-US" sz="1800" dirty="0">
-                        <a:latin typeface="Times New Roman" panose="02020603050405020304" pitchFamily="18" charset="0"/>
-                        <a:cs typeface="Times New Roman" panose="02020603050405020304" pitchFamily="18" charset="0"/>
-                      </a:endParaRPr>
-                    </a:p>
-                  </a:txBody>
-                  <a:tcPr marL="108416" marR="108416" marT="54208" marB="54208"/>
-                </a:tc>
-                <a:tc>
-                  <a:txBody>
-                    <a:bodyPr/>
-                    <a:lstStyle/>
-                    <a:p>
-                      <a:pPr algn="ctr"/>
-                      <a:r>
-                        <a:rPr lang="en-US" sz="2100" dirty="0">
-                          <a:latin typeface="Times New Roman" panose="02020603050405020304" pitchFamily="18" charset="0"/>
-                          <a:cs typeface="Times New Roman" panose="02020603050405020304" pitchFamily="18" charset="0"/>
-                        </a:rPr>
-                        <a:t>0.1519</a:t>
-                      </a:r>
-                    </a:p>
-                  </a:txBody>
-                  <a:tcPr marL="108416" marR="108416" marT="54208" marB="54208"/>
-                </a:tc>
-                <a:tc>
-                  <a:txBody>
-                    <a:bodyPr/>
-                    <a:lstStyle/>
-                    <a:p>
-                      <a:pPr algn="ctr"/>
-                      <a:r>
-                        <a:rPr lang="en-US" sz="2100" dirty="0">
-                          <a:latin typeface="Times New Roman" panose="02020603050405020304" pitchFamily="18" charset="0"/>
-                          <a:cs typeface="Times New Roman" panose="02020603050405020304" pitchFamily="18" charset="0"/>
-                        </a:rPr>
-                        <a:t> 0.0970</a:t>
-                      </a:r>
-                    </a:p>
-                  </a:txBody>
-                  <a:tcPr marL="108416" marR="108416" marT="54208" marB="54208"/>
-                </a:tc>
-                <a:tc>
-                  <a:txBody>
-                    <a:bodyPr/>
-                    <a:lstStyle/>
-                    <a:p>
-                      <a:pPr algn="ctr"/>
-                      <a:r>
-                        <a:rPr lang="en-US" sz="2100" dirty="0">
-                          <a:latin typeface="Times New Roman" panose="02020603050405020304" pitchFamily="18" charset="0"/>
-                          <a:cs typeface="Times New Roman" panose="02020603050405020304" pitchFamily="18" charset="0"/>
-                        </a:rPr>
-                        <a:t>0.1873</a:t>
-                      </a:r>
-                    </a:p>
-                  </a:txBody>
-                  <a:tcPr marL="108416" marR="108416" marT="54208" marB="54208"/>
-                </a:tc>
-                <a:tc>
-                  <a:txBody>
-                    <a:bodyPr/>
-                    <a:lstStyle/>
-                    <a:p>
-                      <a:pPr algn="ctr"/>
-                      <a:r>
-                        <a:rPr lang="en-US" sz="2100">
-                          <a:latin typeface="Times New Roman" panose="02020603050405020304" pitchFamily="18" charset="0"/>
-                          <a:cs typeface="Times New Roman" panose="02020603050405020304" pitchFamily="18" charset="0"/>
-                        </a:rPr>
-                        <a:t> 0.2792</a:t>
-                      </a:r>
-                    </a:p>
-                  </a:txBody>
-                  <a:tcPr marL="108416" marR="108416" marT="54208" marB="54208"/>
-                </a:tc>
-                <a:extLst>
-                  <a:ext uri="{0D108BD9-81ED-4DB2-BD59-A6C34878D82A}">
-                    <a16:rowId xmlns:a16="http://schemas.microsoft.com/office/drawing/2014/main" val="244749418"/>
-                  </a:ext>
-                </a:extLst>
-              </a:tr>
-              <a:tr h="477033">
-                <a:tc>
-                  <a:txBody>
-                    <a:bodyPr/>
-                    <a:lstStyle/>
-                    <a:p>
-                      <a:pPr marL="0" marR="0" lvl="0" indent="0" algn="ctr" defTabSz="457200" rtl="0" eaLnBrk="1" fontAlgn="auto" latinLnBrk="0" hangingPunct="1">
-                        <a:lnSpc>
-                          <a:spcPct val="100000"/>
-                        </a:lnSpc>
-                        <a:spcBef>
-                          <a:spcPts val="0"/>
-                        </a:spcBef>
-                        <a:spcAft>
-                          <a:spcPts val="0"/>
-                        </a:spcAft>
-                        <a:buClrTx/>
-                        <a:buSzTx/>
-                        <a:buFontTx/>
-                        <a:buNone/>
-                        <a:tabLst/>
-                        <a:defRPr/>
-                      </a:pPr>
-                      <a:r>
-                        <a:rPr lang="en-US" sz="1800" dirty="0" err="1">
-                          <a:latin typeface="Times New Roman" panose="02020603050405020304" pitchFamily="18" charset="0"/>
-                          <a:cs typeface="Times New Roman" panose="02020603050405020304" pitchFamily="18" charset="0"/>
-                        </a:rPr>
-                        <a:t>KICMistral</a:t>
-                      </a:r>
-                      <a:r>
-                        <a:rPr lang="en-US" sz="1800" dirty="0">
-                          <a:latin typeface="Times New Roman" panose="02020603050405020304" pitchFamily="18" charset="0"/>
-                          <a:cs typeface="Times New Roman" panose="02020603050405020304" pitchFamily="18" charset="0"/>
-                        </a:rPr>
-                        <a:t> 7B</a:t>
-                      </a:r>
-                      <a:r>
-                        <a:rPr lang="de-DE" sz="1800" dirty="0">
-                          <a:latin typeface="Times New Roman" panose="02020603050405020304" pitchFamily="18" charset="0"/>
-                          <a:cs typeface="Times New Roman" panose="02020603050405020304" pitchFamily="18" charset="0"/>
-                        </a:rPr>
-                        <a:t>_50</a:t>
-                      </a:r>
-                      <a:endParaRPr lang="en-US" sz="1800" dirty="0">
-                        <a:latin typeface="Times New Roman" panose="02020603050405020304" pitchFamily="18" charset="0"/>
-                        <a:cs typeface="Times New Roman" panose="02020603050405020304" pitchFamily="18" charset="0"/>
-                      </a:endParaRPr>
-                    </a:p>
-                  </a:txBody>
-                  <a:tcPr marL="108416" marR="108416" marT="54208" marB="54208"/>
-                </a:tc>
-                <a:tc>
-                  <a:txBody>
-                    <a:bodyPr/>
-                    <a:lstStyle/>
-                    <a:p>
-                      <a:pPr algn="ctr"/>
-                      <a:r>
-                        <a:rPr lang="en-US" sz="2100" dirty="0">
-                          <a:latin typeface="Times New Roman" panose="02020603050405020304" pitchFamily="18" charset="0"/>
-                          <a:cs typeface="Times New Roman" panose="02020603050405020304" pitchFamily="18" charset="0"/>
-                        </a:rPr>
-                        <a:t>0.1390</a:t>
-                      </a:r>
-                    </a:p>
-                  </a:txBody>
-                  <a:tcPr marL="108416" marR="108416" marT="54208" marB="54208"/>
-                </a:tc>
-                <a:tc>
-                  <a:txBody>
-                    <a:bodyPr/>
-                    <a:lstStyle/>
-                    <a:p>
-                      <a:pPr algn="ctr"/>
-                      <a:r>
-                        <a:rPr lang="en-US" sz="2100">
-                          <a:latin typeface="Times New Roman" panose="02020603050405020304" pitchFamily="18" charset="0"/>
-                          <a:cs typeface="Times New Roman" panose="02020603050405020304" pitchFamily="18" charset="0"/>
-                        </a:rPr>
-                        <a:t>0.0951</a:t>
-                      </a:r>
-                    </a:p>
-                  </a:txBody>
-                  <a:tcPr marL="108416" marR="108416" marT="54208" marB="54208"/>
-                </a:tc>
-                <a:tc>
-                  <a:txBody>
-                    <a:bodyPr/>
-                    <a:lstStyle/>
-                    <a:p>
-                      <a:pPr algn="ctr"/>
-                      <a:r>
-                        <a:rPr lang="en-US" sz="2100" dirty="0">
-                          <a:latin typeface="Times New Roman" panose="02020603050405020304" pitchFamily="18" charset="0"/>
-                          <a:cs typeface="Times New Roman" panose="02020603050405020304" pitchFamily="18" charset="0"/>
-                        </a:rPr>
-                        <a:t>0.1669</a:t>
-                      </a:r>
-                    </a:p>
-                  </a:txBody>
-                  <a:tcPr marL="108416" marR="108416" marT="54208" marB="54208"/>
-                </a:tc>
-                <a:tc>
-                  <a:txBody>
-                    <a:bodyPr/>
-                    <a:lstStyle/>
-                    <a:p>
-                      <a:pPr algn="ctr"/>
-                      <a:r>
-                        <a:rPr lang="en-US" sz="2100" dirty="0">
-                          <a:latin typeface="Times New Roman" panose="02020603050405020304" pitchFamily="18" charset="0"/>
-                          <a:cs typeface="Times New Roman" panose="02020603050405020304" pitchFamily="18" charset="0"/>
-                        </a:rPr>
-                        <a:t>0.2265</a:t>
-                      </a:r>
-                    </a:p>
-                  </a:txBody>
-                  <a:tcPr marL="108416" marR="108416" marT="54208" marB="54208"/>
-                </a:tc>
-                <a:extLst>
-                  <a:ext uri="{0D108BD9-81ED-4DB2-BD59-A6C34878D82A}">
-                    <a16:rowId xmlns:a16="http://schemas.microsoft.com/office/drawing/2014/main" val="163883440"/>
-                  </a:ext>
-                </a:extLst>
-              </a:tr>
-              <a:tr h="477033">
-                <a:tc>
-                  <a:txBody>
-                    <a:bodyPr/>
-                    <a:lstStyle/>
-                    <a:p>
                       <a:pPr marL="0" marR="0" lvl="0" indent="0" algn="ctr" defTabSz="457200" rtl="0" eaLnBrk="1" fontAlgn="auto" latinLnBrk="0" hangingPunct="1">
                         <a:lnSpc>
                           <a:spcPct val="100000"/>
@@ -15545,7 +15311,7 @@
                           <a:latin typeface="Times New Roman" panose="02020603050405020304" pitchFamily="18" charset="0"/>
                           <a:cs typeface="Times New Roman" panose="02020603050405020304" pitchFamily="18" charset="0"/>
                         </a:rPr>
-                        <a:t>0.2993</a:t>
+                        <a:t>0.2992</a:t>
                       </a:r>
                     </a:p>
                   </a:txBody>
@@ -15575,12 +15341,16 @@
                     <a:p>
                       <a:pPr algn="ctr"/>
                       <a:r>
-                        <a:rPr lang="en-US" sz="2100" dirty="0">
+                        <a:rPr lang="en-US" sz="2100">
                           <a:latin typeface="Times New Roman" panose="02020603050405020304" pitchFamily="18" charset="0"/>
                           <a:cs typeface="Times New Roman" panose="02020603050405020304" pitchFamily="18" charset="0"/>
                         </a:rPr>
                         <a:t>0.3577</a:t>
                       </a:r>
+                      <a:endParaRPr lang="en-US" sz="2100" dirty="0">
+                        <a:latin typeface="Times New Roman" panose="02020603050405020304" pitchFamily="18" charset="0"/>
+                        <a:cs typeface="Times New Roman" panose="02020603050405020304" pitchFamily="18" charset="0"/>
+                      </a:endParaRPr>
                     </a:p>
                   </a:txBody>
                   <a:tcPr marL="108416" marR="108416" marT="54208" marB="54208"/>
@@ -15632,14 +15402,14 @@
                         <a:defRPr/>
                       </a:pPr>
                       <a:r>
-                        <a:rPr lang="en-US" sz="1800" dirty="0" err="1">
+                        <a:rPr lang="en-US" sz="1800" b="1" dirty="0" err="1">
                           <a:latin typeface="Times New Roman" panose="02020603050405020304" pitchFamily="18" charset="0"/>
                           <a:cs typeface="Times New Roman" panose="02020603050405020304" pitchFamily="18" charset="0"/>
                         </a:rPr>
                         <a:t>KICMistral</a:t>
                       </a:r>
                       <a:r>
-                        <a:rPr lang="en-US" sz="1800" dirty="0">
+                        <a:rPr lang="en-US" sz="1800" b="1" dirty="0">
                           <a:latin typeface="Times New Roman" panose="02020603050405020304" pitchFamily="18" charset="0"/>
                           <a:cs typeface="Times New Roman" panose="02020603050405020304" pitchFamily="18" charset="0"/>
                         </a:rPr>
@@ -15655,10 +15425,13 @@
                     <a:lstStyle/>
                     <a:p>
                       <a:pPr algn="ctr"/>
-                      <a:endParaRPr lang="en-US" sz="2100" dirty="0">
-                        <a:latin typeface="Times New Roman" panose="02020603050405020304" pitchFamily="18" charset="0"/>
-                        <a:cs typeface="Times New Roman" panose="02020603050405020304" pitchFamily="18" charset="0"/>
-                      </a:endParaRPr>
+                      <a:r>
+                        <a:rPr lang="en-US" sz="2100" b="1" dirty="0">
+                          <a:latin typeface="Times New Roman" panose="02020603050405020304" pitchFamily="18" charset="0"/>
+                          <a:cs typeface="Times New Roman" panose="02020603050405020304" pitchFamily="18" charset="0"/>
+                        </a:rPr>
+                        <a:t> 0.3338</a:t>
+                      </a:r>
                     </a:p>
                   </a:txBody>
                   <a:tcPr marL="108416" marR="108416" marT="54208" marB="54208"/>
@@ -15669,10 +15442,13 @@
                     <a:lstStyle/>
                     <a:p>
                       <a:pPr algn="ctr"/>
-                      <a:endParaRPr lang="en-US" sz="2100" dirty="0">
-                        <a:latin typeface="Times New Roman" panose="02020603050405020304" pitchFamily="18" charset="0"/>
-                        <a:cs typeface="Times New Roman" panose="02020603050405020304" pitchFamily="18" charset="0"/>
-                      </a:endParaRPr>
+                      <a:r>
+                        <a:rPr lang="en-US" sz="2100" b="1" dirty="0">
+                          <a:latin typeface="Times New Roman" panose="02020603050405020304" pitchFamily="18" charset="0"/>
+                          <a:cs typeface="Times New Roman" panose="02020603050405020304" pitchFamily="18" charset="0"/>
+                        </a:rPr>
+                        <a:t>0.2317</a:t>
+                      </a:r>
                     </a:p>
                   </a:txBody>
                   <a:tcPr marL="108416" marR="108416" marT="54208" marB="54208"/>
@@ -15683,10 +15459,13 @@
                     <a:lstStyle/>
                     <a:p>
                       <a:pPr algn="ctr"/>
-                      <a:endParaRPr lang="en-US" sz="2100">
-                        <a:latin typeface="Times New Roman" panose="02020603050405020304" pitchFamily="18" charset="0"/>
-                        <a:cs typeface="Times New Roman" panose="02020603050405020304" pitchFamily="18" charset="0"/>
-                      </a:endParaRPr>
+                      <a:r>
+                        <a:rPr lang="en-US" sz="2100" b="1" dirty="0">
+                          <a:latin typeface="Times New Roman" panose="02020603050405020304" pitchFamily="18" charset="0"/>
+                          <a:cs typeface="Times New Roman" panose="02020603050405020304" pitchFamily="18" charset="0"/>
+                        </a:rPr>
+                        <a:t>0.3950</a:t>
+                      </a:r>
                     </a:p>
                   </a:txBody>
                   <a:tcPr marL="108416" marR="108416" marT="54208" marB="54208"/>
@@ -15697,10 +15476,13 @@
                     <a:lstStyle/>
                     <a:p>
                       <a:pPr algn="ctr"/>
-                      <a:endParaRPr lang="en-US" sz="2100" dirty="0">
-                        <a:latin typeface="Times New Roman" panose="02020603050405020304" pitchFamily="18" charset="0"/>
-                        <a:cs typeface="Times New Roman" panose="02020603050405020304" pitchFamily="18" charset="0"/>
-                      </a:endParaRPr>
+                      <a:r>
+                        <a:rPr lang="en-US" sz="2100" b="1" dirty="0">
+                          <a:latin typeface="Times New Roman" panose="02020603050405020304" pitchFamily="18" charset="0"/>
+                          <a:cs typeface="Times New Roman" panose="02020603050405020304" pitchFamily="18" charset="0"/>
+                        </a:rPr>
+                        <a:t>0.5265</a:t>
+                      </a:r>
                     </a:p>
                   </a:txBody>
                   <a:tcPr marL="108416" marR="108416" marT="54208" marB="54208"/>
@@ -15838,86 +15620,6 @@
   </p:cSld>
   <p:clrMapOvr>
     <a:overrideClrMapping bg1="lt1" tx1="dk1" bg2="lt2" tx2="dk2" accent1="accent1" accent2="accent2" accent3="accent3" accent4="accent4" accent5="accent5" accent6="accent6" hlink="hlink" folHlink="folHlink"/>
-  </p:clrMapOvr>
-</p:sld>
-</file>
-
-<file path=ppt/slides/slide6.xml><?xml version="1.0" encoding="utf-8"?>
-<p:sld xmlns:a="http://schemas.openxmlformats.org/drawingml/2006/main" xmlns:r="http://schemas.openxmlformats.org/officeDocument/2006/relationships" xmlns:p="http://schemas.openxmlformats.org/presentationml/2006/main">
-  <p:cSld>
-    <p:spTree>
-      <p:nvGrpSpPr>
-        <p:cNvPr id="1" name=""/>
-        <p:cNvGrpSpPr/>
-        <p:nvPr/>
-      </p:nvGrpSpPr>
-      <p:grpSpPr>
-        <a:xfrm>
-          <a:off x="0" y="0"/>
-          <a:ext cx="0" cy="0"/>
-          <a:chOff x="0" y="0"/>
-          <a:chExt cx="0" cy="0"/>
-        </a:xfrm>
-      </p:grpSpPr>
-      <p:sp>
-        <p:nvSpPr>
-          <p:cNvPr id="2" name="Titel 1">
-            <a:extLst>
-              <a:ext uri="{FF2B5EF4-FFF2-40B4-BE49-F238E27FC236}">
-                <a16:creationId xmlns:a16="http://schemas.microsoft.com/office/drawing/2014/main" id="{97290941-D096-864F-D6D7-C6BFB0E6514B}"/>
-              </a:ext>
-            </a:extLst>
-          </p:cNvPr>
-          <p:cNvSpPr>
-            <a:spLocks noGrp="1"/>
-          </p:cNvSpPr>
-          <p:nvPr>
-            <p:ph type="title"/>
-          </p:nvPr>
-        </p:nvSpPr>
-        <p:spPr/>
-        <p:txBody>
-          <a:bodyPr/>
-          <a:lstStyle/>
-          <a:p>
-            <a:endParaRPr lang="en-US"/>
-          </a:p>
-        </p:txBody>
-      </p:sp>
-      <p:sp>
-        <p:nvSpPr>
-          <p:cNvPr id="3" name="Inhaltsplatzhalter 2">
-            <a:extLst>
-              <a:ext uri="{FF2B5EF4-FFF2-40B4-BE49-F238E27FC236}">
-                <a16:creationId xmlns:a16="http://schemas.microsoft.com/office/drawing/2014/main" id="{7D5D73AD-43A7-6FD4-8836-A629ABE00D36}"/>
-              </a:ext>
-            </a:extLst>
-          </p:cNvPr>
-          <p:cNvSpPr>
-            <a:spLocks noGrp="1"/>
-          </p:cNvSpPr>
-          <p:nvPr>
-            <p:ph idx="1"/>
-          </p:nvPr>
-        </p:nvSpPr>
-        <p:spPr/>
-        <p:txBody>
-          <a:bodyPr/>
-          <a:lstStyle/>
-          <a:p>
-            <a:endParaRPr lang="en-US"/>
-          </a:p>
-        </p:txBody>
-      </p:sp>
-    </p:spTree>
-    <p:extLst>
-      <p:ext uri="{BB962C8B-B14F-4D97-AF65-F5344CB8AC3E}">
-        <p14:creationId xmlns:p14="http://schemas.microsoft.com/office/powerpoint/2010/main" val="1575556044"/>
-      </p:ext>
-    </p:extLst>
-  </p:cSld>
-  <p:clrMapOvr>
-    <a:masterClrMapping/>
   </p:clrMapOvr>
 </p:sld>
 </file>

--- a/KICMistral_pre_v2.pptx
+++ b/KICMistral_pre_v2.pptx
@@ -5,7 +5,7 @@
     <p:sldMasterId id="2147483858" r:id="rId1"/>
   </p:sldMasterIdLst>
   <p:notesMasterIdLst>
-    <p:notesMasterId r:id="rId9"/>
+    <p:notesMasterId r:id="rId10"/>
   </p:notesMasterIdLst>
   <p:sldIdLst>
     <p:sldId id="256" r:id="rId2"/>
@@ -13,8 +13,9 @@
     <p:sldId id="257" r:id="rId4"/>
     <p:sldId id="282" r:id="rId5"/>
     <p:sldId id="285" r:id="rId6"/>
-    <p:sldId id="264" r:id="rId7"/>
-    <p:sldId id="283" r:id="rId8"/>
+    <p:sldId id="286" r:id="rId7"/>
+    <p:sldId id="264" r:id="rId8"/>
+    <p:sldId id="283" r:id="rId9"/>
   </p:sldIdLst>
   <p:sldSz cx="12192000" cy="6858000"/>
   <p:notesSz cx="6858000" cy="9144000"/>
@@ -203,7 +204,7 @@
           <a:p>
             <a:fld id="{0593CDAD-050A-435A-8B90-DDEC3FE3CFF6}" type="datetimeFigureOut">
               <a:rPr lang="en-US" smtClean="0"/>
-              <a:t>9/16/2024</a:t>
+              <a:t>9/19/2024</a:t>
             </a:fld>
             <a:endParaRPr lang="en-US"/>
           </a:p>
@@ -657,7 +658,7 @@
           <a:p>
             <a:fld id="{71BEB545-1150-4071-BC05-8EA9734F9E96}" type="datetimeFigureOut">
               <a:rPr lang="en-US" smtClean="0"/>
-              <a:t>9/16/2024</a:t>
+              <a:t>9/19/2024</a:t>
             </a:fld>
             <a:endParaRPr lang="en-US"/>
           </a:p>
@@ -932,7 +933,7 @@
           <a:p>
             <a:fld id="{71BEB545-1150-4071-BC05-8EA9734F9E96}" type="datetimeFigureOut">
               <a:rPr lang="en-US" smtClean="0"/>
-              <a:t>9/16/2024</a:t>
+              <a:t>9/19/2024</a:t>
             </a:fld>
             <a:endParaRPr lang="en-US"/>
           </a:p>
@@ -1126,7 +1127,7 @@
           <a:p>
             <a:fld id="{71BEB545-1150-4071-BC05-8EA9734F9E96}" type="datetimeFigureOut">
               <a:rPr lang="en-US" smtClean="0"/>
-              <a:t>9/16/2024</a:t>
+              <a:t>9/19/2024</a:t>
             </a:fld>
             <a:endParaRPr lang="en-US"/>
           </a:p>
@@ -1397,7 +1398,7 @@
           <a:p>
             <a:fld id="{71BEB545-1150-4071-BC05-8EA9734F9E96}" type="datetimeFigureOut">
               <a:rPr lang="en-US" smtClean="0"/>
-              <a:t>9/16/2024</a:t>
+              <a:t>9/19/2024</a:t>
             </a:fld>
             <a:endParaRPr lang="en-US"/>
           </a:p>
@@ -1724,7 +1725,7 @@
           <a:p>
             <a:fld id="{71BEB545-1150-4071-BC05-8EA9734F9E96}" type="datetimeFigureOut">
               <a:rPr lang="en-US" smtClean="0"/>
-              <a:t>9/16/2024</a:t>
+              <a:t>9/19/2024</a:t>
             </a:fld>
             <a:endParaRPr lang="en-US"/>
           </a:p>
@@ -2343,7 +2344,7 @@
           <a:p>
             <a:fld id="{71BEB545-1150-4071-BC05-8EA9734F9E96}" type="datetimeFigureOut">
               <a:rPr lang="en-US" smtClean="0"/>
-              <a:t>9/16/2024</a:t>
+              <a:t>9/19/2024</a:t>
             </a:fld>
             <a:endParaRPr lang="en-US"/>
           </a:p>
@@ -3190,7 +3191,7 @@
           <a:p>
             <a:fld id="{71BEB545-1150-4071-BC05-8EA9734F9E96}" type="datetimeFigureOut">
               <a:rPr lang="en-US" smtClean="0"/>
-              <a:t>9/16/2024</a:t>
+              <a:t>9/19/2024</a:t>
             </a:fld>
             <a:endParaRPr lang="en-US"/>
           </a:p>
@@ -3360,7 +3361,7 @@
           <a:p>
             <a:fld id="{71BEB545-1150-4071-BC05-8EA9734F9E96}" type="datetimeFigureOut">
               <a:rPr lang="en-US" smtClean="0"/>
-              <a:t>9/16/2024</a:t>
+              <a:t>9/19/2024</a:t>
             </a:fld>
             <a:endParaRPr lang="en-US"/>
           </a:p>
@@ -3540,7 +3541,7 @@
           <a:p>
             <a:fld id="{71BEB545-1150-4071-BC05-8EA9734F9E96}" type="datetimeFigureOut">
               <a:rPr lang="en-US" smtClean="0"/>
-              <a:t>9/16/2024</a:t>
+              <a:t>9/19/2024</a:t>
             </a:fld>
             <a:endParaRPr lang="en-US"/>
           </a:p>
@@ -3710,7 +3711,7 @@
           <a:p>
             <a:fld id="{71BEB545-1150-4071-BC05-8EA9734F9E96}" type="datetimeFigureOut">
               <a:rPr lang="en-US" smtClean="0"/>
-              <a:t>9/16/2024</a:t>
+              <a:t>9/19/2024</a:t>
             </a:fld>
             <a:endParaRPr lang="en-US"/>
           </a:p>
@@ -3957,7 +3958,7 @@
           <a:p>
             <a:fld id="{71BEB545-1150-4071-BC05-8EA9734F9E96}" type="datetimeFigureOut">
               <a:rPr lang="en-US" smtClean="0"/>
-              <a:t>9/16/2024</a:t>
+              <a:t>9/19/2024</a:t>
             </a:fld>
             <a:endParaRPr lang="en-US"/>
           </a:p>
@@ -4249,7 +4250,7 @@
           <a:p>
             <a:fld id="{71BEB545-1150-4071-BC05-8EA9734F9E96}" type="datetimeFigureOut">
               <a:rPr lang="en-US" smtClean="0"/>
-              <a:t>9/16/2024</a:t>
+              <a:t>9/19/2024</a:t>
             </a:fld>
             <a:endParaRPr lang="en-US"/>
           </a:p>
@@ -4698,7 +4699,7 @@
           <a:p>
             <a:fld id="{71BEB545-1150-4071-BC05-8EA9734F9E96}" type="datetimeFigureOut">
               <a:rPr lang="en-US" smtClean="0"/>
-              <a:t>9/16/2024</a:t>
+              <a:t>9/19/2024</a:t>
             </a:fld>
             <a:endParaRPr lang="en-US"/>
           </a:p>
@@ -4821,7 +4822,7 @@
           <a:p>
             <a:fld id="{71BEB545-1150-4071-BC05-8EA9734F9E96}" type="datetimeFigureOut">
               <a:rPr lang="en-US" smtClean="0"/>
-              <a:t>9/16/2024</a:t>
+              <a:t>9/19/2024</a:t>
             </a:fld>
             <a:endParaRPr lang="en-US"/>
           </a:p>
@@ -4916,7 +4917,7 @@
           <a:p>
             <a:fld id="{71BEB545-1150-4071-BC05-8EA9734F9E96}" type="datetimeFigureOut">
               <a:rPr lang="en-US" smtClean="0"/>
-              <a:t>9/16/2024</a:t>
+              <a:t>9/19/2024</a:t>
             </a:fld>
             <a:endParaRPr lang="en-US"/>
           </a:p>
@@ -5195,7 +5196,7 @@
           <a:p>
             <a:fld id="{71BEB545-1150-4071-BC05-8EA9734F9E96}" type="datetimeFigureOut">
               <a:rPr lang="en-US" smtClean="0"/>
-              <a:t>9/16/2024</a:t>
+              <a:t>9/19/2024</a:t>
             </a:fld>
             <a:endParaRPr lang="en-US"/>
           </a:p>
@@ -5475,7 +5476,7 @@
           <a:p>
             <a:fld id="{71BEB545-1150-4071-BC05-8EA9734F9E96}" type="datetimeFigureOut">
               <a:rPr lang="en-US" smtClean="0"/>
-              <a:t>9/16/2024</a:t>
+              <a:t>9/19/2024</a:t>
             </a:fld>
             <a:endParaRPr lang="en-US"/>
           </a:p>
@@ -5898,7 +5899,7 @@
           <a:p>
             <a:fld id="{71BEB545-1150-4071-BC05-8EA9734F9E96}" type="datetimeFigureOut">
               <a:rPr lang="en-US" smtClean="0"/>
-              <a:t>9/16/2024</a:t>
+              <a:t>9/19/2024</a:t>
             </a:fld>
             <a:endParaRPr lang="en-US"/>
           </a:p>
@@ -13766,6 +13767,4417 @@
       </p:grpSpPr>
       <p:sp>
         <p:nvSpPr>
+          <p:cNvPr id="15" name="Rectangle 14">
+            <a:extLst>
+              <a:ext uri="{FF2B5EF4-FFF2-40B4-BE49-F238E27FC236}">
+                <a16:creationId xmlns:a16="http://schemas.microsoft.com/office/drawing/2014/main" id="{25482F9D-E110-434E-9B4F-41A3F5CB2A2F}"/>
+              </a:ext>
+              <a:ext uri="{C183D7F6-B498-43B3-948B-1728B52AA6E4}">
+                <adec:decorative xmlns:adec="http://schemas.microsoft.com/office/drawing/2017/decorative" val="1"/>
+              </a:ext>
+            </a:extLst>
+          </p:cNvPr>
+          <p:cNvSpPr>
+            <a:spLocks noGrp="1" noRot="1" noChangeAspect="1" noMove="1" noResize="1" noEditPoints="1" noAdjustHandles="1" noChangeArrowheads="1" noChangeShapeType="1" noTextEdit="1"/>
+          </p:cNvSpPr>
+          <p:nvPr>
+            <p:extLst>
+              <p:ext uri="{386F3935-93C4-4BCD-93E2-E3B085C9AB24}">
+                <p16:designElem xmlns:p16="http://schemas.microsoft.com/office/powerpoint/2015/main" val="1"/>
+              </p:ext>
+            </p:extLst>
+          </p:nvPr>
+        </p:nvSpPr>
+        <p:spPr>
+          <a:xfrm>
+            <a:off x="0" y="0"/>
+            <a:ext cx="12191999" cy="6858000"/>
+          </a:xfrm>
+          <a:prstGeom prst="rect">
+            <a:avLst/>
+          </a:prstGeom>
+          <a:ln>
+            <a:noFill/>
+          </a:ln>
+        </p:spPr>
+        <p:style>
+          <a:lnRef idx="2">
+            <a:schemeClr val="accent1">
+              <a:shade val="50000"/>
+            </a:schemeClr>
+          </a:lnRef>
+          <a:fillRef idx="1003">
+            <a:schemeClr val="dk2"/>
+          </a:fillRef>
+          <a:effectRef idx="0">
+            <a:schemeClr val="accent1"/>
+          </a:effectRef>
+          <a:fontRef idx="minor">
+            <a:schemeClr val="lt1"/>
+          </a:fontRef>
+        </p:style>
+        <p:txBody>
+          <a:bodyPr rtlCol="0" anchor="ctr"/>
+          <a:lstStyle/>
+          <a:p>
+            <a:pPr marL="0" marR="0" lvl="0" indent="0" algn="ctr" defTabSz="457200" rtl="0" eaLnBrk="1" fontAlgn="auto" latinLnBrk="0" hangingPunct="1">
+              <a:lnSpc>
+                <a:spcPct val="100000"/>
+              </a:lnSpc>
+              <a:spcBef>
+                <a:spcPts val="0"/>
+              </a:spcBef>
+              <a:spcAft>
+                <a:spcPts val="0"/>
+              </a:spcAft>
+              <a:buClrTx/>
+              <a:buSzTx/>
+              <a:buFontTx/>
+              <a:buNone/>
+              <a:tabLst/>
+              <a:defRPr/>
+            </a:pPr>
+            <a:endParaRPr kumimoji="0" lang="en-US" sz="1800" b="0" i="0" u="none" strike="noStrike" kern="1200" cap="none" spc="0" normalizeH="0" baseline="0" noProof="0">
+              <a:ln>
+                <a:noFill/>
+              </a:ln>
+              <a:solidFill>
+                <a:prstClr val="white"/>
+              </a:solidFill>
+              <a:effectLst/>
+              <a:uLnTx/>
+              <a:uFillTx/>
+              <a:latin typeface="Century Gothic" panose="020B0502020202020204"/>
+              <a:ea typeface="+mn-ea"/>
+              <a:cs typeface="+mn-cs"/>
+            </a:endParaRPr>
+          </a:p>
+        </p:txBody>
+      </p:sp>
+      <p:sp>
+        <p:nvSpPr>
+          <p:cNvPr id="17" name="Freeform 7">
+            <a:extLst>
+              <a:ext uri="{FF2B5EF4-FFF2-40B4-BE49-F238E27FC236}">
+                <a16:creationId xmlns:a16="http://schemas.microsoft.com/office/drawing/2014/main" id="{5779FF2E-BB5C-4805-AAD5-275495A2B7EF}"/>
+              </a:ext>
+              <a:ext uri="{C183D7F6-B498-43B3-948B-1728B52AA6E4}">
+                <adec:decorative xmlns:adec="http://schemas.microsoft.com/office/drawing/2017/decorative" val="1"/>
+              </a:ext>
+            </a:extLst>
+          </p:cNvPr>
+          <p:cNvSpPr>
+            <a:spLocks noGrp="1" noRot="1" noChangeAspect="1" noMove="1" noResize="1" noEditPoints="1" noAdjustHandles="1" noChangeArrowheads="1" noChangeShapeType="1" noTextEdit="1"/>
+          </p:cNvSpPr>
+          <p:nvPr>
+            <p:extLst>
+              <p:ext uri="{386F3935-93C4-4BCD-93E2-E3B085C9AB24}">
+                <p16:designElem xmlns:p16="http://schemas.microsoft.com/office/powerpoint/2015/main" val="1"/>
+              </p:ext>
+            </p:extLst>
+          </p:nvPr>
+        </p:nvSpPr>
+        <p:spPr>
+          <a:xfrm>
+            <a:off x="8719939" y="1460230"/>
+            <a:ext cx="3472060" cy="825932"/>
+          </a:xfrm>
+          <a:custGeom>
+            <a:avLst/>
+            <a:gdLst>
+              <a:gd name="connsiteX0" fmla="*/ 3470310 w 3472060"/>
+              <a:gd name="connsiteY0" fmla="*/ 0 h 825932"/>
+              <a:gd name="connsiteX1" fmla="*/ 3472060 w 3472060"/>
+              <a:gd name="connsiteY1" fmla="*/ 12850 h 825932"/>
+              <a:gd name="connsiteX2" fmla="*/ 3472060 w 3472060"/>
+              <a:gd name="connsiteY2" fmla="*/ 480529 h 825932"/>
+              <a:gd name="connsiteX3" fmla="*/ 3363699 w 3472060"/>
+              <a:gd name="connsiteY3" fmla="*/ 498471 h 825932"/>
+              <a:gd name="connsiteX4" fmla="*/ 42060 w 3472060"/>
+              <a:gd name="connsiteY4" fmla="*/ 824486 h 825932"/>
+              <a:gd name="connsiteX5" fmla="*/ 0 w 3472060"/>
+              <a:gd name="connsiteY5" fmla="*/ 758452 h 825932"/>
+              <a:gd name="connsiteX6" fmla="*/ 188014 w 3472060"/>
+              <a:gd name="connsiteY6" fmla="*/ 735602 h 825932"/>
+              <a:gd name="connsiteX7" fmla="*/ 284087 w 3472060"/>
+              <a:gd name="connsiteY7" fmla="*/ 722590 h 825932"/>
+              <a:gd name="connsiteX8" fmla="*/ 382288 w 3472060"/>
+              <a:gd name="connsiteY8" fmla="*/ 709392 h 825932"/>
+              <a:gd name="connsiteX9" fmla="*/ 481858 w 3472060"/>
+              <a:gd name="connsiteY9" fmla="*/ 695774 h 825932"/>
+              <a:gd name="connsiteX10" fmla="*/ 581897 w 3472060"/>
+              <a:gd name="connsiteY10" fmla="*/ 680711 h 825932"/>
+              <a:gd name="connsiteX11" fmla="*/ 683670 w 3472060"/>
+              <a:gd name="connsiteY11" fmla="*/ 665256 h 825932"/>
+              <a:gd name="connsiteX12" fmla="*/ 787206 w 3472060"/>
+              <a:gd name="connsiteY12" fmla="*/ 649587 h 825932"/>
+              <a:gd name="connsiteX13" fmla="*/ 892019 w 3472060"/>
+              <a:gd name="connsiteY13" fmla="*/ 632968 h 825932"/>
+              <a:gd name="connsiteX14" fmla="*/ 997620 w 3472060"/>
+              <a:gd name="connsiteY14" fmla="*/ 614667 h 825932"/>
+              <a:gd name="connsiteX15" fmla="*/ 1104727 w 3472060"/>
+              <a:gd name="connsiteY15" fmla="*/ 596741 h 825932"/>
+              <a:gd name="connsiteX16" fmla="*/ 1212669 w 3472060"/>
+              <a:gd name="connsiteY16" fmla="*/ 577397 h 825932"/>
+              <a:gd name="connsiteX17" fmla="*/ 1321506 w 3472060"/>
+              <a:gd name="connsiteY17" fmla="*/ 556988 h 825932"/>
+              <a:gd name="connsiteX18" fmla="*/ 1430709 w 3472060"/>
+              <a:gd name="connsiteY18" fmla="*/ 536607 h 825932"/>
+              <a:gd name="connsiteX19" fmla="*/ 1541050 w 3472060"/>
+              <a:gd name="connsiteY19" fmla="*/ 514481 h 825932"/>
+              <a:gd name="connsiteX20" fmla="*/ 1652805 w 3472060"/>
+              <a:gd name="connsiteY20" fmla="*/ 492202 h 825932"/>
+              <a:gd name="connsiteX21" fmla="*/ 1763708 w 3472060"/>
+              <a:gd name="connsiteY21" fmla="*/ 469161 h 825932"/>
+              <a:gd name="connsiteX22" fmla="*/ 1875795 w 3472060"/>
+              <a:gd name="connsiteY22" fmla="*/ 444641 h 825932"/>
+              <a:gd name="connsiteX23" fmla="*/ 1989128 w 3472060"/>
+              <a:gd name="connsiteY23" fmla="*/ 418995 h 825932"/>
+              <a:gd name="connsiteX24" fmla="*/ 2102476 w 3472060"/>
+              <a:gd name="connsiteY24" fmla="*/ 393438 h 825932"/>
+              <a:gd name="connsiteX25" fmla="*/ 2215549 w 3472060"/>
+              <a:gd name="connsiteY25" fmla="*/ 366291 h 825932"/>
+              <a:gd name="connsiteX26" fmla="*/ 2330490 w 3472060"/>
+              <a:gd name="connsiteY26" fmla="*/ 337455 h 825932"/>
+              <a:gd name="connsiteX27" fmla="*/ 2443333 w 3472060"/>
+              <a:gd name="connsiteY27" fmla="*/ 308983 h 825932"/>
+              <a:gd name="connsiteX28" fmla="*/ 2558014 w 3472060"/>
+              <a:gd name="connsiteY28" fmla="*/ 278646 h 825932"/>
+              <a:gd name="connsiteX29" fmla="*/ 2673621 w 3472060"/>
+              <a:gd name="connsiteY29" fmla="*/ 247421 h 825932"/>
+              <a:gd name="connsiteX30" fmla="*/ 2787008 w 3472060"/>
+              <a:gd name="connsiteY30" fmla="*/ 215853 h 825932"/>
+              <a:gd name="connsiteX31" fmla="*/ 2901442 w 3472060"/>
+              <a:gd name="connsiteY31" fmla="*/ 182011 h 825932"/>
+              <a:gd name="connsiteX32" fmla="*/ 3015722 w 3472060"/>
+              <a:gd name="connsiteY32" fmla="*/ 147286 h 825932"/>
+              <a:gd name="connsiteX33" fmla="*/ 3130018 w 3472060"/>
+              <a:gd name="connsiteY33" fmla="*/ 112649 h 825932"/>
+              <a:gd name="connsiteX34" fmla="*/ 3243551 w 3472060"/>
+              <a:gd name="connsiteY34" fmla="*/ 75688 h 825932"/>
+              <a:gd name="connsiteX35" fmla="*/ 3356992 w 3472060"/>
+              <a:gd name="connsiteY35" fmla="*/ 38197 h 825932"/>
+              <a:gd name="connsiteX36" fmla="*/ 3470310 w 3472060"/>
+              <a:gd name="connsiteY36" fmla="*/ 0 h 825932"/>
+            </a:gdLst>
+            <a:ahLst/>
+            <a:cxnLst>
+              <a:cxn ang="0">
+                <a:pos x="connsiteX0" y="connsiteY0"/>
+              </a:cxn>
+              <a:cxn ang="0">
+                <a:pos x="connsiteX1" y="connsiteY1"/>
+              </a:cxn>
+              <a:cxn ang="0">
+                <a:pos x="connsiteX2" y="connsiteY2"/>
+              </a:cxn>
+              <a:cxn ang="0">
+                <a:pos x="connsiteX3" y="connsiteY3"/>
+              </a:cxn>
+              <a:cxn ang="0">
+                <a:pos x="connsiteX4" y="connsiteY4"/>
+              </a:cxn>
+              <a:cxn ang="0">
+                <a:pos x="connsiteX5" y="connsiteY5"/>
+              </a:cxn>
+              <a:cxn ang="0">
+                <a:pos x="connsiteX6" y="connsiteY6"/>
+              </a:cxn>
+              <a:cxn ang="0">
+                <a:pos x="connsiteX7" y="connsiteY7"/>
+              </a:cxn>
+              <a:cxn ang="0">
+                <a:pos x="connsiteX8" y="connsiteY8"/>
+              </a:cxn>
+              <a:cxn ang="0">
+                <a:pos x="connsiteX9" y="connsiteY9"/>
+              </a:cxn>
+              <a:cxn ang="0">
+                <a:pos x="connsiteX10" y="connsiteY10"/>
+              </a:cxn>
+              <a:cxn ang="0">
+                <a:pos x="connsiteX11" y="connsiteY11"/>
+              </a:cxn>
+              <a:cxn ang="0">
+                <a:pos x="connsiteX12" y="connsiteY12"/>
+              </a:cxn>
+              <a:cxn ang="0">
+                <a:pos x="connsiteX13" y="connsiteY13"/>
+              </a:cxn>
+              <a:cxn ang="0">
+                <a:pos x="connsiteX14" y="connsiteY14"/>
+              </a:cxn>
+              <a:cxn ang="0">
+                <a:pos x="connsiteX15" y="connsiteY15"/>
+              </a:cxn>
+              <a:cxn ang="0">
+                <a:pos x="connsiteX16" y="connsiteY16"/>
+              </a:cxn>
+              <a:cxn ang="0">
+                <a:pos x="connsiteX17" y="connsiteY17"/>
+              </a:cxn>
+              <a:cxn ang="0">
+                <a:pos x="connsiteX18" y="connsiteY18"/>
+              </a:cxn>
+              <a:cxn ang="0">
+                <a:pos x="connsiteX19" y="connsiteY19"/>
+              </a:cxn>
+              <a:cxn ang="0">
+                <a:pos x="connsiteX20" y="connsiteY20"/>
+              </a:cxn>
+              <a:cxn ang="0">
+                <a:pos x="connsiteX21" y="connsiteY21"/>
+              </a:cxn>
+              <a:cxn ang="0">
+                <a:pos x="connsiteX22" y="connsiteY22"/>
+              </a:cxn>
+              <a:cxn ang="0">
+                <a:pos x="connsiteX23" y="connsiteY23"/>
+              </a:cxn>
+              <a:cxn ang="0">
+                <a:pos x="connsiteX24" y="connsiteY24"/>
+              </a:cxn>
+              <a:cxn ang="0">
+                <a:pos x="connsiteX25" y="connsiteY25"/>
+              </a:cxn>
+              <a:cxn ang="0">
+                <a:pos x="connsiteX26" y="connsiteY26"/>
+              </a:cxn>
+              <a:cxn ang="0">
+                <a:pos x="connsiteX27" y="connsiteY27"/>
+              </a:cxn>
+              <a:cxn ang="0">
+                <a:pos x="connsiteX28" y="connsiteY28"/>
+              </a:cxn>
+              <a:cxn ang="0">
+                <a:pos x="connsiteX29" y="connsiteY29"/>
+              </a:cxn>
+              <a:cxn ang="0">
+                <a:pos x="connsiteX30" y="connsiteY30"/>
+              </a:cxn>
+              <a:cxn ang="0">
+                <a:pos x="connsiteX31" y="connsiteY31"/>
+              </a:cxn>
+              <a:cxn ang="0">
+                <a:pos x="connsiteX32" y="connsiteY32"/>
+              </a:cxn>
+              <a:cxn ang="0">
+                <a:pos x="connsiteX33" y="connsiteY33"/>
+              </a:cxn>
+              <a:cxn ang="0">
+                <a:pos x="connsiteX34" y="connsiteY34"/>
+              </a:cxn>
+              <a:cxn ang="0">
+                <a:pos x="connsiteX35" y="connsiteY35"/>
+              </a:cxn>
+              <a:cxn ang="0">
+                <a:pos x="connsiteX36" y="connsiteY36"/>
+              </a:cxn>
+            </a:cxnLst>
+            <a:rect l="l" t="t" r="r" b="b"/>
+            <a:pathLst>
+              <a:path w="3472060" h="825932">
+                <a:moveTo>
+                  <a:pt x="3470310" y="0"/>
+                </a:moveTo>
+                <a:lnTo>
+                  <a:pt x="3472060" y="12850"/>
+                </a:lnTo>
+                <a:lnTo>
+                  <a:pt x="3472060" y="480529"/>
+                </a:lnTo>
+                <a:lnTo>
+                  <a:pt x="3363699" y="498471"/>
+                </a:lnTo>
+                <a:cubicBezTo>
+                  <a:pt x="2435623" y="645518"/>
+                  <a:pt x="603076" y="844866"/>
+                  <a:pt x="42060" y="824486"/>
+                </a:cubicBezTo>
+                <a:cubicBezTo>
+                  <a:pt x="28151" y="802425"/>
+                  <a:pt x="13909" y="780513"/>
+                  <a:pt x="0" y="758452"/>
+                </a:cubicBezTo>
+                <a:lnTo>
+                  <a:pt x="188014" y="735602"/>
+                </a:lnTo>
+                <a:lnTo>
+                  <a:pt x="284087" y="722590"/>
+                </a:lnTo>
+                <a:lnTo>
+                  <a:pt x="382288" y="709392"/>
+                </a:lnTo>
+                <a:lnTo>
+                  <a:pt x="481858" y="695774"/>
+                </a:lnTo>
+                <a:lnTo>
+                  <a:pt x="581897" y="680711"/>
+                </a:lnTo>
+                <a:lnTo>
+                  <a:pt x="683670" y="665256"/>
+                </a:lnTo>
+                <a:lnTo>
+                  <a:pt x="787206" y="649587"/>
+                </a:lnTo>
+                <a:lnTo>
+                  <a:pt x="892019" y="632968"/>
+                </a:lnTo>
+                <a:lnTo>
+                  <a:pt x="997620" y="614667"/>
+                </a:lnTo>
+                <a:lnTo>
+                  <a:pt x="1104727" y="596741"/>
+                </a:lnTo>
+                <a:lnTo>
+                  <a:pt x="1212669" y="577397"/>
+                </a:lnTo>
+                <a:lnTo>
+                  <a:pt x="1321506" y="556988"/>
+                </a:lnTo>
+                <a:lnTo>
+                  <a:pt x="1430709" y="536607"/>
+                </a:lnTo>
+                <a:lnTo>
+                  <a:pt x="1541050" y="514481"/>
+                </a:lnTo>
+                <a:lnTo>
+                  <a:pt x="1652805" y="492202"/>
+                </a:lnTo>
+                <a:lnTo>
+                  <a:pt x="1763708" y="469161"/>
+                </a:lnTo>
+                <a:lnTo>
+                  <a:pt x="1875795" y="444641"/>
+                </a:lnTo>
+                <a:lnTo>
+                  <a:pt x="1989128" y="418995"/>
+                </a:lnTo>
+                <a:lnTo>
+                  <a:pt x="2102476" y="393438"/>
+                </a:lnTo>
+                <a:lnTo>
+                  <a:pt x="2215549" y="366291"/>
+                </a:lnTo>
+                <a:lnTo>
+                  <a:pt x="2330490" y="337455"/>
+                </a:lnTo>
+                <a:lnTo>
+                  <a:pt x="2443333" y="308983"/>
+                </a:lnTo>
+                <a:lnTo>
+                  <a:pt x="2558014" y="278646"/>
+                </a:lnTo>
+                <a:lnTo>
+                  <a:pt x="2673621" y="247421"/>
+                </a:lnTo>
+                <a:lnTo>
+                  <a:pt x="2787008" y="215853"/>
+                </a:lnTo>
+                <a:lnTo>
+                  <a:pt x="2901442" y="182011"/>
+                </a:lnTo>
+                <a:lnTo>
+                  <a:pt x="3015722" y="147286"/>
+                </a:lnTo>
+                <a:lnTo>
+                  <a:pt x="3130018" y="112649"/>
+                </a:lnTo>
+                <a:lnTo>
+                  <a:pt x="3243551" y="75688"/>
+                </a:lnTo>
+                <a:lnTo>
+                  <a:pt x="3356992" y="38197"/>
+                </a:lnTo>
+                <a:lnTo>
+                  <a:pt x="3470310" y="0"/>
+                </a:lnTo>
+                <a:close/>
+              </a:path>
+            </a:pathLst>
+          </a:custGeom>
+          <a:solidFill>
+            <a:schemeClr val="bg1">
+              <a:alpha val="20000"/>
+            </a:schemeClr>
+          </a:solidFill>
+          <a:ln>
+            <a:noFill/>
+          </a:ln>
+        </p:spPr>
+        <p:txBody>
+          <a:bodyPr rtlCol="0" anchor="ctr"/>
+          <a:lstStyle/>
+          <a:p>
+            <a:pPr marL="0" marR="0" lvl="0" indent="0" algn="ctr" defTabSz="457200" rtl="0" eaLnBrk="1" fontAlgn="auto" latinLnBrk="0" hangingPunct="1">
+              <a:lnSpc>
+                <a:spcPct val="100000"/>
+              </a:lnSpc>
+              <a:spcBef>
+                <a:spcPts val="0"/>
+              </a:spcBef>
+              <a:spcAft>
+                <a:spcPts val="0"/>
+              </a:spcAft>
+              <a:buClrTx/>
+              <a:buSzTx/>
+              <a:buFontTx/>
+              <a:buNone/>
+              <a:tabLst/>
+              <a:defRPr/>
+            </a:pPr>
+            <a:endParaRPr kumimoji="0" lang="en-US" sz="1800" b="0" i="0" u="none" strike="noStrike" kern="1200" cap="none" spc="0" normalizeH="0" baseline="0" noProof="0">
+              <a:ln>
+                <a:noFill/>
+              </a:ln>
+              <a:solidFill>
+                <a:prstClr val="black"/>
+              </a:solidFill>
+              <a:effectLst/>
+              <a:uLnTx/>
+              <a:uFillTx/>
+              <a:latin typeface="Century Gothic" panose="020B0502020202020204"/>
+              <a:ea typeface="+mn-ea"/>
+              <a:cs typeface="+mn-cs"/>
+            </a:endParaRPr>
+          </a:p>
+        </p:txBody>
+      </p:sp>
+      <p:sp>
+        <p:nvSpPr>
+          <p:cNvPr id="2" name="Titel 1">
+            <a:extLst>
+              <a:ext uri="{FF2B5EF4-FFF2-40B4-BE49-F238E27FC236}">
+                <a16:creationId xmlns:a16="http://schemas.microsoft.com/office/drawing/2014/main" id="{6EB2BEC0-94BF-A309-C22F-BCF8575631FE}"/>
+              </a:ext>
+            </a:extLst>
+          </p:cNvPr>
+          <p:cNvSpPr>
+            <a:spLocks noGrp="1"/>
+          </p:cNvSpPr>
+          <p:nvPr>
+            <p:ph type="title"/>
+          </p:nvPr>
+        </p:nvSpPr>
+        <p:spPr>
+          <a:xfrm>
+            <a:off x="418043" y="691779"/>
+            <a:ext cx="10705569" cy="1016654"/>
+          </a:xfrm>
+        </p:spPr>
+        <p:txBody>
+          <a:bodyPr>
+            <a:normAutofit/>
+          </a:bodyPr>
+          <a:lstStyle/>
+          <a:p>
+            <a:r>
+              <a:rPr lang="en-US" sz="3600" dirty="0">
+                <a:solidFill>
+                  <a:srgbClr val="EBEBEB"/>
+                </a:solidFill>
+                <a:latin typeface="Times New Roman" panose="02020603050405020304" pitchFamily="18" charset="0"/>
+                <a:cs typeface="Times New Roman" panose="02020603050405020304" pitchFamily="18" charset="0"/>
+              </a:rPr>
+              <a:t>C</a:t>
+            </a:r>
+            <a:r>
+              <a:rPr lang="en-US" altLang="zh-CN" sz="3600" dirty="0">
+                <a:solidFill>
+                  <a:srgbClr val="EBEBEB"/>
+                </a:solidFill>
+                <a:latin typeface="Times New Roman" panose="02020603050405020304" pitchFamily="18" charset="0"/>
+                <a:cs typeface="Times New Roman" panose="02020603050405020304" pitchFamily="18" charset="0"/>
+              </a:rPr>
+              <a:t>omparison &amp;Inspiration using SMALL Test Dataset </a:t>
+            </a:r>
+            <a:endParaRPr lang="en-US" sz="3600" dirty="0">
+              <a:solidFill>
+                <a:srgbClr val="EBEBEB"/>
+              </a:solidFill>
+            </a:endParaRPr>
+          </a:p>
+        </p:txBody>
+      </p:sp>
+      <p:sp>
+        <p:nvSpPr>
+          <p:cNvPr id="19" name="Rectangle 18">
+            <a:extLst>
+              <a:ext uri="{FF2B5EF4-FFF2-40B4-BE49-F238E27FC236}">
+                <a16:creationId xmlns:a16="http://schemas.microsoft.com/office/drawing/2014/main" id="{6EB83258-50E7-4A51-8C48-ADA7CD7FCA02}"/>
+              </a:ext>
+              <a:ext uri="{C183D7F6-B498-43B3-948B-1728B52AA6E4}">
+                <adec:decorative xmlns:adec="http://schemas.microsoft.com/office/drawing/2017/decorative" val="1"/>
+              </a:ext>
+            </a:extLst>
+          </p:cNvPr>
+          <p:cNvSpPr>
+            <a:spLocks noGrp="1" noRot="1" noChangeAspect="1" noMove="1" noResize="1" noEditPoints="1" noAdjustHandles="1" noChangeArrowheads="1" noChangeShapeType="1" noTextEdit="1"/>
+          </p:cNvSpPr>
+          <p:nvPr>
+            <p:extLst>
+              <p:ext uri="{386F3935-93C4-4BCD-93E2-E3B085C9AB24}">
+                <p16:designElem xmlns:p16="http://schemas.microsoft.com/office/powerpoint/2015/main" val="1"/>
+              </p:ext>
+            </p:extLst>
+          </p:nvPr>
+        </p:nvSpPr>
+        <p:spPr>
+          <a:xfrm>
+            <a:off x="10437812" y="0"/>
+            <a:ext cx="685800" cy="1143000"/>
+          </a:xfrm>
+          <a:prstGeom prst="rect">
+            <a:avLst/>
+          </a:prstGeom>
+          <a:solidFill>
+            <a:schemeClr val="accent1"/>
+          </a:solidFill>
+          <a:ln>
+            <a:noFill/>
+          </a:ln>
+        </p:spPr>
+        <p:style>
+          <a:lnRef idx="1">
+            <a:schemeClr val="accent1"/>
+          </a:lnRef>
+          <a:fillRef idx="3">
+            <a:schemeClr val="accent1"/>
+          </a:fillRef>
+          <a:effectRef idx="2">
+            <a:schemeClr val="accent1"/>
+          </a:effectRef>
+          <a:fontRef idx="minor">
+            <a:schemeClr val="lt1"/>
+          </a:fontRef>
+        </p:style>
+        <p:txBody>
+          <a:bodyPr/>
+          <a:lstStyle/>
+          <a:p>
+            <a:pPr marL="0" marR="0" lvl="0" indent="0" algn="l" defTabSz="457200" rtl="0" eaLnBrk="1" fontAlgn="auto" latinLnBrk="0" hangingPunct="1">
+              <a:lnSpc>
+                <a:spcPct val="100000"/>
+              </a:lnSpc>
+              <a:spcBef>
+                <a:spcPts val="0"/>
+              </a:spcBef>
+              <a:spcAft>
+                <a:spcPts val="0"/>
+              </a:spcAft>
+              <a:buClrTx/>
+              <a:buSzTx/>
+              <a:buFontTx/>
+              <a:buNone/>
+              <a:tabLst/>
+              <a:defRPr/>
+            </a:pPr>
+            <a:endParaRPr kumimoji="0" lang="en-US" sz="1800" b="0" i="0" u="none" strike="noStrike" kern="1200" cap="none" spc="0" normalizeH="0" baseline="0" noProof="0">
+              <a:ln>
+                <a:noFill/>
+              </a:ln>
+              <a:solidFill>
+                <a:prstClr val="white"/>
+              </a:solidFill>
+              <a:effectLst/>
+              <a:uLnTx/>
+              <a:uFillTx/>
+              <a:latin typeface="Century Gothic" panose="020B0502020202020204"/>
+              <a:ea typeface="+mn-ea"/>
+              <a:cs typeface="+mn-cs"/>
+            </a:endParaRPr>
+          </a:p>
+        </p:txBody>
+      </p:sp>
+      <p:sp>
+        <p:nvSpPr>
+          <p:cNvPr id="21" name="Freeform: Shape 20">
+            <a:extLst>
+              <a:ext uri="{FF2B5EF4-FFF2-40B4-BE49-F238E27FC236}">
+                <a16:creationId xmlns:a16="http://schemas.microsoft.com/office/drawing/2014/main" id="{A4188960-1398-409C-BA5D-F87CCB743390}"/>
+              </a:ext>
+              <a:ext uri="{C183D7F6-B498-43B3-948B-1728B52AA6E4}">
+                <adec:decorative xmlns:adec="http://schemas.microsoft.com/office/drawing/2017/decorative" val="1"/>
+              </a:ext>
+            </a:extLst>
+          </p:cNvPr>
+          <p:cNvSpPr>
+            <a:spLocks noGrp="1" noRot="1" noChangeAspect="1" noMove="1" noResize="1" noEditPoints="1" noAdjustHandles="1" noChangeArrowheads="1" noChangeShapeType="1" noTextEdit="1"/>
+          </p:cNvSpPr>
+          <p:nvPr>
+            <p:extLst>
+              <p:ext uri="{386F3935-93C4-4BCD-93E2-E3B085C9AB24}">
+                <p16:designElem xmlns:p16="http://schemas.microsoft.com/office/powerpoint/2015/main" val="1"/>
+              </p:ext>
+            </p:extLst>
+          </p:nvPr>
+        </p:nvSpPr>
+        <p:spPr bwMode="gray">
+          <a:xfrm>
+            <a:off x="-1" y="1762067"/>
+            <a:ext cx="12192418" cy="5095933"/>
+          </a:xfrm>
+          <a:custGeom>
+            <a:avLst/>
+            <a:gdLst>
+              <a:gd name="connsiteX0" fmla="*/ 1 w 12192418"/>
+              <a:gd name="connsiteY0" fmla="*/ 0 h 5095933"/>
+              <a:gd name="connsiteX1" fmla="*/ 71932 w 12192418"/>
+              <a:gd name="connsiteY1" fmla="*/ 12261 h 5095933"/>
+              <a:gd name="connsiteX2" fmla="*/ 282849 w 12192418"/>
+              <a:gd name="connsiteY2" fmla="*/ 48343 h 5095933"/>
+              <a:gd name="connsiteX3" fmla="*/ 436464 w 12192418"/>
+              <a:gd name="connsiteY3" fmla="*/ 73565 h 5095933"/>
+              <a:gd name="connsiteX4" fmla="*/ 619339 w 12192418"/>
+              <a:gd name="connsiteY4" fmla="*/ 100188 h 5095933"/>
+              <a:gd name="connsiteX5" fmla="*/ 836351 w 12192418"/>
+              <a:gd name="connsiteY5" fmla="*/ 132066 h 5095933"/>
+              <a:gd name="connsiteX6" fmla="*/ 1076528 w 12192418"/>
+              <a:gd name="connsiteY6" fmla="*/ 165696 h 5095933"/>
+              <a:gd name="connsiteX7" fmla="*/ 1347184 w 12192418"/>
+              <a:gd name="connsiteY7" fmla="*/ 201077 h 5095933"/>
+              <a:gd name="connsiteX8" fmla="*/ 1642223 w 12192418"/>
+              <a:gd name="connsiteY8" fmla="*/ 238560 h 5095933"/>
+              <a:gd name="connsiteX9" fmla="*/ 1962864 w 12192418"/>
+              <a:gd name="connsiteY9" fmla="*/ 276043 h 5095933"/>
+              <a:gd name="connsiteX10" fmla="*/ 2304232 w 12192418"/>
+              <a:gd name="connsiteY10" fmla="*/ 314227 h 5095933"/>
+              <a:gd name="connsiteX11" fmla="*/ 2672421 w 12192418"/>
+              <a:gd name="connsiteY11" fmla="*/ 349608 h 5095933"/>
+              <a:gd name="connsiteX12" fmla="*/ 3057678 w 12192418"/>
+              <a:gd name="connsiteY12" fmla="*/ 383588 h 5095933"/>
+              <a:gd name="connsiteX13" fmla="*/ 3464881 w 12192418"/>
+              <a:gd name="connsiteY13" fmla="*/ 414415 h 5095933"/>
+              <a:gd name="connsiteX14" fmla="*/ 3889152 w 12192418"/>
+              <a:gd name="connsiteY14" fmla="*/ 443841 h 5095933"/>
+              <a:gd name="connsiteX15" fmla="*/ 4331710 w 12192418"/>
+              <a:gd name="connsiteY15" fmla="*/ 471515 h 5095933"/>
+              <a:gd name="connsiteX16" fmla="*/ 4558476 w 12192418"/>
+              <a:gd name="connsiteY16" fmla="*/ 481324 h 5095933"/>
+              <a:gd name="connsiteX17" fmla="*/ 4790118 w 12192418"/>
+              <a:gd name="connsiteY17" fmla="*/ 492183 h 5095933"/>
+              <a:gd name="connsiteX18" fmla="*/ 5025418 w 12192418"/>
+              <a:gd name="connsiteY18" fmla="*/ 502342 h 5095933"/>
+              <a:gd name="connsiteX19" fmla="*/ 5261937 w 12192418"/>
+              <a:gd name="connsiteY19" fmla="*/ 508998 h 5095933"/>
+              <a:gd name="connsiteX20" fmla="*/ 5503332 w 12192418"/>
+              <a:gd name="connsiteY20" fmla="*/ 514953 h 5095933"/>
+              <a:gd name="connsiteX21" fmla="*/ 5747167 w 12192418"/>
+              <a:gd name="connsiteY21" fmla="*/ 521259 h 5095933"/>
+              <a:gd name="connsiteX22" fmla="*/ 5995877 w 12192418"/>
+              <a:gd name="connsiteY22" fmla="*/ 525463 h 5095933"/>
+              <a:gd name="connsiteX23" fmla="*/ 6247026 w 12192418"/>
+              <a:gd name="connsiteY23" fmla="*/ 525463 h 5095933"/>
+              <a:gd name="connsiteX24" fmla="*/ 6500613 w 12192418"/>
+              <a:gd name="connsiteY24" fmla="*/ 527565 h 5095933"/>
+              <a:gd name="connsiteX25" fmla="*/ 6756639 w 12192418"/>
+              <a:gd name="connsiteY25" fmla="*/ 525463 h 5095933"/>
+              <a:gd name="connsiteX26" fmla="*/ 7016322 w 12192418"/>
+              <a:gd name="connsiteY26" fmla="*/ 521259 h 5095933"/>
+              <a:gd name="connsiteX27" fmla="*/ 7276005 w 12192418"/>
+              <a:gd name="connsiteY27" fmla="*/ 517406 h 5095933"/>
+              <a:gd name="connsiteX28" fmla="*/ 7539345 w 12192418"/>
+              <a:gd name="connsiteY28" fmla="*/ 508998 h 5095933"/>
+              <a:gd name="connsiteX29" fmla="*/ 7805124 w 12192418"/>
+              <a:gd name="connsiteY29" fmla="*/ 500241 h 5095933"/>
+              <a:gd name="connsiteX30" fmla="*/ 8070903 w 12192418"/>
+              <a:gd name="connsiteY30" fmla="*/ 490082 h 5095933"/>
+              <a:gd name="connsiteX31" fmla="*/ 8339121 w 12192418"/>
+              <a:gd name="connsiteY31" fmla="*/ 475719 h 5095933"/>
+              <a:gd name="connsiteX32" fmla="*/ 8609776 w 12192418"/>
+              <a:gd name="connsiteY32" fmla="*/ 458554 h 5095933"/>
+              <a:gd name="connsiteX33" fmla="*/ 8881651 w 12192418"/>
+              <a:gd name="connsiteY33" fmla="*/ 442089 h 5095933"/>
+              <a:gd name="connsiteX34" fmla="*/ 9153526 w 12192418"/>
+              <a:gd name="connsiteY34" fmla="*/ 421071 h 5095933"/>
+              <a:gd name="connsiteX35" fmla="*/ 9429058 w 12192418"/>
+              <a:gd name="connsiteY35" fmla="*/ 395849 h 5095933"/>
+              <a:gd name="connsiteX36" fmla="*/ 9700933 w 12192418"/>
+              <a:gd name="connsiteY36" fmla="*/ 370626 h 5095933"/>
+              <a:gd name="connsiteX37" fmla="*/ 9977684 w 12192418"/>
+              <a:gd name="connsiteY37" fmla="*/ 341551 h 5095933"/>
+              <a:gd name="connsiteX38" fmla="*/ 10255655 w 12192418"/>
+              <a:gd name="connsiteY38" fmla="*/ 309673 h 5095933"/>
+              <a:gd name="connsiteX39" fmla="*/ 10529968 w 12192418"/>
+              <a:gd name="connsiteY39" fmla="*/ 276043 h 5095933"/>
+              <a:gd name="connsiteX40" fmla="*/ 10807939 w 12192418"/>
+              <a:gd name="connsiteY40" fmla="*/ 236809 h 5095933"/>
+              <a:gd name="connsiteX41" fmla="*/ 11084690 w 12192418"/>
+              <a:gd name="connsiteY41" fmla="*/ 194772 h 5095933"/>
+              <a:gd name="connsiteX42" fmla="*/ 11362661 w 12192418"/>
+              <a:gd name="connsiteY42" fmla="*/ 153085 h 5095933"/>
+              <a:gd name="connsiteX43" fmla="*/ 11639412 w 12192418"/>
+              <a:gd name="connsiteY43" fmla="*/ 104392 h 5095933"/>
+              <a:gd name="connsiteX44" fmla="*/ 11914945 w 12192418"/>
+              <a:gd name="connsiteY44" fmla="*/ 54648 h 5095933"/>
+              <a:gd name="connsiteX45" fmla="*/ 12191696 w 12192418"/>
+              <a:gd name="connsiteY45" fmla="*/ 2452 h 5095933"/>
+              <a:gd name="connsiteX46" fmla="*/ 12191696 w 12192418"/>
+              <a:gd name="connsiteY46" fmla="*/ 2109542 h 5095933"/>
+              <a:gd name="connsiteX47" fmla="*/ 12191999 w 12192418"/>
+              <a:gd name="connsiteY47" fmla="*/ 2109542 h 5095933"/>
+              <a:gd name="connsiteX48" fmla="*/ 12191999 w 12192418"/>
+              <a:gd name="connsiteY48" fmla="*/ 2802467 h 5095933"/>
+              <a:gd name="connsiteX49" fmla="*/ 12192418 w 12192418"/>
+              <a:gd name="connsiteY49" fmla="*/ 2802467 h 5095933"/>
+              <a:gd name="connsiteX50" fmla="*/ 12192418 w 12192418"/>
+              <a:gd name="connsiteY50" fmla="*/ 5095933 h 5095933"/>
+              <a:gd name="connsiteX51" fmla="*/ 1 w 12192418"/>
+              <a:gd name="connsiteY51" fmla="*/ 5095933 h 5095933"/>
+              <a:gd name="connsiteX52" fmla="*/ 1 w 12192418"/>
+              <a:gd name="connsiteY52" fmla="*/ 4074529 h 5095933"/>
+              <a:gd name="connsiteX53" fmla="*/ 0 w 12192418"/>
+              <a:gd name="connsiteY53" fmla="*/ 4074529 h 5095933"/>
+              <a:gd name="connsiteX54" fmla="*/ 0 w 12192418"/>
+              <a:gd name="connsiteY54" fmla="*/ 2109542 h 5095933"/>
+              <a:gd name="connsiteX55" fmla="*/ 1 w 12192418"/>
+              <a:gd name="connsiteY55" fmla="*/ 2109542 h 5095933"/>
+            </a:gdLst>
+            <a:ahLst/>
+            <a:cxnLst>
+              <a:cxn ang="0">
+                <a:pos x="connsiteX0" y="connsiteY0"/>
+              </a:cxn>
+              <a:cxn ang="0">
+                <a:pos x="connsiteX1" y="connsiteY1"/>
+              </a:cxn>
+              <a:cxn ang="0">
+                <a:pos x="connsiteX2" y="connsiteY2"/>
+              </a:cxn>
+              <a:cxn ang="0">
+                <a:pos x="connsiteX3" y="connsiteY3"/>
+              </a:cxn>
+              <a:cxn ang="0">
+                <a:pos x="connsiteX4" y="connsiteY4"/>
+              </a:cxn>
+              <a:cxn ang="0">
+                <a:pos x="connsiteX5" y="connsiteY5"/>
+              </a:cxn>
+              <a:cxn ang="0">
+                <a:pos x="connsiteX6" y="connsiteY6"/>
+              </a:cxn>
+              <a:cxn ang="0">
+                <a:pos x="connsiteX7" y="connsiteY7"/>
+              </a:cxn>
+              <a:cxn ang="0">
+                <a:pos x="connsiteX8" y="connsiteY8"/>
+              </a:cxn>
+              <a:cxn ang="0">
+                <a:pos x="connsiteX9" y="connsiteY9"/>
+              </a:cxn>
+              <a:cxn ang="0">
+                <a:pos x="connsiteX10" y="connsiteY10"/>
+              </a:cxn>
+              <a:cxn ang="0">
+                <a:pos x="connsiteX11" y="connsiteY11"/>
+              </a:cxn>
+              <a:cxn ang="0">
+                <a:pos x="connsiteX12" y="connsiteY12"/>
+              </a:cxn>
+              <a:cxn ang="0">
+                <a:pos x="connsiteX13" y="connsiteY13"/>
+              </a:cxn>
+              <a:cxn ang="0">
+                <a:pos x="connsiteX14" y="connsiteY14"/>
+              </a:cxn>
+              <a:cxn ang="0">
+                <a:pos x="connsiteX15" y="connsiteY15"/>
+              </a:cxn>
+              <a:cxn ang="0">
+                <a:pos x="connsiteX16" y="connsiteY16"/>
+              </a:cxn>
+              <a:cxn ang="0">
+                <a:pos x="connsiteX17" y="connsiteY17"/>
+              </a:cxn>
+              <a:cxn ang="0">
+                <a:pos x="connsiteX18" y="connsiteY18"/>
+              </a:cxn>
+              <a:cxn ang="0">
+                <a:pos x="connsiteX19" y="connsiteY19"/>
+              </a:cxn>
+              <a:cxn ang="0">
+                <a:pos x="connsiteX20" y="connsiteY20"/>
+              </a:cxn>
+              <a:cxn ang="0">
+                <a:pos x="connsiteX21" y="connsiteY21"/>
+              </a:cxn>
+              <a:cxn ang="0">
+                <a:pos x="connsiteX22" y="connsiteY22"/>
+              </a:cxn>
+              <a:cxn ang="0">
+                <a:pos x="connsiteX23" y="connsiteY23"/>
+              </a:cxn>
+              <a:cxn ang="0">
+                <a:pos x="connsiteX24" y="connsiteY24"/>
+              </a:cxn>
+              <a:cxn ang="0">
+                <a:pos x="connsiteX25" y="connsiteY25"/>
+              </a:cxn>
+              <a:cxn ang="0">
+                <a:pos x="connsiteX26" y="connsiteY26"/>
+              </a:cxn>
+              <a:cxn ang="0">
+                <a:pos x="connsiteX27" y="connsiteY27"/>
+              </a:cxn>
+              <a:cxn ang="0">
+                <a:pos x="connsiteX28" y="connsiteY28"/>
+              </a:cxn>
+              <a:cxn ang="0">
+                <a:pos x="connsiteX29" y="connsiteY29"/>
+              </a:cxn>
+              <a:cxn ang="0">
+                <a:pos x="connsiteX30" y="connsiteY30"/>
+              </a:cxn>
+              <a:cxn ang="0">
+                <a:pos x="connsiteX31" y="connsiteY31"/>
+              </a:cxn>
+              <a:cxn ang="0">
+                <a:pos x="connsiteX32" y="connsiteY32"/>
+              </a:cxn>
+              <a:cxn ang="0">
+                <a:pos x="connsiteX33" y="connsiteY33"/>
+              </a:cxn>
+              <a:cxn ang="0">
+                <a:pos x="connsiteX34" y="connsiteY34"/>
+              </a:cxn>
+              <a:cxn ang="0">
+                <a:pos x="connsiteX35" y="connsiteY35"/>
+              </a:cxn>
+              <a:cxn ang="0">
+                <a:pos x="connsiteX36" y="connsiteY36"/>
+              </a:cxn>
+              <a:cxn ang="0">
+                <a:pos x="connsiteX37" y="connsiteY37"/>
+              </a:cxn>
+              <a:cxn ang="0">
+                <a:pos x="connsiteX38" y="connsiteY38"/>
+              </a:cxn>
+              <a:cxn ang="0">
+                <a:pos x="connsiteX39" y="connsiteY39"/>
+              </a:cxn>
+              <a:cxn ang="0">
+                <a:pos x="connsiteX40" y="connsiteY40"/>
+              </a:cxn>
+              <a:cxn ang="0">
+                <a:pos x="connsiteX41" y="connsiteY41"/>
+              </a:cxn>
+              <a:cxn ang="0">
+                <a:pos x="connsiteX42" y="connsiteY42"/>
+              </a:cxn>
+              <a:cxn ang="0">
+                <a:pos x="connsiteX43" y="connsiteY43"/>
+              </a:cxn>
+              <a:cxn ang="0">
+                <a:pos x="connsiteX44" y="connsiteY44"/>
+              </a:cxn>
+              <a:cxn ang="0">
+                <a:pos x="connsiteX45" y="connsiteY45"/>
+              </a:cxn>
+              <a:cxn ang="0">
+                <a:pos x="connsiteX46" y="connsiteY46"/>
+              </a:cxn>
+              <a:cxn ang="0">
+                <a:pos x="connsiteX47" y="connsiteY47"/>
+              </a:cxn>
+              <a:cxn ang="0">
+                <a:pos x="connsiteX48" y="connsiteY48"/>
+              </a:cxn>
+              <a:cxn ang="0">
+                <a:pos x="connsiteX49" y="connsiteY49"/>
+              </a:cxn>
+              <a:cxn ang="0">
+                <a:pos x="connsiteX50" y="connsiteY50"/>
+              </a:cxn>
+              <a:cxn ang="0">
+                <a:pos x="connsiteX51" y="connsiteY51"/>
+              </a:cxn>
+              <a:cxn ang="0">
+                <a:pos x="connsiteX52" y="connsiteY52"/>
+              </a:cxn>
+              <a:cxn ang="0">
+                <a:pos x="connsiteX53" y="connsiteY53"/>
+              </a:cxn>
+              <a:cxn ang="0">
+                <a:pos x="connsiteX54" y="connsiteY54"/>
+              </a:cxn>
+              <a:cxn ang="0">
+                <a:pos x="connsiteX55" y="connsiteY55"/>
+              </a:cxn>
+            </a:cxnLst>
+            <a:rect l="l" t="t" r="r" b="b"/>
+            <a:pathLst>
+              <a:path w="12192418" h="5095933">
+                <a:moveTo>
+                  <a:pt x="1" y="0"/>
+                </a:moveTo>
+                <a:lnTo>
+                  <a:pt x="71932" y="12261"/>
+                </a:lnTo>
+                <a:lnTo>
+                  <a:pt x="282849" y="48343"/>
+                </a:lnTo>
+                <a:lnTo>
+                  <a:pt x="436464" y="73565"/>
+                </a:lnTo>
+                <a:lnTo>
+                  <a:pt x="619339" y="100188"/>
+                </a:lnTo>
+                <a:lnTo>
+                  <a:pt x="836351" y="132066"/>
+                </a:lnTo>
+                <a:lnTo>
+                  <a:pt x="1076528" y="165696"/>
+                </a:lnTo>
+                <a:lnTo>
+                  <a:pt x="1347184" y="201077"/>
+                </a:lnTo>
+                <a:lnTo>
+                  <a:pt x="1642223" y="238560"/>
+                </a:lnTo>
+                <a:lnTo>
+                  <a:pt x="1962864" y="276043"/>
+                </a:lnTo>
+                <a:lnTo>
+                  <a:pt x="2304232" y="314227"/>
+                </a:lnTo>
+                <a:lnTo>
+                  <a:pt x="2672421" y="349608"/>
+                </a:lnTo>
+                <a:lnTo>
+                  <a:pt x="3057678" y="383588"/>
+                </a:lnTo>
+                <a:lnTo>
+                  <a:pt x="3464881" y="414415"/>
+                </a:lnTo>
+                <a:lnTo>
+                  <a:pt x="3889152" y="443841"/>
+                </a:lnTo>
+                <a:lnTo>
+                  <a:pt x="4331710" y="471515"/>
+                </a:lnTo>
+                <a:lnTo>
+                  <a:pt x="4558476" y="481324"/>
+                </a:lnTo>
+                <a:lnTo>
+                  <a:pt x="4790118" y="492183"/>
+                </a:lnTo>
+                <a:lnTo>
+                  <a:pt x="5025418" y="502342"/>
+                </a:lnTo>
+                <a:lnTo>
+                  <a:pt x="5261937" y="508998"/>
+                </a:lnTo>
+                <a:lnTo>
+                  <a:pt x="5503332" y="514953"/>
+                </a:lnTo>
+                <a:lnTo>
+                  <a:pt x="5747167" y="521259"/>
+                </a:lnTo>
+                <a:lnTo>
+                  <a:pt x="5995877" y="525463"/>
+                </a:lnTo>
+                <a:lnTo>
+                  <a:pt x="6247026" y="525463"/>
+                </a:lnTo>
+                <a:lnTo>
+                  <a:pt x="6500613" y="527565"/>
+                </a:lnTo>
+                <a:lnTo>
+                  <a:pt x="6756639" y="525463"/>
+                </a:lnTo>
+                <a:lnTo>
+                  <a:pt x="7016322" y="521259"/>
+                </a:lnTo>
+                <a:lnTo>
+                  <a:pt x="7276005" y="517406"/>
+                </a:lnTo>
+                <a:lnTo>
+                  <a:pt x="7539345" y="508998"/>
+                </a:lnTo>
+                <a:lnTo>
+                  <a:pt x="7805124" y="500241"/>
+                </a:lnTo>
+                <a:lnTo>
+                  <a:pt x="8070903" y="490082"/>
+                </a:lnTo>
+                <a:lnTo>
+                  <a:pt x="8339121" y="475719"/>
+                </a:lnTo>
+                <a:lnTo>
+                  <a:pt x="8609776" y="458554"/>
+                </a:lnTo>
+                <a:lnTo>
+                  <a:pt x="8881651" y="442089"/>
+                </a:lnTo>
+                <a:lnTo>
+                  <a:pt x="9153526" y="421071"/>
+                </a:lnTo>
+                <a:lnTo>
+                  <a:pt x="9429058" y="395849"/>
+                </a:lnTo>
+                <a:lnTo>
+                  <a:pt x="9700933" y="370626"/>
+                </a:lnTo>
+                <a:lnTo>
+                  <a:pt x="9977684" y="341551"/>
+                </a:lnTo>
+                <a:lnTo>
+                  <a:pt x="10255655" y="309673"/>
+                </a:lnTo>
+                <a:lnTo>
+                  <a:pt x="10529968" y="276043"/>
+                </a:lnTo>
+                <a:lnTo>
+                  <a:pt x="10807939" y="236809"/>
+                </a:lnTo>
+                <a:lnTo>
+                  <a:pt x="11084690" y="194772"/>
+                </a:lnTo>
+                <a:lnTo>
+                  <a:pt x="11362661" y="153085"/>
+                </a:lnTo>
+                <a:lnTo>
+                  <a:pt x="11639412" y="104392"/>
+                </a:lnTo>
+                <a:lnTo>
+                  <a:pt x="11914945" y="54648"/>
+                </a:lnTo>
+                <a:lnTo>
+                  <a:pt x="12191696" y="2452"/>
+                </a:lnTo>
+                <a:lnTo>
+                  <a:pt x="12191696" y="2109542"/>
+                </a:lnTo>
+                <a:lnTo>
+                  <a:pt x="12191999" y="2109542"/>
+                </a:lnTo>
+                <a:lnTo>
+                  <a:pt x="12191999" y="2802467"/>
+                </a:lnTo>
+                <a:lnTo>
+                  <a:pt x="12192418" y="2802467"/>
+                </a:lnTo>
+                <a:lnTo>
+                  <a:pt x="12192418" y="5095933"/>
+                </a:lnTo>
+                <a:lnTo>
+                  <a:pt x="1" y="5095933"/>
+                </a:lnTo>
+                <a:lnTo>
+                  <a:pt x="1" y="4074529"/>
+                </a:lnTo>
+                <a:lnTo>
+                  <a:pt x="0" y="4074529"/>
+                </a:lnTo>
+                <a:lnTo>
+                  <a:pt x="0" y="2109542"/>
+                </a:lnTo>
+                <a:lnTo>
+                  <a:pt x="1" y="2109542"/>
+                </a:lnTo>
+                <a:close/>
+              </a:path>
+            </a:pathLst>
+          </a:custGeom>
+          <a:solidFill>
+            <a:schemeClr val="bg1"/>
+          </a:solidFill>
+          <a:ln>
+            <a:noFill/>
+          </a:ln>
+        </p:spPr>
+        <p:txBody>
+          <a:bodyPr/>
+          <a:lstStyle/>
+          <a:p>
+            <a:pPr marL="0" marR="0" lvl="0" indent="0" algn="l" defTabSz="457200" rtl="0" eaLnBrk="1" fontAlgn="auto" latinLnBrk="0" hangingPunct="1">
+              <a:lnSpc>
+                <a:spcPct val="100000"/>
+              </a:lnSpc>
+              <a:spcBef>
+                <a:spcPts val="0"/>
+              </a:spcBef>
+              <a:spcAft>
+                <a:spcPts val="0"/>
+              </a:spcAft>
+              <a:buClrTx/>
+              <a:buSzTx/>
+              <a:buFontTx/>
+              <a:buNone/>
+              <a:tabLst/>
+              <a:defRPr/>
+            </a:pPr>
+            <a:endParaRPr kumimoji="0" lang="en-US" sz="1800" b="0" i="0" u="none" strike="noStrike" kern="1200" cap="none" spc="0" normalizeH="0" baseline="0" noProof="0">
+              <a:ln>
+                <a:noFill/>
+              </a:ln>
+              <a:solidFill>
+                <a:prstClr val="black"/>
+              </a:solidFill>
+              <a:effectLst/>
+              <a:uLnTx/>
+              <a:uFillTx/>
+              <a:latin typeface="Century Gothic" panose="020B0502020202020204"/>
+              <a:ea typeface="+mn-ea"/>
+              <a:cs typeface="+mn-cs"/>
+            </a:endParaRPr>
+          </a:p>
+        </p:txBody>
+      </p:sp>
+      <p:sp>
+        <p:nvSpPr>
+          <p:cNvPr id="12" name="Textfeld 11">
+            <a:extLst>
+              <a:ext uri="{FF2B5EF4-FFF2-40B4-BE49-F238E27FC236}">
+                <a16:creationId xmlns:a16="http://schemas.microsoft.com/office/drawing/2014/main" id="{98A695F2-8BD5-5465-630B-B0A2DDEBA06A}"/>
+              </a:ext>
+            </a:extLst>
+          </p:cNvPr>
+          <p:cNvSpPr txBox="1"/>
+          <p:nvPr/>
+        </p:nvSpPr>
+        <p:spPr>
+          <a:xfrm>
+            <a:off x="-1529254" y="6452928"/>
+            <a:ext cx="13323322" cy="276999"/>
+          </a:xfrm>
+          <a:prstGeom prst="rect">
+            <a:avLst/>
+          </a:prstGeom>
+          <a:noFill/>
+        </p:spPr>
+        <p:txBody>
+          <a:bodyPr wrap="square">
+            <a:spAutoFit/>
+          </a:bodyPr>
+          <a:lstStyle/>
+          <a:p>
+            <a:pPr marL="2743200" marR="0" lvl="0" indent="457200" algn="l" defTabSz="457200" rtl="0" eaLnBrk="1" fontAlgn="auto" latinLnBrk="0" hangingPunct="1">
+              <a:lnSpc>
+                <a:spcPct val="100000"/>
+              </a:lnSpc>
+              <a:spcBef>
+                <a:spcPts val="0"/>
+              </a:spcBef>
+              <a:spcAft>
+                <a:spcPts val="0"/>
+              </a:spcAft>
+              <a:buClrTx/>
+              <a:buSzTx/>
+              <a:buFontTx/>
+              <a:buNone/>
+              <a:tabLst/>
+              <a:defRPr/>
+            </a:pPr>
+            <a:r>
+              <a:rPr kumimoji="0" lang="en-US" sz="1200" b="0" i="0" u="none" strike="noStrike" kern="1200" cap="none" spc="0" normalizeH="0" baseline="0" noProof="0" dirty="0">
+                <a:ln>
+                  <a:noFill/>
+                </a:ln>
+                <a:solidFill>
+                  <a:srgbClr val="000000"/>
+                </a:solidFill>
+                <a:effectLst/>
+                <a:uLnTx/>
+                <a:uFillTx/>
+                <a:latin typeface="Arial" panose="020B0604020202020204" pitchFamily="34" charset="0"/>
+                <a:ea typeface="+mn-ea"/>
+                <a:cs typeface="+mn-cs"/>
+              </a:rPr>
+              <a:t>*Use the first </a:t>
+            </a:r>
+            <a:r>
+              <a:rPr kumimoji="0" lang="en-US" sz="1200" b="1" i="0" u="none" strike="noStrike" kern="1200" cap="none" spc="0" normalizeH="0" baseline="0" noProof="0" dirty="0">
+                <a:ln>
+                  <a:noFill/>
+                </a:ln>
+                <a:solidFill>
+                  <a:srgbClr val="000000"/>
+                </a:solidFill>
+                <a:effectLst/>
+                <a:uLnTx/>
+                <a:uFillTx/>
+                <a:latin typeface="Arial" panose="020B0604020202020204" pitchFamily="34" charset="0"/>
+                <a:ea typeface="+mn-ea"/>
+                <a:cs typeface="+mn-cs"/>
+              </a:rPr>
+              <a:t>100</a:t>
+            </a:r>
+            <a:r>
+              <a:rPr kumimoji="0" lang="en-US" sz="1200" b="0" i="0" u="none" strike="noStrike" kern="1200" cap="none" spc="0" normalizeH="0" baseline="0" noProof="0" dirty="0">
+                <a:ln>
+                  <a:noFill/>
+                </a:ln>
+                <a:solidFill>
+                  <a:srgbClr val="000000"/>
+                </a:solidFill>
+                <a:effectLst/>
+                <a:uLnTx/>
+                <a:uFillTx/>
+                <a:latin typeface="Arial" panose="020B0604020202020204" pitchFamily="34" charset="0"/>
+                <a:ea typeface="+mn-ea"/>
+                <a:cs typeface="+mn-cs"/>
+              </a:rPr>
+              <a:t> samples from the test dataset of WN18RR		// 	The format of outputs vary</a:t>
+            </a:r>
+          </a:p>
+        </p:txBody>
+      </p:sp>
+      <p:sp>
+        <p:nvSpPr>
+          <p:cNvPr id="5" name="Inhaltsplatzhalter 4">
+            <a:extLst>
+              <a:ext uri="{FF2B5EF4-FFF2-40B4-BE49-F238E27FC236}">
+                <a16:creationId xmlns:a16="http://schemas.microsoft.com/office/drawing/2014/main" id="{A7259958-7F47-F402-3145-BCC1D68E2AEA}"/>
+              </a:ext>
+            </a:extLst>
+          </p:cNvPr>
+          <p:cNvSpPr>
+            <a:spLocks noGrp="1"/>
+          </p:cNvSpPr>
+          <p:nvPr>
+            <p:ph idx="1"/>
+          </p:nvPr>
+        </p:nvSpPr>
+        <p:spPr/>
+        <p:txBody>
+          <a:bodyPr/>
+          <a:lstStyle/>
+          <a:p>
+            <a:endParaRPr lang="en-US"/>
+          </a:p>
+        </p:txBody>
+      </p:sp>
+      <p:graphicFrame>
+        <p:nvGraphicFramePr>
+          <p:cNvPr id="6" name="Inhaltsplatzhalter 15">
+            <a:extLst>
+              <a:ext uri="{FF2B5EF4-FFF2-40B4-BE49-F238E27FC236}">
+                <a16:creationId xmlns:a16="http://schemas.microsoft.com/office/drawing/2014/main" id="{8602AE10-CCB9-05E6-33B9-2791A2F16312}"/>
+              </a:ext>
+            </a:extLst>
+          </p:cNvPr>
+          <p:cNvGraphicFramePr>
+            <a:graphicFrameLocks/>
+          </p:cNvGraphicFramePr>
+          <p:nvPr>
+            <p:extLst>
+              <p:ext uri="{D42A27DB-BD31-4B8C-83A1-F6EECF244321}">
+                <p14:modId xmlns:p14="http://schemas.microsoft.com/office/powerpoint/2010/main" val="247132159"/>
+              </p:ext>
+            </p:extLst>
+          </p:nvPr>
+        </p:nvGraphicFramePr>
+        <p:xfrm>
+          <a:off x="594392" y="2163623"/>
+          <a:ext cx="11319417" cy="4288705"/>
+        </p:xfrm>
+        <a:graphic>
+          <a:graphicData uri="http://schemas.openxmlformats.org/drawingml/2006/table">
+            <a:tbl>
+              <a:tblPr firstRow="1" bandRow="1">
+                <a:tableStyleId>{5C22544A-7EE6-4342-B048-85BDC9FD1C3A}</a:tableStyleId>
+              </a:tblPr>
+              <a:tblGrid>
+                <a:gridCol w="1333753">
+                  <a:extLst>
+                    <a:ext uri="{9D8B030D-6E8A-4147-A177-3AD203B41FA5}">
+                      <a16:colId xmlns:a16="http://schemas.microsoft.com/office/drawing/2014/main" val="2585912005"/>
+                    </a:ext>
+                  </a:extLst>
+                </a:gridCol>
+                <a:gridCol w="1248208">
+                  <a:extLst>
+                    <a:ext uri="{9D8B030D-6E8A-4147-A177-3AD203B41FA5}">
+                      <a16:colId xmlns:a16="http://schemas.microsoft.com/office/drawing/2014/main" val="843601698"/>
+                    </a:ext>
+                  </a:extLst>
+                </a:gridCol>
+                <a:gridCol w="1248208">
+                  <a:extLst>
+                    <a:ext uri="{9D8B030D-6E8A-4147-A177-3AD203B41FA5}">
+                      <a16:colId xmlns:a16="http://schemas.microsoft.com/office/drawing/2014/main" val="180885657"/>
+                    </a:ext>
+                  </a:extLst>
+                </a:gridCol>
+                <a:gridCol w="1248208">
+                  <a:extLst>
+                    <a:ext uri="{9D8B030D-6E8A-4147-A177-3AD203B41FA5}">
+                      <a16:colId xmlns:a16="http://schemas.microsoft.com/office/drawing/2014/main" val="2540190345"/>
+                    </a:ext>
+                  </a:extLst>
+                </a:gridCol>
+                <a:gridCol w="1248208">
+                  <a:extLst>
+                    <a:ext uri="{9D8B030D-6E8A-4147-A177-3AD203B41FA5}">
+                      <a16:colId xmlns:a16="http://schemas.microsoft.com/office/drawing/2014/main" val="3076687557"/>
+                    </a:ext>
+                  </a:extLst>
+                </a:gridCol>
+                <a:gridCol w="1248208">
+                  <a:extLst>
+                    <a:ext uri="{9D8B030D-6E8A-4147-A177-3AD203B41FA5}">
+                      <a16:colId xmlns:a16="http://schemas.microsoft.com/office/drawing/2014/main" val="773496404"/>
+                    </a:ext>
+                  </a:extLst>
+                </a:gridCol>
+                <a:gridCol w="1248208">
+                  <a:extLst>
+                    <a:ext uri="{9D8B030D-6E8A-4147-A177-3AD203B41FA5}">
+                      <a16:colId xmlns:a16="http://schemas.microsoft.com/office/drawing/2014/main" val="613038868"/>
+                    </a:ext>
+                  </a:extLst>
+                </a:gridCol>
+                <a:gridCol w="1248208">
+                  <a:extLst>
+                    <a:ext uri="{9D8B030D-6E8A-4147-A177-3AD203B41FA5}">
+                      <a16:colId xmlns:a16="http://schemas.microsoft.com/office/drawing/2014/main" val="3042228748"/>
+                    </a:ext>
+                  </a:extLst>
+                </a:gridCol>
+                <a:gridCol w="1248208">
+                  <a:extLst>
+                    <a:ext uri="{9D8B030D-6E8A-4147-A177-3AD203B41FA5}">
+                      <a16:colId xmlns:a16="http://schemas.microsoft.com/office/drawing/2014/main" val="986472483"/>
+                    </a:ext>
+                  </a:extLst>
+                </a:gridCol>
+              </a:tblGrid>
+              <a:tr h="369628">
+                <a:tc>
+                  <a:txBody>
+                    <a:bodyPr/>
+                    <a:lstStyle/>
+                    <a:p>
+                      <a:pPr marL="0" marR="0" lvl="0" indent="0" algn="ctr" defTabSz="457200" rtl="0" eaLnBrk="1" fontAlgn="auto" latinLnBrk="0" hangingPunct="1">
+                        <a:lnSpc>
+                          <a:spcPct val="100000"/>
+                        </a:lnSpc>
+                        <a:spcBef>
+                          <a:spcPts val="0"/>
+                        </a:spcBef>
+                        <a:spcAft>
+                          <a:spcPts val="0"/>
+                        </a:spcAft>
+                        <a:buClrTx/>
+                        <a:buSzTx/>
+                        <a:buFontTx/>
+                        <a:buNone/>
+                        <a:tabLst/>
+                        <a:defRPr/>
+                      </a:pPr>
+                      <a:r>
+                        <a:rPr lang="en-US" sz="1400" u="none" dirty="0">
+                          <a:solidFill>
+                            <a:schemeClr val="tx1"/>
+                          </a:solidFill>
+                          <a:latin typeface="Times New Roman" panose="02020603050405020304" pitchFamily="18" charset="0"/>
+                          <a:cs typeface="Times New Roman" panose="02020603050405020304" pitchFamily="18" charset="0"/>
+                        </a:rPr>
+                        <a:t>100 samples</a:t>
+                      </a:r>
+                    </a:p>
+                  </a:txBody>
+                  <a:tcPr/>
+                </a:tc>
+                <a:tc gridSpan="4">
+                  <a:txBody>
+                    <a:bodyPr/>
+                    <a:lstStyle/>
+                    <a:p>
+                      <a:pPr marL="0" marR="0" lvl="0" indent="0" algn="ctr" defTabSz="457200" rtl="0" eaLnBrk="1" fontAlgn="auto" latinLnBrk="0" hangingPunct="1">
+                        <a:lnSpc>
+                          <a:spcPct val="100000"/>
+                        </a:lnSpc>
+                        <a:spcBef>
+                          <a:spcPts val="0"/>
+                        </a:spcBef>
+                        <a:spcAft>
+                          <a:spcPts val="0"/>
+                        </a:spcAft>
+                        <a:buClrTx/>
+                        <a:buSzTx/>
+                        <a:buFontTx/>
+                        <a:buNone/>
+                        <a:tabLst/>
+                        <a:defRPr/>
+                      </a:pPr>
+                      <a:r>
+                        <a:rPr lang="en-US" sz="1400" b="1" dirty="0" err="1">
+                          <a:solidFill>
+                            <a:schemeClr val="tx1"/>
+                          </a:solidFill>
+                          <a:latin typeface="Times New Roman" panose="02020603050405020304" pitchFamily="18" charset="0"/>
+                          <a:cs typeface="Times New Roman" panose="02020603050405020304" pitchFamily="18" charset="0"/>
+                        </a:rPr>
+                        <a:t>KICMistral</a:t>
+                      </a:r>
+                      <a:endParaRPr lang="en-US" sz="1400" b="1" dirty="0">
+                        <a:solidFill>
+                          <a:schemeClr val="tx1"/>
+                        </a:solidFill>
+                        <a:latin typeface="Times New Roman" panose="02020603050405020304" pitchFamily="18" charset="0"/>
+                        <a:cs typeface="Times New Roman" panose="02020603050405020304" pitchFamily="18" charset="0"/>
+                      </a:endParaRPr>
+                    </a:p>
+                  </a:txBody>
+                  <a:tcPr/>
+                </a:tc>
+                <a:tc hMerge="1">
+                  <a:txBody>
+                    <a:bodyPr/>
+                    <a:lstStyle/>
+                    <a:p>
+                      <a:endParaRPr lang="en-US" dirty="0"/>
+                    </a:p>
+                  </a:txBody>
+                  <a:tcPr/>
+                </a:tc>
+                <a:tc hMerge="1">
+                  <a:txBody>
+                    <a:bodyPr/>
+                    <a:lstStyle/>
+                    <a:p>
+                      <a:endParaRPr lang="en-US" dirty="0"/>
+                    </a:p>
+                  </a:txBody>
+                  <a:tcPr/>
+                </a:tc>
+                <a:tc hMerge="1">
+                  <a:txBody>
+                    <a:bodyPr/>
+                    <a:lstStyle/>
+                    <a:p>
+                      <a:endParaRPr lang="en-US" dirty="0"/>
+                    </a:p>
+                  </a:txBody>
+                  <a:tcPr/>
+                </a:tc>
+                <a:tc gridSpan="4">
+                  <a:txBody>
+                    <a:bodyPr/>
+                    <a:lstStyle/>
+                    <a:p>
+                      <a:pPr marL="0" marR="0" lvl="0" indent="0" algn="ctr" defTabSz="457200" rtl="0" eaLnBrk="1" fontAlgn="auto" latinLnBrk="0" hangingPunct="1">
+                        <a:lnSpc>
+                          <a:spcPct val="100000"/>
+                        </a:lnSpc>
+                        <a:spcBef>
+                          <a:spcPts val="0"/>
+                        </a:spcBef>
+                        <a:spcAft>
+                          <a:spcPts val="0"/>
+                        </a:spcAft>
+                        <a:buClrTx/>
+                        <a:buSzTx/>
+                        <a:buFontTx/>
+                        <a:buNone/>
+                        <a:tabLst/>
+                        <a:defRPr/>
+                      </a:pPr>
+                      <a:r>
+                        <a:rPr lang="en-US" sz="1400" b="1" dirty="0" err="1">
+                          <a:solidFill>
+                            <a:schemeClr val="tx1"/>
+                          </a:solidFill>
+                          <a:latin typeface="Times New Roman" panose="02020603050405020304" pitchFamily="18" charset="0"/>
+                          <a:cs typeface="Times New Roman" panose="02020603050405020304" pitchFamily="18" charset="0"/>
+                        </a:rPr>
+                        <a:t>KICMistral</a:t>
+                      </a:r>
+                      <a:r>
+                        <a:rPr lang="en-US" sz="1400" b="1" dirty="0">
+                          <a:solidFill>
+                            <a:schemeClr val="tx1"/>
+                          </a:solidFill>
+                          <a:latin typeface="Times New Roman" panose="02020603050405020304" pitchFamily="18" charset="0"/>
+                          <a:cs typeface="Times New Roman" panose="02020603050405020304" pitchFamily="18" charset="0"/>
+                        </a:rPr>
+                        <a:t> 8X7B-50</a:t>
+                      </a:r>
+                    </a:p>
+                    <a:p>
+                      <a:pPr algn="ctr" rtl="0" fontAlgn="t">
+                        <a:spcBef>
+                          <a:spcPts val="0"/>
+                        </a:spcBef>
+                        <a:spcAft>
+                          <a:spcPts val="0"/>
+                        </a:spcAft>
+                      </a:pPr>
+                      <a:r>
+                        <a:rPr lang="en-US" altLang="zh-CN" sz="1400" b="1" u="none" dirty="0" err="1">
+                          <a:solidFill>
+                            <a:schemeClr val="tx1"/>
+                          </a:solidFill>
+                          <a:effectLst/>
+                          <a:latin typeface="Times New Roman" panose="02020603050405020304" pitchFamily="18" charset="0"/>
+                          <a:cs typeface="Times New Roman" panose="02020603050405020304" pitchFamily="18" charset="0"/>
+                        </a:rPr>
+                        <a:t>tsa</a:t>
+                      </a:r>
+                      <a:endParaRPr lang="en-US" sz="1400" b="1" u="none" dirty="0">
+                        <a:solidFill>
+                          <a:schemeClr val="tx1"/>
+                        </a:solidFill>
+                        <a:effectLst/>
+                        <a:latin typeface="Times New Roman" panose="02020603050405020304" pitchFamily="18" charset="0"/>
+                        <a:cs typeface="Times New Roman" panose="02020603050405020304" pitchFamily="18" charset="0"/>
+                      </a:endParaRPr>
+                    </a:p>
+                  </a:txBody>
+                  <a:tcPr/>
+                </a:tc>
+                <a:tc hMerge="1">
+                  <a:txBody>
+                    <a:bodyPr/>
+                    <a:lstStyle/>
+                    <a:p>
+                      <a:pPr algn="ctr" rtl="0" fontAlgn="t">
+                        <a:spcBef>
+                          <a:spcPts val="0"/>
+                        </a:spcBef>
+                        <a:spcAft>
+                          <a:spcPts val="0"/>
+                        </a:spcAft>
+                      </a:pPr>
+                      <a:endParaRPr lang="en-US" sz="1400" b="1" u="none" dirty="0">
+                        <a:solidFill>
+                          <a:schemeClr val="tx1"/>
+                        </a:solidFill>
+                        <a:effectLst/>
+                        <a:latin typeface="Times New Roman" panose="02020603050405020304" pitchFamily="18" charset="0"/>
+                        <a:cs typeface="Times New Roman" panose="02020603050405020304" pitchFamily="18" charset="0"/>
+                      </a:endParaRPr>
+                    </a:p>
+                  </a:txBody>
+                  <a:tcPr/>
+                </a:tc>
+                <a:tc hMerge="1">
+                  <a:txBody>
+                    <a:bodyPr/>
+                    <a:lstStyle/>
+                    <a:p>
+                      <a:pPr algn="ctr" rtl="0" fontAlgn="t">
+                        <a:spcBef>
+                          <a:spcPts val="0"/>
+                        </a:spcBef>
+                        <a:spcAft>
+                          <a:spcPts val="0"/>
+                        </a:spcAft>
+                      </a:pPr>
+                      <a:endParaRPr lang="en-US" sz="1400" b="1" u="none" dirty="0">
+                        <a:solidFill>
+                          <a:schemeClr val="tx1"/>
+                        </a:solidFill>
+                        <a:effectLst/>
+                        <a:latin typeface="Times New Roman" panose="02020603050405020304" pitchFamily="18" charset="0"/>
+                        <a:cs typeface="Times New Roman" panose="02020603050405020304" pitchFamily="18" charset="0"/>
+                      </a:endParaRPr>
+                    </a:p>
+                  </a:txBody>
+                  <a:tcPr/>
+                </a:tc>
+                <a:tc hMerge="1">
+                  <a:txBody>
+                    <a:bodyPr/>
+                    <a:lstStyle/>
+                    <a:p>
+                      <a:pPr algn="ctr" rtl="0" fontAlgn="t">
+                        <a:spcBef>
+                          <a:spcPts val="0"/>
+                        </a:spcBef>
+                        <a:spcAft>
+                          <a:spcPts val="0"/>
+                        </a:spcAft>
+                      </a:pPr>
+                      <a:endParaRPr lang="en-US" sz="1400" b="1" u="none" dirty="0">
+                        <a:solidFill>
+                          <a:schemeClr val="tx1"/>
+                        </a:solidFill>
+                        <a:effectLst/>
+                        <a:latin typeface="Times New Roman" panose="02020603050405020304" pitchFamily="18" charset="0"/>
+                        <a:cs typeface="Times New Roman" panose="02020603050405020304" pitchFamily="18" charset="0"/>
+                      </a:endParaRPr>
+                    </a:p>
+                  </a:txBody>
+                  <a:tcPr/>
+                </a:tc>
+                <a:extLst>
+                  <a:ext uri="{0D108BD9-81ED-4DB2-BD59-A6C34878D82A}">
+                    <a16:rowId xmlns:a16="http://schemas.microsoft.com/office/drawing/2014/main" val="2004111872"/>
+                  </a:ext>
+                </a:extLst>
+              </a:tr>
+              <a:tr h="359323">
+                <a:tc>
+                  <a:txBody>
+                    <a:bodyPr/>
+                    <a:lstStyle/>
+                    <a:p>
+                      <a:pPr marL="0" marR="0" lvl="0" indent="0" algn="ctr" defTabSz="457200" rtl="0" eaLnBrk="1" fontAlgn="t" latinLnBrk="0" hangingPunct="1">
+                        <a:lnSpc>
+                          <a:spcPct val="100000"/>
+                        </a:lnSpc>
+                        <a:spcBef>
+                          <a:spcPts val="0"/>
+                        </a:spcBef>
+                        <a:spcAft>
+                          <a:spcPts val="0"/>
+                        </a:spcAft>
+                        <a:buClrTx/>
+                        <a:buSzTx/>
+                        <a:buFontTx/>
+                        <a:buNone/>
+                        <a:tabLst/>
+                        <a:defRPr/>
+                      </a:pPr>
+                      <a:r>
+                        <a:rPr lang="en-US" sz="1400" b="1" kern="1200" dirty="0" err="1">
+                          <a:solidFill>
+                            <a:schemeClr val="dk1"/>
+                          </a:solidFill>
+                          <a:effectLst/>
+                          <a:latin typeface="Times New Roman" panose="02020603050405020304" pitchFamily="18" charset="0"/>
+                          <a:ea typeface="+mn-ea"/>
+                          <a:cs typeface="Times New Roman" panose="02020603050405020304" pitchFamily="18" charset="0"/>
+                        </a:rPr>
+                        <a:t>eff_demon_step</a:t>
+                      </a:r>
+                      <a:endParaRPr lang="en-US" sz="1400" b="1" kern="1200" dirty="0">
+                        <a:solidFill>
+                          <a:schemeClr val="dk1"/>
+                        </a:solidFill>
+                        <a:effectLst/>
+                        <a:latin typeface="Times New Roman" panose="02020603050405020304" pitchFamily="18" charset="0"/>
+                        <a:ea typeface="+mn-ea"/>
+                        <a:cs typeface="Times New Roman" panose="02020603050405020304" pitchFamily="18" charset="0"/>
+                      </a:endParaRPr>
+                    </a:p>
+                  </a:txBody>
+                  <a:tcPr marL="63500" marR="63500" marT="63500" marB="63500" anchor="ctr"/>
+                </a:tc>
+                <a:tc>
+                  <a:txBody>
+                    <a:bodyPr/>
+                    <a:lstStyle/>
+                    <a:p>
+                      <a:pPr algn="ctr" rtl="0" fontAlgn="t">
+                        <a:spcBef>
+                          <a:spcPts val="0"/>
+                        </a:spcBef>
+                        <a:spcAft>
+                          <a:spcPts val="0"/>
+                        </a:spcAft>
+                      </a:pPr>
+                      <a:r>
+                        <a:rPr lang="en-US" sz="1400" b="1" i="0" u="none" strike="noStrike" dirty="0">
+                          <a:solidFill>
+                            <a:srgbClr val="000000"/>
+                          </a:solidFill>
+                          <a:effectLst/>
+                          <a:latin typeface="Times New Roman" panose="02020603050405020304" pitchFamily="18" charset="0"/>
+                          <a:cs typeface="Times New Roman" panose="02020603050405020304" pitchFamily="18" charset="0"/>
+                        </a:rPr>
+                        <a:t>MRR</a:t>
+                      </a:r>
+                      <a:endParaRPr lang="en-US" sz="1400" u="none" dirty="0">
+                        <a:effectLst/>
+                        <a:latin typeface="Times New Roman" panose="02020603050405020304" pitchFamily="18" charset="0"/>
+                        <a:cs typeface="Times New Roman" panose="02020603050405020304" pitchFamily="18" charset="0"/>
+                      </a:endParaRPr>
+                    </a:p>
+                  </a:txBody>
+                  <a:tcPr marL="63500" marR="63500" marT="63500" marB="63500" anchor="ctr"/>
+                </a:tc>
+                <a:tc>
+                  <a:txBody>
+                    <a:bodyPr/>
+                    <a:lstStyle/>
+                    <a:p>
+                      <a:pPr algn="ctr" rtl="0" fontAlgn="t">
+                        <a:spcBef>
+                          <a:spcPts val="0"/>
+                        </a:spcBef>
+                        <a:spcAft>
+                          <a:spcPts val="0"/>
+                        </a:spcAft>
+                      </a:pPr>
+                      <a:r>
+                        <a:rPr lang="en-US" sz="1400" b="1" i="0" u="none" strike="noStrike" dirty="0">
+                          <a:solidFill>
+                            <a:srgbClr val="000000"/>
+                          </a:solidFill>
+                          <a:effectLst/>
+                          <a:latin typeface="Times New Roman" panose="02020603050405020304" pitchFamily="18" charset="0"/>
+                          <a:cs typeface="Times New Roman" panose="02020603050405020304" pitchFamily="18" charset="0"/>
+                        </a:rPr>
+                        <a:t>Hits@1</a:t>
+                      </a:r>
+                      <a:endParaRPr lang="en-US" sz="1400" u="none" dirty="0">
+                        <a:effectLst/>
+                        <a:latin typeface="Times New Roman" panose="02020603050405020304" pitchFamily="18" charset="0"/>
+                        <a:cs typeface="Times New Roman" panose="02020603050405020304" pitchFamily="18" charset="0"/>
+                      </a:endParaRPr>
+                    </a:p>
+                  </a:txBody>
+                  <a:tcPr marL="63500" marR="63500" marT="63500" marB="63500" anchor="ctr"/>
+                </a:tc>
+                <a:tc>
+                  <a:txBody>
+                    <a:bodyPr/>
+                    <a:lstStyle/>
+                    <a:p>
+                      <a:pPr algn="ctr" rtl="0" fontAlgn="t">
+                        <a:spcBef>
+                          <a:spcPts val="0"/>
+                        </a:spcBef>
+                        <a:spcAft>
+                          <a:spcPts val="0"/>
+                        </a:spcAft>
+                      </a:pPr>
+                      <a:r>
+                        <a:rPr lang="en-US" sz="1400" b="1" i="0" u="none" strike="noStrike" dirty="0">
+                          <a:solidFill>
+                            <a:srgbClr val="000000"/>
+                          </a:solidFill>
+                          <a:effectLst/>
+                          <a:latin typeface="Times New Roman" panose="02020603050405020304" pitchFamily="18" charset="0"/>
+                          <a:cs typeface="Times New Roman" panose="02020603050405020304" pitchFamily="18" charset="0"/>
+                        </a:rPr>
+                        <a:t>Hits@3</a:t>
+                      </a:r>
+                      <a:endParaRPr lang="en-US" sz="1400" u="none" dirty="0">
+                        <a:effectLst/>
+                        <a:latin typeface="Times New Roman" panose="02020603050405020304" pitchFamily="18" charset="0"/>
+                        <a:cs typeface="Times New Roman" panose="02020603050405020304" pitchFamily="18" charset="0"/>
+                      </a:endParaRPr>
+                    </a:p>
+                  </a:txBody>
+                  <a:tcPr marL="63500" marR="63500" marT="63500" marB="63500" anchor="ctr"/>
+                </a:tc>
+                <a:tc>
+                  <a:txBody>
+                    <a:bodyPr/>
+                    <a:lstStyle/>
+                    <a:p>
+                      <a:pPr algn="ctr" rtl="0" fontAlgn="t">
+                        <a:spcBef>
+                          <a:spcPts val="0"/>
+                        </a:spcBef>
+                        <a:spcAft>
+                          <a:spcPts val="0"/>
+                        </a:spcAft>
+                      </a:pPr>
+                      <a:r>
+                        <a:rPr lang="en-US" sz="1400" b="1" i="0" u="none" strike="noStrike" dirty="0">
+                          <a:solidFill>
+                            <a:srgbClr val="000000"/>
+                          </a:solidFill>
+                          <a:effectLst/>
+                          <a:latin typeface="Times New Roman" panose="02020603050405020304" pitchFamily="18" charset="0"/>
+                          <a:cs typeface="Times New Roman" panose="02020603050405020304" pitchFamily="18" charset="0"/>
+                        </a:rPr>
+                        <a:t>Hits@10</a:t>
+                      </a:r>
+                      <a:endParaRPr lang="en-US" sz="1400" u="none" dirty="0">
+                        <a:effectLst/>
+                        <a:latin typeface="Times New Roman" panose="02020603050405020304" pitchFamily="18" charset="0"/>
+                        <a:cs typeface="Times New Roman" panose="02020603050405020304" pitchFamily="18" charset="0"/>
+                      </a:endParaRPr>
+                    </a:p>
+                  </a:txBody>
+                  <a:tcPr marL="63500" marR="63500" marT="63500" marB="63500" anchor="ctr"/>
+                </a:tc>
+                <a:tc>
+                  <a:txBody>
+                    <a:bodyPr/>
+                    <a:lstStyle/>
+                    <a:p>
+                      <a:pPr algn="ctr" rtl="0" fontAlgn="t">
+                        <a:spcBef>
+                          <a:spcPts val="0"/>
+                        </a:spcBef>
+                        <a:spcAft>
+                          <a:spcPts val="0"/>
+                        </a:spcAft>
+                      </a:pPr>
+                      <a:r>
+                        <a:rPr lang="en-US" sz="1400" b="1" i="0" u="none" strike="noStrike" dirty="0">
+                          <a:solidFill>
+                            <a:srgbClr val="000000"/>
+                          </a:solidFill>
+                          <a:effectLst/>
+                          <a:latin typeface="Times New Roman" panose="02020603050405020304" pitchFamily="18" charset="0"/>
+                          <a:cs typeface="Times New Roman" panose="02020603050405020304" pitchFamily="18" charset="0"/>
+                        </a:rPr>
+                        <a:t>MRR</a:t>
+                      </a:r>
+                      <a:endParaRPr lang="en-US" sz="1400" u="none" dirty="0">
+                        <a:effectLst/>
+                        <a:latin typeface="Times New Roman" panose="02020603050405020304" pitchFamily="18" charset="0"/>
+                        <a:cs typeface="Times New Roman" panose="02020603050405020304" pitchFamily="18" charset="0"/>
+                      </a:endParaRPr>
+                    </a:p>
+                  </a:txBody>
+                  <a:tcPr marL="63500" marR="63500" marT="63500" marB="63500" anchor="ctr"/>
+                </a:tc>
+                <a:tc>
+                  <a:txBody>
+                    <a:bodyPr/>
+                    <a:lstStyle/>
+                    <a:p>
+                      <a:pPr algn="ctr" rtl="0" fontAlgn="t">
+                        <a:spcBef>
+                          <a:spcPts val="0"/>
+                        </a:spcBef>
+                        <a:spcAft>
+                          <a:spcPts val="0"/>
+                        </a:spcAft>
+                      </a:pPr>
+                      <a:r>
+                        <a:rPr lang="en-US" sz="1400" b="1" i="0" u="none" strike="noStrike" dirty="0">
+                          <a:solidFill>
+                            <a:srgbClr val="000000"/>
+                          </a:solidFill>
+                          <a:effectLst/>
+                          <a:latin typeface="Times New Roman" panose="02020603050405020304" pitchFamily="18" charset="0"/>
+                          <a:cs typeface="Times New Roman" panose="02020603050405020304" pitchFamily="18" charset="0"/>
+                        </a:rPr>
+                        <a:t>Hits@1</a:t>
+                      </a:r>
+                      <a:endParaRPr lang="en-US" sz="1400" u="none" dirty="0">
+                        <a:effectLst/>
+                        <a:latin typeface="Times New Roman" panose="02020603050405020304" pitchFamily="18" charset="0"/>
+                        <a:cs typeface="Times New Roman" panose="02020603050405020304" pitchFamily="18" charset="0"/>
+                      </a:endParaRPr>
+                    </a:p>
+                  </a:txBody>
+                  <a:tcPr marL="63500" marR="63500" marT="63500" marB="63500" anchor="ctr"/>
+                </a:tc>
+                <a:tc>
+                  <a:txBody>
+                    <a:bodyPr/>
+                    <a:lstStyle/>
+                    <a:p>
+                      <a:pPr algn="ctr" rtl="0" fontAlgn="t">
+                        <a:spcBef>
+                          <a:spcPts val="0"/>
+                        </a:spcBef>
+                        <a:spcAft>
+                          <a:spcPts val="0"/>
+                        </a:spcAft>
+                      </a:pPr>
+                      <a:r>
+                        <a:rPr lang="en-US" sz="1400" b="1" i="0" u="none" strike="noStrike" dirty="0">
+                          <a:solidFill>
+                            <a:srgbClr val="000000"/>
+                          </a:solidFill>
+                          <a:effectLst/>
+                          <a:latin typeface="Times New Roman" panose="02020603050405020304" pitchFamily="18" charset="0"/>
+                          <a:cs typeface="Times New Roman" panose="02020603050405020304" pitchFamily="18" charset="0"/>
+                        </a:rPr>
+                        <a:t>Hits@3</a:t>
+                      </a:r>
+                      <a:endParaRPr lang="en-US" sz="1400" u="none" dirty="0">
+                        <a:effectLst/>
+                        <a:latin typeface="Times New Roman" panose="02020603050405020304" pitchFamily="18" charset="0"/>
+                        <a:cs typeface="Times New Roman" panose="02020603050405020304" pitchFamily="18" charset="0"/>
+                      </a:endParaRPr>
+                    </a:p>
+                  </a:txBody>
+                  <a:tcPr marL="63500" marR="63500" marT="63500" marB="63500" anchor="ctr"/>
+                </a:tc>
+                <a:tc>
+                  <a:txBody>
+                    <a:bodyPr/>
+                    <a:lstStyle/>
+                    <a:p>
+                      <a:pPr algn="ctr" rtl="0" fontAlgn="t">
+                        <a:spcBef>
+                          <a:spcPts val="0"/>
+                        </a:spcBef>
+                        <a:spcAft>
+                          <a:spcPts val="0"/>
+                        </a:spcAft>
+                      </a:pPr>
+                      <a:r>
+                        <a:rPr lang="en-US" sz="1400" b="1" i="0" u="none" strike="noStrike" dirty="0">
+                          <a:solidFill>
+                            <a:srgbClr val="000000"/>
+                          </a:solidFill>
+                          <a:effectLst/>
+                          <a:latin typeface="Times New Roman" panose="02020603050405020304" pitchFamily="18" charset="0"/>
+                          <a:cs typeface="Times New Roman" panose="02020603050405020304" pitchFamily="18" charset="0"/>
+                        </a:rPr>
+                        <a:t>Hits@10</a:t>
+                      </a:r>
+                      <a:endParaRPr lang="en-US" sz="1400" u="none" dirty="0">
+                        <a:effectLst/>
+                        <a:latin typeface="Times New Roman" panose="02020603050405020304" pitchFamily="18" charset="0"/>
+                        <a:cs typeface="Times New Roman" panose="02020603050405020304" pitchFamily="18" charset="0"/>
+                      </a:endParaRPr>
+                    </a:p>
+                  </a:txBody>
+                  <a:tcPr marL="63500" marR="63500" marT="63500" marB="63500" anchor="ctr"/>
+                </a:tc>
+                <a:extLst>
+                  <a:ext uri="{0D108BD9-81ED-4DB2-BD59-A6C34878D82A}">
+                    <a16:rowId xmlns:a16="http://schemas.microsoft.com/office/drawing/2014/main" val="1788014971"/>
+                  </a:ext>
+                </a:extLst>
+              </a:tr>
+              <a:tr h="335645">
+                <a:tc>
+                  <a:txBody>
+                    <a:bodyPr/>
+                    <a:lstStyle/>
+                    <a:p>
+                      <a:pPr algn="ctr" rtl="0" fontAlgn="t">
+                        <a:spcBef>
+                          <a:spcPts val="0"/>
+                        </a:spcBef>
+                        <a:spcAft>
+                          <a:spcPts val="0"/>
+                        </a:spcAft>
+                      </a:pPr>
+                      <a:r>
+                        <a:rPr lang="en-US" sz="1400" b="0" i="0" u="none" dirty="0">
+                          <a:solidFill>
+                            <a:schemeClr val="tx1"/>
+                          </a:solidFill>
+                          <a:effectLst/>
+                          <a:latin typeface="Times New Roman" panose="02020603050405020304" pitchFamily="18" charset="0"/>
+                          <a:cs typeface="Times New Roman" panose="02020603050405020304" pitchFamily="18" charset="0"/>
+                        </a:rPr>
+                        <a:t>1</a:t>
+                      </a:r>
+                    </a:p>
+                  </a:txBody>
+                  <a:tcPr marL="63500" marR="63500" marT="63500" marB="63500" anchor="ctr"/>
+                </a:tc>
+                <a:tc>
+                  <a:txBody>
+                    <a:bodyPr/>
+                    <a:lstStyle/>
+                    <a:p>
+                      <a:pPr algn="ctr" rtl="0" fontAlgn="ctr">
+                        <a:spcBef>
+                          <a:spcPts val="0"/>
+                        </a:spcBef>
+                        <a:spcAft>
+                          <a:spcPts val="0"/>
+                        </a:spcAft>
+                      </a:pPr>
+                      <a:r>
+                        <a:rPr lang="en-US" sz="1400" b="0" u="none" dirty="0">
+                          <a:solidFill>
+                            <a:schemeClr val="tx1"/>
+                          </a:solidFill>
+                          <a:effectLst/>
+                          <a:latin typeface="Times New Roman" panose="02020603050405020304" pitchFamily="18" charset="0"/>
+                          <a:cs typeface="Times New Roman" panose="02020603050405020304" pitchFamily="18" charset="0"/>
+                        </a:rPr>
+                        <a:t>0.3149</a:t>
+                      </a:r>
+                    </a:p>
+                  </a:txBody>
+                  <a:tcPr marL="63500" marR="63500" marT="63500" marB="63500" anchor="ctr"/>
+                </a:tc>
+                <a:tc>
+                  <a:txBody>
+                    <a:bodyPr/>
+                    <a:lstStyle/>
+                    <a:p>
+                      <a:pPr algn="ctr" rtl="0" fontAlgn="ctr">
+                        <a:spcBef>
+                          <a:spcPts val="0"/>
+                        </a:spcBef>
+                        <a:spcAft>
+                          <a:spcPts val="0"/>
+                        </a:spcAft>
+                      </a:pPr>
+                      <a:r>
+                        <a:rPr lang="en-US" sz="1400" b="0" u="none" dirty="0">
+                          <a:solidFill>
+                            <a:schemeClr val="tx1"/>
+                          </a:solidFill>
+                          <a:effectLst/>
+                          <a:latin typeface="Times New Roman" panose="02020603050405020304" pitchFamily="18" charset="0"/>
+                          <a:cs typeface="Times New Roman" panose="02020603050405020304" pitchFamily="18" charset="0"/>
+                        </a:rPr>
+                        <a:t>0.1900</a:t>
+                      </a:r>
+                    </a:p>
+                  </a:txBody>
+                  <a:tcPr marL="63500" marR="63500" marT="63500" marB="63500" anchor="ctr"/>
+                </a:tc>
+                <a:tc>
+                  <a:txBody>
+                    <a:bodyPr/>
+                    <a:lstStyle/>
+                    <a:p>
+                      <a:pPr algn="ctr" rtl="0" fontAlgn="ctr">
+                        <a:spcBef>
+                          <a:spcPts val="0"/>
+                        </a:spcBef>
+                        <a:spcAft>
+                          <a:spcPts val="0"/>
+                        </a:spcAft>
+                      </a:pPr>
+                      <a:r>
+                        <a:rPr lang="en-US" sz="1400" b="0" u="none" dirty="0">
+                          <a:solidFill>
+                            <a:schemeClr val="tx1"/>
+                          </a:solidFill>
+                          <a:effectLst/>
+                          <a:latin typeface="Times New Roman" panose="02020603050405020304" pitchFamily="18" charset="0"/>
+                          <a:cs typeface="Times New Roman" panose="02020603050405020304" pitchFamily="18" charset="0"/>
+                        </a:rPr>
+                        <a:t>0.3800</a:t>
+                      </a:r>
+                    </a:p>
+                  </a:txBody>
+                  <a:tcPr marL="63500" marR="63500" marT="63500" marB="63500" anchor="ctr"/>
+                </a:tc>
+                <a:tc>
+                  <a:txBody>
+                    <a:bodyPr/>
+                    <a:lstStyle/>
+                    <a:p>
+                      <a:pPr algn="ctr" rtl="0" fontAlgn="ctr">
+                        <a:spcBef>
+                          <a:spcPts val="0"/>
+                        </a:spcBef>
+                        <a:spcAft>
+                          <a:spcPts val="0"/>
+                        </a:spcAft>
+                      </a:pPr>
+                      <a:r>
+                        <a:rPr lang="en-US" sz="1400" b="0" u="none" dirty="0">
+                          <a:solidFill>
+                            <a:schemeClr val="tx1"/>
+                          </a:solidFill>
+                          <a:effectLst/>
+                          <a:latin typeface="Times New Roman" panose="02020603050405020304" pitchFamily="18" charset="0"/>
+                          <a:cs typeface="Times New Roman" panose="02020603050405020304" pitchFamily="18" charset="0"/>
+                        </a:rPr>
+                        <a:t>0.5500</a:t>
+                      </a:r>
+                    </a:p>
+                  </a:txBody>
+                  <a:tcPr marL="63500" marR="63500" marT="63500" marB="63500" anchor="ctr"/>
+                </a:tc>
+                <a:tc>
+                  <a:txBody>
+                    <a:bodyPr/>
+                    <a:lstStyle/>
+                    <a:p>
+                      <a:pPr algn="ctr" rtl="0" fontAlgn="ctr">
+                        <a:spcBef>
+                          <a:spcPts val="0"/>
+                        </a:spcBef>
+                        <a:spcAft>
+                          <a:spcPts val="0"/>
+                        </a:spcAft>
+                      </a:pPr>
+                      <a:endParaRPr lang="en-US" sz="1400" b="0" u="none" dirty="0">
+                        <a:solidFill>
+                          <a:schemeClr val="tx1"/>
+                        </a:solidFill>
+                        <a:effectLst/>
+                        <a:latin typeface="Times New Roman" panose="02020603050405020304" pitchFamily="18" charset="0"/>
+                        <a:cs typeface="Times New Roman" panose="02020603050405020304" pitchFamily="18" charset="0"/>
+                      </a:endParaRPr>
+                    </a:p>
+                  </a:txBody>
+                  <a:tcPr marL="63500" marR="63500" marT="63500" marB="63500" anchor="ctr"/>
+                </a:tc>
+                <a:tc>
+                  <a:txBody>
+                    <a:bodyPr/>
+                    <a:lstStyle/>
+                    <a:p>
+                      <a:pPr algn="ctr" rtl="0" fontAlgn="ctr">
+                        <a:spcBef>
+                          <a:spcPts val="0"/>
+                        </a:spcBef>
+                        <a:spcAft>
+                          <a:spcPts val="0"/>
+                        </a:spcAft>
+                      </a:pPr>
+                      <a:endParaRPr lang="en-US" sz="1400" b="0" u="none" dirty="0">
+                        <a:solidFill>
+                          <a:schemeClr val="tx1"/>
+                        </a:solidFill>
+                        <a:effectLst/>
+                        <a:latin typeface="Times New Roman" panose="02020603050405020304" pitchFamily="18" charset="0"/>
+                        <a:cs typeface="Times New Roman" panose="02020603050405020304" pitchFamily="18" charset="0"/>
+                      </a:endParaRPr>
+                    </a:p>
+                  </a:txBody>
+                  <a:tcPr marL="63500" marR="63500" marT="63500" marB="63500" anchor="ctr"/>
+                </a:tc>
+                <a:tc>
+                  <a:txBody>
+                    <a:bodyPr/>
+                    <a:lstStyle/>
+                    <a:p>
+                      <a:pPr algn="ctr" rtl="0" fontAlgn="ctr">
+                        <a:spcBef>
+                          <a:spcPts val="0"/>
+                        </a:spcBef>
+                        <a:spcAft>
+                          <a:spcPts val="0"/>
+                        </a:spcAft>
+                      </a:pPr>
+                      <a:endParaRPr lang="en-US" sz="1400" b="0" u="none" dirty="0">
+                        <a:solidFill>
+                          <a:schemeClr val="tx1"/>
+                        </a:solidFill>
+                        <a:effectLst/>
+                        <a:latin typeface="Times New Roman" panose="02020603050405020304" pitchFamily="18" charset="0"/>
+                        <a:cs typeface="Times New Roman" panose="02020603050405020304" pitchFamily="18" charset="0"/>
+                      </a:endParaRPr>
+                    </a:p>
+                  </a:txBody>
+                  <a:tcPr marL="63500" marR="63500" marT="63500" marB="63500" anchor="ctr"/>
+                </a:tc>
+                <a:tc>
+                  <a:txBody>
+                    <a:bodyPr/>
+                    <a:lstStyle/>
+                    <a:p>
+                      <a:pPr algn="ctr" rtl="0" fontAlgn="ctr">
+                        <a:spcBef>
+                          <a:spcPts val="0"/>
+                        </a:spcBef>
+                        <a:spcAft>
+                          <a:spcPts val="0"/>
+                        </a:spcAft>
+                      </a:pPr>
+                      <a:endParaRPr lang="en-US" sz="1400" b="0" u="none" dirty="0">
+                        <a:solidFill>
+                          <a:schemeClr val="tx1"/>
+                        </a:solidFill>
+                        <a:effectLst/>
+                        <a:latin typeface="Times New Roman" panose="02020603050405020304" pitchFamily="18" charset="0"/>
+                        <a:cs typeface="Times New Roman" panose="02020603050405020304" pitchFamily="18" charset="0"/>
+                      </a:endParaRPr>
+                    </a:p>
+                  </a:txBody>
+                  <a:tcPr marL="63500" marR="63500" marT="63500" marB="63500" anchor="ctr"/>
+                </a:tc>
+                <a:extLst>
+                  <a:ext uri="{0D108BD9-81ED-4DB2-BD59-A6C34878D82A}">
+                    <a16:rowId xmlns:a16="http://schemas.microsoft.com/office/drawing/2014/main" val="782074905"/>
+                  </a:ext>
+                </a:extLst>
+              </a:tr>
+              <a:tr h="347982">
+                <a:tc>
+                  <a:txBody>
+                    <a:bodyPr/>
+                    <a:lstStyle/>
+                    <a:p>
+                      <a:pPr algn="ctr" rtl="0" fontAlgn="t">
+                        <a:spcBef>
+                          <a:spcPts val="0"/>
+                        </a:spcBef>
+                        <a:spcAft>
+                          <a:spcPts val="0"/>
+                        </a:spcAft>
+                      </a:pPr>
+                      <a:r>
+                        <a:rPr lang="en-US" sz="1400" b="0" i="0" u="none" dirty="0">
+                          <a:solidFill>
+                            <a:schemeClr val="tx1"/>
+                          </a:solidFill>
+                          <a:effectLst/>
+                          <a:latin typeface="Times New Roman" panose="02020603050405020304" pitchFamily="18" charset="0"/>
+                          <a:cs typeface="Times New Roman" panose="02020603050405020304" pitchFamily="18" charset="0"/>
+                        </a:rPr>
+                        <a:t>2</a:t>
+                      </a:r>
+                    </a:p>
+                  </a:txBody>
+                  <a:tcPr marL="63500" marR="63500" marT="63500" marB="63500" anchor="ctr"/>
+                </a:tc>
+                <a:tc>
+                  <a:txBody>
+                    <a:bodyPr/>
+                    <a:lstStyle/>
+                    <a:p>
+                      <a:pPr algn="ctr" rtl="0" fontAlgn="ctr">
+                        <a:spcBef>
+                          <a:spcPts val="0"/>
+                        </a:spcBef>
+                        <a:spcAft>
+                          <a:spcPts val="0"/>
+                        </a:spcAft>
+                      </a:pPr>
+                      <a:r>
+                        <a:rPr lang="en-US" sz="1400" b="0" u="none" dirty="0">
+                          <a:solidFill>
+                            <a:schemeClr val="tx1"/>
+                          </a:solidFill>
+                          <a:effectLst/>
+                          <a:latin typeface="Times New Roman" panose="02020603050405020304" pitchFamily="18" charset="0"/>
+                          <a:cs typeface="Times New Roman" panose="02020603050405020304" pitchFamily="18" charset="0"/>
+                        </a:rPr>
+                        <a:t>0.3200</a:t>
+                      </a:r>
+                    </a:p>
+                  </a:txBody>
+                  <a:tcPr marL="63500" marR="63500" marT="63500" marB="63500" anchor="ctr"/>
+                </a:tc>
+                <a:tc>
+                  <a:txBody>
+                    <a:bodyPr/>
+                    <a:lstStyle/>
+                    <a:p>
+                      <a:pPr marL="0" marR="0" lvl="0" indent="0" algn="ctr" defTabSz="457200" rtl="0" eaLnBrk="1" fontAlgn="ctr" latinLnBrk="0" hangingPunct="1">
+                        <a:lnSpc>
+                          <a:spcPct val="100000"/>
+                        </a:lnSpc>
+                        <a:spcBef>
+                          <a:spcPts val="0"/>
+                        </a:spcBef>
+                        <a:spcAft>
+                          <a:spcPts val="0"/>
+                        </a:spcAft>
+                        <a:buClrTx/>
+                        <a:buSzTx/>
+                        <a:buFontTx/>
+                        <a:buNone/>
+                        <a:tabLst/>
+                        <a:defRPr/>
+                      </a:pPr>
+                      <a:r>
+                        <a:rPr lang="en-US" sz="1400" b="0" u="none" dirty="0">
+                          <a:solidFill>
+                            <a:schemeClr val="tx1"/>
+                          </a:solidFill>
+                          <a:effectLst/>
+                          <a:latin typeface="Times New Roman" panose="02020603050405020304" pitchFamily="18" charset="0"/>
+                          <a:cs typeface="Times New Roman" panose="02020603050405020304" pitchFamily="18" charset="0"/>
+                        </a:rPr>
+                        <a:t>0.1900</a:t>
+                      </a:r>
+                    </a:p>
+                  </a:txBody>
+                  <a:tcPr marL="63500" marR="63500" marT="63500" marB="63500" anchor="ctr"/>
+                </a:tc>
+                <a:tc>
+                  <a:txBody>
+                    <a:bodyPr/>
+                    <a:lstStyle/>
+                    <a:p>
+                      <a:pPr algn="ctr" rtl="0" fontAlgn="ctr">
+                        <a:spcBef>
+                          <a:spcPts val="0"/>
+                        </a:spcBef>
+                        <a:spcAft>
+                          <a:spcPts val="0"/>
+                        </a:spcAft>
+                      </a:pPr>
+                      <a:r>
+                        <a:rPr lang="en-US" sz="1400" b="0" u="none" dirty="0">
+                          <a:solidFill>
+                            <a:schemeClr val="tx1"/>
+                          </a:solidFill>
+                          <a:effectLst/>
+                          <a:latin typeface="Times New Roman" panose="02020603050405020304" pitchFamily="18" charset="0"/>
+                          <a:cs typeface="Times New Roman" panose="02020603050405020304" pitchFamily="18" charset="0"/>
+                        </a:rPr>
+                        <a:t>0.4000</a:t>
+                      </a:r>
+                    </a:p>
+                  </a:txBody>
+                  <a:tcPr marL="63500" marR="63500" marT="63500" marB="63500" anchor="ctr"/>
+                </a:tc>
+                <a:tc>
+                  <a:txBody>
+                    <a:bodyPr/>
+                    <a:lstStyle/>
+                    <a:p>
+                      <a:pPr algn="ctr" rtl="0" fontAlgn="ctr">
+                        <a:spcBef>
+                          <a:spcPts val="0"/>
+                        </a:spcBef>
+                        <a:spcAft>
+                          <a:spcPts val="0"/>
+                        </a:spcAft>
+                      </a:pPr>
+                      <a:r>
+                        <a:rPr lang="en-US" sz="1400" b="0" u="none" dirty="0">
+                          <a:solidFill>
+                            <a:schemeClr val="tx1"/>
+                          </a:solidFill>
+                          <a:effectLst/>
+                          <a:latin typeface="Times New Roman" panose="02020603050405020304" pitchFamily="18" charset="0"/>
+                          <a:cs typeface="Times New Roman" panose="02020603050405020304" pitchFamily="18" charset="0"/>
+                        </a:rPr>
+                        <a:t>0.5700</a:t>
+                      </a:r>
+                    </a:p>
+                  </a:txBody>
+                  <a:tcPr marL="63500" marR="63500" marT="63500" marB="63500" anchor="ctr"/>
+                </a:tc>
+                <a:tc>
+                  <a:txBody>
+                    <a:bodyPr/>
+                    <a:lstStyle/>
+                    <a:p>
+                      <a:pPr algn="ctr" rtl="0" fontAlgn="ctr">
+                        <a:spcBef>
+                          <a:spcPts val="0"/>
+                        </a:spcBef>
+                        <a:spcAft>
+                          <a:spcPts val="0"/>
+                        </a:spcAft>
+                      </a:pPr>
+                      <a:endParaRPr lang="en-US" sz="1400" b="0" u="none" dirty="0">
+                        <a:solidFill>
+                          <a:schemeClr val="tx1"/>
+                        </a:solidFill>
+                        <a:effectLst/>
+                        <a:latin typeface="Times New Roman" panose="02020603050405020304" pitchFamily="18" charset="0"/>
+                        <a:cs typeface="Times New Roman" panose="02020603050405020304" pitchFamily="18" charset="0"/>
+                      </a:endParaRPr>
+                    </a:p>
+                  </a:txBody>
+                  <a:tcPr marL="63500" marR="63500" marT="63500" marB="63500" anchor="ctr"/>
+                </a:tc>
+                <a:tc>
+                  <a:txBody>
+                    <a:bodyPr/>
+                    <a:lstStyle/>
+                    <a:p>
+                      <a:pPr algn="ctr" rtl="0" fontAlgn="ctr">
+                        <a:spcBef>
+                          <a:spcPts val="0"/>
+                        </a:spcBef>
+                        <a:spcAft>
+                          <a:spcPts val="0"/>
+                        </a:spcAft>
+                      </a:pPr>
+                      <a:endParaRPr lang="en-US" sz="1400" b="0" u="none" dirty="0">
+                        <a:solidFill>
+                          <a:schemeClr val="tx1"/>
+                        </a:solidFill>
+                        <a:effectLst/>
+                        <a:latin typeface="Times New Roman" panose="02020603050405020304" pitchFamily="18" charset="0"/>
+                        <a:cs typeface="Times New Roman" panose="02020603050405020304" pitchFamily="18" charset="0"/>
+                      </a:endParaRPr>
+                    </a:p>
+                  </a:txBody>
+                  <a:tcPr marL="63500" marR="63500" marT="63500" marB="63500" anchor="ctr"/>
+                </a:tc>
+                <a:tc>
+                  <a:txBody>
+                    <a:bodyPr/>
+                    <a:lstStyle/>
+                    <a:p>
+                      <a:pPr algn="ctr" rtl="0" fontAlgn="ctr">
+                        <a:spcBef>
+                          <a:spcPts val="0"/>
+                        </a:spcBef>
+                        <a:spcAft>
+                          <a:spcPts val="0"/>
+                        </a:spcAft>
+                      </a:pPr>
+                      <a:endParaRPr lang="en-US" sz="1400" b="0" u="none" dirty="0">
+                        <a:solidFill>
+                          <a:schemeClr val="tx1"/>
+                        </a:solidFill>
+                        <a:effectLst/>
+                        <a:latin typeface="Times New Roman" panose="02020603050405020304" pitchFamily="18" charset="0"/>
+                        <a:cs typeface="Times New Roman" panose="02020603050405020304" pitchFamily="18" charset="0"/>
+                      </a:endParaRPr>
+                    </a:p>
+                  </a:txBody>
+                  <a:tcPr marL="63500" marR="63500" marT="63500" marB="63500" anchor="ctr"/>
+                </a:tc>
+                <a:tc>
+                  <a:txBody>
+                    <a:bodyPr/>
+                    <a:lstStyle/>
+                    <a:p>
+                      <a:pPr algn="ctr" rtl="0" fontAlgn="ctr">
+                        <a:spcBef>
+                          <a:spcPts val="0"/>
+                        </a:spcBef>
+                        <a:spcAft>
+                          <a:spcPts val="0"/>
+                        </a:spcAft>
+                      </a:pPr>
+                      <a:endParaRPr lang="en-US" sz="1400" b="0" u="none" dirty="0">
+                        <a:solidFill>
+                          <a:schemeClr val="tx1"/>
+                        </a:solidFill>
+                        <a:effectLst/>
+                        <a:latin typeface="Times New Roman" panose="02020603050405020304" pitchFamily="18" charset="0"/>
+                        <a:cs typeface="Times New Roman" panose="02020603050405020304" pitchFamily="18" charset="0"/>
+                      </a:endParaRPr>
+                    </a:p>
+                  </a:txBody>
+                  <a:tcPr marL="63500" marR="63500" marT="63500" marB="63500" anchor="ctr"/>
+                </a:tc>
+                <a:extLst>
+                  <a:ext uri="{0D108BD9-81ED-4DB2-BD59-A6C34878D82A}">
+                    <a16:rowId xmlns:a16="http://schemas.microsoft.com/office/drawing/2014/main" val="892219342"/>
+                  </a:ext>
+                </a:extLst>
+              </a:tr>
+              <a:tr h="293915">
+                <a:tc>
+                  <a:txBody>
+                    <a:bodyPr/>
+                    <a:lstStyle/>
+                    <a:p>
+                      <a:pPr algn="ctr" rtl="0" fontAlgn="t">
+                        <a:spcBef>
+                          <a:spcPts val="0"/>
+                        </a:spcBef>
+                        <a:spcAft>
+                          <a:spcPts val="0"/>
+                        </a:spcAft>
+                      </a:pPr>
+                      <a:r>
+                        <a:rPr lang="en-US" sz="1400" b="0" i="0" u="none" dirty="0">
+                          <a:solidFill>
+                            <a:schemeClr val="tx1"/>
+                          </a:solidFill>
+                          <a:effectLst/>
+                          <a:latin typeface="Times New Roman" panose="02020603050405020304" pitchFamily="18" charset="0"/>
+                          <a:cs typeface="Times New Roman" panose="02020603050405020304" pitchFamily="18" charset="0"/>
+                        </a:rPr>
+                        <a:t>3</a:t>
+                      </a:r>
+                    </a:p>
+                  </a:txBody>
+                  <a:tcPr marL="63500" marR="63500" marT="63500" marB="63500" anchor="ctr"/>
+                </a:tc>
+                <a:tc>
+                  <a:txBody>
+                    <a:bodyPr/>
+                    <a:lstStyle/>
+                    <a:p>
+                      <a:pPr algn="ctr" rtl="0" fontAlgn="ctr">
+                        <a:spcBef>
+                          <a:spcPts val="0"/>
+                        </a:spcBef>
+                        <a:spcAft>
+                          <a:spcPts val="0"/>
+                        </a:spcAft>
+                      </a:pPr>
+                      <a:r>
+                        <a:rPr lang="en-US" sz="1400" b="0" u="none" dirty="0">
+                          <a:solidFill>
+                            <a:schemeClr val="tx1"/>
+                          </a:solidFill>
+                          <a:effectLst/>
+                          <a:latin typeface="Times New Roman" panose="02020603050405020304" pitchFamily="18" charset="0"/>
+                          <a:cs typeface="Times New Roman" panose="02020603050405020304" pitchFamily="18" charset="0"/>
+                        </a:rPr>
+                        <a:t>0.3432</a:t>
+                      </a:r>
+                    </a:p>
+                  </a:txBody>
+                  <a:tcPr marL="63500" marR="63500" marT="63500" marB="63500" anchor="ctr"/>
+                </a:tc>
+                <a:tc>
+                  <a:txBody>
+                    <a:bodyPr/>
+                    <a:lstStyle/>
+                    <a:p>
+                      <a:pPr algn="ctr" rtl="0" fontAlgn="ctr">
+                        <a:spcBef>
+                          <a:spcPts val="0"/>
+                        </a:spcBef>
+                        <a:spcAft>
+                          <a:spcPts val="0"/>
+                        </a:spcAft>
+                      </a:pPr>
+                      <a:r>
+                        <a:rPr lang="en-US" sz="1400" b="0" u="none" dirty="0">
+                          <a:solidFill>
+                            <a:schemeClr val="tx1"/>
+                          </a:solidFill>
+                          <a:effectLst/>
+                          <a:latin typeface="Times New Roman" panose="02020603050405020304" pitchFamily="18" charset="0"/>
+                          <a:cs typeface="Times New Roman" panose="02020603050405020304" pitchFamily="18" charset="0"/>
+                        </a:rPr>
+                        <a:t>0.2200</a:t>
+                      </a:r>
+                    </a:p>
+                  </a:txBody>
+                  <a:tcPr marL="63500" marR="63500" marT="63500" marB="63500" anchor="ctr"/>
+                </a:tc>
+                <a:tc>
+                  <a:txBody>
+                    <a:bodyPr/>
+                    <a:lstStyle/>
+                    <a:p>
+                      <a:pPr algn="ctr" rtl="0" fontAlgn="ctr">
+                        <a:spcBef>
+                          <a:spcPts val="0"/>
+                        </a:spcBef>
+                        <a:spcAft>
+                          <a:spcPts val="0"/>
+                        </a:spcAft>
+                      </a:pPr>
+                      <a:r>
+                        <a:rPr lang="en-US" sz="1400" b="0" u="none" dirty="0">
+                          <a:solidFill>
+                            <a:schemeClr val="tx1"/>
+                          </a:solidFill>
+                          <a:effectLst/>
+                          <a:latin typeface="Times New Roman" panose="02020603050405020304" pitchFamily="18" charset="0"/>
+                          <a:cs typeface="Times New Roman" panose="02020603050405020304" pitchFamily="18" charset="0"/>
+                        </a:rPr>
+                        <a:t>0.4300</a:t>
+                      </a:r>
+                    </a:p>
+                  </a:txBody>
+                  <a:tcPr marL="63500" marR="63500" marT="63500" marB="63500" anchor="ctr"/>
+                </a:tc>
+                <a:tc>
+                  <a:txBody>
+                    <a:bodyPr/>
+                    <a:lstStyle/>
+                    <a:p>
+                      <a:pPr algn="ctr" rtl="0" fontAlgn="ctr">
+                        <a:spcBef>
+                          <a:spcPts val="0"/>
+                        </a:spcBef>
+                        <a:spcAft>
+                          <a:spcPts val="0"/>
+                        </a:spcAft>
+                      </a:pPr>
+                      <a:r>
+                        <a:rPr lang="en-US" sz="1400" b="0" u="none" dirty="0">
+                          <a:solidFill>
+                            <a:schemeClr val="tx1"/>
+                          </a:solidFill>
+                          <a:effectLst/>
+                          <a:latin typeface="Times New Roman" panose="02020603050405020304" pitchFamily="18" charset="0"/>
+                          <a:cs typeface="Times New Roman" panose="02020603050405020304" pitchFamily="18" charset="0"/>
+                        </a:rPr>
+                        <a:t>0.5700</a:t>
+                      </a:r>
+                    </a:p>
+                  </a:txBody>
+                  <a:tcPr marL="63500" marR="63500" marT="63500" marB="63500" anchor="ctr"/>
+                </a:tc>
+                <a:tc>
+                  <a:txBody>
+                    <a:bodyPr/>
+                    <a:lstStyle/>
+                    <a:p>
+                      <a:pPr algn="ctr" rtl="0" fontAlgn="ctr">
+                        <a:spcBef>
+                          <a:spcPts val="0"/>
+                        </a:spcBef>
+                        <a:spcAft>
+                          <a:spcPts val="0"/>
+                        </a:spcAft>
+                      </a:pPr>
+                      <a:endParaRPr lang="en-US" sz="1400" b="0" u="none" dirty="0">
+                        <a:solidFill>
+                          <a:schemeClr val="tx1"/>
+                        </a:solidFill>
+                        <a:effectLst/>
+                        <a:latin typeface="Times New Roman" panose="02020603050405020304" pitchFamily="18" charset="0"/>
+                        <a:cs typeface="Times New Roman" panose="02020603050405020304" pitchFamily="18" charset="0"/>
+                      </a:endParaRPr>
+                    </a:p>
+                  </a:txBody>
+                  <a:tcPr marL="63500" marR="63500" marT="63500" marB="63500" anchor="ctr"/>
+                </a:tc>
+                <a:tc>
+                  <a:txBody>
+                    <a:bodyPr/>
+                    <a:lstStyle/>
+                    <a:p>
+                      <a:pPr algn="ctr" rtl="0" fontAlgn="ctr">
+                        <a:spcBef>
+                          <a:spcPts val="0"/>
+                        </a:spcBef>
+                        <a:spcAft>
+                          <a:spcPts val="0"/>
+                        </a:spcAft>
+                      </a:pPr>
+                      <a:endParaRPr lang="en-US" sz="1400" b="0" u="none" dirty="0">
+                        <a:solidFill>
+                          <a:schemeClr val="tx1"/>
+                        </a:solidFill>
+                        <a:effectLst/>
+                        <a:latin typeface="Times New Roman" panose="02020603050405020304" pitchFamily="18" charset="0"/>
+                        <a:cs typeface="Times New Roman" panose="02020603050405020304" pitchFamily="18" charset="0"/>
+                      </a:endParaRPr>
+                    </a:p>
+                  </a:txBody>
+                  <a:tcPr marL="63500" marR="63500" marT="63500" marB="63500" anchor="ctr"/>
+                </a:tc>
+                <a:tc>
+                  <a:txBody>
+                    <a:bodyPr/>
+                    <a:lstStyle/>
+                    <a:p>
+                      <a:pPr algn="ctr" rtl="0" fontAlgn="ctr">
+                        <a:spcBef>
+                          <a:spcPts val="0"/>
+                        </a:spcBef>
+                        <a:spcAft>
+                          <a:spcPts val="0"/>
+                        </a:spcAft>
+                      </a:pPr>
+                      <a:endParaRPr lang="en-US" sz="1400" b="0" u="none" dirty="0">
+                        <a:solidFill>
+                          <a:schemeClr val="tx1"/>
+                        </a:solidFill>
+                        <a:effectLst/>
+                        <a:latin typeface="Times New Roman" panose="02020603050405020304" pitchFamily="18" charset="0"/>
+                        <a:cs typeface="Times New Roman" panose="02020603050405020304" pitchFamily="18" charset="0"/>
+                      </a:endParaRPr>
+                    </a:p>
+                  </a:txBody>
+                  <a:tcPr marL="63500" marR="63500" marT="63500" marB="63500" anchor="ctr"/>
+                </a:tc>
+                <a:tc>
+                  <a:txBody>
+                    <a:bodyPr/>
+                    <a:lstStyle/>
+                    <a:p>
+                      <a:pPr algn="ctr" rtl="0" fontAlgn="ctr">
+                        <a:spcBef>
+                          <a:spcPts val="0"/>
+                        </a:spcBef>
+                        <a:spcAft>
+                          <a:spcPts val="0"/>
+                        </a:spcAft>
+                      </a:pPr>
+                      <a:endParaRPr lang="en-US" sz="1400" b="0" u="none" dirty="0">
+                        <a:solidFill>
+                          <a:schemeClr val="tx1"/>
+                        </a:solidFill>
+                        <a:effectLst/>
+                        <a:latin typeface="Times New Roman" panose="02020603050405020304" pitchFamily="18" charset="0"/>
+                        <a:cs typeface="Times New Roman" panose="02020603050405020304" pitchFamily="18" charset="0"/>
+                      </a:endParaRPr>
+                    </a:p>
+                  </a:txBody>
+                  <a:tcPr marL="63500" marR="63500" marT="63500" marB="63500" anchor="ctr"/>
+                </a:tc>
+                <a:extLst>
+                  <a:ext uri="{0D108BD9-81ED-4DB2-BD59-A6C34878D82A}">
+                    <a16:rowId xmlns:a16="http://schemas.microsoft.com/office/drawing/2014/main" val="3807958631"/>
+                  </a:ext>
+                </a:extLst>
+              </a:tr>
+              <a:tr h="273595">
+                <a:tc>
+                  <a:txBody>
+                    <a:bodyPr/>
+                    <a:lstStyle/>
+                    <a:p>
+                      <a:pPr algn="ctr" rtl="0" fontAlgn="t">
+                        <a:spcBef>
+                          <a:spcPts val="0"/>
+                        </a:spcBef>
+                        <a:spcAft>
+                          <a:spcPts val="0"/>
+                        </a:spcAft>
+                      </a:pPr>
+                      <a:r>
+                        <a:rPr lang="en-US" sz="1400" b="0" i="0" u="none" dirty="0">
+                          <a:solidFill>
+                            <a:schemeClr val="tx1"/>
+                          </a:solidFill>
+                          <a:effectLst/>
+                          <a:latin typeface="Times New Roman" panose="02020603050405020304" pitchFamily="18" charset="0"/>
+                          <a:cs typeface="Times New Roman" panose="02020603050405020304" pitchFamily="18" charset="0"/>
+                        </a:rPr>
+                        <a:t>4</a:t>
+                      </a:r>
+                    </a:p>
+                  </a:txBody>
+                  <a:tcPr marL="63500" marR="63500" marT="63500" marB="63500" anchor="ctr"/>
+                </a:tc>
+                <a:tc>
+                  <a:txBody>
+                    <a:bodyPr/>
+                    <a:lstStyle/>
+                    <a:p>
+                      <a:pPr algn="ctr" rtl="0" fontAlgn="ctr">
+                        <a:spcBef>
+                          <a:spcPts val="0"/>
+                        </a:spcBef>
+                        <a:spcAft>
+                          <a:spcPts val="0"/>
+                        </a:spcAft>
+                      </a:pPr>
+                      <a:endParaRPr lang="en-US" sz="1400" b="0" u="none" dirty="0">
+                        <a:solidFill>
+                          <a:schemeClr val="tx1"/>
+                        </a:solidFill>
+                        <a:effectLst/>
+                        <a:latin typeface="Times New Roman" panose="02020603050405020304" pitchFamily="18" charset="0"/>
+                        <a:cs typeface="Times New Roman" panose="02020603050405020304" pitchFamily="18" charset="0"/>
+                      </a:endParaRPr>
+                    </a:p>
+                  </a:txBody>
+                  <a:tcPr marL="63500" marR="63500" marT="63500" marB="63500" anchor="ctr"/>
+                </a:tc>
+                <a:tc>
+                  <a:txBody>
+                    <a:bodyPr/>
+                    <a:lstStyle/>
+                    <a:p>
+                      <a:pPr algn="ctr" rtl="0" fontAlgn="ctr">
+                        <a:spcBef>
+                          <a:spcPts val="0"/>
+                        </a:spcBef>
+                        <a:spcAft>
+                          <a:spcPts val="0"/>
+                        </a:spcAft>
+                      </a:pPr>
+                      <a:endParaRPr lang="en-US" sz="1400" b="1" u="none" dirty="0">
+                        <a:solidFill>
+                          <a:schemeClr val="tx1"/>
+                        </a:solidFill>
+                        <a:effectLst/>
+                        <a:latin typeface="Times New Roman" panose="02020603050405020304" pitchFamily="18" charset="0"/>
+                        <a:cs typeface="Times New Roman" panose="02020603050405020304" pitchFamily="18" charset="0"/>
+                      </a:endParaRPr>
+                    </a:p>
+                  </a:txBody>
+                  <a:tcPr marL="63500" marR="63500" marT="63500" marB="63500" anchor="ctr"/>
+                </a:tc>
+                <a:tc>
+                  <a:txBody>
+                    <a:bodyPr/>
+                    <a:lstStyle/>
+                    <a:p>
+                      <a:pPr algn="ctr" rtl="0" fontAlgn="ctr">
+                        <a:spcBef>
+                          <a:spcPts val="0"/>
+                        </a:spcBef>
+                        <a:spcAft>
+                          <a:spcPts val="0"/>
+                        </a:spcAft>
+                      </a:pPr>
+                      <a:endParaRPr lang="en-US" sz="1400" b="0" u="none" dirty="0">
+                        <a:solidFill>
+                          <a:schemeClr val="tx1"/>
+                        </a:solidFill>
+                        <a:effectLst/>
+                        <a:latin typeface="Times New Roman" panose="02020603050405020304" pitchFamily="18" charset="0"/>
+                        <a:cs typeface="Times New Roman" panose="02020603050405020304" pitchFamily="18" charset="0"/>
+                      </a:endParaRPr>
+                    </a:p>
+                  </a:txBody>
+                  <a:tcPr marL="63500" marR="63500" marT="63500" marB="63500" anchor="ctr"/>
+                </a:tc>
+                <a:tc>
+                  <a:txBody>
+                    <a:bodyPr/>
+                    <a:lstStyle/>
+                    <a:p>
+                      <a:pPr algn="ctr" rtl="0" fontAlgn="ctr">
+                        <a:spcBef>
+                          <a:spcPts val="0"/>
+                        </a:spcBef>
+                        <a:spcAft>
+                          <a:spcPts val="0"/>
+                        </a:spcAft>
+                      </a:pPr>
+                      <a:endParaRPr lang="en-US" sz="1400" b="0" u="none" dirty="0">
+                        <a:solidFill>
+                          <a:schemeClr val="tx1"/>
+                        </a:solidFill>
+                        <a:effectLst/>
+                        <a:latin typeface="Times New Roman" panose="02020603050405020304" pitchFamily="18" charset="0"/>
+                        <a:cs typeface="Times New Roman" panose="02020603050405020304" pitchFamily="18" charset="0"/>
+                      </a:endParaRPr>
+                    </a:p>
+                  </a:txBody>
+                  <a:tcPr marL="63500" marR="63500" marT="63500" marB="63500" anchor="ctr"/>
+                </a:tc>
+                <a:tc>
+                  <a:txBody>
+                    <a:bodyPr/>
+                    <a:lstStyle/>
+                    <a:p>
+                      <a:pPr algn="ctr" rtl="0" fontAlgn="ctr">
+                        <a:spcBef>
+                          <a:spcPts val="0"/>
+                        </a:spcBef>
+                        <a:spcAft>
+                          <a:spcPts val="0"/>
+                        </a:spcAft>
+                      </a:pPr>
+                      <a:endParaRPr lang="en-US" sz="1400" b="0" u="none" dirty="0">
+                        <a:solidFill>
+                          <a:schemeClr val="tx1"/>
+                        </a:solidFill>
+                        <a:effectLst/>
+                        <a:latin typeface="Times New Roman" panose="02020603050405020304" pitchFamily="18" charset="0"/>
+                        <a:cs typeface="Times New Roman" panose="02020603050405020304" pitchFamily="18" charset="0"/>
+                      </a:endParaRPr>
+                    </a:p>
+                  </a:txBody>
+                  <a:tcPr marL="63500" marR="63500" marT="63500" marB="63500" anchor="ctr"/>
+                </a:tc>
+                <a:tc>
+                  <a:txBody>
+                    <a:bodyPr/>
+                    <a:lstStyle/>
+                    <a:p>
+                      <a:pPr algn="ctr" rtl="0" fontAlgn="ctr">
+                        <a:spcBef>
+                          <a:spcPts val="0"/>
+                        </a:spcBef>
+                        <a:spcAft>
+                          <a:spcPts val="0"/>
+                        </a:spcAft>
+                      </a:pPr>
+                      <a:endParaRPr lang="en-US" sz="1400" b="0" u="none" dirty="0">
+                        <a:solidFill>
+                          <a:schemeClr val="tx1"/>
+                        </a:solidFill>
+                        <a:effectLst/>
+                        <a:latin typeface="Times New Roman" panose="02020603050405020304" pitchFamily="18" charset="0"/>
+                        <a:cs typeface="Times New Roman" panose="02020603050405020304" pitchFamily="18" charset="0"/>
+                      </a:endParaRPr>
+                    </a:p>
+                  </a:txBody>
+                  <a:tcPr marL="63500" marR="63500" marT="63500" marB="63500" anchor="ctr"/>
+                </a:tc>
+                <a:tc>
+                  <a:txBody>
+                    <a:bodyPr/>
+                    <a:lstStyle/>
+                    <a:p>
+                      <a:pPr algn="ctr" rtl="0" fontAlgn="ctr">
+                        <a:spcBef>
+                          <a:spcPts val="0"/>
+                        </a:spcBef>
+                        <a:spcAft>
+                          <a:spcPts val="0"/>
+                        </a:spcAft>
+                      </a:pPr>
+                      <a:endParaRPr lang="en-US" sz="1400" b="0" u="none" dirty="0">
+                        <a:solidFill>
+                          <a:schemeClr val="tx1"/>
+                        </a:solidFill>
+                        <a:effectLst/>
+                        <a:latin typeface="Times New Roman" panose="02020603050405020304" pitchFamily="18" charset="0"/>
+                        <a:cs typeface="Times New Roman" panose="02020603050405020304" pitchFamily="18" charset="0"/>
+                      </a:endParaRPr>
+                    </a:p>
+                  </a:txBody>
+                  <a:tcPr marL="63500" marR="63500" marT="63500" marB="63500" anchor="ctr"/>
+                </a:tc>
+                <a:tc>
+                  <a:txBody>
+                    <a:bodyPr/>
+                    <a:lstStyle/>
+                    <a:p>
+                      <a:pPr algn="ctr" rtl="0" fontAlgn="ctr">
+                        <a:spcBef>
+                          <a:spcPts val="0"/>
+                        </a:spcBef>
+                        <a:spcAft>
+                          <a:spcPts val="0"/>
+                        </a:spcAft>
+                      </a:pPr>
+                      <a:endParaRPr lang="en-US" sz="1400" b="0" u="none" dirty="0">
+                        <a:solidFill>
+                          <a:schemeClr val="tx1"/>
+                        </a:solidFill>
+                        <a:effectLst/>
+                        <a:latin typeface="Times New Roman" panose="02020603050405020304" pitchFamily="18" charset="0"/>
+                        <a:cs typeface="Times New Roman" panose="02020603050405020304" pitchFamily="18" charset="0"/>
+                      </a:endParaRPr>
+                    </a:p>
+                  </a:txBody>
+                  <a:tcPr marL="63500" marR="63500" marT="63500" marB="63500" anchor="ctr"/>
+                </a:tc>
+                <a:extLst>
+                  <a:ext uri="{0D108BD9-81ED-4DB2-BD59-A6C34878D82A}">
+                    <a16:rowId xmlns:a16="http://schemas.microsoft.com/office/drawing/2014/main" val="613799765"/>
+                  </a:ext>
+                </a:extLst>
+              </a:tr>
+              <a:tr h="0">
+                <a:tc>
+                  <a:txBody>
+                    <a:bodyPr/>
+                    <a:lstStyle/>
+                    <a:p>
+                      <a:pPr algn="ctr" rtl="0" fontAlgn="t">
+                        <a:spcBef>
+                          <a:spcPts val="0"/>
+                        </a:spcBef>
+                        <a:spcAft>
+                          <a:spcPts val="0"/>
+                        </a:spcAft>
+                      </a:pPr>
+                      <a:r>
+                        <a:rPr lang="en-US" sz="1400" b="0" i="0" u="none" dirty="0">
+                          <a:solidFill>
+                            <a:schemeClr val="tx1"/>
+                          </a:solidFill>
+                          <a:effectLst/>
+                          <a:latin typeface="Times New Roman" panose="02020603050405020304" pitchFamily="18" charset="0"/>
+                          <a:cs typeface="Times New Roman" panose="02020603050405020304" pitchFamily="18" charset="0"/>
+                        </a:rPr>
+                        <a:t>5</a:t>
+                      </a:r>
+                    </a:p>
+                  </a:txBody>
+                  <a:tcPr marL="63500" marR="63500" marT="63500" marB="63500" anchor="ctr"/>
+                </a:tc>
+                <a:tc>
+                  <a:txBody>
+                    <a:bodyPr/>
+                    <a:lstStyle/>
+                    <a:p>
+                      <a:pPr algn="ctr" rtl="0" fontAlgn="ctr">
+                        <a:spcBef>
+                          <a:spcPts val="0"/>
+                        </a:spcBef>
+                        <a:spcAft>
+                          <a:spcPts val="0"/>
+                        </a:spcAft>
+                      </a:pPr>
+                      <a:endParaRPr lang="en-US" sz="1400" b="0" u="none" dirty="0">
+                        <a:solidFill>
+                          <a:schemeClr val="tx1"/>
+                        </a:solidFill>
+                        <a:effectLst/>
+                        <a:latin typeface="Times New Roman" panose="02020603050405020304" pitchFamily="18" charset="0"/>
+                        <a:cs typeface="Times New Roman" panose="02020603050405020304" pitchFamily="18" charset="0"/>
+                      </a:endParaRPr>
+                    </a:p>
+                  </a:txBody>
+                  <a:tcPr marL="63500" marR="63500" marT="63500" marB="63500" anchor="ctr"/>
+                </a:tc>
+                <a:tc>
+                  <a:txBody>
+                    <a:bodyPr/>
+                    <a:lstStyle/>
+                    <a:p>
+                      <a:pPr algn="ctr" rtl="0" fontAlgn="ctr">
+                        <a:spcBef>
+                          <a:spcPts val="0"/>
+                        </a:spcBef>
+                        <a:spcAft>
+                          <a:spcPts val="0"/>
+                        </a:spcAft>
+                      </a:pPr>
+                      <a:endParaRPr lang="en-US" sz="1400" b="1" u="none" dirty="0">
+                        <a:solidFill>
+                          <a:schemeClr val="tx1"/>
+                        </a:solidFill>
+                        <a:effectLst/>
+                        <a:latin typeface="Times New Roman" panose="02020603050405020304" pitchFamily="18" charset="0"/>
+                        <a:cs typeface="Times New Roman" panose="02020603050405020304" pitchFamily="18" charset="0"/>
+                      </a:endParaRPr>
+                    </a:p>
+                  </a:txBody>
+                  <a:tcPr marL="63500" marR="63500" marT="63500" marB="63500" anchor="ctr"/>
+                </a:tc>
+                <a:tc>
+                  <a:txBody>
+                    <a:bodyPr/>
+                    <a:lstStyle/>
+                    <a:p>
+                      <a:pPr algn="ctr" rtl="0" fontAlgn="ctr">
+                        <a:spcBef>
+                          <a:spcPts val="0"/>
+                        </a:spcBef>
+                        <a:spcAft>
+                          <a:spcPts val="0"/>
+                        </a:spcAft>
+                      </a:pPr>
+                      <a:endParaRPr lang="en-US" sz="1400" b="0" u="none" dirty="0">
+                        <a:solidFill>
+                          <a:schemeClr val="tx1"/>
+                        </a:solidFill>
+                        <a:effectLst/>
+                        <a:latin typeface="Times New Roman" panose="02020603050405020304" pitchFamily="18" charset="0"/>
+                        <a:cs typeface="Times New Roman" panose="02020603050405020304" pitchFamily="18" charset="0"/>
+                      </a:endParaRPr>
+                    </a:p>
+                  </a:txBody>
+                  <a:tcPr marL="63500" marR="63500" marT="63500" marB="63500" anchor="ctr"/>
+                </a:tc>
+                <a:tc>
+                  <a:txBody>
+                    <a:bodyPr/>
+                    <a:lstStyle/>
+                    <a:p>
+                      <a:pPr algn="ctr" rtl="0" fontAlgn="ctr">
+                        <a:spcBef>
+                          <a:spcPts val="0"/>
+                        </a:spcBef>
+                        <a:spcAft>
+                          <a:spcPts val="0"/>
+                        </a:spcAft>
+                      </a:pPr>
+                      <a:endParaRPr lang="en-US" sz="1400" b="0" u="none" dirty="0">
+                        <a:solidFill>
+                          <a:schemeClr val="tx1"/>
+                        </a:solidFill>
+                        <a:effectLst/>
+                        <a:latin typeface="Times New Roman" panose="02020603050405020304" pitchFamily="18" charset="0"/>
+                        <a:cs typeface="Times New Roman" panose="02020603050405020304" pitchFamily="18" charset="0"/>
+                      </a:endParaRPr>
+                    </a:p>
+                  </a:txBody>
+                  <a:tcPr marL="63500" marR="63500" marT="63500" marB="63500" anchor="ctr"/>
+                </a:tc>
+                <a:tc>
+                  <a:txBody>
+                    <a:bodyPr/>
+                    <a:lstStyle/>
+                    <a:p>
+                      <a:pPr algn="ctr" rtl="0" fontAlgn="ctr">
+                        <a:spcBef>
+                          <a:spcPts val="0"/>
+                        </a:spcBef>
+                        <a:spcAft>
+                          <a:spcPts val="0"/>
+                        </a:spcAft>
+                      </a:pPr>
+                      <a:endParaRPr lang="en-US" sz="1400" b="0" u="none" dirty="0">
+                        <a:solidFill>
+                          <a:schemeClr val="tx1"/>
+                        </a:solidFill>
+                        <a:effectLst/>
+                        <a:latin typeface="Times New Roman" panose="02020603050405020304" pitchFamily="18" charset="0"/>
+                        <a:cs typeface="Times New Roman" panose="02020603050405020304" pitchFamily="18" charset="0"/>
+                      </a:endParaRPr>
+                    </a:p>
+                  </a:txBody>
+                  <a:tcPr marL="63500" marR="63500" marT="63500" marB="63500" anchor="ctr"/>
+                </a:tc>
+                <a:tc>
+                  <a:txBody>
+                    <a:bodyPr/>
+                    <a:lstStyle/>
+                    <a:p>
+                      <a:pPr algn="ctr" rtl="0" fontAlgn="ctr">
+                        <a:spcBef>
+                          <a:spcPts val="0"/>
+                        </a:spcBef>
+                        <a:spcAft>
+                          <a:spcPts val="0"/>
+                        </a:spcAft>
+                      </a:pPr>
+                      <a:endParaRPr lang="en-US" sz="1400" b="0" u="none" dirty="0">
+                        <a:solidFill>
+                          <a:schemeClr val="tx1"/>
+                        </a:solidFill>
+                        <a:effectLst/>
+                        <a:latin typeface="Times New Roman" panose="02020603050405020304" pitchFamily="18" charset="0"/>
+                        <a:cs typeface="Times New Roman" panose="02020603050405020304" pitchFamily="18" charset="0"/>
+                      </a:endParaRPr>
+                    </a:p>
+                  </a:txBody>
+                  <a:tcPr marL="63500" marR="63500" marT="63500" marB="63500" anchor="ctr"/>
+                </a:tc>
+                <a:tc>
+                  <a:txBody>
+                    <a:bodyPr/>
+                    <a:lstStyle/>
+                    <a:p>
+                      <a:pPr algn="ctr" rtl="0" fontAlgn="ctr">
+                        <a:spcBef>
+                          <a:spcPts val="0"/>
+                        </a:spcBef>
+                        <a:spcAft>
+                          <a:spcPts val="0"/>
+                        </a:spcAft>
+                      </a:pPr>
+                      <a:endParaRPr lang="en-US" sz="1400" b="0" u="none" dirty="0">
+                        <a:solidFill>
+                          <a:schemeClr val="tx1"/>
+                        </a:solidFill>
+                        <a:effectLst/>
+                        <a:latin typeface="Times New Roman" panose="02020603050405020304" pitchFamily="18" charset="0"/>
+                        <a:cs typeface="Times New Roman" panose="02020603050405020304" pitchFamily="18" charset="0"/>
+                      </a:endParaRPr>
+                    </a:p>
+                  </a:txBody>
+                  <a:tcPr marL="63500" marR="63500" marT="63500" marB="63500" anchor="ctr"/>
+                </a:tc>
+                <a:tc>
+                  <a:txBody>
+                    <a:bodyPr/>
+                    <a:lstStyle/>
+                    <a:p>
+                      <a:pPr algn="ctr" rtl="0" fontAlgn="ctr">
+                        <a:spcBef>
+                          <a:spcPts val="0"/>
+                        </a:spcBef>
+                        <a:spcAft>
+                          <a:spcPts val="0"/>
+                        </a:spcAft>
+                      </a:pPr>
+                      <a:endParaRPr lang="en-US" sz="1400" b="0" u="none" dirty="0">
+                        <a:solidFill>
+                          <a:schemeClr val="tx1"/>
+                        </a:solidFill>
+                        <a:effectLst/>
+                        <a:latin typeface="Times New Roman" panose="02020603050405020304" pitchFamily="18" charset="0"/>
+                        <a:cs typeface="Times New Roman" panose="02020603050405020304" pitchFamily="18" charset="0"/>
+                      </a:endParaRPr>
+                    </a:p>
+                  </a:txBody>
+                  <a:tcPr marL="63500" marR="63500" marT="63500" marB="63500" anchor="ctr"/>
+                </a:tc>
+                <a:extLst>
+                  <a:ext uri="{0D108BD9-81ED-4DB2-BD59-A6C34878D82A}">
+                    <a16:rowId xmlns:a16="http://schemas.microsoft.com/office/drawing/2014/main" val="2940504507"/>
+                  </a:ext>
+                </a:extLst>
+              </a:tr>
+              <a:tr h="317209">
+                <a:tc>
+                  <a:txBody>
+                    <a:bodyPr/>
+                    <a:lstStyle/>
+                    <a:p>
+                      <a:pPr algn="ctr" rtl="0" fontAlgn="t">
+                        <a:spcBef>
+                          <a:spcPts val="0"/>
+                        </a:spcBef>
+                        <a:spcAft>
+                          <a:spcPts val="0"/>
+                        </a:spcAft>
+                      </a:pPr>
+                      <a:r>
+                        <a:rPr lang="en-US" sz="1400" b="0" i="0" u="none" dirty="0">
+                          <a:solidFill>
+                            <a:schemeClr val="tx1"/>
+                          </a:solidFill>
+                          <a:effectLst/>
+                          <a:latin typeface="Times New Roman" panose="02020603050405020304" pitchFamily="18" charset="0"/>
+                          <a:cs typeface="Times New Roman" panose="02020603050405020304" pitchFamily="18" charset="0"/>
+                        </a:rPr>
+                        <a:t>6</a:t>
+                      </a:r>
+                    </a:p>
+                  </a:txBody>
+                  <a:tcPr marL="63500" marR="63500" marT="63500" marB="63500" anchor="ctr"/>
+                </a:tc>
+                <a:tc>
+                  <a:txBody>
+                    <a:bodyPr/>
+                    <a:lstStyle/>
+                    <a:p>
+                      <a:pPr algn="ctr" rtl="0" fontAlgn="ctr">
+                        <a:spcBef>
+                          <a:spcPts val="0"/>
+                        </a:spcBef>
+                        <a:spcAft>
+                          <a:spcPts val="0"/>
+                        </a:spcAft>
+                      </a:pPr>
+                      <a:endParaRPr lang="en-US" sz="1400" b="0" u="none" dirty="0">
+                        <a:solidFill>
+                          <a:schemeClr val="tx1"/>
+                        </a:solidFill>
+                        <a:effectLst/>
+                        <a:latin typeface="Times New Roman" panose="02020603050405020304" pitchFamily="18" charset="0"/>
+                        <a:cs typeface="Times New Roman" panose="02020603050405020304" pitchFamily="18" charset="0"/>
+                      </a:endParaRPr>
+                    </a:p>
+                  </a:txBody>
+                  <a:tcPr marL="63500" marR="63500" marT="63500" marB="63500" anchor="ctr"/>
+                </a:tc>
+                <a:tc>
+                  <a:txBody>
+                    <a:bodyPr/>
+                    <a:lstStyle/>
+                    <a:p>
+                      <a:pPr algn="ctr" rtl="0" fontAlgn="ctr">
+                        <a:spcBef>
+                          <a:spcPts val="0"/>
+                        </a:spcBef>
+                        <a:spcAft>
+                          <a:spcPts val="0"/>
+                        </a:spcAft>
+                      </a:pPr>
+                      <a:endParaRPr lang="en-US" sz="1400" b="1" u="none" dirty="0">
+                        <a:solidFill>
+                          <a:schemeClr val="tx1"/>
+                        </a:solidFill>
+                        <a:effectLst/>
+                        <a:latin typeface="Times New Roman" panose="02020603050405020304" pitchFamily="18" charset="0"/>
+                        <a:cs typeface="Times New Roman" panose="02020603050405020304" pitchFamily="18" charset="0"/>
+                      </a:endParaRPr>
+                    </a:p>
+                  </a:txBody>
+                  <a:tcPr marL="63500" marR="63500" marT="63500" marB="63500" anchor="ctr"/>
+                </a:tc>
+                <a:tc>
+                  <a:txBody>
+                    <a:bodyPr/>
+                    <a:lstStyle/>
+                    <a:p>
+                      <a:pPr algn="ctr" rtl="0" fontAlgn="ctr">
+                        <a:spcBef>
+                          <a:spcPts val="0"/>
+                        </a:spcBef>
+                        <a:spcAft>
+                          <a:spcPts val="0"/>
+                        </a:spcAft>
+                      </a:pPr>
+                      <a:endParaRPr lang="en-US" sz="1400" b="0" u="none" dirty="0">
+                        <a:solidFill>
+                          <a:schemeClr val="tx1"/>
+                        </a:solidFill>
+                        <a:effectLst/>
+                        <a:latin typeface="Times New Roman" panose="02020603050405020304" pitchFamily="18" charset="0"/>
+                        <a:cs typeface="Times New Roman" panose="02020603050405020304" pitchFamily="18" charset="0"/>
+                      </a:endParaRPr>
+                    </a:p>
+                  </a:txBody>
+                  <a:tcPr marL="63500" marR="63500" marT="63500" marB="63500" anchor="ctr"/>
+                </a:tc>
+                <a:tc>
+                  <a:txBody>
+                    <a:bodyPr/>
+                    <a:lstStyle/>
+                    <a:p>
+                      <a:pPr algn="ctr" rtl="0" fontAlgn="ctr">
+                        <a:spcBef>
+                          <a:spcPts val="0"/>
+                        </a:spcBef>
+                        <a:spcAft>
+                          <a:spcPts val="0"/>
+                        </a:spcAft>
+                      </a:pPr>
+                      <a:endParaRPr lang="en-US" sz="1400" b="0" u="none" dirty="0">
+                        <a:solidFill>
+                          <a:schemeClr val="tx1"/>
+                        </a:solidFill>
+                        <a:effectLst/>
+                        <a:latin typeface="Times New Roman" panose="02020603050405020304" pitchFamily="18" charset="0"/>
+                        <a:cs typeface="Times New Roman" panose="02020603050405020304" pitchFamily="18" charset="0"/>
+                      </a:endParaRPr>
+                    </a:p>
+                  </a:txBody>
+                  <a:tcPr marL="63500" marR="63500" marT="63500" marB="63500" anchor="ctr"/>
+                </a:tc>
+                <a:tc>
+                  <a:txBody>
+                    <a:bodyPr/>
+                    <a:lstStyle/>
+                    <a:p>
+                      <a:pPr algn="ctr" rtl="0" fontAlgn="ctr">
+                        <a:spcBef>
+                          <a:spcPts val="0"/>
+                        </a:spcBef>
+                        <a:spcAft>
+                          <a:spcPts val="0"/>
+                        </a:spcAft>
+                      </a:pPr>
+                      <a:endParaRPr lang="en-US" sz="1400" b="0" u="none" dirty="0">
+                        <a:solidFill>
+                          <a:schemeClr val="tx1"/>
+                        </a:solidFill>
+                        <a:effectLst/>
+                        <a:latin typeface="Times New Roman" panose="02020603050405020304" pitchFamily="18" charset="0"/>
+                        <a:cs typeface="Times New Roman" panose="02020603050405020304" pitchFamily="18" charset="0"/>
+                      </a:endParaRPr>
+                    </a:p>
+                  </a:txBody>
+                  <a:tcPr marL="63500" marR="63500" marT="63500" marB="63500" anchor="ctr"/>
+                </a:tc>
+                <a:tc>
+                  <a:txBody>
+                    <a:bodyPr/>
+                    <a:lstStyle/>
+                    <a:p>
+                      <a:pPr algn="ctr" rtl="0" fontAlgn="ctr">
+                        <a:spcBef>
+                          <a:spcPts val="0"/>
+                        </a:spcBef>
+                        <a:spcAft>
+                          <a:spcPts val="0"/>
+                        </a:spcAft>
+                      </a:pPr>
+                      <a:endParaRPr lang="en-US" sz="1400" b="0" u="none" dirty="0">
+                        <a:solidFill>
+                          <a:schemeClr val="tx1"/>
+                        </a:solidFill>
+                        <a:effectLst/>
+                        <a:latin typeface="Times New Roman" panose="02020603050405020304" pitchFamily="18" charset="0"/>
+                        <a:cs typeface="Times New Roman" panose="02020603050405020304" pitchFamily="18" charset="0"/>
+                      </a:endParaRPr>
+                    </a:p>
+                  </a:txBody>
+                  <a:tcPr marL="63500" marR="63500" marT="63500" marB="63500" anchor="ctr"/>
+                </a:tc>
+                <a:tc>
+                  <a:txBody>
+                    <a:bodyPr/>
+                    <a:lstStyle/>
+                    <a:p>
+                      <a:pPr algn="ctr" rtl="0" fontAlgn="ctr">
+                        <a:spcBef>
+                          <a:spcPts val="0"/>
+                        </a:spcBef>
+                        <a:spcAft>
+                          <a:spcPts val="0"/>
+                        </a:spcAft>
+                      </a:pPr>
+                      <a:endParaRPr lang="en-US" sz="1400" b="0" u="none" dirty="0">
+                        <a:solidFill>
+                          <a:schemeClr val="tx1"/>
+                        </a:solidFill>
+                        <a:effectLst/>
+                        <a:latin typeface="Times New Roman" panose="02020603050405020304" pitchFamily="18" charset="0"/>
+                        <a:cs typeface="Times New Roman" panose="02020603050405020304" pitchFamily="18" charset="0"/>
+                      </a:endParaRPr>
+                    </a:p>
+                  </a:txBody>
+                  <a:tcPr marL="63500" marR="63500" marT="63500" marB="63500" anchor="ctr"/>
+                </a:tc>
+                <a:tc>
+                  <a:txBody>
+                    <a:bodyPr/>
+                    <a:lstStyle/>
+                    <a:p>
+                      <a:pPr algn="ctr" rtl="0" fontAlgn="ctr">
+                        <a:spcBef>
+                          <a:spcPts val="0"/>
+                        </a:spcBef>
+                        <a:spcAft>
+                          <a:spcPts val="0"/>
+                        </a:spcAft>
+                      </a:pPr>
+                      <a:endParaRPr lang="en-US" sz="1400" b="0" u="none" dirty="0">
+                        <a:solidFill>
+                          <a:schemeClr val="tx1"/>
+                        </a:solidFill>
+                        <a:effectLst/>
+                        <a:latin typeface="Times New Roman" panose="02020603050405020304" pitchFamily="18" charset="0"/>
+                        <a:cs typeface="Times New Roman" panose="02020603050405020304" pitchFamily="18" charset="0"/>
+                      </a:endParaRPr>
+                    </a:p>
+                  </a:txBody>
+                  <a:tcPr marL="63500" marR="63500" marT="63500" marB="63500" anchor="ctr"/>
+                </a:tc>
+                <a:extLst>
+                  <a:ext uri="{0D108BD9-81ED-4DB2-BD59-A6C34878D82A}">
+                    <a16:rowId xmlns:a16="http://schemas.microsoft.com/office/drawing/2014/main" val="3411659199"/>
+                  </a:ext>
+                </a:extLst>
+              </a:tr>
+              <a:tr h="317209">
+                <a:tc>
+                  <a:txBody>
+                    <a:bodyPr/>
+                    <a:lstStyle/>
+                    <a:p>
+                      <a:pPr algn="ctr" rtl="0" fontAlgn="t">
+                        <a:spcBef>
+                          <a:spcPts val="0"/>
+                        </a:spcBef>
+                        <a:spcAft>
+                          <a:spcPts val="0"/>
+                        </a:spcAft>
+                      </a:pPr>
+                      <a:r>
+                        <a:rPr lang="en-US" sz="1400" b="0" i="0" u="none" dirty="0">
+                          <a:solidFill>
+                            <a:schemeClr val="tx1"/>
+                          </a:solidFill>
+                          <a:effectLst/>
+                          <a:latin typeface="Times New Roman" panose="02020603050405020304" pitchFamily="18" charset="0"/>
+                          <a:cs typeface="Times New Roman" panose="02020603050405020304" pitchFamily="18" charset="0"/>
+                        </a:rPr>
+                        <a:t>7</a:t>
+                      </a:r>
+                    </a:p>
+                  </a:txBody>
+                  <a:tcPr marL="63500" marR="63500" marT="63500" marB="63500" anchor="ctr"/>
+                </a:tc>
+                <a:tc>
+                  <a:txBody>
+                    <a:bodyPr/>
+                    <a:lstStyle/>
+                    <a:p>
+                      <a:pPr algn="ctr" rtl="0" fontAlgn="ctr">
+                        <a:spcBef>
+                          <a:spcPts val="0"/>
+                        </a:spcBef>
+                        <a:spcAft>
+                          <a:spcPts val="0"/>
+                        </a:spcAft>
+                      </a:pPr>
+                      <a:endParaRPr lang="en-US" sz="1400" b="0" u="none" dirty="0">
+                        <a:solidFill>
+                          <a:schemeClr val="tx1"/>
+                        </a:solidFill>
+                        <a:effectLst/>
+                        <a:latin typeface="Times New Roman" panose="02020603050405020304" pitchFamily="18" charset="0"/>
+                        <a:cs typeface="Times New Roman" panose="02020603050405020304" pitchFamily="18" charset="0"/>
+                      </a:endParaRPr>
+                    </a:p>
+                  </a:txBody>
+                  <a:tcPr marL="63500" marR="63500" marT="63500" marB="63500" anchor="ctr"/>
+                </a:tc>
+                <a:tc>
+                  <a:txBody>
+                    <a:bodyPr/>
+                    <a:lstStyle/>
+                    <a:p>
+                      <a:pPr algn="ctr" rtl="0" fontAlgn="ctr">
+                        <a:spcBef>
+                          <a:spcPts val="0"/>
+                        </a:spcBef>
+                        <a:spcAft>
+                          <a:spcPts val="0"/>
+                        </a:spcAft>
+                      </a:pPr>
+                      <a:endParaRPr lang="en-US" sz="1400" b="1" u="none" dirty="0">
+                        <a:solidFill>
+                          <a:schemeClr val="tx1"/>
+                        </a:solidFill>
+                        <a:effectLst/>
+                        <a:latin typeface="Times New Roman" panose="02020603050405020304" pitchFamily="18" charset="0"/>
+                        <a:cs typeface="Times New Roman" panose="02020603050405020304" pitchFamily="18" charset="0"/>
+                      </a:endParaRPr>
+                    </a:p>
+                  </a:txBody>
+                  <a:tcPr marL="63500" marR="63500" marT="63500" marB="63500" anchor="ctr"/>
+                </a:tc>
+                <a:tc>
+                  <a:txBody>
+                    <a:bodyPr/>
+                    <a:lstStyle/>
+                    <a:p>
+                      <a:pPr algn="ctr" rtl="0" fontAlgn="ctr">
+                        <a:spcBef>
+                          <a:spcPts val="0"/>
+                        </a:spcBef>
+                        <a:spcAft>
+                          <a:spcPts val="0"/>
+                        </a:spcAft>
+                      </a:pPr>
+                      <a:endParaRPr lang="en-US" sz="1400" b="0" u="none" dirty="0">
+                        <a:solidFill>
+                          <a:schemeClr val="tx1"/>
+                        </a:solidFill>
+                        <a:effectLst/>
+                        <a:latin typeface="Times New Roman" panose="02020603050405020304" pitchFamily="18" charset="0"/>
+                        <a:cs typeface="Times New Roman" panose="02020603050405020304" pitchFamily="18" charset="0"/>
+                      </a:endParaRPr>
+                    </a:p>
+                  </a:txBody>
+                  <a:tcPr marL="63500" marR="63500" marT="63500" marB="63500" anchor="ctr"/>
+                </a:tc>
+                <a:tc>
+                  <a:txBody>
+                    <a:bodyPr/>
+                    <a:lstStyle/>
+                    <a:p>
+                      <a:pPr algn="ctr" rtl="0" fontAlgn="ctr">
+                        <a:spcBef>
+                          <a:spcPts val="0"/>
+                        </a:spcBef>
+                        <a:spcAft>
+                          <a:spcPts val="0"/>
+                        </a:spcAft>
+                      </a:pPr>
+                      <a:endParaRPr lang="en-US" sz="1400" b="0" u="none" dirty="0">
+                        <a:solidFill>
+                          <a:schemeClr val="tx1"/>
+                        </a:solidFill>
+                        <a:effectLst/>
+                        <a:latin typeface="Times New Roman" panose="02020603050405020304" pitchFamily="18" charset="0"/>
+                        <a:cs typeface="Times New Roman" panose="02020603050405020304" pitchFamily="18" charset="0"/>
+                      </a:endParaRPr>
+                    </a:p>
+                  </a:txBody>
+                  <a:tcPr marL="63500" marR="63500" marT="63500" marB="63500" anchor="ctr"/>
+                </a:tc>
+                <a:tc>
+                  <a:txBody>
+                    <a:bodyPr/>
+                    <a:lstStyle/>
+                    <a:p>
+                      <a:pPr algn="ctr" rtl="0" fontAlgn="ctr">
+                        <a:spcBef>
+                          <a:spcPts val="0"/>
+                        </a:spcBef>
+                        <a:spcAft>
+                          <a:spcPts val="0"/>
+                        </a:spcAft>
+                      </a:pPr>
+                      <a:endParaRPr lang="en-US" sz="1400" b="0" u="none" dirty="0">
+                        <a:solidFill>
+                          <a:schemeClr val="tx1"/>
+                        </a:solidFill>
+                        <a:effectLst/>
+                        <a:latin typeface="Times New Roman" panose="02020603050405020304" pitchFamily="18" charset="0"/>
+                        <a:cs typeface="Times New Roman" panose="02020603050405020304" pitchFamily="18" charset="0"/>
+                      </a:endParaRPr>
+                    </a:p>
+                  </a:txBody>
+                  <a:tcPr marL="63500" marR="63500" marT="63500" marB="63500" anchor="ctr"/>
+                </a:tc>
+                <a:tc>
+                  <a:txBody>
+                    <a:bodyPr/>
+                    <a:lstStyle/>
+                    <a:p>
+                      <a:pPr algn="ctr" rtl="0" fontAlgn="ctr">
+                        <a:spcBef>
+                          <a:spcPts val="0"/>
+                        </a:spcBef>
+                        <a:spcAft>
+                          <a:spcPts val="0"/>
+                        </a:spcAft>
+                      </a:pPr>
+                      <a:endParaRPr lang="en-US" sz="1400" b="0" u="none" dirty="0">
+                        <a:solidFill>
+                          <a:schemeClr val="tx1"/>
+                        </a:solidFill>
+                        <a:effectLst/>
+                        <a:latin typeface="Times New Roman" panose="02020603050405020304" pitchFamily="18" charset="0"/>
+                        <a:cs typeface="Times New Roman" panose="02020603050405020304" pitchFamily="18" charset="0"/>
+                      </a:endParaRPr>
+                    </a:p>
+                  </a:txBody>
+                  <a:tcPr marL="63500" marR="63500" marT="63500" marB="63500" anchor="ctr"/>
+                </a:tc>
+                <a:tc>
+                  <a:txBody>
+                    <a:bodyPr/>
+                    <a:lstStyle/>
+                    <a:p>
+                      <a:pPr algn="ctr" rtl="0" fontAlgn="ctr">
+                        <a:spcBef>
+                          <a:spcPts val="0"/>
+                        </a:spcBef>
+                        <a:spcAft>
+                          <a:spcPts val="0"/>
+                        </a:spcAft>
+                      </a:pPr>
+                      <a:endParaRPr lang="en-US" sz="1400" b="0" u="none" dirty="0">
+                        <a:solidFill>
+                          <a:schemeClr val="tx1"/>
+                        </a:solidFill>
+                        <a:effectLst/>
+                        <a:latin typeface="Times New Roman" panose="02020603050405020304" pitchFamily="18" charset="0"/>
+                        <a:cs typeface="Times New Roman" panose="02020603050405020304" pitchFamily="18" charset="0"/>
+                      </a:endParaRPr>
+                    </a:p>
+                  </a:txBody>
+                  <a:tcPr marL="63500" marR="63500" marT="63500" marB="63500" anchor="ctr"/>
+                </a:tc>
+                <a:tc>
+                  <a:txBody>
+                    <a:bodyPr/>
+                    <a:lstStyle/>
+                    <a:p>
+                      <a:pPr algn="ctr" rtl="0" fontAlgn="ctr">
+                        <a:spcBef>
+                          <a:spcPts val="0"/>
+                        </a:spcBef>
+                        <a:spcAft>
+                          <a:spcPts val="0"/>
+                        </a:spcAft>
+                      </a:pPr>
+                      <a:endParaRPr lang="en-US" sz="1400" b="0" u="none" dirty="0">
+                        <a:solidFill>
+                          <a:schemeClr val="tx1"/>
+                        </a:solidFill>
+                        <a:effectLst/>
+                        <a:latin typeface="Times New Roman" panose="02020603050405020304" pitchFamily="18" charset="0"/>
+                        <a:cs typeface="Times New Roman" panose="02020603050405020304" pitchFamily="18" charset="0"/>
+                      </a:endParaRPr>
+                    </a:p>
+                  </a:txBody>
+                  <a:tcPr marL="63500" marR="63500" marT="63500" marB="63500" anchor="ctr"/>
+                </a:tc>
+                <a:extLst>
+                  <a:ext uri="{0D108BD9-81ED-4DB2-BD59-A6C34878D82A}">
+                    <a16:rowId xmlns:a16="http://schemas.microsoft.com/office/drawing/2014/main" val="2685245124"/>
+                  </a:ext>
+                </a:extLst>
+              </a:tr>
+              <a:tr h="317209">
+                <a:tc>
+                  <a:txBody>
+                    <a:bodyPr/>
+                    <a:lstStyle/>
+                    <a:p>
+                      <a:pPr algn="ctr" rtl="0" fontAlgn="t">
+                        <a:spcBef>
+                          <a:spcPts val="0"/>
+                        </a:spcBef>
+                        <a:spcAft>
+                          <a:spcPts val="0"/>
+                        </a:spcAft>
+                      </a:pPr>
+                      <a:r>
+                        <a:rPr lang="en-US" sz="1400" b="0" i="0" u="none" dirty="0">
+                          <a:solidFill>
+                            <a:schemeClr val="tx1"/>
+                          </a:solidFill>
+                          <a:effectLst/>
+                          <a:latin typeface="Times New Roman" panose="02020603050405020304" pitchFamily="18" charset="0"/>
+                          <a:cs typeface="Times New Roman" panose="02020603050405020304" pitchFamily="18" charset="0"/>
+                        </a:rPr>
+                        <a:t>8</a:t>
+                      </a:r>
+                    </a:p>
+                  </a:txBody>
+                  <a:tcPr marL="63500" marR="63500" marT="63500" marB="63500" anchor="ctr"/>
+                </a:tc>
+                <a:tc>
+                  <a:txBody>
+                    <a:bodyPr/>
+                    <a:lstStyle/>
+                    <a:p>
+                      <a:pPr algn="ctr" rtl="0" fontAlgn="ctr">
+                        <a:spcBef>
+                          <a:spcPts val="0"/>
+                        </a:spcBef>
+                        <a:spcAft>
+                          <a:spcPts val="0"/>
+                        </a:spcAft>
+                      </a:pPr>
+                      <a:endParaRPr lang="en-US" sz="1400" b="0" u="none" dirty="0">
+                        <a:solidFill>
+                          <a:schemeClr val="tx1"/>
+                        </a:solidFill>
+                        <a:effectLst/>
+                        <a:latin typeface="Times New Roman" panose="02020603050405020304" pitchFamily="18" charset="0"/>
+                        <a:cs typeface="Times New Roman" panose="02020603050405020304" pitchFamily="18" charset="0"/>
+                      </a:endParaRPr>
+                    </a:p>
+                  </a:txBody>
+                  <a:tcPr marL="63500" marR="63500" marT="63500" marB="63500" anchor="ctr"/>
+                </a:tc>
+                <a:tc>
+                  <a:txBody>
+                    <a:bodyPr/>
+                    <a:lstStyle/>
+                    <a:p>
+                      <a:pPr algn="ctr" rtl="0" fontAlgn="ctr">
+                        <a:spcBef>
+                          <a:spcPts val="0"/>
+                        </a:spcBef>
+                        <a:spcAft>
+                          <a:spcPts val="0"/>
+                        </a:spcAft>
+                      </a:pPr>
+                      <a:endParaRPr lang="en-US" sz="1400" b="1" u="none" dirty="0">
+                        <a:solidFill>
+                          <a:schemeClr val="tx1"/>
+                        </a:solidFill>
+                        <a:effectLst/>
+                        <a:latin typeface="Times New Roman" panose="02020603050405020304" pitchFamily="18" charset="0"/>
+                        <a:cs typeface="Times New Roman" panose="02020603050405020304" pitchFamily="18" charset="0"/>
+                      </a:endParaRPr>
+                    </a:p>
+                  </a:txBody>
+                  <a:tcPr marL="63500" marR="63500" marT="63500" marB="63500" anchor="ctr"/>
+                </a:tc>
+                <a:tc>
+                  <a:txBody>
+                    <a:bodyPr/>
+                    <a:lstStyle/>
+                    <a:p>
+                      <a:pPr algn="ctr" rtl="0" fontAlgn="ctr">
+                        <a:spcBef>
+                          <a:spcPts val="0"/>
+                        </a:spcBef>
+                        <a:spcAft>
+                          <a:spcPts val="0"/>
+                        </a:spcAft>
+                      </a:pPr>
+                      <a:endParaRPr lang="en-US" sz="1400" b="0" u="none" dirty="0">
+                        <a:solidFill>
+                          <a:schemeClr val="tx1"/>
+                        </a:solidFill>
+                        <a:effectLst/>
+                        <a:latin typeface="Times New Roman" panose="02020603050405020304" pitchFamily="18" charset="0"/>
+                        <a:cs typeface="Times New Roman" panose="02020603050405020304" pitchFamily="18" charset="0"/>
+                      </a:endParaRPr>
+                    </a:p>
+                  </a:txBody>
+                  <a:tcPr marL="63500" marR="63500" marT="63500" marB="63500" anchor="ctr"/>
+                </a:tc>
+                <a:tc>
+                  <a:txBody>
+                    <a:bodyPr/>
+                    <a:lstStyle/>
+                    <a:p>
+                      <a:pPr algn="ctr" rtl="0" fontAlgn="ctr">
+                        <a:spcBef>
+                          <a:spcPts val="0"/>
+                        </a:spcBef>
+                        <a:spcAft>
+                          <a:spcPts val="0"/>
+                        </a:spcAft>
+                      </a:pPr>
+                      <a:endParaRPr lang="en-US" sz="1400" b="0" u="none" dirty="0">
+                        <a:solidFill>
+                          <a:schemeClr val="tx1"/>
+                        </a:solidFill>
+                        <a:effectLst/>
+                        <a:latin typeface="Times New Roman" panose="02020603050405020304" pitchFamily="18" charset="0"/>
+                        <a:cs typeface="Times New Roman" panose="02020603050405020304" pitchFamily="18" charset="0"/>
+                      </a:endParaRPr>
+                    </a:p>
+                  </a:txBody>
+                  <a:tcPr marL="63500" marR="63500" marT="63500" marB="63500" anchor="ctr"/>
+                </a:tc>
+                <a:tc>
+                  <a:txBody>
+                    <a:bodyPr/>
+                    <a:lstStyle/>
+                    <a:p>
+                      <a:pPr algn="ctr" rtl="0" fontAlgn="ctr">
+                        <a:spcBef>
+                          <a:spcPts val="0"/>
+                        </a:spcBef>
+                        <a:spcAft>
+                          <a:spcPts val="0"/>
+                        </a:spcAft>
+                      </a:pPr>
+                      <a:endParaRPr lang="en-US" sz="1400" b="0" u="none" dirty="0">
+                        <a:solidFill>
+                          <a:schemeClr val="tx1"/>
+                        </a:solidFill>
+                        <a:effectLst/>
+                        <a:latin typeface="Times New Roman" panose="02020603050405020304" pitchFamily="18" charset="0"/>
+                        <a:cs typeface="Times New Roman" panose="02020603050405020304" pitchFamily="18" charset="0"/>
+                      </a:endParaRPr>
+                    </a:p>
+                  </a:txBody>
+                  <a:tcPr marL="63500" marR="63500" marT="63500" marB="63500" anchor="ctr"/>
+                </a:tc>
+                <a:tc>
+                  <a:txBody>
+                    <a:bodyPr/>
+                    <a:lstStyle/>
+                    <a:p>
+                      <a:pPr algn="ctr" rtl="0" fontAlgn="ctr">
+                        <a:spcBef>
+                          <a:spcPts val="0"/>
+                        </a:spcBef>
+                        <a:spcAft>
+                          <a:spcPts val="0"/>
+                        </a:spcAft>
+                      </a:pPr>
+                      <a:endParaRPr lang="en-US" sz="1400" b="0" u="none" dirty="0">
+                        <a:solidFill>
+                          <a:schemeClr val="tx1"/>
+                        </a:solidFill>
+                        <a:effectLst/>
+                        <a:latin typeface="Times New Roman" panose="02020603050405020304" pitchFamily="18" charset="0"/>
+                        <a:cs typeface="Times New Roman" panose="02020603050405020304" pitchFamily="18" charset="0"/>
+                      </a:endParaRPr>
+                    </a:p>
+                  </a:txBody>
+                  <a:tcPr marL="63500" marR="63500" marT="63500" marB="63500" anchor="ctr"/>
+                </a:tc>
+                <a:tc>
+                  <a:txBody>
+                    <a:bodyPr/>
+                    <a:lstStyle/>
+                    <a:p>
+                      <a:pPr algn="ctr" rtl="0" fontAlgn="ctr">
+                        <a:spcBef>
+                          <a:spcPts val="0"/>
+                        </a:spcBef>
+                        <a:spcAft>
+                          <a:spcPts val="0"/>
+                        </a:spcAft>
+                      </a:pPr>
+                      <a:endParaRPr lang="en-US" sz="1400" b="0" u="none" dirty="0">
+                        <a:solidFill>
+                          <a:schemeClr val="tx1"/>
+                        </a:solidFill>
+                        <a:effectLst/>
+                        <a:latin typeface="Times New Roman" panose="02020603050405020304" pitchFamily="18" charset="0"/>
+                        <a:cs typeface="Times New Roman" panose="02020603050405020304" pitchFamily="18" charset="0"/>
+                      </a:endParaRPr>
+                    </a:p>
+                  </a:txBody>
+                  <a:tcPr marL="63500" marR="63500" marT="63500" marB="63500" anchor="ctr"/>
+                </a:tc>
+                <a:tc>
+                  <a:txBody>
+                    <a:bodyPr/>
+                    <a:lstStyle/>
+                    <a:p>
+                      <a:pPr algn="ctr" rtl="0" fontAlgn="ctr">
+                        <a:spcBef>
+                          <a:spcPts val="0"/>
+                        </a:spcBef>
+                        <a:spcAft>
+                          <a:spcPts val="0"/>
+                        </a:spcAft>
+                      </a:pPr>
+                      <a:endParaRPr lang="en-US" sz="1400" b="0" u="none" dirty="0">
+                        <a:solidFill>
+                          <a:schemeClr val="tx1"/>
+                        </a:solidFill>
+                        <a:effectLst/>
+                        <a:latin typeface="Times New Roman" panose="02020603050405020304" pitchFamily="18" charset="0"/>
+                        <a:cs typeface="Times New Roman" panose="02020603050405020304" pitchFamily="18" charset="0"/>
+                      </a:endParaRPr>
+                    </a:p>
+                  </a:txBody>
+                  <a:tcPr marL="63500" marR="63500" marT="63500" marB="63500" anchor="ctr"/>
+                </a:tc>
+                <a:extLst>
+                  <a:ext uri="{0D108BD9-81ED-4DB2-BD59-A6C34878D82A}">
+                    <a16:rowId xmlns:a16="http://schemas.microsoft.com/office/drawing/2014/main" val="1151525627"/>
+                  </a:ext>
+                </a:extLst>
+              </a:tr>
+              <a:tr h="317209">
+                <a:tc>
+                  <a:txBody>
+                    <a:bodyPr/>
+                    <a:lstStyle/>
+                    <a:p>
+                      <a:pPr algn="ctr" rtl="0" fontAlgn="t">
+                        <a:spcBef>
+                          <a:spcPts val="0"/>
+                        </a:spcBef>
+                        <a:spcAft>
+                          <a:spcPts val="0"/>
+                        </a:spcAft>
+                      </a:pPr>
+                      <a:r>
+                        <a:rPr lang="en-US" sz="1400" b="0" i="0" u="none" dirty="0">
+                          <a:solidFill>
+                            <a:schemeClr val="tx1"/>
+                          </a:solidFill>
+                          <a:effectLst/>
+                          <a:latin typeface="Times New Roman" panose="02020603050405020304" pitchFamily="18" charset="0"/>
+                          <a:cs typeface="Times New Roman" panose="02020603050405020304" pitchFamily="18" charset="0"/>
+                        </a:rPr>
+                        <a:t>9</a:t>
+                      </a:r>
+                    </a:p>
+                  </a:txBody>
+                  <a:tcPr marL="63500" marR="63500" marT="63500" marB="63500" anchor="ctr"/>
+                </a:tc>
+                <a:tc>
+                  <a:txBody>
+                    <a:bodyPr/>
+                    <a:lstStyle/>
+                    <a:p>
+                      <a:pPr algn="ctr" rtl="0" fontAlgn="ctr">
+                        <a:spcBef>
+                          <a:spcPts val="0"/>
+                        </a:spcBef>
+                        <a:spcAft>
+                          <a:spcPts val="0"/>
+                        </a:spcAft>
+                      </a:pPr>
+                      <a:endParaRPr lang="en-US" sz="1400" b="0" u="none" dirty="0">
+                        <a:solidFill>
+                          <a:schemeClr val="tx1"/>
+                        </a:solidFill>
+                        <a:effectLst/>
+                        <a:latin typeface="Times New Roman" panose="02020603050405020304" pitchFamily="18" charset="0"/>
+                        <a:cs typeface="Times New Roman" panose="02020603050405020304" pitchFamily="18" charset="0"/>
+                      </a:endParaRPr>
+                    </a:p>
+                  </a:txBody>
+                  <a:tcPr marL="63500" marR="63500" marT="63500" marB="63500" anchor="ctr"/>
+                </a:tc>
+                <a:tc>
+                  <a:txBody>
+                    <a:bodyPr/>
+                    <a:lstStyle/>
+                    <a:p>
+                      <a:pPr algn="ctr" rtl="0" fontAlgn="ctr">
+                        <a:spcBef>
+                          <a:spcPts val="0"/>
+                        </a:spcBef>
+                        <a:spcAft>
+                          <a:spcPts val="0"/>
+                        </a:spcAft>
+                      </a:pPr>
+                      <a:endParaRPr lang="en-US" sz="1400" b="1" u="none" dirty="0">
+                        <a:solidFill>
+                          <a:schemeClr val="tx1"/>
+                        </a:solidFill>
+                        <a:effectLst/>
+                        <a:latin typeface="Times New Roman" panose="02020603050405020304" pitchFamily="18" charset="0"/>
+                        <a:cs typeface="Times New Roman" panose="02020603050405020304" pitchFamily="18" charset="0"/>
+                      </a:endParaRPr>
+                    </a:p>
+                  </a:txBody>
+                  <a:tcPr marL="63500" marR="63500" marT="63500" marB="63500" anchor="ctr"/>
+                </a:tc>
+                <a:tc>
+                  <a:txBody>
+                    <a:bodyPr/>
+                    <a:lstStyle/>
+                    <a:p>
+                      <a:pPr algn="ctr" rtl="0" fontAlgn="ctr">
+                        <a:spcBef>
+                          <a:spcPts val="0"/>
+                        </a:spcBef>
+                        <a:spcAft>
+                          <a:spcPts val="0"/>
+                        </a:spcAft>
+                      </a:pPr>
+                      <a:endParaRPr lang="en-US" sz="1400" b="0" u="none" dirty="0">
+                        <a:solidFill>
+                          <a:schemeClr val="tx1"/>
+                        </a:solidFill>
+                        <a:effectLst/>
+                        <a:latin typeface="Times New Roman" panose="02020603050405020304" pitchFamily="18" charset="0"/>
+                        <a:cs typeface="Times New Roman" panose="02020603050405020304" pitchFamily="18" charset="0"/>
+                      </a:endParaRPr>
+                    </a:p>
+                  </a:txBody>
+                  <a:tcPr marL="63500" marR="63500" marT="63500" marB="63500" anchor="ctr"/>
+                </a:tc>
+                <a:tc>
+                  <a:txBody>
+                    <a:bodyPr/>
+                    <a:lstStyle/>
+                    <a:p>
+                      <a:pPr algn="ctr" rtl="0" fontAlgn="ctr">
+                        <a:spcBef>
+                          <a:spcPts val="0"/>
+                        </a:spcBef>
+                        <a:spcAft>
+                          <a:spcPts val="0"/>
+                        </a:spcAft>
+                      </a:pPr>
+                      <a:endParaRPr lang="en-US" sz="1400" b="0" u="none" dirty="0">
+                        <a:solidFill>
+                          <a:schemeClr val="tx1"/>
+                        </a:solidFill>
+                        <a:effectLst/>
+                        <a:latin typeface="Times New Roman" panose="02020603050405020304" pitchFamily="18" charset="0"/>
+                        <a:cs typeface="Times New Roman" panose="02020603050405020304" pitchFamily="18" charset="0"/>
+                      </a:endParaRPr>
+                    </a:p>
+                  </a:txBody>
+                  <a:tcPr marL="63500" marR="63500" marT="63500" marB="63500" anchor="ctr"/>
+                </a:tc>
+                <a:tc>
+                  <a:txBody>
+                    <a:bodyPr/>
+                    <a:lstStyle/>
+                    <a:p>
+                      <a:pPr algn="ctr" rtl="0" fontAlgn="ctr">
+                        <a:spcBef>
+                          <a:spcPts val="0"/>
+                        </a:spcBef>
+                        <a:spcAft>
+                          <a:spcPts val="0"/>
+                        </a:spcAft>
+                      </a:pPr>
+                      <a:endParaRPr lang="en-US" sz="1400" b="0" u="none" dirty="0">
+                        <a:solidFill>
+                          <a:schemeClr val="tx1"/>
+                        </a:solidFill>
+                        <a:effectLst/>
+                        <a:latin typeface="Times New Roman" panose="02020603050405020304" pitchFamily="18" charset="0"/>
+                        <a:cs typeface="Times New Roman" panose="02020603050405020304" pitchFamily="18" charset="0"/>
+                      </a:endParaRPr>
+                    </a:p>
+                  </a:txBody>
+                  <a:tcPr marL="63500" marR="63500" marT="63500" marB="63500" anchor="ctr"/>
+                </a:tc>
+                <a:tc>
+                  <a:txBody>
+                    <a:bodyPr/>
+                    <a:lstStyle/>
+                    <a:p>
+                      <a:pPr algn="ctr" rtl="0" fontAlgn="ctr">
+                        <a:spcBef>
+                          <a:spcPts val="0"/>
+                        </a:spcBef>
+                        <a:spcAft>
+                          <a:spcPts val="0"/>
+                        </a:spcAft>
+                      </a:pPr>
+                      <a:endParaRPr lang="en-US" sz="1400" b="0" u="none" dirty="0">
+                        <a:solidFill>
+                          <a:schemeClr val="tx1"/>
+                        </a:solidFill>
+                        <a:effectLst/>
+                        <a:latin typeface="Times New Roman" panose="02020603050405020304" pitchFamily="18" charset="0"/>
+                        <a:cs typeface="Times New Roman" panose="02020603050405020304" pitchFamily="18" charset="0"/>
+                      </a:endParaRPr>
+                    </a:p>
+                  </a:txBody>
+                  <a:tcPr marL="63500" marR="63500" marT="63500" marB="63500" anchor="ctr"/>
+                </a:tc>
+                <a:tc>
+                  <a:txBody>
+                    <a:bodyPr/>
+                    <a:lstStyle/>
+                    <a:p>
+                      <a:pPr algn="ctr" rtl="0" fontAlgn="ctr">
+                        <a:spcBef>
+                          <a:spcPts val="0"/>
+                        </a:spcBef>
+                        <a:spcAft>
+                          <a:spcPts val="0"/>
+                        </a:spcAft>
+                      </a:pPr>
+                      <a:endParaRPr lang="en-US" sz="1400" b="0" u="none" dirty="0">
+                        <a:solidFill>
+                          <a:schemeClr val="tx1"/>
+                        </a:solidFill>
+                        <a:effectLst/>
+                        <a:latin typeface="Times New Roman" panose="02020603050405020304" pitchFamily="18" charset="0"/>
+                        <a:cs typeface="Times New Roman" panose="02020603050405020304" pitchFamily="18" charset="0"/>
+                      </a:endParaRPr>
+                    </a:p>
+                  </a:txBody>
+                  <a:tcPr marL="63500" marR="63500" marT="63500" marB="63500" anchor="ctr"/>
+                </a:tc>
+                <a:tc>
+                  <a:txBody>
+                    <a:bodyPr/>
+                    <a:lstStyle/>
+                    <a:p>
+                      <a:pPr algn="ctr" rtl="0" fontAlgn="ctr">
+                        <a:spcBef>
+                          <a:spcPts val="0"/>
+                        </a:spcBef>
+                        <a:spcAft>
+                          <a:spcPts val="0"/>
+                        </a:spcAft>
+                      </a:pPr>
+                      <a:endParaRPr lang="en-US" sz="1400" b="0" u="none" dirty="0">
+                        <a:solidFill>
+                          <a:schemeClr val="tx1"/>
+                        </a:solidFill>
+                        <a:effectLst/>
+                        <a:latin typeface="Times New Roman" panose="02020603050405020304" pitchFamily="18" charset="0"/>
+                        <a:cs typeface="Times New Roman" panose="02020603050405020304" pitchFamily="18" charset="0"/>
+                      </a:endParaRPr>
+                    </a:p>
+                  </a:txBody>
+                  <a:tcPr marL="63500" marR="63500" marT="63500" marB="63500" anchor="ctr"/>
+                </a:tc>
+                <a:extLst>
+                  <a:ext uri="{0D108BD9-81ED-4DB2-BD59-A6C34878D82A}">
+                    <a16:rowId xmlns:a16="http://schemas.microsoft.com/office/drawing/2014/main" val="1885183063"/>
+                  </a:ext>
+                </a:extLst>
+              </a:tr>
+              <a:tr h="317209">
+                <a:tc>
+                  <a:txBody>
+                    <a:bodyPr/>
+                    <a:lstStyle/>
+                    <a:p>
+                      <a:pPr algn="ctr" rtl="0" fontAlgn="t">
+                        <a:spcBef>
+                          <a:spcPts val="0"/>
+                        </a:spcBef>
+                        <a:spcAft>
+                          <a:spcPts val="0"/>
+                        </a:spcAft>
+                      </a:pPr>
+                      <a:r>
+                        <a:rPr lang="en-US" sz="1400" b="0" i="0" u="none" dirty="0">
+                          <a:solidFill>
+                            <a:schemeClr val="tx1"/>
+                          </a:solidFill>
+                          <a:effectLst/>
+                          <a:latin typeface="Times New Roman" panose="02020603050405020304" pitchFamily="18" charset="0"/>
+                          <a:cs typeface="Times New Roman" panose="02020603050405020304" pitchFamily="18" charset="0"/>
+                        </a:rPr>
+                        <a:t>10</a:t>
+                      </a:r>
+                    </a:p>
+                  </a:txBody>
+                  <a:tcPr marL="63500" marR="63500" marT="63500" marB="63500" anchor="ctr"/>
+                </a:tc>
+                <a:tc>
+                  <a:txBody>
+                    <a:bodyPr/>
+                    <a:lstStyle/>
+                    <a:p>
+                      <a:pPr algn="ctr" rtl="0" fontAlgn="ctr">
+                        <a:spcBef>
+                          <a:spcPts val="0"/>
+                        </a:spcBef>
+                        <a:spcAft>
+                          <a:spcPts val="0"/>
+                        </a:spcAft>
+                      </a:pPr>
+                      <a:r>
+                        <a:rPr lang="en-US" sz="1400" b="1" u="none" dirty="0">
+                          <a:solidFill>
+                            <a:schemeClr val="tx1"/>
+                          </a:solidFill>
+                          <a:effectLst/>
+                          <a:latin typeface="Times New Roman" panose="02020603050405020304" pitchFamily="18" charset="0"/>
+                          <a:cs typeface="Times New Roman" panose="02020603050405020304" pitchFamily="18" charset="0"/>
+                        </a:rPr>
+                        <a:t>0.3523</a:t>
+                      </a:r>
+                    </a:p>
+                  </a:txBody>
+                  <a:tcPr marL="63500" marR="63500" marT="63500" marB="63500" anchor="ctr"/>
+                </a:tc>
+                <a:tc>
+                  <a:txBody>
+                    <a:bodyPr/>
+                    <a:lstStyle/>
+                    <a:p>
+                      <a:pPr algn="ctr" rtl="0" fontAlgn="ctr">
+                        <a:spcBef>
+                          <a:spcPts val="0"/>
+                        </a:spcBef>
+                        <a:spcAft>
+                          <a:spcPts val="0"/>
+                        </a:spcAft>
+                      </a:pPr>
+                      <a:r>
+                        <a:rPr lang="en-US" sz="1400" b="0" u="none" dirty="0">
+                          <a:solidFill>
+                            <a:schemeClr val="tx1"/>
+                          </a:solidFill>
+                          <a:effectLst/>
+                          <a:latin typeface="Times New Roman" panose="02020603050405020304" pitchFamily="18" charset="0"/>
+                          <a:cs typeface="Times New Roman" panose="02020603050405020304" pitchFamily="18" charset="0"/>
+                        </a:rPr>
+                        <a:t>0.2500</a:t>
+                      </a:r>
+                    </a:p>
+                  </a:txBody>
+                  <a:tcPr marL="63500" marR="63500" marT="63500" marB="63500" anchor="ctr"/>
+                </a:tc>
+                <a:tc>
+                  <a:txBody>
+                    <a:bodyPr/>
+                    <a:lstStyle/>
+                    <a:p>
+                      <a:pPr algn="ctr" rtl="0" fontAlgn="ctr">
+                        <a:spcBef>
+                          <a:spcPts val="0"/>
+                        </a:spcBef>
+                        <a:spcAft>
+                          <a:spcPts val="0"/>
+                        </a:spcAft>
+                      </a:pPr>
+                      <a:r>
+                        <a:rPr lang="en-US" sz="1400" b="0" u="none" dirty="0">
+                          <a:solidFill>
+                            <a:schemeClr val="tx1"/>
+                          </a:solidFill>
+                          <a:effectLst/>
+                          <a:latin typeface="Times New Roman" panose="02020603050405020304" pitchFamily="18" charset="0"/>
+                          <a:cs typeface="Times New Roman" panose="02020603050405020304" pitchFamily="18" charset="0"/>
+                        </a:rPr>
+                        <a:t>0.4100</a:t>
+                      </a:r>
+                    </a:p>
+                  </a:txBody>
+                  <a:tcPr marL="63500" marR="63500" marT="63500" marB="63500" anchor="ctr"/>
+                </a:tc>
+                <a:tc>
+                  <a:txBody>
+                    <a:bodyPr/>
+                    <a:lstStyle/>
+                    <a:p>
+                      <a:pPr algn="ctr" rtl="0" fontAlgn="ctr">
+                        <a:spcBef>
+                          <a:spcPts val="0"/>
+                        </a:spcBef>
+                        <a:spcAft>
+                          <a:spcPts val="0"/>
+                        </a:spcAft>
+                      </a:pPr>
+                      <a:r>
+                        <a:rPr lang="en-US" sz="1400" b="0" u="none" dirty="0">
+                          <a:solidFill>
+                            <a:schemeClr val="tx1"/>
+                          </a:solidFill>
+                          <a:effectLst/>
+                          <a:latin typeface="Times New Roman" panose="02020603050405020304" pitchFamily="18" charset="0"/>
+                          <a:cs typeface="Times New Roman" panose="02020603050405020304" pitchFamily="18" charset="0"/>
+                        </a:rPr>
+                        <a:t> 0.5600</a:t>
+                      </a:r>
+                    </a:p>
+                  </a:txBody>
+                  <a:tcPr marL="63500" marR="63500" marT="63500" marB="63500" anchor="ctr"/>
+                </a:tc>
+                <a:tc>
+                  <a:txBody>
+                    <a:bodyPr/>
+                    <a:lstStyle/>
+                    <a:p>
+                      <a:pPr algn="ctr" rtl="0" fontAlgn="ctr">
+                        <a:spcBef>
+                          <a:spcPts val="0"/>
+                        </a:spcBef>
+                        <a:spcAft>
+                          <a:spcPts val="0"/>
+                        </a:spcAft>
+                      </a:pPr>
+                      <a:endParaRPr lang="en-US" sz="1400" b="0" u="none" dirty="0">
+                        <a:solidFill>
+                          <a:schemeClr val="tx1"/>
+                        </a:solidFill>
+                        <a:effectLst/>
+                        <a:latin typeface="Times New Roman" panose="02020603050405020304" pitchFamily="18" charset="0"/>
+                        <a:cs typeface="Times New Roman" panose="02020603050405020304" pitchFamily="18" charset="0"/>
+                      </a:endParaRPr>
+                    </a:p>
+                  </a:txBody>
+                  <a:tcPr marL="63500" marR="63500" marT="63500" marB="63500" anchor="ctr"/>
+                </a:tc>
+                <a:tc>
+                  <a:txBody>
+                    <a:bodyPr/>
+                    <a:lstStyle/>
+                    <a:p>
+                      <a:pPr algn="ctr" rtl="0" fontAlgn="ctr">
+                        <a:spcBef>
+                          <a:spcPts val="0"/>
+                        </a:spcBef>
+                        <a:spcAft>
+                          <a:spcPts val="0"/>
+                        </a:spcAft>
+                      </a:pPr>
+                      <a:endParaRPr lang="en-US" sz="1400" b="0" u="none" dirty="0">
+                        <a:solidFill>
+                          <a:schemeClr val="tx1"/>
+                        </a:solidFill>
+                        <a:effectLst/>
+                        <a:latin typeface="Times New Roman" panose="02020603050405020304" pitchFamily="18" charset="0"/>
+                        <a:cs typeface="Times New Roman" panose="02020603050405020304" pitchFamily="18" charset="0"/>
+                      </a:endParaRPr>
+                    </a:p>
+                  </a:txBody>
+                  <a:tcPr marL="63500" marR="63500" marT="63500" marB="63500" anchor="ctr"/>
+                </a:tc>
+                <a:tc>
+                  <a:txBody>
+                    <a:bodyPr/>
+                    <a:lstStyle/>
+                    <a:p>
+                      <a:pPr algn="ctr" rtl="0" fontAlgn="ctr">
+                        <a:spcBef>
+                          <a:spcPts val="0"/>
+                        </a:spcBef>
+                        <a:spcAft>
+                          <a:spcPts val="0"/>
+                        </a:spcAft>
+                      </a:pPr>
+                      <a:endParaRPr lang="en-US" sz="1400" b="0" u="none" dirty="0">
+                        <a:solidFill>
+                          <a:schemeClr val="tx1"/>
+                        </a:solidFill>
+                        <a:effectLst/>
+                        <a:latin typeface="Times New Roman" panose="02020603050405020304" pitchFamily="18" charset="0"/>
+                        <a:cs typeface="Times New Roman" panose="02020603050405020304" pitchFamily="18" charset="0"/>
+                      </a:endParaRPr>
+                    </a:p>
+                  </a:txBody>
+                  <a:tcPr marL="63500" marR="63500" marT="63500" marB="63500" anchor="ctr"/>
+                </a:tc>
+                <a:tc>
+                  <a:txBody>
+                    <a:bodyPr/>
+                    <a:lstStyle/>
+                    <a:p>
+                      <a:pPr algn="ctr" rtl="0" fontAlgn="ctr">
+                        <a:spcBef>
+                          <a:spcPts val="0"/>
+                        </a:spcBef>
+                        <a:spcAft>
+                          <a:spcPts val="0"/>
+                        </a:spcAft>
+                      </a:pPr>
+                      <a:endParaRPr lang="en-US" sz="1400" b="0" u="none" dirty="0">
+                        <a:solidFill>
+                          <a:schemeClr val="tx1"/>
+                        </a:solidFill>
+                        <a:effectLst/>
+                        <a:latin typeface="Times New Roman" panose="02020603050405020304" pitchFamily="18" charset="0"/>
+                        <a:cs typeface="Times New Roman" panose="02020603050405020304" pitchFamily="18" charset="0"/>
+                      </a:endParaRPr>
+                    </a:p>
+                  </a:txBody>
+                  <a:tcPr marL="63500" marR="63500" marT="63500" marB="63500" anchor="ctr"/>
+                </a:tc>
+                <a:extLst>
+                  <a:ext uri="{0D108BD9-81ED-4DB2-BD59-A6C34878D82A}">
+                    <a16:rowId xmlns:a16="http://schemas.microsoft.com/office/drawing/2014/main" val="1833571747"/>
+                  </a:ext>
+                </a:extLst>
+              </a:tr>
+            </a:tbl>
+          </a:graphicData>
+        </a:graphic>
+      </p:graphicFrame>
+    </p:spTree>
+    <p:extLst>
+      <p:ext uri="{BB962C8B-B14F-4D97-AF65-F5344CB8AC3E}">
+        <p14:creationId xmlns:p14="http://schemas.microsoft.com/office/powerpoint/2010/main" val="2446943152"/>
+      </p:ext>
+    </p:extLst>
+  </p:cSld>
+  <p:clrMapOvr>
+    <a:overrideClrMapping bg1="lt1" tx1="dk1" bg2="lt2" tx2="dk2" accent1="accent1" accent2="accent2" accent3="accent3" accent4="accent4" accent5="accent5" accent6="accent6" hlink="hlink" folHlink="folHlink"/>
+  </p:clrMapOvr>
+</p:sld>
+</file>
+
+<file path=ppt/slides/slide7.xml><?xml version="1.0" encoding="utf-8"?>
+<p:sld xmlns:a="http://schemas.openxmlformats.org/drawingml/2006/main" xmlns:r="http://schemas.openxmlformats.org/officeDocument/2006/relationships" xmlns:p="http://schemas.openxmlformats.org/presentationml/2006/main">
+  <p:cSld>
+    <p:bg>
+      <p:bgPr>
+        <a:solidFill>
+          <a:schemeClr val="bg1"/>
+        </a:solidFill>
+        <a:effectLst/>
+      </p:bgPr>
+    </p:bg>
+    <p:spTree>
+      <p:nvGrpSpPr>
+        <p:cNvPr id="1" name=""/>
+        <p:cNvGrpSpPr/>
+        <p:nvPr/>
+      </p:nvGrpSpPr>
+      <p:grpSpPr>
+        <a:xfrm>
+          <a:off x="0" y="0"/>
+          <a:ext cx="0" cy="0"/>
+          <a:chOff x="0" y="0"/>
+          <a:chExt cx="0" cy="0"/>
+        </a:xfrm>
+      </p:grpSpPr>
+      <p:sp>
+        <p:nvSpPr>
           <p:cNvPr id="9" name="Rectangle 8">
             <a:extLst>
               <a:ext uri="{FF2B5EF4-FFF2-40B4-BE49-F238E27FC236}">
@@ -14827,7 +19239,7 @@
             <p:ph idx="1"/>
             <p:extLst>
               <p:ext uri="{D42A27DB-BD31-4B8C-83A1-F6EECF244321}">
-                <p14:modId xmlns:p14="http://schemas.microsoft.com/office/powerpoint/2010/main" val="1816009552"/>
+                <p14:modId xmlns:p14="http://schemas.microsoft.com/office/powerpoint/2010/main" val="1477387001"/>
               </p:ext>
             </p:extLst>
           </p:nvPr>
@@ -15624,7 +20036,7 @@
 </p:sld>
 </file>
 
-<file path=ppt/slides/slide7.xml><?xml version="1.0" encoding="utf-8"?>
+<file path=ppt/slides/slide8.xml><?xml version="1.0" encoding="utf-8"?>
 <p:sld xmlns:a="http://schemas.openxmlformats.org/drawingml/2006/main" xmlns:r="http://schemas.openxmlformats.org/officeDocument/2006/relationships" xmlns:p="http://schemas.openxmlformats.org/presentationml/2006/main">
   <p:cSld>
     <p:spTree>

--- a/KICMistral_pre_v2.pptx
+++ b/KICMistral_pre_v2.pptx
@@ -15063,7 +15063,7 @@
           <p:nvPr>
             <p:extLst>
               <p:ext uri="{D42A27DB-BD31-4B8C-83A1-F6EECF244321}">
-                <p14:modId xmlns:p14="http://schemas.microsoft.com/office/powerpoint/2010/main" val="247132159"/>
+                <p14:modId xmlns:p14="http://schemas.microsoft.com/office/powerpoint/2010/main" val="4187638389"/>
               </p:ext>
             </p:extLst>
           </p:nvPr>
@@ -16519,14 +16519,17 @@
                           <a:spcPts val="0"/>
                         </a:spcAft>
                       </a:pPr>
-                      <a:endParaRPr lang="en-US" sz="1400" b="0" u="none" dirty="0">
-                        <a:solidFill>
-                          <a:schemeClr val="tx1"/>
-                        </a:solidFill>
-                        <a:effectLst/>
-                        <a:latin typeface="Times New Roman" panose="02020603050405020304" pitchFamily="18" charset="0"/>
-                        <a:cs typeface="Times New Roman" panose="02020603050405020304" pitchFamily="18" charset="0"/>
-                      </a:endParaRPr>
+                      <a:r>
+                        <a:rPr lang="en-US" sz="1400" b="0" u="none" dirty="0">
+                          <a:solidFill>
+                            <a:schemeClr val="tx1"/>
+                          </a:solidFill>
+                          <a:effectLst/>
+                          <a:latin typeface="Times New Roman" panose="02020603050405020304" pitchFamily="18" charset="0"/>
+                          <a:cs typeface="Times New Roman" panose="02020603050405020304" pitchFamily="18" charset="0"/>
+                        </a:rPr>
+                        <a:t>0.3229</a:t>
+                      </a:r>
                     </a:p>
                   </a:txBody>
                   <a:tcPr marL="63500" marR="63500" marT="63500" marB="63500" anchor="ctr"/>
@@ -16544,14 +16547,17 @@
                           <a:spcPts val="0"/>
                         </a:spcAft>
                       </a:pPr>
-                      <a:endParaRPr lang="en-US" sz="1400" b="1" u="none" dirty="0">
-                        <a:solidFill>
-                          <a:schemeClr val="tx1"/>
-                        </a:solidFill>
-                        <a:effectLst/>
-                        <a:latin typeface="Times New Roman" panose="02020603050405020304" pitchFamily="18" charset="0"/>
-                        <a:cs typeface="Times New Roman" panose="02020603050405020304" pitchFamily="18" charset="0"/>
-                      </a:endParaRPr>
+                      <a:r>
+                        <a:rPr lang="en-US" sz="1400" b="0" u="none" dirty="0">
+                          <a:solidFill>
+                            <a:schemeClr val="tx1"/>
+                          </a:solidFill>
+                          <a:effectLst/>
+                          <a:latin typeface="Times New Roman" panose="02020603050405020304" pitchFamily="18" charset="0"/>
+                          <a:cs typeface="Times New Roman" panose="02020603050405020304" pitchFamily="18" charset="0"/>
+                        </a:rPr>
+                        <a:t>0.2100</a:t>
+                      </a:r>
                     </a:p>
                   </a:txBody>
                   <a:tcPr marL="63500" marR="63500" marT="63500" marB="63500" anchor="ctr"/>
@@ -16569,14 +16575,17 @@
                           <a:spcPts val="0"/>
                         </a:spcAft>
                       </a:pPr>
-                      <a:endParaRPr lang="en-US" sz="1400" b="0" u="none" dirty="0">
-                        <a:solidFill>
-                          <a:schemeClr val="tx1"/>
-                        </a:solidFill>
-                        <a:effectLst/>
-                        <a:latin typeface="Times New Roman" panose="02020603050405020304" pitchFamily="18" charset="0"/>
-                        <a:cs typeface="Times New Roman" panose="02020603050405020304" pitchFamily="18" charset="0"/>
-                      </a:endParaRPr>
+                      <a:r>
+                        <a:rPr lang="en-US" sz="1400" b="0" u="none" dirty="0">
+                          <a:solidFill>
+                            <a:schemeClr val="tx1"/>
+                          </a:solidFill>
+                          <a:effectLst/>
+                          <a:latin typeface="Times New Roman" panose="02020603050405020304" pitchFamily="18" charset="0"/>
+                          <a:cs typeface="Times New Roman" panose="02020603050405020304" pitchFamily="18" charset="0"/>
+                        </a:rPr>
+                        <a:t>0.4200</a:t>
+                      </a:r>
                     </a:p>
                   </a:txBody>
                   <a:tcPr marL="63500" marR="63500" marT="63500" marB="63500" anchor="ctr"/>
@@ -16594,14 +16603,17 @@
                           <a:spcPts val="0"/>
                         </a:spcAft>
                       </a:pPr>
-                      <a:endParaRPr lang="en-US" sz="1400" b="0" u="none" dirty="0">
-                        <a:solidFill>
-                          <a:schemeClr val="tx1"/>
-                        </a:solidFill>
-                        <a:effectLst/>
-                        <a:latin typeface="Times New Roman" panose="02020603050405020304" pitchFamily="18" charset="0"/>
-                        <a:cs typeface="Times New Roman" panose="02020603050405020304" pitchFamily="18" charset="0"/>
-                      </a:endParaRPr>
+                      <a:r>
+                        <a:rPr lang="en-US" sz="1400" b="0" u="none" dirty="0">
+                          <a:solidFill>
+                            <a:schemeClr val="tx1"/>
+                          </a:solidFill>
+                          <a:effectLst/>
+                          <a:latin typeface="Times New Roman" panose="02020603050405020304" pitchFamily="18" charset="0"/>
+                          <a:cs typeface="Times New Roman" panose="02020603050405020304" pitchFamily="18" charset="0"/>
+                        </a:rPr>
+                        <a:t>0.5600</a:t>
+                      </a:r>
                     </a:p>
                   </a:txBody>
                   <a:tcPr marL="63500" marR="63500" marT="63500" marB="63500" anchor="ctr"/>
@@ -16754,14 +16766,17 @@
                           <a:spcPts val="0"/>
                         </a:spcAft>
                       </a:pPr>
-                      <a:endParaRPr lang="en-US" sz="1400" b="0" u="none" dirty="0">
-                        <a:solidFill>
-                          <a:schemeClr val="tx1"/>
-                        </a:solidFill>
-                        <a:effectLst/>
-                        <a:latin typeface="Times New Roman" panose="02020603050405020304" pitchFamily="18" charset="0"/>
-                        <a:cs typeface="Times New Roman" panose="02020603050405020304" pitchFamily="18" charset="0"/>
-                      </a:endParaRPr>
+                      <a:r>
+                        <a:rPr lang="en-US" sz="1400" b="0" u="none" dirty="0">
+                          <a:solidFill>
+                            <a:schemeClr val="tx1"/>
+                          </a:solidFill>
+                          <a:effectLst/>
+                          <a:latin typeface="Times New Roman" panose="02020603050405020304" pitchFamily="18" charset="0"/>
+                          <a:cs typeface="Times New Roman" panose="02020603050405020304" pitchFamily="18" charset="0"/>
+                        </a:rPr>
+                        <a:t>0.3336</a:t>
+                      </a:r>
                     </a:p>
                   </a:txBody>
                   <a:tcPr marL="63500" marR="63500" marT="63500" marB="63500" anchor="ctr"/>
@@ -16779,14 +16794,17 @@
                           <a:spcPts val="0"/>
                         </a:spcAft>
                       </a:pPr>
-                      <a:endParaRPr lang="en-US" sz="1400" b="1" u="none" dirty="0">
-                        <a:solidFill>
-                          <a:schemeClr val="tx1"/>
-                        </a:solidFill>
-                        <a:effectLst/>
-                        <a:latin typeface="Times New Roman" panose="02020603050405020304" pitchFamily="18" charset="0"/>
-                        <a:cs typeface="Times New Roman" panose="02020603050405020304" pitchFamily="18" charset="0"/>
-                      </a:endParaRPr>
+                      <a:r>
+                        <a:rPr lang="en-US" sz="1400" b="0" u="none" dirty="0">
+                          <a:solidFill>
+                            <a:schemeClr val="tx1"/>
+                          </a:solidFill>
+                          <a:effectLst/>
+                          <a:latin typeface="Times New Roman" panose="02020603050405020304" pitchFamily="18" charset="0"/>
+                          <a:cs typeface="Times New Roman" panose="02020603050405020304" pitchFamily="18" charset="0"/>
+                        </a:rPr>
+                        <a:t>0.2300</a:t>
+                      </a:r>
                     </a:p>
                   </a:txBody>
                   <a:tcPr marL="63500" marR="63500" marT="63500" marB="63500" anchor="ctr"/>
@@ -16804,14 +16822,17 @@
                           <a:spcPts val="0"/>
                         </a:spcAft>
                       </a:pPr>
-                      <a:endParaRPr lang="en-US" sz="1400" b="0" u="none" dirty="0">
-                        <a:solidFill>
-                          <a:schemeClr val="tx1"/>
-                        </a:solidFill>
-                        <a:effectLst/>
-                        <a:latin typeface="Times New Roman" panose="02020603050405020304" pitchFamily="18" charset="0"/>
-                        <a:cs typeface="Times New Roman" panose="02020603050405020304" pitchFamily="18" charset="0"/>
-                      </a:endParaRPr>
+                      <a:r>
+                        <a:rPr lang="en-US" sz="1400" b="0" u="none" dirty="0">
+                          <a:solidFill>
+                            <a:schemeClr val="tx1"/>
+                          </a:solidFill>
+                          <a:effectLst/>
+                          <a:latin typeface="Times New Roman" panose="02020603050405020304" pitchFamily="18" charset="0"/>
+                          <a:cs typeface="Times New Roman" panose="02020603050405020304" pitchFamily="18" charset="0"/>
+                        </a:rPr>
+                        <a:t>0.3900</a:t>
+                      </a:r>
                     </a:p>
                   </a:txBody>
                   <a:tcPr marL="63500" marR="63500" marT="63500" marB="63500" anchor="ctr"/>
@@ -16829,14 +16850,17 @@
                           <a:spcPts val="0"/>
                         </a:spcAft>
                       </a:pPr>
-                      <a:endParaRPr lang="en-US" sz="1400" b="0" u="none" dirty="0">
-                        <a:solidFill>
-                          <a:schemeClr val="tx1"/>
-                        </a:solidFill>
-                        <a:effectLst/>
-                        <a:latin typeface="Times New Roman" panose="02020603050405020304" pitchFamily="18" charset="0"/>
-                        <a:cs typeface="Times New Roman" panose="02020603050405020304" pitchFamily="18" charset="0"/>
-                      </a:endParaRPr>
+                      <a:r>
+                        <a:rPr lang="en-US" sz="1400" b="0" u="none" dirty="0">
+                          <a:solidFill>
+                            <a:schemeClr val="tx1"/>
+                          </a:solidFill>
+                          <a:effectLst/>
+                          <a:latin typeface="Times New Roman" panose="02020603050405020304" pitchFamily="18" charset="0"/>
+                          <a:cs typeface="Times New Roman" panose="02020603050405020304" pitchFamily="18" charset="0"/>
+                        </a:rPr>
+                        <a:t>0.5400</a:t>
+                      </a:r>
                     </a:p>
                   </a:txBody>
                   <a:tcPr marL="63500" marR="63500" marT="63500" marB="63500" anchor="ctr"/>
@@ -17224,14 +17248,17 @@
                           <a:spcPts val="0"/>
                         </a:spcAft>
                       </a:pPr>
-                      <a:endParaRPr lang="en-US" sz="1400" b="0" u="none" dirty="0">
-                        <a:solidFill>
-                          <a:schemeClr val="tx1"/>
-                        </a:solidFill>
-                        <a:effectLst/>
-                        <a:latin typeface="Times New Roman" panose="02020603050405020304" pitchFamily="18" charset="0"/>
-                        <a:cs typeface="Times New Roman" panose="02020603050405020304" pitchFamily="18" charset="0"/>
-                      </a:endParaRPr>
+                      <a:r>
+                        <a:rPr lang="en-US" sz="1400" b="1" u="none" dirty="0">
+                          <a:solidFill>
+                            <a:schemeClr val="tx1"/>
+                          </a:solidFill>
+                          <a:effectLst/>
+                          <a:latin typeface="Times New Roman" panose="02020603050405020304" pitchFamily="18" charset="0"/>
+                          <a:cs typeface="Times New Roman" panose="02020603050405020304" pitchFamily="18" charset="0"/>
+                        </a:rPr>
+                        <a:t>0.3748</a:t>
+                      </a:r>
                     </a:p>
                   </a:txBody>
                   <a:tcPr marL="63500" marR="63500" marT="63500" marB="63500" anchor="ctr"/>
@@ -17249,14 +17276,17 @@
                           <a:spcPts val="0"/>
                         </a:spcAft>
                       </a:pPr>
-                      <a:endParaRPr lang="en-US" sz="1400" b="1" u="none" dirty="0">
-                        <a:solidFill>
-                          <a:schemeClr val="tx1"/>
-                        </a:solidFill>
-                        <a:effectLst/>
-                        <a:latin typeface="Times New Roman" panose="02020603050405020304" pitchFamily="18" charset="0"/>
-                        <a:cs typeface="Times New Roman" panose="02020603050405020304" pitchFamily="18" charset="0"/>
-                      </a:endParaRPr>
+                      <a:r>
+                        <a:rPr lang="en-US" sz="1400" b="0" u="none" dirty="0">
+                          <a:solidFill>
+                            <a:schemeClr val="tx1"/>
+                          </a:solidFill>
+                          <a:effectLst/>
+                          <a:latin typeface="Times New Roman" panose="02020603050405020304" pitchFamily="18" charset="0"/>
+                          <a:cs typeface="Times New Roman" panose="02020603050405020304" pitchFamily="18" charset="0"/>
+                        </a:rPr>
+                        <a:t>0.2600</a:t>
+                      </a:r>
                     </a:p>
                   </a:txBody>
                   <a:tcPr marL="63500" marR="63500" marT="63500" marB="63500" anchor="ctr"/>
@@ -17274,14 +17304,17 @@
                           <a:spcPts val="0"/>
                         </a:spcAft>
                       </a:pPr>
-                      <a:endParaRPr lang="en-US" sz="1400" b="0" u="none" dirty="0">
-                        <a:solidFill>
-                          <a:schemeClr val="tx1"/>
-                        </a:solidFill>
-                        <a:effectLst/>
-                        <a:latin typeface="Times New Roman" panose="02020603050405020304" pitchFamily="18" charset="0"/>
-                        <a:cs typeface="Times New Roman" panose="02020603050405020304" pitchFamily="18" charset="0"/>
-                      </a:endParaRPr>
+                      <a:r>
+                        <a:rPr lang="en-US" sz="1400" b="0" u="none" dirty="0">
+                          <a:solidFill>
+                            <a:schemeClr val="tx1"/>
+                          </a:solidFill>
+                          <a:effectLst/>
+                          <a:latin typeface="Times New Roman" panose="02020603050405020304" pitchFamily="18" charset="0"/>
+                          <a:cs typeface="Times New Roman" panose="02020603050405020304" pitchFamily="18" charset="0"/>
+                        </a:rPr>
+                        <a:t>0.4600</a:t>
+                      </a:r>
                     </a:p>
                   </a:txBody>
                   <a:tcPr marL="63500" marR="63500" marT="63500" marB="63500" anchor="ctr"/>
@@ -17299,14 +17332,17 @@
                           <a:spcPts val="0"/>
                         </a:spcAft>
                       </a:pPr>
-                      <a:endParaRPr lang="en-US" sz="1400" b="0" u="none" dirty="0">
-                        <a:solidFill>
-                          <a:schemeClr val="tx1"/>
-                        </a:solidFill>
-                        <a:effectLst/>
-                        <a:latin typeface="Times New Roman" panose="02020603050405020304" pitchFamily="18" charset="0"/>
-                        <a:cs typeface="Times New Roman" panose="02020603050405020304" pitchFamily="18" charset="0"/>
-                      </a:endParaRPr>
+                      <a:r>
+                        <a:rPr lang="en-US" sz="1400" b="0" u="none" dirty="0">
+                          <a:solidFill>
+                            <a:schemeClr val="tx1"/>
+                          </a:solidFill>
+                          <a:effectLst/>
+                          <a:latin typeface="Times New Roman" panose="02020603050405020304" pitchFamily="18" charset="0"/>
+                          <a:cs typeface="Times New Roman" panose="02020603050405020304" pitchFamily="18" charset="0"/>
+                        </a:rPr>
+                        <a:t>0.6200</a:t>
+                      </a:r>
                     </a:p>
                   </a:txBody>
                   <a:tcPr marL="63500" marR="63500" marT="63500" marB="63500" anchor="ctr"/>
@@ -17930,7 +17966,7 @@
                         </a:spcAft>
                       </a:pPr>
                       <a:r>
-                        <a:rPr lang="en-US" sz="1400" b="1" u="none" dirty="0">
+                        <a:rPr lang="en-US" sz="1400" b="0" u="none" dirty="0">
                           <a:solidFill>
                             <a:schemeClr val="tx1"/>
                           </a:solidFill>

--- a/KICMistral_pre_v2.pptx
+++ b/KICMistral_pre_v2.pptx
@@ -5,7 +5,7 @@
     <p:sldMasterId id="2147483858" r:id="rId1"/>
   </p:sldMasterIdLst>
   <p:notesMasterIdLst>
-    <p:notesMasterId r:id="rId10"/>
+    <p:notesMasterId r:id="rId11"/>
   </p:notesMasterIdLst>
   <p:sldIdLst>
     <p:sldId id="256" r:id="rId2"/>
@@ -13,9 +13,10 @@
     <p:sldId id="257" r:id="rId4"/>
     <p:sldId id="282" r:id="rId5"/>
     <p:sldId id="285" r:id="rId6"/>
-    <p:sldId id="286" r:id="rId7"/>
-    <p:sldId id="264" r:id="rId8"/>
-    <p:sldId id="283" r:id="rId9"/>
+    <p:sldId id="290" r:id="rId7"/>
+    <p:sldId id="286" r:id="rId8"/>
+    <p:sldId id="289" r:id="rId9"/>
+    <p:sldId id="264" r:id="rId10"/>
   </p:sldIdLst>
   <p:sldSz cx="12192000" cy="6858000"/>
   <p:notesSz cx="6858000" cy="9144000"/>
@@ -204,7 +205,7 @@
           <a:p>
             <a:fld id="{0593CDAD-050A-435A-8B90-DDEC3FE3CFF6}" type="datetimeFigureOut">
               <a:rPr lang="en-US" smtClean="0"/>
-              <a:t>9/19/2024</a:t>
+              <a:t>10/1/2024</a:t>
             </a:fld>
             <a:endParaRPr lang="en-US"/>
           </a:p>
@@ -472,6 +473,90 @@
 </p:notesMaster>
 </file>
 
+<file path=ppt/notesSlides/notesSlide1.xml><?xml version="1.0" encoding="utf-8"?>
+<p:notes xmlns:a="http://schemas.openxmlformats.org/drawingml/2006/main" xmlns:r="http://schemas.openxmlformats.org/officeDocument/2006/relationships" xmlns:p="http://schemas.openxmlformats.org/presentationml/2006/main">
+  <p:cSld>
+    <p:spTree>
+      <p:nvGrpSpPr>
+        <p:cNvPr id="1" name=""/>
+        <p:cNvGrpSpPr/>
+        <p:nvPr/>
+      </p:nvGrpSpPr>
+      <p:grpSpPr>
+        <a:xfrm>
+          <a:off x="0" y="0"/>
+          <a:ext cx="0" cy="0"/>
+          <a:chOff x="0" y="0"/>
+          <a:chExt cx="0" cy="0"/>
+        </a:xfrm>
+      </p:grpSpPr>
+      <p:sp>
+        <p:nvSpPr>
+          <p:cNvPr id="2" name="Folienbildplatzhalter 1"/>
+          <p:cNvSpPr>
+            <a:spLocks noGrp="1" noRot="1" noChangeAspect="1"/>
+          </p:cNvSpPr>
+          <p:nvPr>
+            <p:ph type="sldImg"/>
+          </p:nvPr>
+        </p:nvSpPr>
+        <p:spPr/>
+      </p:sp>
+      <p:sp>
+        <p:nvSpPr>
+          <p:cNvPr id="3" name="Notizenplatzhalter 2"/>
+          <p:cNvSpPr>
+            <a:spLocks noGrp="1"/>
+          </p:cNvSpPr>
+          <p:nvPr>
+            <p:ph type="body" idx="1"/>
+          </p:nvPr>
+        </p:nvSpPr>
+        <p:spPr/>
+        <p:txBody>
+          <a:bodyPr/>
+          <a:lstStyle/>
+          <a:p>
+            <a:endParaRPr lang="en-US" dirty="0"/>
+          </a:p>
+        </p:txBody>
+      </p:sp>
+      <p:sp>
+        <p:nvSpPr>
+          <p:cNvPr id="4" name="Foliennummernplatzhalter 3"/>
+          <p:cNvSpPr>
+            <a:spLocks noGrp="1"/>
+          </p:cNvSpPr>
+          <p:nvPr>
+            <p:ph type="sldNum" sz="quarter" idx="5"/>
+          </p:nvPr>
+        </p:nvSpPr>
+        <p:spPr/>
+        <p:txBody>
+          <a:bodyPr/>
+          <a:lstStyle/>
+          <a:p>
+            <a:fld id="{75B940C5-8C2C-4DCF-BB7E-EB8F9CFB7A43}" type="slidenum">
+              <a:rPr lang="en-US" smtClean="0"/>
+              <a:t>9</a:t>
+            </a:fld>
+            <a:endParaRPr lang="en-US"/>
+          </a:p>
+        </p:txBody>
+      </p:sp>
+    </p:spTree>
+    <p:extLst>
+      <p:ext uri="{BB962C8B-B14F-4D97-AF65-F5344CB8AC3E}">
+        <p14:creationId xmlns:p14="http://schemas.microsoft.com/office/powerpoint/2010/main" val="1412630762"/>
+      </p:ext>
+    </p:extLst>
+  </p:cSld>
+  <p:clrMapOvr>
+    <a:masterClrMapping/>
+  </p:clrMapOvr>
+</p:notes>
+</file>
+
 <file path=ppt/slideLayouts/slideLayout1.xml><?xml version="1.0" encoding="utf-8"?>
 <p:sldLayout xmlns:a="http://schemas.openxmlformats.org/drawingml/2006/main" xmlns:r="http://schemas.openxmlformats.org/officeDocument/2006/relationships" xmlns:p="http://schemas.openxmlformats.org/presentationml/2006/main" type="title" preserve="1">
   <p:cSld name="Titelfolie">
@@ -658,7 +743,7 @@
           <a:p>
             <a:fld id="{71BEB545-1150-4071-BC05-8EA9734F9E96}" type="datetimeFigureOut">
               <a:rPr lang="en-US" smtClean="0"/>
-              <a:t>9/19/2024</a:t>
+              <a:t>10/1/2024</a:t>
             </a:fld>
             <a:endParaRPr lang="en-US"/>
           </a:p>
@@ -933,7 +1018,7 @@
           <a:p>
             <a:fld id="{71BEB545-1150-4071-BC05-8EA9734F9E96}" type="datetimeFigureOut">
               <a:rPr lang="en-US" smtClean="0"/>
-              <a:t>9/19/2024</a:t>
+              <a:t>10/1/2024</a:t>
             </a:fld>
             <a:endParaRPr lang="en-US"/>
           </a:p>
@@ -1127,7 +1212,7 @@
           <a:p>
             <a:fld id="{71BEB545-1150-4071-BC05-8EA9734F9E96}" type="datetimeFigureOut">
               <a:rPr lang="en-US" smtClean="0"/>
-              <a:t>9/19/2024</a:t>
+              <a:t>10/1/2024</a:t>
             </a:fld>
             <a:endParaRPr lang="en-US"/>
           </a:p>
@@ -1398,7 +1483,7 @@
           <a:p>
             <a:fld id="{71BEB545-1150-4071-BC05-8EA9734F9E96}" type="datetimeFigureOut">
               <a:rPr lang="en-US" smtClean="0"/>
-              <a:t>9/19/2024</a:t>
+              <a:t>10/1/2024</a:t>
             </a:fld>
             <a:endParaRPr lang="en-US"/>
           </a:p>
@@ -1725,7 +1810,7 @@
           <a:p>
             <a:fld id="{71BEB545-1150-4071-BC05-8EA9734F9E96}" type="datetimeFigureOut">
               <a:rPr lang="en-US" smtClean="0"/>
-              <a:t>9/19/2024</a:t>
+              <a:t>10/1/2024</a:t>
             </a:fld>
             <a:endParaRPr lang="en-US"/>
           </a:p>
@@ -2344,7 +2429,7 @@
           <a:p>
             <a:fld id="{71BEB545-1150-4071-BC05-8EA9734F9E96}" type="datetimeFigureOut">
               <a:rPr lang="en-US" smtClean="0"/>
-              <a:t>9/19/2024</a:t>
+              <a:t>10/1/2024</a:t>
             </a:fld>
             <a:endParaRPr lang="en-US"/>
           </a:p>
@@ -3191,7 +3276,7 @@
           <a:p>
             <a:fld id="{71BEB545-1150-4071-BC05-8EA9734F9E96}" type="datetimeFigureOut">
               <a:rPr lang="en-US" smtClean="0"/>
-              <a:t>9/19/2024</a:t>
+              <a:t>10/1/2024</a:t>
             </a:fld>
             <a:endParaRPr lang="en-US"/>
           </a:p>
@@ -3361,7 +3446,7 @@
           <a:p>
             <a:fld id="{71BEB545-1150-4071-BC05-8EA9734F9E96}" type="datetimeFigureOut">
               <a:rPr lang="en-US" smtClean="0"/>
-              <a:t>9/19/2024</a:t>
+              <a:t>10/1/2024</a:t>
             </a:fld>
             <a:endParaRPr lang="en-US"/>
           </a:p>
@@ -3541,7 +3626,7 @@
           <a:p>
             <a:fld id="{71BEB545-1150-4071-BC05-8EA9734F9E96}" type="datetimeFigureOut">
               <a:rPr lang="en-US" smtClean="0"/>
-              <a:t>9/19/2024</a:t>
+              <a:t>10/1/2024</a:t>
             </a:fld>
             <a:endParaRPr lang="en-US"/>
           </a:p>
@@ -3711,7 +3796,7 @@
           <a:p>
             <a:fld id="{71BEB545-1150-4071-BC05-8EA9734F9E96}" type="datetimeFigureOut">
               <a:rPr lang="en-US" smtClean="0"/>
-              <a:t>9/19/2024</a:t>
+              <a:t>10/1/2024</a:t>
             </a:fld>
             <a:endParaRPr lang="en-US"/>
           </a:p>
@@ -3958,7 +4043,7 @@
           <a:p>
             <a:fld id="{71BEB545-1150-4071-BC05-8EA9734F9E96}" type="datetimeFigureOut">
               <a:rPr lang="en-US" smtClean="0"/>
-              <a:t>9/19/2024</a:t>
+              <a:t>10/1/2024</a:t>
             </a:fld>
             <a:endParaRPr lang="en-US"/>
           </a:p>
@@ -4250,7 +4335,7 @@
           <a:p>
             <a:fld id="{71BEB545-1150-4071-BC05-8EA9734F9E96}" type="datetimeFigureOut">
               <a:rPr lang="en-US" smtClean="0"/>
-              <a:t>9/19/2024</a:t>
+              <a:t>10/1/2024</a:t>
             </a:fld>
             <a:endParaRPr lang="en-US"/>
           </a:p>
@@ -4699,7 +4784,7 @@
           <a:p>
             <a:fld id="{71BEB545-1150-4071-BC05-8EA9734F9E96}" type="datetimeFigureOut">
               <a:rPr lang="en-US" smtClean="0"/>
-              <a:t>9/19/2024</a:t>
+              <a:t>10/1/2024</a:t>
             </a:fld>
             <a:endParaRPr lang="en-US"/>
           </a:p>
@@ -4822,7 +4907,7 @@
           <a:p>
             <a:fld id="{71BEB545-1150-4071-BC05-8EA9734F9E96}" type="datetimeFigureOut">
               <a:rPr lang="en-US" smtClean="0"/>
-              <a:t>9/19/2024</a:t>
+              <a:t>10/1/2024</a:t>
             </a:fld>
             <a:endParaRPr lang="en-US"/>
           </a:p>
@@ -4917,7 +5002,7 @@
           <a:p>
             <a:fld id="{71BEB545-1150-4071-BC05-8EA9734F9E96}" type="datetimeFigureOut">
               <a:rPr lang="en-US" smtClean="0"/>
-              <a:t>9/19/2024</a:t>
+              <a:t>10/1/2024</a:t>
             </a:fld>
             <a:endParaRPr lang="en-US"/>
           </a:p>
@@ -5196,7 +5281,7 @@
           <a:p>
             <a:fld id="{71BEB545-1150-4071-BC05-8EA9734F9E96}" type="datetimeFigureOut">
               <a:rPr lang="en-US" smtClean="0"/>
-              <a:t>9/19/2024</a:t>
+              <a:t>10/1/2024</a:t>
             </a:fld>
             <a:endParaRPr lang="en-US"/>
           </a:p>
@@ -5476,7 +5561,7 @@
           <a:p>
             <a:fld id="{71BEB545-1150-4071-BC05-8EA9734F9E96}" type="datetimeFigureOut">
               <a:rPr lang="en-US" smtClean="0"/>
-              <a:t>9/19/2024</a:t>
+              <a:t>10/1/2024</a:t>
             </a:fld>
             <a:endParaRPr lang="en-US"/>
           </a:p>
@@ -5899,7 +5984,7 @@
           <a:p>
             <a:fld id="{71BEB545-1150-4071-BC05-8EA9734F9E96}" type="datetimeFigureOut">
               <a:rPr lang="en-US" smtClean="0"/>
-              <a:t>9/19/2024</a:t>
+              <a:t>10/1/2024</a:t>
             </a:fld>
             <a:endParaRPr lang="en-US"/>
           </a:p>
@@ -10999,30 +11084,86 @@
           </a:bodyPr>
           <a:lstStyle/>
           <a:p>
+            <a:pPr marL="0" marR="0" lvl="0" indent="0" algn="ctr" defTabSz="457200" rtl="0" eaLnBrk="1" fontAlgn="t" latinLnBrk="0" hangingPunct="1">
+              <a:lnSpc>
+                <a:spcPct val="100000"/>
+              </a:lnSpc>
+              <a:spcBef>
+                <a:spcPts val="0"/>
+              </a:spcBef>
+              <a:spcAft>
+                <a:spcPts val="0"/>
+              </a:spcAft>
+              <a:buClrTx/>
+              <a:buSzTx/>
+              <a:buFontTx/>
+              <a:buNone/>
+              <a:tabLst/>
+              <a:defRPr/>
+            </a:pPr>
             <a:r>
-              <a:rPr lang="en-US" sz="3600" dirty="0">
+              <a:rPr lang="en-US" sz="3600" b="1" dirty="0">
                 <a:solidFill>
-                  <a:srgbClr val="EBEBEB"/>
+                  <a:srgbClr val="FF0000"/>
                 </a:solidFill>
+                <a:latin typeface="Times New Roman" panose="02020603050405020304" pitchFamily="18" charset="0"/>
+                <a:ea typeface="+mn-ea"/>
+                <a:cs typeface="Times New Roman" panose="02020603050405020304" pitchFamily="18" charset="0"/>
+              </a:rPr>
+              <a:t>Hyper : </a:t>
+            </a:r>
+            <a:r>
+              <a:rPr lang="en-US" sz="3600" b="1" i="0" u="none" strike="noStrike" dirty="0">
+                <a:solidFill>
+                  <a:srgbClr val="FF0000"/>
+                </a:solidFill>
+                <a:effectLst/>
                 <a:latin typeface="Times New Roman" panose="02020603050405020304" pitchFamily="18" charset="0"/>
                 <a:cs typeface="Times New Roman" panose="02020603050405020304" pitchFamily="18" charset="0"/>
               </a:rPr>
               <a:t>C</a:t>
             </a:r>
             <a:r>
-              <a:rPr lang="en-US" altLang="zh-CN" sz="3600" dirty="0">
+              <a:rPr lang="en-US" altLang="zh-CN" sz="3600" b="1" i="0" u="none" strike="noStrike" dirty="0">
                 <a:solidFill>
-                  <a:srgbClr val="EBEBEB"/>
+                  <a:srgbClr val="FF0000"/>
                 </a:solidFill>
+                <a:effectLst/>
                 <a:latin typeface="Times New Roman" panose="02020603050405020304" pitchFamily="18" charset="0"/>
                 <a:cs typeface="Times New Roman" panose="02020603050405020304" pitchFamily="18" charset="0"/>
               </a:rPr>
-              <a:t>omparison &amp;Inspiration using SMALL Test Dataset </a:t>
+              <a:t>andidates, </a:t>
             </a:r>
-            <a:endParaRPr lang="en-US" sz="3600" dirty="0">
+            <a:r>
+              <a:rPr lang="en-US" altLang="zh-CN" sz="3600" b="1" i="0" u="none" strike="noStrike" dirty="0" err="1">
+                <a:solidFill>
+                  <a:srgbClr val="FF0000"/>
+                </a:solidFill>
+                <a:effectLst/>
+                <a:latin typeface="Times New Roman" panose="02020603050405020304" pitchFamily="18" charset="0"/>
+                <a:cs typeface="Times New Roman" panose="02020603050405020304" pitchFamily="18" charset="0"/>
+              </a:rPr>
+              <a:t>tsa</a:t>
+            </a:r>
+            <a:r>
+              <a:rPr lang="en-US" altLang="zh-CN" sz="3600" b="1" i="0" u="none" strike="noStrike" dirty="0">
+                <a:solidFill>
+                  <a:srgbClr val="FF0000"/>
+                </a:solidFill>
+                <a:effectLst/>
+                <a:latin typeface="Times New Roman" panose="02020603050405020304" pitchFamily="18" charset="0"/>
+                <a:cs typeface="Times New Roman" panose="02020603050405020304" pitchFamily="18" charset="0"/>
+              </a:rPr>
+              <a:t> or not</a:t>
+            </a:r>
+            <a:endParaRPr lang="en-US" sz="3600" b="1" kern="1200" dirty="0">
               <a:solidFill>
-                <a:srgbClr val="EBEBEB"/>
+                <a:srgbClr val="FF0000"/>
               </a:solidFill>
+              <a:effectLst/>
+              <a:latin typeface="Times New Roman" panose="02020603050405020304" pitchFamily="18" charset="0"/>
+              <a:ea typeface="+mn-ea"/>
+              <a:cs typeface="Times New Roman" panose="02020603050405020304" pitchFamily="18" charset="0"/>
             </a:endParaRPr>
           </a:p>
         </p:txBody>
@@ -11761,7 +11902,7 @@
           <p:nvPr>
             <p:extLst>
               <p:ext uri="{D42A27DB-BD31-4B8C-83A1-F6EECF244321}">
-                <p14:modId xmlns:p14="http://schemas.microsoft.com/office/powerpoint/2010/main" val="3154547690"/>
+                <p14:modId xmlns:p14="http://schemas.microsoft.com/office/powerpoint/2010/main" val="2088042201"/>
               </p:ext>
             </p:extLst>
           </p:nvPr>
@@ -11910,13 +12051,16 @@
                         </a:rPr>
                         <a:t>KICMistral</a:t>
                       </a:r>
-                      <a:endParaRPr lang="en-US" sz="1400" b="1" dirty="0">
-                        <a:solidFill>
-                          <a:schemeClr val="tx1"/>
-                        </a:solidFill>
-                        <a:latin typeface="Times New Roman" panose="02020603050405020304" pitchFamily="18" charset="0"/>
-                        <a:cs typeface="Times New Roman" panose="02020603050405020304" pitchFamily="18" charset="0"/>
-                      </a:endParaRPr>
+                      <a:r>
+                        <a:rPr lang="en-US" sz="1400" b="1" dirty="0">
+                          <a:solidFill>
+                            <a:schemeClr val="tx1"/>
+                          </a:solidFill>
+                          <a:latin typeface="Times New Roman" panose="02020603050405020304" pitchFamily="18" charset="0"/>
+                          <a:cs typeface="Times New Roman" panose="02020603050405020304" pitchFamily="18" charset="0"/>
+                        </a:rPr>
+                        <a:t> 8X7B-50</a:t>
+                      </a:r>
                     </a:p>
                   </a:txBody>
                   <a:tcPr/>
@@ -13741,6 +13885,112 @@
 </file>
 
 <file path=ppt/slides/slide6.xml><?xml version="1.0" encoding="utf-8"?>
+<p:sld xmlns:a="http://schemas.openxmlformats.org/drawingml/2006/main" xmlns:r="http://schemas.openxmlformats.org/officeDocument/2006/relationships" xmlns:p="http://schemas.openxmlformats.org/presentationml/2006/main">
+  <p:cSld>
+    <p:spTree>
+      <p:nvGrpSpPr>
+        <p:cNvPr id="1" name=""/>
+        <p:cNvGrpSpPr/>
+        <p:nvPr/>
+      </p:nvGrpSpPr>
+      <p:grpSpPr>
+        <a:xfrm>
+          <a:off x="0" y="0"/>
+          <a:ext cx="0" cy="0"/>
+          <a:chOff x="0" y="0"/>
+          <a:chExt cx="0" cy="0"/>
+        </a:xfrm>
+      </p:grpSpPr>
+      <p:sp>
+        <p:nvSpPr>
+          <p:cNvPr id="2" name="Titel 1">
+            <a:extLst>
+              <a:ext uri="{FF2B5EF4-FFF2-40B4-BE49-F238E27FC236}">
+                <a16:creationId xmlns:a16="http://schemas.microsoft.com/office/drawing/2014/main" id="{63906CCA-E9C9-8930-4862-A1B0B9155973}"/>
+              </a:ext>
+            </a:extLst>
+          </p:cNvPr>
+          <p:cNvSpPr>
+            <a:spLocks noGrp="1"/>
+          </p:cNvSpPr>
+          <p:nvPr>
+            <p:ph type="title"/>
+          </p:nvPr>
+        </p:nvSpPr>
+        <p:spPr/>
+        <p:txBody>
+          <a:bodyPr/>
+          <a:lstStyle/>
+          <a:p>
+            <a:r>
+              <a:rPr lang="en-US" dirty="0"/>
+              <a:t>Possible </a:t>
+            </a:r>
+            <a:r>
+              <a:rPr lang="en-US" dirty="0">
+                <a:latin typeface="Times New Roman" panose="02020603050405020304" pitchFamily="18" charset="0"/>
+                <a:cs typeface="Times New Roman" panose="02020603050405020304" pitchFamily="18" charset="0"/>
+              </a:rPr>
+              <a:t>Reason</a:t>
+            </a:r>
+          </a:p>
+        </p:txBody>
+      </p:sp>
+      <p:sp>
+        <p:nvSpPr>
+          <p:cNvPr id="3" name="Inhaltsplatzhalter 2">
+            <a:extLst>
+              <a:ext uri="{FF2B5EF4-FFF2-40B4-BE49-F238E27FC236}">
+                <a16:creationId xmlns:a16="http://schemas.microsoft.com/office/drawing/2014/main" id="{7AC1868E-46D5-5F26-1B49-5F06921FC9D4}"/>
+              </a:ext>
+            </a:extLst>
+          </p:cNvPr>
+          <p:cNvSpPr>
+            <a:spLocks noGrp="1"/>
+          </p:cNvSpPr>
+          <p:nvPr>
+            <p:ph idx="1"/>
+          </p:nvPr>
+        </p:nvSpPr>
+        <p:spPr>
+          <a:xfrm>
+            <a:off x="1103312" y="2052918"/>
+            <a:ext cx="9642273" cy="4195481"/>
+          </a:xfrm>
+        </p:spPr>
+        <p:txBody>
+          <a:bodyPr>
+            <a:normAutofit/>
+          </a:bodyPr>
+          <a:lstStyle/>
+          <a:p>
+            <a:pPr marL="0" indent="0">
+              <a:buNone/>
+            </a:pPr>
+            <a:r>
+              <a:rPr lang="en-US" sz="3600" dirty="0">
+                <a:latin typeface="Times New Roman" panose="02020603050405020304" pitchFamily="18" charset="0"/>
+                <a:cs typeface="Times New Roman" panose="02020603050405020304" pitchFamily="18" charset="0"/>
+              </a:rPr>
+              <a:t>This may be because these demonstrations and aligned text are mutually supportive, which enhances the confidence of LLM to understand correct semantics, but for relations that LLM does not understand well. the aligned texts may not convey the true semantics. </a:t>
+            </a:r>
+          </a:p>
+        </p:txBody>
+      </p:sp>
+    </p:spTree>
+    <p:extLst>
+      <p:ext uri="{BB962C8B-B14F-4D97-AF65-F5344CB8AC3E}">
+        <p14:creationId xmlns:p14="http://schemas.microsoft.com/office/powerpoint/2010/main" val="1360671635"/>
+      </p:ext>
+    </p:extLst>
+  </p:cSld>
+  <p:clrMapOvr>
+    <a:masterClrMapping/>
+  </p:clrMapOvr>
+</p:sld>
+</file>
+
+<file path=ppt/slides/slide7.xml><?xml version="1.0" encoding="utf-8"?>
 <p:sld xmlns:a="http://schemas.openxmlformats.org/drawingml/2006/main" xmlns:r="http://schemas.openxmlformats.org/officeDocument/2006/relationships" xmlns:p="http://schemas.openxmlformats.org/presentationml/2006/main">
   <p:cSld>
     <p:bg>
@@ -14271,30 +14521,54 @@
           </a:bodyPr>
           <a:lstStyle/>
           <a:p>
+            <a:pPr marL="0" marR="0" lvl="0" indent="0" algn="ctr" defTabSz="457200" rtl="0" eaLnBrk="1" fontAlgn="t" latinLnBrk="0" hangingPunct="1">
+              <a:lnSpc>
+                <a:spcPct val="100000"/>
+              </a:lnSpc>
+              <a:spcBef>
+                <a:spcPts val="0"/>
+              </a:spcBef>
+              <a:spcAft>
+                <a:spcPts val="0"/>
+              </a:spcAft>
+              <a:buClrTx/>
+              <a:buSzTx/>
+              <a:buFontTx/>
+              <a:buNone/>
+              <a:tabLst/>
+              <a:defRPr/>
+            </a:pPr>
             <a:r>
-              <a:rPr lang="en-US" sz="3600" dirty="0">
+              <a:rPr lang="en-US" sz="3600" b="1" dirty="0">
                 <a:solidFill>
-                  <a:srgbClr val="EBEBEB"/>
+                  <a:srgbClr val="FF0000"/>
                 </a:solidFill>
                 <a:latin typeface="Times New Roman" panose="02020603050405020304" pitchFamily="18" charset="0"/>
+                <a:ea typeface="+mn-ea"/>
                 <a:cs typeface="Times New Roman" panose="02020603050405020304" pitchFamily="18" charset="0"/>
               </a:rPr>
-              <a:t>C</a:t>
+              <a:t>Hyper : </a:t>
             </a:r>
             <a:r>
-              <a:rPr lang="en-US" altLang="zh-CN" sz="3600" dirty="0">
+              <a:rPr lang="en-US" sz="3600" b="1" kern="1200" dirty="0" err="1">
                 <a:solidFill>
-                  <a:srgbClr val="EBEBEB"/>
+                  <a:srgbClr val="FF0000"/>
                 </a:solidFill>
+                <a:effectLst/>
                 <a:latin typeface="Times New Roman" panose="02020603050405020304" pitchFamily="18" charset="0"/>
+                <a:ea typeface="+mn-ea"/>
                 <a:cs typeface="Times New Roman" panose="02020603050405020304" pitchFamily="18" charset="0"/>
               </a:rPr>
-              <a:t>omparison &amp;Inspiration using SMALL Test Dataset </a:t>
+              <a:t>eff_demon_step</a:t>
             </a:r>
-            <a:endParaRPr lang="en-US" sz="3600" dirty="0">
+            <a:endParaRPr lang="en-US" sz="3600" b="1" kern="1200" dirty="0">
               <a:solidFill>
-                <a:srgbClr val="EBEBEB"/>
+                <a:srgbClr val="FF0000"/>
               </a:solidFill>
+              <a:effectLst/>
+              <a:latin typeface="Times New Roman" panose="02020603050405020304" pitchFamily="18" charset="0"/>
+              <a:ea typeface="+mn-ea"/>
+              <a:cs typeface="Times New Roman" panose="02020603050405020304" pitchFamily="18" charset="0"/>
             </a:endParaRPr>
           </a:p>
         </p:txBody>
@@ -15063,14 +15337,14 @@
           <p:nvPr>
             <p:extLst>
               <p:ext uri="{D42A27DB-BD31-4B8C-83A1-F6EECF244321}">
-                <p14:modId xmlns:p14="http://schemas.microsoft.com/office/powerpoint/2010/main" val="4187638389"/>
+                <p14:modId xmlns:p14="http://schemas.microsoft.com/office/powerpoint/2010/main" val="4032348806"/>
               </p:ext>
             </p:extLst>
           </p:nvPr>
         </p:nvGraphicFramePr>
         <p:xfrm>
-          <a:off x="594392" y="2163623"/>
-          <a:ext cx="11319417" cy="4288705"/>
+          <a:off x="1032195" y="1924845"/>
+          <a:ext cx="9347629" cy="4323558"/>
         </p:xfrm>
         <a:graphic>
           <a:graphicData uri="http://schemas.openxmlformats.org/drawingml/2006/table">
@@ -15079,71 +15353,43 @@
                 <a:tableStyleId>{5C22544A-7EE6-4342-B048-85BDC9FD1C3A}</a:tableStyleId>
               </a:tblPr>
               <a:tblGrid>
-                <a:gridCol w="1333753">
+                <a:gridCol w="1970641">
                   <a:extLst>
                     <a:ext uri="{9D8B030D-6E8A-4147-A177-3AD203B41FA5}">
                       <a16:colId xmlns:a16="http://schemas.microsoft.com/office/drawing/2014/main" val="2585912005"/>
                     </a:ext>
                   </a:extLst>
                 </a:gridCol>
-                <a:gridCol w="1248208">
+                <a:gridCol w="1844247">
                   <a:extLst>
                     <a:ext uri="{9D8B030D-6E8A-4147-A177-3AD203B41FA5}">
                       <a16:colId xmlns:a16="http://schemas.microsoft.com/office/drawing/2014/main" val="843601698"/>
                     </a:ext>
                   </a:extLst>
                 </a:gridCol>
-                <a:gridCol w="1248208">
+                <a:gridCol w="1844247">
                   <a:extLst>
                     <a:ext uri="{9D8B030D-6E8A-4147-A177-3AD203B41FA5}">
                       <a16:colId xmlns:a16="http://schemas.microsoft.com/office/drawing/2014/main" val="180885657"/>
                     </a:ext>
                   </a:extLst>
                 </a:gridCol>
-                <a:gridCol w="1248208">
+                <a:gridCol w="1844247">
                   <a:extLst>
                     <a:ext uri="{9D8B030D-6E8A-4147-A177-3AD203B41FA5}">
                       <a16:colId xmlns:a16="http://schemas.microsoft.com/office/drawing/2014/main" val="2540190345"/>
                     </a:ext>
                   </a:extLst>
                 </a:gridCol>
-                <a:gridCol w="1248208">
+                <a:gridCol w="1844247">
                   <a:extLst>
                     <a:ext uri="{9D8B030D-6E8A-4147-A177-3AD203B41FA5}">
                       <a16:colId xmlns:a16="http://schemas.microsoft.com/office/drawing/2014/main" val="3076687557"/>
                     </a:ext>
                   </a:extLst>
                 </a:gridCol>
-                <a:gridCol w="1248208">
-                  <a:extLst>
-                    <a:ext uri="{9D8B030D-6E8A-4147-A177-3AD203B41FA5}">
-                      <a16:colId xmlns:a16="http://schemas.microsoft.com/office/drawing/2014/main" val="773496404"/>
-                    </a:ext>
-                  </a:extLst>
-                </a:gridCol>
-                <a:gridCol w="1248208">
-                  <a:extLst>
-                    <a:ext uri="{9D8B030D-6E8A-4147-A177-3AD203B41FA5}">
-                      <a16:colId xmlns:a16="http://schemas.microsoft.com/office/drawing/2014/main" val="613038868"/>
-                    </a:ext>
-                  </a:extLst>
-                </a:gridCol>
-                <a:gridCol w="1248208">
-                  <a:extLst>
-                    <a:ext uri="{9D8B030D-6E8A-4147-A177-3AD203B41FA5}">
-                      <a16:colId xmlns:a16="http://schemas.microsoft.com/office/drawing/2014/main" val="3042228748"/>
-                    </a:ext>
-                  </a:extLst>
-                </a:gridCol>
-                <a:gridCol w="1248208">
-                  <a:extLst>
-                    <a:ext uri="{9D8B030D-6E8A-4147-A177-3AD203B41FA5}">
-                      <a16:colId xmlns:a16="http://schemas.microsoft.com/office/drawing/2014/main" val="986472483"/>
-                    </a:ext>
-                  </a:extLst>
-                </a:gridCol>
               </a:tblGrid>
-              <a:tr h="369628">
+              <a:tr h="386000">
                 <a:tc>
                   <a:txBody>
                     <a:bodyPr/>
@@ -15253,163 +15499,13 @@
                   </a:txBody>
                   <a:tcPr/>
                 </a:tc>
-                <a:tc gridSpan="4">
-                  <a:txBody>
-                    <a:bodyPr/>
-                    <a:lstStyle/>
-                    <a:p>
-                      <a:pPr marL="0" marR="0" lvl="0" indent="0" algn="ctr" defTabSz="457200" rtl="0" eaLnBrk="1" fontAlgn="auto" latinLnBrk="0" hangingPunct="1">
-                        <a:lnSpc>
-                          <a:spcPct val="100000"/>
-                        </a:lnSpc>
-                        <a:spcBef>
-                          <a:spcPts val="0"/>
-                        </a:spcBef>
-                        <a:spcAft>
-                          <a:spcPts val="0"/>
-                        </a:spcAft>
-                        <a:buClrTx/>
-                        <a:buSzTx/>
-                        <a:buFontTx/>
-                        <a:buNone/>
-                        <a:tabLst/>
-                        <a:defRPr/>
-                      </a:pPr>
-                      <a:r>
-                        <a:rPr lang="en-US" sz="1400" b="1" dirty="0" err="1">
-                          <a:solidFill>
-                            <a:schemeClr val="tx1"/>
-                          </a:solidFill>
-                          <a:latin typeface="Times New Roman" panose="02020603050405020304" pitchFamily="18" charset="0"/>
-                          <a:cs typeface="Times New Roman" panose="02020603050405020304" pitchFamily="18" charset="0"/>
-                        </a:rPr>
-                        <a:t>KICMistral</a:t>
-                      </a:r>
-                      <a:r>
-                        <a:rPr lang="en-US" sz="1400" b="1" dirty="0">
-                          <a:solidFill>
-                            <a:schemeClr val="tx1"/>
-                          </a:solidFill>
-                          <a:latin typeface="Times New Roman" panose="02020603050405020304" pitchFamily="18" charset="0"/>
-                          <a:cs typeface="Times New Roman" panose="02020603050405020304" pitchFamily="18" charset="0"/>
-                        </a:rPr>
-                        <a:t> 8X7B-50</a:t>
-                      </a:r>
-                    </a:p>
-                    <a:p>
-                      <a:pPr algn="ctr" rtl="0" fontAlgn="t">
-                        <a:spcBef>
-                          <a:spcPts val="0"/>
-                        </a:spcBef>
-                        <a:spcAft>
-                          <a:spcPts val="0"/>
-                        </a:spcAft>
-                      </a:pPr>
-                      <a:r>
-                        <a:rPr lang="en-US" altLang="zh-CN" sz="1400" b="1" u="none" dirty="0" err="1">
-                          <a:solidFill>
-                            <a:schemeClr val="tx1"/>
-                          </a:solidFill>
-                          <a:effectLst/>
-                          <a:latin typeface="Times New Roman" panose="02020603050405020304" pitchFamily="18" charset="0"/>
-                          <a:cs typeface="Times New Roman" panose="02020603050405020304" pitchFamily="18" charset="0"/>
-                        </a:rPr>
-                        <a:t>tsa</a:t>
-                      </a:r>
-                      <a:endParaRPr lang="en-US" sz="1400" b="1" u="none" dirty="0">
-                        <a:solidFill>
-                          <a:schemeClr val="tx1"/>
-                        </a:solidFill>
-                        <a:effectLst/>
-                        <a:latin typeface="Times New Roman" panose="02020603050405020304" pitchFamily="18" charset="0"/>
-                        <a:cs typeface="Times New Roman" panose="02020603050405020304" pitchFamily="18" charset="0"/>
-                      </a:endParaRPr>
-                    </a:p>
-                  </a:txBody>
-                  <a:tcPr/>
-                </a:tc>
-                <a:tc hMerge="1">
-                  <a:txBody>
-                    <a:bodyPr/>
-                    <a:lstStyle/>
-                    <a:p>
-                      <a:pPr algn="ctr" rtl="0" fontAlgn="t">
-                        <a:spcBef>
-                          <a:spcPts val="0"/>
-                        </a:spcBef>
-                        <a:spcAft>
-                          <a:spcPts val="0"/>
-                        </a:spcAft>
-                      </a:pPr>
-                      <a:endParaRPr lang="en-US" sz="1400" b="1" u="none" dirty="0">
-                        <a:solidFill>
-                          <a:schemeClr val="tx1"/>
-                        </a:solidFill>
-                        <a:effectLst/>
-                        <a:latin typeface="Times New Roman" panose="02020603050405020304" pitchFamily="18" charset="0"/>
-                        <a:cs typeface="Times New Roman" panose="02020603050405020304" pitchFamily="18" charset="0"/>
-                      </a:endParaRPr>
-                    </a:p>
-                  </a:txBody>
-                  <a:tcPr/>
-                </a:tc>
-                <a:tc hMerge="1">
-                  <a:txBody>
-                    <a:bodyPr/>
-                    <a:lstStyle/>
-                    <a:p>
-                      <a:pPr algn="ctr" rtl="0" fontAlgn="t">
-                        <a:spcBef>
-                          <a:spcPts val="0"/>
-                        </a:spcBef>
-                        <a:spcAft>
-                          <a:spcPts val="0"/>
-                        </a:spcAft>
-                      </a:pPr>
-                      <a:endParaRPr lang="en-US" sz="1400" b="1" u="none" dirty="0">
-                        <a:solidFill>
-                          <a:schemeClr val="tx1"/>
-                        </a:solidFill>
-                        <a:effectLst/>
-                        <a:latin typeface="Times New Roman" panose="02020603050405020304" pitchFamily="18" charset="0"/>
-                        <a:cs typeface="Times New Roman" panose="02020603050405020304" pitchFamily="18" charset="0"/>
-                      </a:endParaRPr>
-                    </a:p>
-                  </a:txBody>
-                  <a:tcPr/>
-                </a:tc>
-                <a:tc hMerge="1">
-                  <a:txBody>
-                    <a:bodyPr/>
-                    <a:lstStyle/>
-                    <a:p>
-                      <a:pPr algn="ctr" rtl="0" fontAlgn="t">
-                        <a:spcBef>
-                          <a:spcPts val="0"/>
-                        </a:spcBef>
-                        <a:spcAft>
-                          <a:spcPts val="0"/>
-                        </a:spcAft>
-                      </a:pPr>
-                      <a:endParaRPr lang="en-US" sz="1400" b="1" u="none" dirty="0">
-                        <a:solidFill>
-                          <a:schemeClr val="tx1"/>
-                        </a:solidFill>
-                        <a:effectLst/>
-                        <a:latin typeface="Times New Roman" panose="02020603050405020304" pitchFamily="18" charset="0"/>
-                        <a:cs typeface="Times New Roman" panose="02020603050405020304" pitchFamily="18" charset="0"/>
-                      </a:endParaRPr>
-                    </a:p>
-                  </a:txBody>
-                  <a:tcPr/>
-                </a:tc>
                 <a:extLst>
                   <a:ext uri="{0D108BD9-81ED-4DB2-BD59-A6C34878D82A}">
                     <a16:rowId xmlns:a16="http://schemas.microsoft.com/office/drawing/2014/main" val="2004111872"/>
                   </a:ext>
                 </a:extLst>
               </a:tr>
-              <a:tr h="359323">
+              <a:tr h="375239">
                 <a:tc>
                   <a:txBody>
                     <a:bodyPr/>
@@ -15589,145 +15685,13 @@
                   </a:txBody>
                   <a:tcPr marL="63500" marR="63500" marT="63500" marB="63500" anchor="ctr"/>
                 </a:tc>
-                <a:tc>
-                  <a:txBody>
-                    <a:bodyPr/>
-                    <a:lstStyle/>
-                    <a:p>
-                      <a:pPr algn="ctr" rtl="0" fontAlgn="t">
-                        <a:spcBef>
-                          <a:spcPts val="0"/>
-                        </a:spcBef>
-                        <a:spcAft>
-                          <a:spcPts val="0"/>
-                        </a:spcAft>
-                      </a:pPr>
-                      <a:r>
-                        <a:rPr lang="en-US" sz="1400" b="1" i="0" u="none" strike="noStrike" dirty="0">
-                          <a:solidFill>
-                            <a:srgbClr val="000000"/>
-                          </a:solidFill>
-                          <a:effectLst/>
-                          <a:latin typeface="Times New Roman" panose="02020603050405020304" pitchFamily="18" charset="0"/>
-                          <a:cs typeface="Times New Roman" panose="02020603050405020304" pitchFamily="18" charset="0"/>
-                        </a:rPr>
-                        <a:t>MRR</a:t>
-                      </a:r>
-                      <a:endParaRPr lang="en-US" sz="1400" u="none" dirty="0">
-                        <a:effectLst/>
-                        <a:latin typeface="Times New Roman" panose="02020603050405020304" pitchFamily="18" charset="0"/>
-                        <a:cs typeface="Times New Roman" panose="02020603050405020304" pitchFamily="18" charset="0"/>
-                      </a:endParaRPr>
-                    </a:p>
-                  </a:txBody>
-                  <a:tcPr marL="63500" marR="63500" marT="63500" marB="63500" anchor="ctr"/>
-                </a:tc>
-                <a:tc>
-                  <a:txBody>
-                    <a:bodyPr/>
-                    <a:lstStyle/>
-                    <a:p>
-                      <a:pPr algn="ctr" rtl="0" fontAlgn="t">
-                        <a:spcBef>
-                          <a:spcPts val="0"/>
-                        </a:spcBef>
-                        <a:spcAft>
-                          <a:spcPts val="0"/>
-                        </a:spcAft>
-                      </a:pPr>
-                      <a:r>
-                        <a:rPr lang="en-US" sz="1400" b="1" i="0" u="none" strike="noStrike" dirty="0">
-                          <a:solidFill>
-                            <a:srgbClr val="000000"/>
-                          </a:solidFill>
-                          <a:effectLst/>
-                          <a:latin typeface="Times New Roman" panose="02020603050405020304" pitchFamily="18" charset="0"/>
-                          <a:cs typeface="Times New Roman" panose="02020603050405020304" pitchFamily="18" charset="0"/>
-                        </a:rPr>
-                        <a:t>Hits@1</a:t>
-                      </a:r>
-                      <a:endParaRPr lang="en-US" sz="1400" u="none" dirty="0">
-                        <a:effectLst/>
-                        <a:latin typeface="Times New Roman" panose="02020603050405020304" pitchFamily="18" charset="0"/>
-                        <a:cs typeface="Times New Roman" panose="02020603050405020304" pitchFamily="18" charset="0"/>
-                      </a:endParaRPr>
-                    </a:p>
-                  </a:txBody>
-                  <a:tcPr marL="63500" marR="63500" marT="63500" marB="63500" anchor="ctr"/>
-                </a:tc>
-                <a:tc>
-                  <a:txBody>
-                    <a:bodyPr/>
-                    <a:lstStyle/>
-                    <a:p>
-                      <a:pPr algn="ctr" rtl="0" fontAlgn="t">
-                        <a:spcBef>
-                          <a:spcPts val="0"/>
-                        </a:spcBef>
-                        <a:spcAft>
-                          <a:spcPts val="0"/>
-                        </a:spcAft>
-                      </a:pPr>
-                      <a:r>
-                        <a:rPr lang="en-US" sz="1400" b="1" i="0" u="none" strike="noStrike" dirty="0">
-                          <a:solidFill>
-                            <a:srgbClr val="000000"/>
-                          </a:solidFill>
-                          <a:effectLst/>
-                          <a:latin typeface="Times New Roman" panose="02020603050405020304" pitchFamily="18" charset="0"/>
-                          <a:cs typeface="Times New Roman" panose="02020603050405020304" pitchFamily="18" charset="0"/>
-                        </a:rPr>
-                        <a:t>Hits@3</a:t>
-                      </a:r>
-                      <a:endParaRPr lang="en-US" sz="1400" u="none" dirty="0">
-                        <a:effectLst/>
-                        <a:latin typeface="Times New Roman" panose="02020603050405020304" pitchFamily="18" charset="0"/>
-                        <a:cs typeface="Times New Roman" panose="02020603050405020304" pitchFamily="18" charset="0"/>
-                      </a:endParaRPr>
-                    </a:p>
-                  </a:txBody>
-                  <a:tcPr marL="63500" marR="63500" marT="63500" marB="63500" anchor="ctr"/>
-                </a:tc>
-                <a:tc>
-                  <a:txBody>
-                    <a:bodyPr/>
-                    <a:lstStyle/>
-                    <a:p>
-                      <a:pPr algn="ctr" rtl="0" fontAlgn="t">
-                        <a:spcBef>
-                          <a:spcPts val="0"/>
-                        </a:spcBef>
-                        <a:spcAft>
-                          <a:spcPts val="0"/>
-                        </a:spcAft>
-                      </a:pPr>
-                      <a:r>
-                        <a:rPr lang="en-US" sz="1400" b="1" i="0" u="none" strike="noStrike" dirty="0">
-                          <a:solidFill>
-                            <a:srgbClr val="000000"/>
-                          </a:solidFill>
-                          <a:effectLst/>
-                          <a:latin typeface="Times New Roman" panose="02020603050405020304" pitchFamily="18" charset="0"/>
-                          <a:cs typeface="Times New Roman" panose="02020603050405020304" pitchFamily="18" charset="0"/>
-                        </a:rPr>
-                        <a:t>Hits@10</a:t>
-                      </a:r>
-                      <a:endParaRPr lang="en-US" sz="1400" u="none" dirty="0">
-                        <a:effectLst/>
-                        <a:latin typeface="Times New Roman" panose="02020603050405020304" pitchFamily="18" charset="0"/>
-                        <a:cs typeface="Times New Roman" panose="02020603050405020304" pitchFamily="18" charset="0"/>
-                      </a:endParaRPr>
-                    </a:p>
-                  </a:txBody>
-                  <a:tcPr marL="63500" marR="63500" marT="63500" marB="63500" anchor="ctr"/>
-                </a:tc>
                 <a:extLst>
                   <a:ext uri="{0D108BD9-81ED-4DB2-BD59-A6C34878D82A}">
                     <a16:rowId xmlns:a16="http://schemas.microsoft.com/office/drawing/2014/main" val="1788014971"/>
                   </a:ext>
                 </a:extLst>
               </a:tr>
-              <a:tr h="335645">
+              <a:tr h="355436">
                 <a:tc>
                   <a:txBody>
                     <a:bodyPr/>
@@ -15864,106 +15828,6 @@
                         </a:rPr>
                         <a:t>0.5500</a:t>
                       </a:r>
-                    </a:p>
-                  </a:txBody>
-                  <a:tcPr marL="63500" marR="63500" marT="63500" marB="63500" anchor="ctr"/>
-                </a:tc>
-                <a:tc>
-                  <a:txBody>
-                    <a:bodyPr/>
-                    <a:lstStyle/>
-                    <a:p>
-                      <a:pPr algn="ctr" rtl="0" fontAlgn="ctr">
-                        <a:spcBef>
-                          <a:spcPts val="0"/>
-                        </a:spcBef>
-                        <a:spcAft>
-                          <a:spcPts val="0"/>
-                        </a:spcAft>
-                      </a:pPr>
-                      <a:endParaRPr lang="en-US" sz="1400" b="0" u="none" dirty="0">
-                        <a:solidFill>
-                          <a:schemeClr val="tx1"/>
-                        </a:solidFill>
-                        <a:effectLst/>
-                        <a:latin typeface="Times New Roman" panose="02020603050405020304" pitchFamily="18" charset="0"/>
-                        <a:cs typeface="Times New Roman" panose="02020603050405020304" pitchFamily="18" charset="0"/>
-                      </a:endParaRPr>
-                    </a:p>
-                  </a:txBody>
-                  <a:tcPr marL="63500" marR="63500" marT="63500" marB="63500" anchor="ctr"/>
-                </a:tc>
-                <a:tc>
-                  <a:txBody>
-                    <a:bodyPr/>
-                    <a:lstStyle/>
-                    <a:p>
-                      <a:pPr algn="ctr" rtl="0" fontAlgn="ctr">
-                        <a:spcBef>
-                          <a:spcPts val="0"/>
-                        </a:spcBef>
-                        <a:spcAft>
-                          <a:spcPts val="0"/>
-                        </a:spcAft>
-                      </a:pPr>
-                      <a:endParaRPr lang="en-US" sz="1400" b="0" u="none" dirty="0">
-                        <a:solidFill>
-                          <a:schemeClr val="tx1"/>
-                        </a:solidFill>
-                        <a:effectLst/>
-                        <a:latin typeface="Times New Roman" panose="02020603050405020304" pitchFamily="18" charset="0"/>
-                        <a:cs typeface="Times New Roman" panose="02020603050405020304" pitchFamily="18" charset="0"/>
-                      </a:endParaRPr>
-                    </a:p>
-                  </a:txBody>
-                  <a:tcPr marL="63500" marR="63500" marT="63500" marB="63500" anchor="ctr"/>
-                </a:tc>
-                <a:tc>
-                  <a:txBody>
-                    <a:bodyPr/>
-                    <a:lstStyle/>
-                    <a:p>
-                      <a:pPr algn="ctr" rtl="0" fontAlgn="ctr">
-                        <a:spcBef>
-                          <a:spcPts val="0"/>
-                        </a:spcBef>
-                        <a:spcAft>
-                          <a:spcPts val="0"/>
-                        </a:spcAft>
-                      </a:pPr>
-                      <a:endParaRPr lang="en-US" sz="1400" b="0" u="none" dirty="0">
-                        <a:solidFill>
-                          <a:schemeClr val="tx1"/>
-                        </a:solidFill>
-                        <a:effectLst/>
-                        <a:latin typeface="Times New Roman" panose="02020603050405020304" pitchFamily="18" charset="0"/>
-                        <a:cs typeface="Times New Roman" panose="02020603050405020304" pitchFamily="18" charset="0"/>
-                      </a:endParaRPr>
-                    </a:p>
-                  </a:txBody>
-                  <a:tcPr marL="63500" marR="63500" marT="63500" marB="63500" anchor="ctr"/>
-                </a:tc>
-                <a:tc>
-                  <a:txBody>
-                    <a:bodyPr/>
-                    <a:lstStyle/>
-                    <a:p>
-                      <a:pPr algn="ctr" rtl="0" fontAlgn="ctr">
-                        <a:spcBef>
-                          <a:spcPts val="0"/>
-                        </a:spcBef>
-                        <a:spcAft>
-                          <a:spcPts val="0"/>
-                        </a:spcAft>
-                      </a:pPr>
-                      <a:endParaRPr lang="en-US" sz="1400" b="0" u="none" dirty="0">
-                        <a:solidFill>
-                          <a:schemeClr val="tx1"/>
-                        </a:solidFill>
-                        <a:effectLst/>
-                        <a:latin typeface="Times New Roman" panose="02020603050405020304" pitchFamily="18" charset="0"/>
-                        <a:cs typeface="Times New Roman" panose="02020603050405020304" pitchFamily="18" charset="0"/>
-                      </a:endParaRPr>
                     </a:p>
                   </a:txBody>
                   <a:tcPr marL="63500" marR="63500" marT="63500" marB="63500" anchor="ctr"/>
@@ -15974,7 +15838,7 @@
                   </a:ext>
                 </a:extLst>
               </a:tr>
-              <a:tr h="347982">
+              <a:tr h="363395">
                 <a:tc>
                   <a:txBody>
                     <a:bodyPr/>
@@ -16124,113 +15988,13 @@
                   </a:txBody>
                   <a:tcPr marL="63500" marR="63500" marT="63500" marB="63500" anchor="ctr"/>
                 </a:tc>
-                <a:tc>
-                  <a:txBody>
-                    <a:bodyPr/>
-                    <a:lstStyle/>
-                    <a:p>
-                      <a:pPr algn="ctr" rtl="0" fontAlgn="ctr">
-                        <a:spcBef>
-                          <a:spcPts val="0"/>
-                        </a:spcBef>
-                        <a:spcAft>
-                          <a:spcPts val="0"/>
-                        </a:spcAft>
-                      </a:pPr>
-                      <a:endParaRPr lang="en-US" sz="1400" b="0" u="none" dirty="0">
-                        <a:solidFill>
-                          <a:schemeClr val="tx1"/>
-                        </a:solidFill>
-                        <a:effectLst/>
-                        <a:latin typeface="Times New Roman" panose="02020603050405020304" pitchFamily="18" charset="0"/>
-                        <a:cs typeface="Times New Roman" panose="02020603050405020304" pitchFamily="18" charset="0"/>
-                      </a:endParaRPr>
-                    </a:p>
-                  </a:txBody>
-                  <a:tcPr marL="63500" marR="63500" marT="63500" marB="63500" anchor="ctr"/>
-                </a:tc>
-                <a:tc>
-                  <a:txBody>
-                    <a:bodyPr/>
-                    <a:lstStyle/>
-                    <a:p>
-                      <a:pPr algn="ctr" rtl="0" fontAlgn="ctr">
-                        <a:spcBef>
-                          <a:spcPts val="0"/>
-                        </a:spcBef>
-                        <a:spcAft>
-                          <a:spcPts val="0"/>
-                        </a:spcAft>
-                      </a:pPr>
-                      <a:endParaRPr lang="en-US" sz="1400" b="0" u="none" dirty="0">
-                        <a:solidFill>
-                          <a:schemeClr val="tx1"/>
-                        </a:solidFill>
-                        <a:effectLst/>
-                        <a:latin typeface="Times New Roman" panose="02020603050405020304" pitchFamily="18" charset="0"/>
-                        <a:cs typeface="Times New Roman" panose="02020603050405020304" pitchFamily="18" charset="0"/>
-                      </a:endParaRPr>
-                    </a:p>
-                  </a:txBody>
-                  <a:tcPr marL="63500" marR="63500" marT="63500" marB="63500" anchor="ctr"/>
-                </a:tc>
-                <a:tc>
-                  <a:txBody>
-                    <a:bodyPr/>
-                    <a:lstStyle/>
-                    <a:p>
-                      <a:pPr algn="ctr" rtl="0" fontAlgn="ctr">
-                        <a:spcBef>
-                          <a:spcPts val="0"/>
-                        </a:spcBef>
-                        <a:spcAft>
-                          <a:spcPts val="0"/>
-                        </a:spcAft>
-                      </a:pPr>
-                      <a:endParaRPr lang="en-US" sz="1400" b="0" u="none" dirty="0">
-                        <a:solidFill>
-                          <a:schemeClr val="tx1"/>
-                        </a:solidFill>
-                        <a:effectLst/>
-                        <a:latin typeface="Times New Roman" panose="02020603050405020304" pitchFamily="18" charset="0"/>
-                        <a:cs typeface="Times New Roman" panose="02020603050405020304" pitchFamily="18" charset="0"/>
-                      </a:endParaRPr>
-                    </a:p>
-                  </a:txBody>
-                  <a:tcPr marL="63500" marR="63500" marT="63500" marB="63500" anchor="ctr"/>
-                </a:tc>
-                <a:tc>
-                  <a:txBody>
-                    <a:bodyPr/>
-                    <a:lstStyle/>
-                    <a:p>
-                      <a:pPr algn="ctr" rtl="0" fontAlgn="ctr">
-                        <a:spcBef>
-                          <a:spcPts val="0"/>
-                        </a:spcBef>
-                        <a:spcAft>
-                          <a:spcPts val="0"/>
-                        </a:spcAft>
-                      </a:pPr>
-                      <a:endParaRPr lang="en-US" sz="1400" b="0" u="none" dirty="0">
-                        <a:solidFill>
-                          <a:schemeClr val="tx1"/>
-                        </a:solidFill>
-                        <a:effectLst/>
-                        <a:latin typeface="Times New Roman" panose="02020603050405020304" pitchFamily="18" charset="0"/>
-                        <a:cs typeface="Times New Roman" panose="02020603050405020304" pitchFamily="18" charset="0"/>
-                      </a:endParaRPr>
-                    </a:p>
-                  </a:txBody>
-                  <a:tcPr marL="63500" marR="63500" marT="63500" marB="63500" anchor="ctr"/>
-                </a:tc>
                 <a:extLst>
                   <a:ext uri="{0D108BD9-81ED-4DB2-BD59-A6C34878D82A}">
                     <a16:rowId xmlns:a16="http://schemas.microsoft.com/office/drawing/2014/main" val="892219342"/>
                   </a:ext>
                 </a:extLst>
               </a:tr>
-              <a:tr h="293915">
+              <a:tr h="355436">
                 <a:tc>
                   <a:txBody>
                     <a:bodyPr/>
@@ -16367,106 +16131,6 @@
                         </a:rPr>
                         <a:t>0.5700</a:t>
                       </a:r>
-                    </a:p>
-                  </a:txBody>
-                  <a:tcPr marL="63500" marR="63500" marT="63500" marB="63500" anchor="ctr"/>
-                </a:tc>
-                <a:tc>
-                  <a:txBody>
-                    <a:bodyPr/>
-                    <a:lstStyle/>
-                    <a:p>
-                      <a:pPr algn="ctr" rtl="0" fontAlgn="ctr">
-                        <a:spcBef>
-                          <a:spcPts val="0"/>
-                        </a:spcBef>
-                        <a:spcAft>
-                          <a:spcPts val="0"/>
-                        </a:spcAft>
-                      </a:pPr>
-                      <a:endParaRPr lang="en-US" sz="1400" b="0" u="none" dirty="0">
-                        <a:solidFill>
-                          <a:schemeClr val="tx1"/>
-                        </a:solidFill>
-                        <a:effectLst/>
-                        <a:latin typeface="Times New Roman" panose="02020603050405020304" pitchFamily="18" charset="0"/>
-                        <a:cs typeface="Times New Roman" panose="02020603050405020304" pitchFamily="18" charset="0"/>
-                      </a:endParaRPr>
-                    </a:p>
-                  </a:txBody>
-                  <a:tcPr marL="63500" marR="63500" marT="63500" marB="63500" anchor="ctr"/>
-                </a:tc>
-                <a:tc>
-                  <a:txBody>
-                    <a:bodyPr/>
-                    <a:lstStyle/>
-                    <a:p>
-                      <a:pPr algn="ctr" rtl="0" fontAlgn="ctr">
-                        <a:spcBef>
-                          <a:spcPts val="0"/>
-                        </a:spcBef>
-                        <a:spcAft>
-                          <a:spcPts val="0"/>
-                        </a:spcAft>
-                      </a:pPr>
-                      <a:endParaRPr lang="en-US" sz="1400" b="0" u="none" dirty="0">
-                        <a:solidFill>
-                          <a:schemeClr val="tx1"/>
-                        </a:solidFill>
-                        <a:effectLst/>
-                        <a:latin typeface="Times New Roman" panose="02020603050405020304" pitchFamily="18" charset="0"/>
-                        <a:cs typeface="Times New Roman" panose="02020603050405020304" pitchFamily="18" charset="0"/>
-                      </a:endParaRPr>
-                    </a:p>
-                  </a:txBody>
-                  <a:tcPr marL="63500" marR="63500" marT="63500" marB="63500" anchor="ctr"/>
-                </a:tc>
-                <a:tc>
-                  <a:txBody>
-                    <a:bodyPr/>
-                    <a:lstStyle/>
-                    <a:p>
-                      <a:pPr algn="ctr" rtl="0" fontAlgn="ctr">
-                        <a:spcBef>
-                          <a:spcPts val="0"/>
-                        </a:spcBef>
-                        <a:spcAft>
-                          <a:spcPts val="0"/>
-                        </a:spcAft>
-                      </a:pPr>
-                      <a:endParaRPr lang="en-US" sz="1400" b="0" u="none" dirty="0">
-                        <a:solidFill>
-                          <a:schemeClr val="tx1"/>
-                        </a:solidFill>
-                        <a:effectLst/>
-                        <a:latin typeface="Times New Roman" panose="02020603050405020304" pitchFamily="18" charset="0"/>
-                        <a:cs typeface="Times New Roman" panose="02020603050405020304" pitchFamily="18" charset="0"/>
-                      </a:endParaRPr>
-                    </a:p>
-                  </a:txBody>
-                  <a:tcPr marL="63500" marR="63500" marT="63500" marB="63500" anchor="ctr"/>
-                </a:tc>
-                <a:tc>
-                  <a:txBody>
-                    <a:bodyPr/>
-                    <a:lstStyle/>
-                    <a:p>
-                      <a:pPr algn="ctr" rtl="0" fontAlgn="ctr">
-                        <a:spcBef>
-                          <a:spcPts val="0"/>
-                        </a:spcBef>
-                        <a:spcAft>
-                          <a:spcPts val="0"/>
-                        </a:spcAft>
-                      </a:pPr>
-                      <a:endParaRPr lang="en-US" sz="1400" b="0" u="none" dirty="0">
-                        <a:solidFill>
-                          <a:schemeClr val="tx1"/>
-                        </a:solidFill>
-                        <a:effectLst/>
-                        <a:latin typeface="Times New Roman" panose="02020603050405020304" pitchFamily="18" charset="0"/>
-                        <a:cs typeface="Times New Roman" panose="02020603050405020304" pitchFamily="18" charset="0"/>
-                      </a:endParaRPr>
                     </a:p>
                   </a:txBody>
                   <a:tcPr marL="63500" marR="63500" marT="63500" marB="63500" anchor="ctr"/>
@@ -16477,7 +16141,7 @@
                   </a:ext>
                 </a:extLst>
               </a:tr>
-              <a:tr h="273595">
+              <a:tr h="355436">
                 <a:tc>
                   <a:txBody>
                     <a:bodyPr/>
@@ -16614,106 +16278,6 @@
                         </a:rPr>
                         <a:t>0.5600</a:t>
                       </a:r>
-                    </a:p>
-                  </a:txBody>
-                  <a:tcPr marL="63500" marR="63500" marT="63500" marB="63500" anchor="ctr"/>
-                </a:tc>
-                <a:tc>
-                  <a:txBody>
-                    <a:bodyPr/>
-                    <a:lstStyle/>
-                    <a:p>
-                      <a:pPr algn="ctr" rtl="0" fontAlgn="ctr">
-                        <a:spcBef>
-                          <a:spcPts val="0"/>
-                        </a:spcBef>
-                        <a:spcAft>
-                          <a:spcPts val="0"/>
-                        </a:spcAft>
-                      </a:pPr>
-                      <a:endParaRPr lang="en-US" sz="1400" b="0" u="none" dirty="0">
-                        <a:solidFill>
-                          <a:schemeClr val="tx1"/>
-                        </a:solidFill>
-                        <a:effectLst/>
-                        <a:latin typeface="Times New Roman" panose="02020603050405020304" pitchFamily="18" charset="0"/>
-                        <a:cs typeface="Times New Roman" panose="02020603050405020304" pitchFamily="18" charset="0"/>
-                      </a:endParaRPr>
-                    </a:p>
-                  </a:txBody>
-                  <a:tcPr marL="63500" marR="63500" marT="63500" marB="63500" anchor="ctr"/>
-                </a:tc>
-                <a:tc>
-                  <a:txBody>
-                    <a:bodyPr/>
-                    <a:lstStyle/>
-                    <a:p>
-                      <a:pPr algn="ctr" rtl="0" fontAlgn="ctr">
-                        <a:spcBef>
-                          <a:spcPts val="0"/>
-                        </a:spcBef>
-                        <a:spcAft>
-                          <a:spcPts val="0"/>
-                        </a:spcAft>
-                      </a:pPr>
-                      <a:endParaRPr lang="en-US" sz="1400" b="0" u="none" dirty="0">
-                        <a:solidFill>
-                          <a:schemeClr val="tx1"/>
-                        </a:solidFill>
-                        <a:effectLst/>
-                        <a:latin typeface="Times New Roman" panose="02020603050405020304" pitchFamily="18" charset="0"/>
-                        <a:cs typeface="Times New Roman" panose="02020603050405020304" pitchFamily="18" charset="0"/>
-                      </a:endParaRPr>
-                    </a:p>
-                  </a:txBody>
-                  <a:tcPr marL="63500" marR="63500" marT="63500" marB="63500" anchor="ctr"/>
-                </a:tc>
-                <a:tc>
-                  <a:txBody>
-                    <a:bodyPr/>
-                    <a:lstStyle/>
-                    <a:p>
-                      <a:pPr algn="ctr" rtl="0" fontAlgn="ctr">
-                        <a:spcBef>
-                          <a:spcPts val="0"/>
-                        </a:spcBef>
-                        <a:spcAft>
-                          <a:spcPts val="0"/>
-                        </a:spcAft>
-                      </a:pPr>
-                      <a:endParaRPr lang="en-US" sz="1400" b="0" u="none" dirty="0">
-                        <a:solidFill>
-                          <a:schemeClr val="tx1"/>
-                        </a:solidFill>
-                        <a:effectLst/>
-                        <a:latin typeface="Times New Roman" panose="02020603050405020304" pitchFamily="18" charset="0"/>
-                        <a:cs typeface="Times New Roman" panose="02020603050405020304" pitchFamily="18" charset="0"/>
-                      </a:endParaRPr>
-                    </a:p>
-                  </a:txBody>
-                  <a:tcPr marL="63500" marR="63500" marT="63500" marB="63500" anchor="ctr"/>
-                </a:tc>
-                <a:tc>
-                  <a:txBody>
-                    <a:bodyPr/>
-                    <a:lstStyle/>
-                    <a:p>
-                      <a:pPr algn="ctr" rtl="0" fontAlgn="ctr">
-                        <a:spcBef>
-                          <a:spcPts val="0"/>
-                        </a:spcBef>
-                        <a:spcAft>
-                          <a:spcPts val="0"/>
-                        </a:spcAft>
-                      </a:pPr>
-                      <a:endParaRPr lang="en-US" sz="1400" b="0" u="none" dirty="0">
-                        <a:solidFill>
-                          <a:schemeClr val="tx1"/>
-                        </a:solidFill>
-                        <a:effectLst/>
-                        <a:latin typeface="Times New Roman" panose="02020603050405020304" pitchFamily="18" charset="0"/>
-                        <a:cs typeface="Times New Roman" panose="02020603050405020304" pitchFamily="18" charset="0"/>
-                      </a:endParaRPr>
                     </a:p>
                   </a:txBody>
                   <a:tcPr marL="63500" marR="63500" marT="63500" marB="63500" anchor="ctr"/>
@@ -16724,7 +16288,7 @@
                   </a:ext>
                 </a:extLst>
               </a:tr>
-              <a:tr h="0">
+              <a:tr h="355436">
                 <a:tc>
                   <a:txBody>
                     <a:bodyPr/>
@@ -16861,106 +16425,6 @@
                         </a:rPr>
                         <a:t>0.5400</a:t>
                       </a:r>
-                    </a:p>
-                  </a:txBody>
-                  <a:tcPr marL="63500" marR="63500" marT="63500" marB="63500" anchor="ctr"/>
-                </a:tc>
-                <a:tc>
-                  <a:txBody>
-                    <a:bodyPr/>
-                    <a:lstStyle/>
-                    <a:p>
-                      <a:pPr algn="ctr" rtl="0" fontAlgn="ctr">
-                        <a:spcBef>
-                          <a:spcPts val="0"/>
-                        </a:spcBef>
-                        <a:spcAft>
-                          <a:spcPts val="0"/>
-                        </a:spcAft>
-                      </a:pPr>
-                      <a:endParaRPr lang="en-US" sz="1400" b="0" u="none" dirty="0">
-                        <a:solidFill>
-                          <a:schemeClr val="tx1"/>
-                        </a:solidFill>
-                        <a:effectLst/>
-                        <a:latin typeface="Times New Roman" panose="02020603050405020304" pitchFamily="18" charset="0"/>
-                        <a:cs typeface="Times New Roman" panose="02020603050405020304" pitchFamily="18" charset="0"/>
-                      </a:endParaRPr>
-                    </a:p>
-                  </a:txBody>
-                  <a:tcPr marL="63500" marR="63500" marT="63500" marB="63500" anchor="ctr"/>
-                </a:tc>
-                <a:tc>
-                  <a:txBody>
-                    <a:bodyPr/>
-                    <a:lstStyle/>
-                    <a:p>
-                      <a:pPr algn="ctr" rtl="0" fontAlgn="ctr">
-                        <a:spcBef>
-                          <a:spcPts val="0"/>
-                        </a:spcBef>
-                        <a:spcAft>
-                          <a:spcPts val="0"/>
-                        </a:spcAft>
-                      </a:pPr>
-                      <a:endParaRPr lang="en-US" sz="1400" b="0" u="none" dirty="0">
-                        <a:solidFill>
-                          <a:schemeClr val="tx1"/>
-                        </a:solidFill>
-                        <a:effectLst/>
-                        <a:latin typeface="Times New Roman" panose="02020603050405020304" pitchFamily="18" charset="0"/>
-                        <a:cs typeface="Times New Roman" panose="02020603050405020304" pitchFamily="18" charset="0"/>
-                      </a:endParaRPr>
-                    </a:p>
-                  </a:txBody>
-                  <a:tcPr marL="63500" marR="63500" marT="63500" marB="63500" anchor="ctr"/>
-                </a:tc>
-                <a:tc>
-                  <a:txBody>
-                    <a:bodyPr/>
-                    <a:lstStyle/>
-                    <a:p>
-                      <a:pPr algn="ctr" rtl="0" fontAlgn="ctr">
-                        <a:spcBef>
-                          <a:spcPts val="0"/>
-                        </a:spcBef>
-                        <a:spcAft>
-                          <a:spcPts val="0"/>
-                        </a:spcAft>
-                      </a:pPr>
-                      <a:endParaRPr lang="en-US" sz="1400" b="0" u="none" dirty="0">
-                        <a:solidFill>
-                          <a:schemeClr val="tx1"/>
-                        </a:solidFill>
-                        <a:effectLst/>
-                        <a:latin typeface="Times New Roman" panose="02020603050405020304" pitchFamily="18" charset="0"/>
-                        <a:cs typeface="Times New Roman" panose="02020603050405020304" pitchFamily="18" charset="0"/>
-                      </a:endParaRPr>
-                    </a:p>
-                  </a:txBody>
-                  <a:tcPr marL="63500" marR="63500" marT="63500" marB="63500" anchor="ctr"/>
-                </a:tc>
-                <a:tc>
-                  <a:txBody>
-                    <a:bodyPr/>
-                    <a:lstStyle/>
-                    <a:p>
-                      <a:pPr algn="ctr" rtl="0" fontAlgn="ctr">
-                        <a:spcBef>
-                          <a:spcPts val="0"/>
-                        </a:spcBef>
-                        <a:spcAft>
-                          <a:spcPts val="0"/>
-                        </a:spcAft>
-                      </a:pPr>
-                      <a:endParaRPr lang="en-US" sz="1400" b="0" u="none" dirty="0">
-                        <a:solidFill>
-                          <a:schemeClr val="tx1"/>
-                        </a:solidFill>
-                        <a:effectLst/>
-                        <a:latin typeface="Times New Roman" panose="02020603050405020304" pitchFamily="18" charset="0"/>
-                        <a:cs typeface="Times New Roman" panose="02020603050405020304" pitchFamily="18" charset="0"/>
-                      </a:endParaRPr>
                     </a:p>
                   </a:txBody>
                   <a:tcPr marL="63500" marR="63500" marT="63500" marB="63500" anchor="ctr"/>
@@ -16971,7 +16435,7 @@
                   </a:ext>
                 </a:extLst>
               </a:tr>
-              <a:tr h="317209">
+              <a:tr h="355436">
                 <a:tc>
                   <a:txBody>
                     <a:bodyPr/>
@@ -17013,14 +16477,17 @@
                           <a:spcPts val="0"/>
                         </a:spcAft>
                       </a:pPr>
-                      <a:endParaRPr lang="en-US" sz="1400" b="0" u="none" dirty="0">
-                        <a:solidFill>
-                          <a:schemeClr val="tx1"/>
-                        </a:solidFill>
-                        <a:effectLst/>
-                        <a:latin typeface="Times New Roman" panose="02020603050405020304" pitchFamily="18" charset="0"/>
-                        <a:cs typeface="Times New Roman" panose="02020603050405020304" pitchFamily="18" charset="0"/>
-                      </a:endParaRPr>
+                      <a:r>
+                        <a:rPr lang="en-US" sz="1400" b="0" u="none" dirty="0">
+                          <a:solidFill>
+                            <a:schemeClr val="tx1"/>
+                          </a:solidFill>
+                          <a:effectLst/>
+                          <a:latin typeface="Times New Roman" panose="02020603050405020304" pitchFamily="18" charset="0"/>
+                          <a:cs typeface="Times New Roman" panose="02020603050405020304" pitchFamily="18" charset="0"/>
+                        </a:rPr>
+                        <a:t>0.3388</a:t>
+                      </a:r>
                     </a:p>
                   </a:txBody>
                   <a:tcPr marL="63500" marR="63500" marT="63500" marB="63500" anchor="ctr"/>
@@ -17038,14 +16505,17 @@
                           <a:spcPts val="0"/>
                         </a:spcAft>
                       </a:pPr>
-                      <a:endParaRPr lang="en-US" sz="1400" b="1" u="none" dirty="0">
-                        <a:solidFill>
-                          <a:schemeClr val="tx1"/>
-                        </a:solidFill>
-                        <a:effectLst/>
-                        <a:latin typeface="Times New Roman" panose="02020603050405020304" pitchFamily="18" charset="0"/>
-                        <a:cs typeface="Times New Roman" panose="02020603050405020304" pitchFamily="18" charset="0"/>
-                      </a:endParaRPr>
+                      <a:r>
+                        <a:rPr lang="en-US" sz="1400" b="0" u="none" dirty="0">
+                          <a:solidFill>
+                            <a:schemeClr val="tx1"/>
+                          </a:solidFill>
+                          <a:effectLst/>
+                          <a:latin typeface="Times New Roman" panose="02020603050405020304" pitchFamily="18" charset="0"/>
+                          <a:cs typeface="Times New Roman" panose="02020603050405020304" pitchFamily="18" charset="0"/>
+                        </a:rPr>
+                        <a:t>0.2300</a:t>
+                      </a:r>
                     </a:p>
                   </a:txBody>
                   <a:tcPr marL="63500" marR="63500" marT="63500" marB="63500" anchor="ctr"/>
@@ -17063,14 +16533,17 @@
                           <a:spcPts val="0"/>
                         </a:spcAft>
                       </a:pPr>
-                      <a:endParaRPr lang="en-US" sz="1400" b="0" u="none" dirty="0">
-                        <a:solidFill>
-                          <a:schemeClr val="tx1"/>
-                        </a:solidFill>
-                        <a:effectLst/>
-                        <a:latin typeface="Times New Roman" panose="02020603050405020304" pitchFamily="18" charset="0"/>
-                        <a:cs typeface="Times New Roman" panose="02020603050405020304" pitchFamily="18" charset="0"/>
-                      </a:endParaRPr>
+                      <a:r>
+                        <a:rPr lang="en-US" sz="1400" b="0" u="none" dirty="0">
+                          <a:solidFill>
+                            <a:schemeClr val="tx1"/>
+                          </a:solidFill>
+                          <a:effectLst/>
+                          <a:latin typeface="Times New Roman" panose="02020603050405020304" pitchFamily="18" charset="0"/>
+                          <a:cs typeface="Times New Roman" panose="02020603050405020304" pitchFamily="18" charset="0"/>
+                        </a:rPr>
+                        <a:t>0.3700</a:t>
+                      </a:r>
                     </a:p>
                   </a:txBody>
                   <a:tcPr marL="63500" marR="63500" marT="63500" marB="63500" anchor="ctr"/>
@@ -17088,114 +16561,17 @@
                           <a:spcPts val="0"/>
                         </a:spcAft>
                       </a:pPr>
-                      <a:endParaRPr lang="en-US" sz="1400" b="0" u="none" dirty="0">
-                        <a:solidFill>
-                          <a:schemeClr val="tx1"/>
-                        </a:solidFill>
-                        <a:effectLst/>
-                        <a:latin typeface="Times New Roman" panose="02020603050405020304" pitchFamily="18" charset="0"/>
-                        <a:cs typeface="Times New Roman" panose="02020603050405020304" pitchFamily="18" charset="0"/>
-                      </a:endParaRPr>
-                    </a:p>
-                  </a:txBody>
-                  <a:tcPr marL="63500" marR="63500" marT="63500" marB="63500" anchor="ctr"/>
-                </a:tc>
-                <a:tc>
-                  <a:txBody>
-                    <a:bodyPr/>
-                    <a:lstStyle/>
-                    <a:p>
-                      <a:pPr algn="ctr" rtl="0" fontAlgn="ctr">
-                        <a:spcBef>
-                          <a:spcPts val="0"/>
-                        </a:spcBef>
-                        <a:spcAft>
-                          <a:spcPts val="0"/>
-                        </a:spcAft>
-                      </a:pPr>
-                      <a:endParaRPr lang="en-US" sz="1400" b="0" u="none" dirty="0">
-                        <a:solidFill>
-                          <a:schemeClr val="tx1"/>
-                        </a:solidFill>
-                        <a:effectLst/>
-                        <a:latin typeface="Times New Roman" panose="02020603050405020304" pitchFamily="18" charset="0"/>
-                        <a:cs typeface="Times New Roman" panose="02020603050405020304" pitchFamily="18" charset="0"/>
-                      </a:endParaRPr>
-                    </a:p>
-                  </a:txBody>
-                  <a:tcPr marL="63500" marR="63500" marT="63500" marB="63500" anchor="ctr"/>
-                </a:tc>
-                <a:tc>
-                  <a:txBody>
-                    <a:bodyPr/>
-                    <a:lstStyle/>
-                    <a:p>
-                      <a:pPr algn="ctr" rtl="0" fontAlgn="ctr">
-                        <a:spcBef>
-                          <a:spcPts val="0"/>
-                        </a:spcBef>
-                        <a:spcAft>
-                          <a:spcPts val="0"/>
-                        </a:spcAft>
-                      </a:pPr>
-                      <a:endParaRPr lang="en-US" sz="1400" b="0" u="none" dirty="0">
-                        <a:solidFill>
-                          <a:schemeClr val="tx1"/>
-                        </a:solidFill>
-                        <a:effectLst/>
-                        <a:latin typeface="Times New Roman" panose="02020603050405020304" pitchFamily="18" charset="0"/>
-                        <a:cs typeface="Times New Roman" panose="02020603050405020304" pitchFamily="18" charset="0"/>
-                      </a:endParaRPr>
-                    </a:p>
-                  </a:txBody>
-                  <a:tcPr marL="63500" marR="63500" marT="63500" marB="63500" anchor="ctr"/>
-                </a:tc>
-                <a:tc>
-                  <a:txBody>
-                    <a:bodyPr/>
-                    <a:lstStyle/>
-                    <a:p>
-                      <a:pPr algn="ctr" rtl="0" fontAlgn="ctr">
-                        <a:spcBef>
-                          <a:spcPts val="0"/>
-                        </a:spcBef>
-                        <a:spcAft>
-                          <a:spcPts val="0"/>
-                        </a:spcAft>
-                      </a:pPr>
-                      <a:endParaRPr lang="en-US" sz="1400" b="0" u="none" dirty="0">
-                        <a:solidFill>
-                          <a:schemeClr val="tx1"/>
-                        </a:solidFill>
-                        <a:effectLst/>
-                        <a:latin typeface="Times New Roman" panose="02020603050405020304" pitchFamily="18" charset="0"/>
-                        <a:cs typeface="Times New Roman" panose="02020603050405020304" pitchFamily="18" charset="0"/>
-                      </a:endParaRPr>
-                    </a:p>
-                  </a:txBody>
-                  <a:tcPr marL="63500" marR="63500" marT="63500" marB="63500" anchor="ctr"/>
-                </a:tc>
-                <a:tc>
-                  <a:txBody>
-                    <a:bodyPr/>
-                    <a:lstStyle/>
-                    <a:p>
-                      <a:pPr algn="ctr" rtl="0" fontAlgn="ctr">
-                        <a:spcBef>
-                          <a:spcPts val="0"/>
-                        </a:spcBef>
-                        <a:spcAft>
-                          <a:spcPts val="0"/>
-                        </a:spcAft>
-                      </a:pPr>
-                      <a:endParaRPr lang="en-US" sz="1400" b="0" u="none" dirty="0">
-                        <a:solidFill>
-                          <a:schemeClr val="tx1"/>
-                        </a:solidFill>
-                        <a:effectLst/>
-                        <a:latin typeface="Times New Roman" panose="02020603050405020304" pitchFamily="18" charset="0"/>
-                        <a:cs typeface="Times New Roman" panose="02020603050405020304" pitchFamily="18" charset="0"/>
-                      </a:endParaRPr>
+                      <a:r>
+                        <a:rPr lang="en-US" sz="1400" b="0" u="none" dirty="0">
+                          <a:solidFill>
+                            <a:schemeClr val="tx1"/>
+                          </a:solidFill>
+                          <a:effectLst/>
+                          <a:latin typeface="Times New Roman" panose="02020603050405020304" pitchFamily="18" charset="0"/>
+                          <a:cs typeface="Times New Roman" panose="02020603050405020304" pitchFamily="18" charset="0"/>
+                        </a:rPr>
+                        <a:t>0.5600</a:t>
+                      </a:r>
                     </a:p>
                   </a:txBody>
                   <a:tcPr marL="63500" marR="63500" marT="63500" marB="63500" anchor="ctr"/>
@@ -17206,7 +16582,7 @@
                   </a:ext>
                 </a:extLst>
               </a:tr>
-              <a:tr h="317209">
+              <a:tr h="355436">
                 <a:tc>
                   <a:txBody>
                     <a:bodyPr/>
@@ -17277,7 +16653,7 @@
                         </a:spcAft>
                       </a:pPr>
                       <a:r>
-                        <a:rPr lang="en-US" sz="1400" b="0" u="none" dirty="0">
+                        <a:rPr lang="en-US" sz="1400" b="1" u="none" dirty="0">
                           <a:solidFill>
                             <a:schemeClr val="tx1"/>
                           </a:solidFill>
@@ -17305,7 +16681,7 @@
                         </a:spcAft>
                       </a:pPr>
                       <a:r>
-                        <a:rPr lang="en-US" sz="1400" b="0" u="none" dirty="0">
+                        <a:rPr lang="en-US" sz="1400" b="1" u="none" dirty="0">
                           <a:solidFill>
                             <a:schemeClr val="tx1"/>
                           </a:solidFill>
@@ -17333,7 +16709,7 @@
                         </a:spcAft>
                       </a:pPr>
                       <a:r>
-                        <a:rPr lang="en-US" sz="1400" b="0" u="none" dirty="0">
+                        <a:rPr lang="en-US" sz="1400" b="1" u="none" dirty="0">
                           <a:solidFill>
                             <a:schemeClr val="tx1"/>
                           </a:solidFill>
@@ -17343,106 +16719,6 @@
                         </a:rPr>
                         <a:t>0.6200</a:t>
                       </a:r>
-                    </a:p>
-                  </a:txBody>
-                  <a:tcPr marL="63500" marR="63500" marT="63500" marB="63500" anchor="ctr"/>
-                </a:tc>
-                <a:tc>
-                  <a:txBody>
-                    <a:bodyPr/>
-                    <a:lstStyle/>
-                    <a:p>
-                      <a:pPr algn="ctr" rtl="0" fontAlgn="ctr">
-                        <a:spcBef>
-                          <a:spcPts val="0"/>
-                        </a:spcBef>
-                        <a:spcAft>
-                          <a:spcPts val="0"/>
-                        </a:spcAft>
-                      </a:pPr>
-                      <a:endParaRPr lang="en-US" sz="1400" b="0" u="none" dirty="0">
-                        <a:solidFill>
-                          <a:schemeClr val="tx1"/>
-                        </a:solidFill>
-                        <a:effectLst/>
-                        <a:latin typeface="Times New Roman" panose="02020603050405020304" pitchFamily="18" charset="0"/>
-                        <a:cs typeface="Times New Roman" panose="02020603050405020304" pitchFamily="18" charset="0"/>
-                      </a:endParaRPr>
-                    </a:p>
-                  </a:txBody>
-                  <a:tcPr marL="63500" marR="63500" marT="63500" marB="63500" anchor="ctr"/>
-                </a:tc>
-                <a:tc>
-                  <a:txBody>
-                    <a:bodyPr/>
-                    <a:lstStyle/>
-                    <a:p>
-                      <a:pPr algn="ctr" rtl="0" fontAlgn="ctr">
-                        <a:spcBef>
-                          <a:spcPts val="0"/>
-                        </a:spcBef>
-                        <a:spcAft>
-                          <a:spcPts val="0"/>
-                        </a:spcAft>
-                      </a:pPr>
-                      <a:endParaRPr lang="en-US" sz="1400" b="0" u="none" dirty="0">
-                        <a:solidFill>
-                          <a:schemeClr val="tx1"/>
-                        </a:solidFill>
-                        <a:effectLst/>
-                        <a:latin typeface="Times New Roman" panose="02020603050405020304" pitchFamily="18" charset="0"/>
-                        <a:cs typeface="Times New Roman" panose="02020603050405020304" pitchFamily="18" charset="0"/>
-                      </a:endParaRPr>
-                    </a:p>
-                  </a:txBody>
-                  <a:tcPr marL="63500" marR="63500" marT="63500" marB="63500" anchor="ctr"/>
-                </a:tc>
-                <a:tc>
-                  <a:txBody>
-                    <a:bodyPr/>
-                    <a:lstStyle/>
-                    <a:p>
-                      <a:pPr algn="ctr" rtl="0" fontAlgn="ctr">
-                        <a:spcBef>
-                          <a:spcPts val="0"/>
-                        </a:spcBef>
-                        <a:spcAft>
-                          <a:spcPts val="0"/>
-                        </a:spcAft>
-                      </a:pPr>
-                      <a:endParaRPr lang="en-US" sz="1400" b="0" u="none" dirty="0">
-                        <a:solidFill>
-                          <a:schemeClr val="tx1"/>
-                        </a:solidFill>
-                        <a:effectLst/>
-                        <a:latin typeface="Times New Roman" panose="02020603050405020304" pitchFamily="18" charset="0"/>
-                        <a:cs typeface="Times New Roman" panose="02020603050405020304" pitchFamily="18" charset="0"/>
-                      </a:endParaRPr>
-                    </a:p>
-                  </a:txBody>
-                  <a:tcPr marL="63500" marR="63500" marT="63500" marB="63500" anchor="ctr"/>
-                </a:tc>
-                <a:tc>
-                  <a:txBody>
-                    <a:bodyPr/>
-                    <a:lstStyle/>
-                    <a:p>
-                      <a:pPr algn="ctr" rtl="0" fontAlgn="ctr">
-                        <a:spcBef>
-                          <a:spcPts val="0"/>
-                        </a:spcBef>
-                        <a:spcAft>
-                          <a:spcPts val="0"/>
-                        </a:spcAft>
-                      </a:pPr>
-                      <a:endParaRPr lang="en-US" sz="1400" b="0" u="none" dirty="0">
-                        <a:solidFill>
-                          <a:schemeClr val="tx1"/>
-                        </a:solidFill>
-                        <a:effectLst/>
-                        <a:latin typeface="Times New Roman" panose="02020603050405020304" pitchFamily="18" charset="0"/>
-                        <a:cs typeface="Times New Roman" panose="02020603050405020304" pitchFamily="18" charset="0"/>
-                      </a:endParaRPr>
                     </a:p>
                   </a:txBody>
                   <a:tcPr marL="63500" marR="63500" marT="63500" marB="63500" anchor="ctr"/>
@@ -17453,7 +16729,7 @@
                   </a:ext>
                 </a:extLst>
               </a:tr>
-              <a:tr h="317209">
+              <a:tr h="355436">
                 <a:tc>
                   <a:txBody>
                     <a:bodyPr/>
@@ -17495,14 +16771,17 @@
                           <a:spcPts val="0"/>
                         </a:spcAft>
                       </a:pPr>
-                      <a:endParaRPr lang="en-US" sz="1400" b="0" u="none" dirty="0">
-                        <a:solidFill>
-                          <a:schemeClr val="tx1"/>
-                        </a:solidFill>
-                        <a:effectLst/>
-                        <a:latin typeface="Times New Roman" panose="02020603050405020304" pitchFamily="18" charset="0"/>
-                        <a:cs typeface="Times New Roman" panose="02020603050405020304" pitchFamily="18" charset="0"/>
-                      </a:endParaRPr>
+                      <a:r>
+                        <a:rPr lang="en-US" sz="1400" b="0" u="none" dirty="0">
+                          <a:solidFill>
+                            <a:schemeClr val="tx1"/>
+                          </a:solidFill>
+                          <a:effectLst/>
+                          <a:latin typeface="Times New Roman" panose="02020603050405020304" pitchFamily="18" charset="0"/>
+                          <a:cs typeface="Times New Roman" panose="02020603050405020304" pitchFamily="18" charset="0"/>
+                        </a:rPr>
+                        <a:t>0.3204</a:t>
+                      </a:r>
                     </a:p>
                   </a:txBody>
                   <a:tcPr marL="63500" marR="63500" marT="63500" marB="63500" anchor="ctr"/>
@@ -17520,14 +16799,17 @@
                           <a:spcPts val="0"/>
                         </a:spcAft>
                       </a:pPr>
-                      <a:endParaRPr lang="en-US" sz="1400" b="1" u="none" dirty="0">
-                        <a:solidFill>
-                          <a:schemeClr val="tx1"/>
-                        </a:solidFill>
-                        <a:effectLst/>
-                        <a:latin typeface="Times New Roman" panose="02020603050405020304" pitchFamily="18" charset="0"/>
-                        <a:cs typeface="Times New Roman" panose="02020603050405020304" pitchFamily="18" charset="0"/>
-                      </a:endParaRPr>
+                      <a:r>
+                        <a:rPr lang="en-US" sz="1400" b="0" u="none" dirty="0">
+                          <a:solidFill>
+                            <a:schemeClr val="tx1"/>
+                          </a:solidFill>
+                          <a:effectLst/>
+                          <a:latin typeface="Times New Roman" panose="02020603050405020304" pitchFamily="18" charset="0"/>
+                          <a:cs typeface="Times New Roman" panose="02020603050405020304" pitchFamily="18" charset="0"/>
+                        </a:rPr>
+                        <a:t>0.2300</a:t>
+                      </a:r>
                     </a:p>
                   </a:txBody>
                   <a:tcPr marL="63500" marR="63500" marT="63500" marB="63500" anchor="ctr"/>
@@ -17545,14 +16827,17 @@
                           <a:spcPts val="0"/>
                         </a:spcAft>
                       </a:pPr>
-                      <a:endParaRPr lang="en-US" sz="1400" b="0" u="none" dirty="0">
-                        <a:solidFill>
-                          <a:schemeClr val="tx1"/>
-                        </a:solidFill>
-                        <a:effectLst/>
-                        <a:latin typeface="Times New Roman" panose="02020603050405020304" pitchFamily="18" charset="0"/>
-                        <a:cs typeface="Times New Roman" panose="02020603050405020304" pitchFamily="18" charset="0"/>
-                      </a:endParaRPr>
+                      <a:r>
+                        <a:rPr lang="en-US" sz="1400" b="0" u="none" dirty="0">
+                          <a:solidFill>
+                            <a:schemeClr val="tx1"/>
+                          </a:solidFill>
+                          <a:effectLst/>
+                          <a:latin typeface="Times New Roman" panose="02020603050405020304" pitchFamily="18" charset="0"/>
+                          <a:cs typeface="Times New Roman" panose="02020603050405020304" pitchFamily="18" charset="0"/>
+                        </a:rPr>
+                        <a:t>0.3700</a:t>
+                      </a:r>
                     </a:p>
                   </a:txBody>
                   <a:tcPr marL="63500" marR="63500" marT="63500" marB="63500" anchor="ctr"/>
@@ -17570,114 +16855,17 @@
                           <a:spcPts val="0"/>
                         </a:spcAft>
                       </a:pPr>
-                      <a:endParaRPr lang="en-US" sz="1400" b="0" u="none" dirty="0">
-                        <a:solidFill>
-                          <a:schemeClr val="tx1"/>
-                        </a:solidFill>
-                        <a:effectLst/>
-                        <a:latin typeface="Times New Roman" panose="02020603050405020304" pitchFamily="18" charset="0"/>
-                        <a:cs typeface="Times New Roman" panose="02020603050405020304" pitchFamily="18" charset="0"/>
-                      </a:endParaRPr>
-                    </a:p>
-                  </a:txBody>
-                  <a:tcPr marL="63500" marR="63500" marT="63500" marB="63500" anchor="ctr"/>
-                </a:tc>
-                <a:tc>
-                  <a:txBody>
-                    <a:bodyPr/>
-                    <a:lstStyle/>
-                    <a:p>
-                      <a:pPr algn="ctr" rtl="0" fontAlgn="ctr">
-                        <a:spcBef>
-                          <a:spcPts val="0"/>
-                        </a:spcBef>
-                        <a:spcAft>
-                          <a:spcPts val="0"/>
-                        </a:spcAft>
-                      </a:pPr>
-                      <a:endParaRPr lang="en-US" sz="1400" b="0" u="none" dirty="0">
-                        <a:solidFill>
-                          <a:schemeClr val="tx1"/>
-                        </a:solidFill>
-                        <a:effectLst/>
-                        <a:latin typeface="Times New Roman" panose="02020603050405020304" pitchFamily="18" charset="0"/>
-                        <a:cs typeface="Times New Roman" panose="02020603050405020304" pitchFamily="18" charset="0"/>
-                      </a:endParaRPr>
-                    </a:p>
-                  </a:txBody>
-                  <a:tcPr marL="63500" marR="63500" marT="63500" marB="63500" anchor="ctr"/>
-                </a:tc>
-                <a:tc>
-                  <a:txBody>
-                    <a:bodyPr/>
-                    <a:lstStyle/>
-                    <a:p>
-                      <a:pPr algn="ctr" rtl="0" fontAlgn="ctr">
-                        <a:spcBef>
-                          <a:spcPts val="0"/>
-                        </a:spcBef>
-                        <a:spcAft>
-                          <a:spcPts val="0"/>
-                        </a:spcAft>
-                      </a:pPr>
-                      <a:endParaRPr lang="en-US" sz="1400" b="0" u="none" dirty="0">
-                        <a:solidFill>
-                          <a:schemeClr val="tx1"/>
-                        </a:solidFill>
-                        <a:effectLst/>
-                        <a:latin typeface="Times New Roman" panose="02020603050405020304" pitchFamily="18" charset="0"/>
-                        <a:cs typeface="Times New Roman" panose="02020603050405020304" pitchFamily="18" charset="0"/>
-                      </a:endParaRPr>
-                    </a:p>
-                  </a:txBody>
-                  <a:tcPr marL="63500" marR="63500" marT="63500" marB="63500" anchor="ctr"/>
-                </a:tc>
-                <a:tc>
-                  <a:txBody>
-                    <a:bodyPr/>
-                    <a:lstStyle/>
-                    <a:p>
-                      <a:pPr algn="ctr" rtl="0" fontAlgn="ctr">
-                        <a:spcBef>
-                          <a:spcPts val="0"/>
-                        </a:spcBef>
-                        <a:spcAft>
-                          <a:spcPts val="0"/>
-                        </a:spcAft>
-                      </a:pPr>
-                      <a:endParaRPr lang="en-US" sz="1400" b="0" u="none" dirty="0">
-                        <a:solidFill>
-                          <a:schemeClr val="tx1"/>
-                        </a:solidFill>
-                        <a:effectLst/>
-                        <a:latin typeface="Times New Roman" panose="02020603050405020304" pitchFamily="18" charset="0"/>
-                        <a:cs typeface="Times New Roman" panose="02020603050405020304" pitchFamily="18" charset="0"/>
-                      </a:endParaRPr>
-                    </a:p>
-                  </a:txBody>
-                  <a:tcPr marL="63500" marR="63500" marT="63500" marB="63500" anchor="ctr"/>
-                </a:tc>
-                <a:tc>
-                  <a:txBody>
-                    <a:bodyPr/>
-                    <a:lstStyle/>
-                    <a:p>
-                      <a:pPr algn="ctr" rtl="0" fontAlgn="ctr">
-                        <a:spcBef>
-                          <a:spcPts val="0"/>
-                        </a:spcBef>
-                        <a:spcAft>
-                          <a:spcPts val="0"/>
-                        </a:spcAft>
-                      </a:pPr>
-                      <a:endParaRPr lang="en-US" sz="1400" b="0" u="none" dirty="0">
-                        <a:solidFill>
-                          <a:schemeClr val="tx1"/>
-                        </a:solidFill>
-                        <a:effectLst/>
-                        <a:latin typeface="Times New Roman" panose="02020603050405020304" pitchFamily="18" charset="0"/>
-                        <a:cs typeface="Times New Roman" panose="02020603050405020304" pitchFamily="18" charset="0"/>
-                      </a:endParaRPr>
+                      <a:r>
+                        <a:rPr lang="en-US" sz="1400" b="0" u="none" dirty="0">
+                          <a:solidFill>
+                            <a:schemeClr val="tx1"/>
+                          </a:solidFill>
+                          <a:effectLst/>
+                          <a:latin typeface="Times New Roman" panose="02020603050405020304" pitchFamily="18" charset="0"/>
+                          <a:cs typeface="Times New Roman" panose="02020603050405020304" pitchFamily="18" charset="0"/>
+                        </a:rPr>
+                        <a:t>0.5100</a:t>
+                      </a:r>
                     </a:p>
                   </a:txBody>
                   <a:tcPr marL="63500" marR="63500" marT="63500" marB="63500" anchor="ctr"/>
@@ -17688,7 +16876,7 @@
                   </a:ext>
                 </a:extLst>
               </a:tr>
-              <a:tr h="317209">
+              <a:tr h="355436">
                 <a:tc>
                   <a:txBody>
                     <a:bodyPr/>
@@ -17730,14 +16918,17 @@
                           <a:spcPts val="0"/>
                         </a:spcAft>
                       </a:pPr>
-                      <a:endParaRPr lang="en-US" sz="1400" b="0" u="none" dirty="0">
-                        <a:solidFill>
-                          <a:schemeClr val="tx1"/>
-                        </a:solidFill>
-                        <a:effectLst/>
-                        <a:latin typeface="Times New Roman" panose="02020603050405020304" pitchFamily="18" charset="0"/>
-                        <a:cs typeface="Times New Roman" panose="02020603050405020304" pitchFamily="18" charset="0"/>
-                      </a:endParaRPr>
+                      <a:r>
+                        <a:rPr lang="en-US" sz="1400" b="0" u="none" dirty="0">
+                          <a:solidFill>
+                            <a:schemeClr val="tx1"/>
+                          </a:solidFill>
+                          <a:effectLst/>
+                          <a:latin typeface="Times New Roman" panose="02020603050405020304" pitchFamily="18" charset="0"/>
+                          <a:cs typeface="Times New Roman" panose="02020603050405020304" pitchFamily="18" charset="0"/>
+                        </a:rPr>
+                        <a:t>0.3571</a:t>
+                      </a:r>
                     </a:p>
                   </a:txBody>
                   <a:tcPr marL="63500" marR="63500" marT="63500" marB="63500" anchor="ctr"/>
@@ -17755,14 +16946,17 @@
                           <a:spcPts val="0"/>
                         </a:spcAft>
                       </a:pPr>
-                      <a:endParaRPr lang="en-US" sz="1400" b="1" u="none" dirty="0">
-                        <a:solidFill>
-                          <a:schemeClr val="tx1"/>
-                        </a:solidFill>
-                        <a:effectLst/>
-                        <a:latin typeface="Times New Roman" panose="02020603050405020304" pitchFamily="18" charset="0"/>
-                        <a:cs typeface="Times New Roman" panose="02020603050405020304" pitchFamily="18" charset="0"/>
-                      </a:endParaRPr>
+                      <a:r>
+                        <a:rPr lang="en-US" sz="1400" b="0" u="none" dirty="0">
+                          <a:solidFill>
+                            <a:schemeClr val="tx1"/>
+                          </a:solidFill>
+                          <a:effectLst/>
+                          <a:latin typeface="Times New Roman" panose="02020603050405020304" pitchFamily="18" charset="0"/>
+                          <a:cs typeface="Times New Roman" panose="02020603050405020304" pitchFamily="18" charset="0"/>
+                        </a:rPr>
+                        <a:t>0.2400</a:t>
+                      </a:r>
                     </a:p>
                   </a:txBody>
                   <a:tcPr marL="63500" marR="63500" marT="63500" marB="63500" anchor="ctr"/>
@@ -17780,14 +16974,17 @@
                           <a:spcPts val="0"/>
                         </a:spcAft>
                       </a:pPr>
-                      <a:endParaRPr lang="en-US" sz="1400" b="0" u="none" dirty="0">
-                        <a:solidFill>
-                          <a:schemeClr val="tx1"/>
-                        </a:solidFill>
-                        <a:effectLst/>
-                        <a:latin typeface="Times New Roman" panose="02020603050405020304" pitchFamily="18" charset="0"/>
-                        <a:cs typeface="Times New Roman" panose="02020603050405020304" pitchFamily="18" charset="0"/>
-                      </a:endParaRPr>
+                      <a:r>
+                        <a:rPr lang="en-US" sz="1400" b="0" u="none" dirty="0">
+                          <a:solidFill>
+                            <a:schemeClr val="tx1"/>
+                          </a:solidFill>
+                          <a:effectLst/>
+                          <a:latin typeface="Times New Roman" panose="02020603050405020304" pitchFamily="18" charset="0"/>
+                          <a:cs typeface="Times New Roman" panose="02020603050405020304" pitchFamily="18" charset="0"/>
+                        </a:rPr>
+                        <a:t>0.4200</a:t>
+                      </a:r>
                     </a:p>
                   </a:txBody>
                   <a:tcPr marL="63500" marR="63500" marT="63500" marB="63500" anchor="ctr"/>
@@ -17805,114 +17002,17 @@
                           <a:spcPts val="0"/>
                         </a:spcAft>
                       </a:pPr>
-                      <a:endParaRPr lang="en-US" sz="1400" b="0" u="none" dirty="0">
-                        <a:solidFill>
-                          <a:schemeClr val="tx1"/>
-                        </a:solidFill>
-                        <a:effectLst/>
-                        <a:latin typeface="Times New Roman" panose="02020603050405020304" pitchFamily="18" charset="0"/>
-                        <a:cs typeface="Times New Roman" panose="02020603050405020304" pitchFamily="18" charset="0"/>
-                      </a:endParaRPr>
-                    </a:p>
-                  </a:txBody>
-                  <a:tcPr marL="63500" marR="63500" marT="63500" marB="63500" anchor="ctr"/>
-                </a:tc>
-                <a:tc>
-                  <a:txBody>
-                    <a:bodyPr/>
-                    <a:lstStyle/>
-                    <a:p>
-                      <a:pPr algn="ctr" rtl="0" fontAlgn="ctr">
-                        <a:spcBef>
-                          <a:spcPts val="0"/>
-                        </a:spcBef>
-                        <a:spcAft>
-                          <a:spcPts val="0"/>
-                        </a:spcAft>
-                      </a:pPr>
-                      <a:endParaRPr lang="en-US" sz="1400" b="0" u="none" dirty="0">
-                        <a:solidFill>
-                          <a:schemeClr val="tx1"/>
-                        </a:solidFill>
-                        <a:effectLst/>
-                        <a:latin typeface="Times New Roman" panose="02020603050405020304" pitchFamily="18" charset="0"/>
-                        <a:cs typeface="Times New Roman" panose="02020603050405020304" pitchFamily="18" charset="0"/>
-                      </a:endParaRPr>
-                    </a:p>
-                  </a:txBody>
-                  <a:tcPr marL="63500" marR="63500" marT="63500" marB="63500" anchor="ctr"/>
-                </a:tc>
-                <a:tc>
-                  <a:txBody>
-                    <a:bodyPr/>
-                    <a:lstStyle/>
-                    <a:p>
-                      <a:pPr algn="ctr" rtl="0" fontAlgn="ctr">
-                        <a:spcBef>
-                          <a:spcPts val="0"/>
-                        </a:spcBef>
-                        <a:spcAft>
-                          <a:spcPts val="0"/>
-                        </a:spcAft>
-                      </a:pPr>
-                      <a:endParaRPr lang="en-US" sz="1400" b="0" u="none" dirty="0">
-                        <a:solidFill>
-                          <a:schemeClr val="tx1"/>
-                        </a:solidFill>
-                        <a:effectLst/>
-                        <a:latin typeface="Times New Roman" panose="02020603050405020304" pitchFamily="18" charset="0"/>
-                        <a:cs typeface="Times New Roman" panose="02020603050405020304" pitchFamily="18" charset="0"/>
-                      </a:endParaRPr>
-                    </a:p>
-                  </a:txBody>
-                  <a:tcPr marL="63500" marR="63500" marT="63500" marB="63500" anchor="ctr"/>
-                </a:tc>
-                <a:tc>
-                  <a:txBody>
-                    <a:bodyPr/>
-                    <a:lstStyle/>
-                    <a:p>
-                      <a:pPr algn="ctr" rtl="0" fontAlgn="ctr">
-                        <a:spcBef>
-                          <a:spcPts val="0"/>
-                        </a:spcBef>
-                        <a:spcAft>
-                          <a:spcPts val="0"/>
-                        </a:spcAft>
-                      </a:pPr>
-                      <a:endParaRPr lang="en-US" sz="1400" b="0" u="none" dirty="0">
-                        <a:solidFill>
-                          <a:schemeClr val="tx1"/>
-                        </a:solidFill>
-                        <a:effectLst/>
-                        <a:latin typeface="Times New Roman" panose="02020603050405020304" pitchFamily="18" charset="0"/>
-                        <a:cs typeface="Times New Roman" panose="02020603050405020304" pitchFamily="18" charset="0"/>
-                      </a:endParaRPr>
-                    </a:p>
-                  </a:txBody>
-                  <a:tcPr marL="63500" marR="63500" marT="63500" marB="63500" anchor="ctr"/>
-                </a:tc>
-                <a:tc>
-                  <a:txBody>
-                    <a:bodyPr/>
-                    <a:lstStyle/>
-                    <a:p>
-                      <a:pPr algn="ctr" rtl="0" fontAlgn="ctr">
-                        <a:spcBef>
-                          <a:spcPts val="0"/>
-                        </a:spcBef>
-                        <a:spcAft>
-                          <a:spcPts val="0"/>
-                        </a:spcAft>
-                      </a:pPr>
-                      <a:endParaRPr lang="en-US" sz="1400" b="0" u="none" dirty="0">
-                        <a:solidFill>
-                          <a:schemeClr val="tx1"/>
-                        </a:solidFill>
-                        <a:effectLst/>
-                        <a:latin typeface="Times New Roman" panose="02020603050405020304" pitchFamily="18" charset="0"/>
-                        <a:cs typeface="Times New Roman" panose="02020603050405020304" pitchFamily="18" charset="0"/>
-                      </a:endParaRPr>
+                      <a:r>
+                        <a:rPr lang="en-US" sz="1400" b="0" u="none" dirty="0">
+                          <a:solidFill>
+                            <a:schemeClr val="tx1"/>
+                          </a:solidFill>
+                          <a:effectLst/>
+                          <a:latin typeface="Times New Roman" panose="02020603050405020304" pitchFamily="18" charset="0"/>
+                          <a:cs typeface="Times New Roman" panose="02020603050405020304" pitchFamily="18" charset="0"/>
+                        </a:rPr>
+                        <a:t>0.5800</a:t>
+                      </a:r>
                     </a:p>
                   </a:txBody>
                   <a:tcPr marL="63500" marR="63500" marT="63500" marB="63500" anchor="ctr"/>
@@ -17923,7 +17023,7 @@
                   </a:ext>
                 </a:extLst>
               </a:tr>
-              <a:tr h="317209">
+              <a:tr h="355436">
                 <a:tc>
                   <a:txBody>
                     <a:bodyPr/>
@@ -18060,106 +17160,6 @@
                         </a:rPr>
                         <a:t> 0.5600</a:t>
                       </a:r>
-                    </a:p>
-                  </a:txBody>
-                  <a:tcPr marL="63500" marR="63500" marT="63500" marB="63500" anchor="ctr"/>
-                </a:tc>
-                <a:tc>
-                  <a:txBody>
-                    <a:bodyPr/>
-                    <a:lstStyle/>
-                    <a:p>
-                      <a:pPr algn="ctr" rtl="0" fontAlgn="ctr">
-                        <a:spcBef>
-                          <a:spcPts val="0"/>
-                        </a:spcBef>
-                        <a:spcAft>
-                          <a:spcPts val="0"/>
-                        </a:spcAft>
-                      </a:pPr>
-                      <a:endParaRPr lang="en-US" sz="1400" b="0" u="none" dirty="0">
-                        <a:solidFill>
-                          <a:schemeClr val="tx1"/>
-                        </a:solidFill>
-                        <a:effectLst/>
-                        <a:latin typeface="Times New Roman" panose="02020603050405020304" pitchFamily="18" charset="0"/>
-                        <a:cs typeface="Times New Roman" panose="02020603050405020304" pitchFamily="18" charset="0"/>
-                      </a:endParaRPr>
-                    </a:p>
-                  </a:txBody>
-                  <a:tcPr marL="63500" marR="63500" marT="63500" marB="63500" anchor="ctr"/>
-                </a:tc>
-                <a:tc>
-                  <a:txBody>
-                    <a:bodyPr/>
-                    <a:lstStyle/>
-                    <a:p>
-                      <a:pPr algn="ctr" rtl="0" fontAlgn="ctr">
-                        <a:spcBef>
-                          <a:spcPts val="0"/>
-                        </a:spcBef>
-                        <a:spcAft>
-                          <a:spcPts val="0"/>
-                        </a:spcAft>
-                      </a:pPr>
-                      <a:endParaRPr lang="en-US" sz="1400" b="0" u="none" dirty="0">
-                        <a:solidFill>
-                          <a:schemeClr val="tx1"/>
-                        </a:solidFill>
-                        <a:effectLst/>
-                        <a:latin typeface="Times New Roman" panose="02020603050405020304" pitchFamily="18" charset="0"/>
-                        <a:cs typeface="Times New Roman" panose="02020603050405020304" pitchFamily="18" charset="0"/>
-                      </a:endParaRPr>
-                    </a:p>
-                  </a:txBody>
-                  <a:tcPr marL="63500" marR="63500" marT="63500" marB="63500" anchor="ctr"/>
-                </a:tc>
-                <a:tc>
-                  <a:txBody>
-                    <a:bodyPr/>
-                    <a:lstStyle/>
-                    <a:p>
-                      <a:pPr algn="ctr" rtl="0" fontAlgn="ctr">
-                        <a:spcBef>
-                          <a:spcPts val="0"/>
-                        </a:spcBef>
-                        <a:spcAft>
-                          <a:spcPts val="0"/>
-                        </a:spcAft>
-                      </a:pPr>
-                      <a:endParaRPr lang="en-US" sz="1400" b="0" u="none" dirty="0">
-                        <a:solidFill>
-                          <a:schemeClr val="tx1"/>
-                        </a:solidFill>
-                        <a:effectLst/>
-                        <a:latin typeface="Times New Roman" panose="02020603050405020304" pitchFamily="18" charset="0"/>
-                        <a:cs typeface="Times New Roman" panose="02020603050405020304" pitchFamily="18" charset="0"/>
-                      </a:endParaRPr>
-                    </a:p>
-                  </a:txBody>
-                  <a:tcPr marL="63500" marR="63500" marT="63500" marB="63500" anchor="ctr"/>
-                </a:tc>
-                <a:tc>
-                  <a:txBody>
-                    <a:bodyPr/>
-                    <a:lstStyle/>
-                    <a:p>
-                      <a:pPr algn="ctr" rtl="0" fontAlgn="ctr">
-                        <a:spcBef>
-                          <a:spcPts val="0"/>
-                        </a:spcBef>
-                        <a:spcAft>
-                          <a:spcPts val="0"/>
-                        </a:spcAft>
-                      </a:pPr>
-                      <a:endParaRPr lang="en-US" sz="1400" b="0" u="none" dirty="0">
-                        <a:solidFill>
-                          <a:schemeClr val="tx1"/>
-                        </a:solidFill>
-                        <a:effectLst/>
-                        <a:latin typeface="Times New Roman" panose="02020603050405020304" pitchFamily="18" charset="0"/>
-                        <a:cs typeface="Times New Roman" panose="02020603050405020304" pitchFamily="18" charset="0"/>
-                      </a:endParaRPr>
                     </a:p>
                   </a:txBody>
                   <a:tcPr marL="63500" marR="63500" marT="63500" marB="63500" anchor="ctr"/>
@@ -18187,7 +17187,115 @@
 </p:sld>
 </file>
 
-<file path=ppt/slides/slide7.xml><?xml version="1.0" encoding="utf-8"?>
+<file path=ppt/slides/slide8.xml><?xml version="1.0" encoding="utf-8"?>
+<p:sld xmlns:a="http://schemas.openxmlformats.org/drawingml/2006/main" xmlns:r="http://schemas.openxmlformats.org/officeDocument/2006/relationships" xmlns:p="http://schemas.openxmlformats.org/presentationml/2006/main">
+  <p:cSld>
+    <p:spTree>
+      <p:nvGrpSpPr>
+        <p:cNvPr id="1" name=""/>
+        <p:cNvGrpSpPr/>
+        <p:nvPr/>
+      </p:nvGrpSpPr>
+      <p:grpSpPr>
+        <a:xfrm>
+          <a:off x="0" y="0"/>
+          <a:ext cx="0" cy="0"/>
+          <a:chOff x="0" y="0"/>
+          <a:chExt cx="0" cy="0"/>
+        </a:xfrm>
+      </p:grpSpPr>
+      <p:sp>
+        <p:nvSpPr>
+          <p:cNvPr id="2" name="Titel 1">
+            <a:extLst>
+              <a:ext uri="{FF2B5EF4-FFF2-40B4-BE49-F238E27FC236}">
+                <a16:creationId xmlns:a16="http://schemas.microsoft.com/office/drawing/2014/main" id="{97290941-D096-864F-D6D7-C6BFB0E6514B}"/>
+              </a:ext>
+            </a:extLst>
+          </p:cNvPr>
+          <p:cNvSpPr>
+            <a:spLocks noGrp="1"/>
+          </p:cNvSpPr>
+          <p:nvPr>
+            <p:ph type="title"/>
+          </p:nvPr>
+        </p:nvSpPr>
+        <p:spPr>
+          <a:xfrm>
+            <a:off x="1623573" y="2817546"/>
+            <a:ext cx="9404723" cy="1400530"/>
+          </a:xfrm>
+        </p:spPr>
+        <p:txBody>
+          <a:bodyPr/>
+          <a:lstStyle/>
+          <a:p>
+            <a:pPr marL="0" marR="0" lvl="0" indent="0" algn="ctr" defTabSz="457200" rtl="0" eaLnBrk="1" fontAlgn="t" latinLnBrk="0" hangingPunct="1">
+              <a:lnSpc>
+                <a:spcPct val="100000"/>
+              </a:lnSpc>
+              <a:spcBef>
+                <a:spcPts val="0"/>
+              </a:spcBef>
+              <a:spcAft>
+                <a:spcPts val="0"/>
+              </a:spcAft>
+              <a:buClrTx/>
+              <a:buSzTx/>
+              <a:buFontTx/>
+              <a:buNone/>
+              <a:tabLst/>
+              <a:defRPr/>
+            </a:pPr>
+            <a:r>
+              <a:rPr lang="en-US" sz="6000" b="1" kern="1200" dirty="0" err="1">
+                <a:solidFill>
+                  <a:schemeClr val="tx1"/>
+                </a:solidFill>
+                <a:effectLst/>
+                <a:latin typeface="Times New Roman" panose="02020603050405020304" pitchFamily="18" charset="0"/>
+                <a:ea typeface="+mn-ea"/>
+                <a:cs typeface="Times New Roman" panose="02020603050405020304" pitchFamily="18" charset="0"/>
+              </a:rPr>
+              <a:t>eff_demon_step</a:t>
+            </a:r>
+            <a:r>
+              <a:rPr lang="en-US" sz="6000" b="1" dirty="0">
+                <a:solidFill>
+                  <a:schemeClr val="tx1"/>
+                </a:solidFill>
+                <a:latin typeface="Times New Roman" panose="02020603050405020304" pitchFamily="18" charset="0"/>
+                <a:ea typeface="+mn-ea"/>
+                <a:cs typeface="Times New Roman" panose="02020603050405020304" pitchFamily="18" charset="0"/>
+              </a:rPr>
+              <a:t>=7</a:t>
+            </a:r>
+            <a:endParaRPr lang="en-US" sz="6000" b="1" kern="1200" dirty="0">
+              <a:solidFill>
+                <a:schemeClr val="tx1"/>
+              </a:solidFill>
+              <a:effectLst/>
+              <a:latin typeface="Times New Roman" panose="02020603050405020304" pitchFamily="18" charset="0"/>
+              <a:ea typeface="+mn-ea"/>
+              <a:cs typeface="Times New Roman" panose="02020603050405020304" pitchFamily="18" charset="0"/>
+            </a:endParaRPr>
+          </a:p>
+        </p:txBody>
+      </p:sp>
+    </p:spTree>
+    <p:extLst>
+      <p:ext uri="{BB962C8B-B14F-4D97-AF65-F5344CB8AC3E}">
+        <p14:creationId xmlns:p14="http://schemas.microsoft.com/office/powerpoint/2010/main" val="3746685691"/>
+      </p:ext>
+    </p:extLst>
+  </p:cSld>
+  <p:clrMapOvr>
+    <a:masterClrMapping/>
+  </p:clrMapOvr>
+</p:sld>
+</file>
+
+<file path=ppt/slides/slide9.xml><?xml version="1.0" encoding="utf-8"?>
 <p:sld xmlns:a="http://schemas.openxmlformats.org/drawingml/2006/main" xmlns:r="http://schemas.openxmlformats.org/officeDocument/2006/relationships" xmlns:p="http://schemas.openxmlformats.org/presentationml/2006/main">
   <p:cSld>
     <p:bg>
@@ -19275,14 +18383,14 @@
             <p:ph idx="1"/>
             <p:extLst>
               <p:ext uri="{D42A27DB-BD31-4B8C-83A1-F6EECF244321}">
-                <p14:modId xmlns:p14="http://schemas.microsoft.com/office/powerpoint/2010/main" val="1477387001"/>
+                <p14:modId xmlns:p14="http://schemas.microsoft.com/office/powerpoint/2010/main" val="2549803387"/>
               </p:ext>
             </p:extLst>
           </p:nvPr>
         </p:nvGraphicFramePr>
         <p:xfrm>
-          <a:off x="648930" y="2140097"/>
-          <a:ext cx="10420393" cy="2948098"/>
+          <a:off x="648930" y="2975282"/>
+          <a:ext cx="10420393" cy="2422488"/>
         </p:xfrm>
         <a:graphic>
           <a:graphicData uri="http://schemas.openxmlformats.org/drawingml/2006/table">
@@ -19327,7 +18435,7 @@
                   </a:extLst>
                 </a:gridCol>
               </a:tblGrid>
-              <a:tr h="477033">
+              <a:tr h="0">
                 <a:tc>
                   <a:txBody>
                     <a:bodyPr/>
@@ -19691,7 +18799,7 @@
                         <a:defRPr/>
                       </a:pPr>
                       <a:r>
-                        <a:rPr lang="en-US" sz="2100" b="1">
+                        <a:rPr lang="en-US" sz="2100" b="1" dirty="0">
                           <a:latin typeface="Times New Roman" panose="02020603050405020304" pitchFamily="18" charset="0"/>
                           <a:cs typeface="Times New Roman" panose="02020603050405020304" pitchFamily="18" charset="0"/>
                         </a:rPr>
@@ -19789,16 +18897,12 @@
                     <a:p>
                       <a:pPr algn="ctr"/>
                       <a:r>
-                        <a:rPr lang="en-US" sz="2100">
+                        <a:rPr lang="en-US" sz="2100" dirty="0">
                           <a:latin typeface="Times New Roman" panose="02020603050405020304" pitchFamily="18" charset="0"/>
                           <a:cs typeface="Times New Roman" panose="02020603050405020304" pitchFamily="18" charset="0"/>
                         </a:rPr>
                         <a:t>0.3577</a:t>
                       </a:r>
-                      <a:endParaRPr lang="en-US" sz="2100" dirty="0">
-                        <a:latin typeface="Times New Roman" panose="02020603050405020304" pitchFamily="18" charset="0"/>
-                        <a:cs typeface="Times New Roman" panose="02020603050405020304" pitchFamily="18" charset="0"/>
-                      </a:endParaRPr>
                     </a:p>
                   </a:txBody>
                   <a:tcPr marL="108416" marR="108416" marT="54208" marB="54208"/>
@@ -19938,120 +19042,6 @@
                 <a:extLst>
                   <a:ext uri="{0D108BD9-81ED-4DB2-BD59-A6C34878D82A}">
                     <a16:rowId xmlns:a16="http://schemas.microsoft.com/office/drawing/2014/main" val="2681619329"/>
-                  </a:ext>
-                </a:extLst>
-              </a:tr>
-              <a:tr h="477033">
-                <a:tc>
-                  <a:txBody>
-                    <a:bodyPr/>
-                    <a:lstStyle/>
-                    <a:p>
-                      <a:pPr marL="0" marR="0" lvl="0" indent="0" algn="ctr" defTabSz="457200" rtl="0" eaLnBrk="1" fontAlgn="auto" latinLnBrk="0" hangingPunct="1">
-                        <a:lnSpc>
-                          <a:spcPct val="100000"/>
-                        </a:lnSpc>
-                        <a:spcBef>
-                          <a:spcPts val="0"/>
-                        </a:spcBef>
-                        <a:spcAft>
-                          <a:spcPts val="0"/>
-                        </a:spcAft>
-                        <a:buClrTx/>
-                        <a:buSzTx/>
-                        <a:buFontTx/>
-                        <a:buNone/>
-                        <a:tabLst/>
-                        <a:defRPr/>
-                      </a:pPr>
-                      <a:r>
-                        <a:rPr lang="en-US" sz="1800" dirty="0" err="1">
-                          <a:latin typeface="Times New Roman" panose="02020603050405020304" pitchFamily="18" charset="0"/>
-                          <a:cs typeface="Times New Roman" panose="02020603050405020304" pitchFamily="18" charset="0"/>
-                        </a:rPr>
-                        <a:t>KICMistral</a:t>
-                      </a:r>
-                      <a:r>
-                        <a:rPr lang="en-US" sz="1800" dirty="0">
-                          <a:latin typeface="Times New Roman" panose="02020603050405020304" pitchFamily="18" charset="0"/>
-                          <a:cs typeface="Times New Roman" panose="02020603050405020304" pitchFamily="18" charset="0"/>
-                        </a:rPr>
-                        <a:t> 8X7B-50 </a:t>
-                      </a:r>
-                      <a:r>
-                        <a:rPr lang="en-US" altLang="zh-CN" sz="1800" dirty="0" err="1">
-                          <a:latin typeface="Times New Roman" panose="02020603050405020304" pitchFamily="18" charset="0"/>
-                          <a:cs typeface="Times New Roman" panose="02020603050405020304" pitchFamily="18" charset="0"/>
-                        </a:rPr>
-                        <a:t>tsa</a:t>
-                      </a:r>
-                      <a:endParaRPr lang="en-US" sz="1800" dirty="0">
-                        <a:latin typeface="Times New Roman" panose="02020603050405020304" pitchFamily="18" charset="0"/>
-                        <a:cs typeface="Times New Roman" panose="02020603050405020304" pitchFamily="18" charset="0"/>
-                      </a:endParaRPr>
-                    </a:p>
-                  </a:txBody>
-                  <a:tcPr marL="108416" marR="108416" marT="54208" marB="54208"/>
-                </a:tc>
-                <a:tc>
-                  <a:txBody>
-                    <a:bodyPr/>
-                    <a:lstStyle/>
-                    <a:p>
-                      <a:pPr algn="ctr"/>
-                      <a:endParaRPr lang="en-US" sz="2100" dirty="0">
-                        <a:latin typeface="Times New Roman" panose="02020603050405020304" pitchFamily="18" charset="0"/>
-                        <a:cs typeface="Times New Roman" panose="02020603050405020304" pitchFamily="18" charset="0"/>
-                      </a:endParaRPr>
-                    </a:p>
-                  </a:txBody>
-                  <a:tcPr marL="108416" marR="108416" marT="54208" marB="54208"/>
-                </a:tc>
-                <a:tc>
-                  <a:txBody>
-                    <a:bodyPr/>
-                    <a:lstStyle/>
-                    <a:p>
-                      <a:pPr algn="ctr"/>
-                      <a:endParaRPr lang="en-US" sz="2100" dirty="0">
-                        <a:latin typeface="Times New Roman" panose="02020603050405020304" pitchFamily="18" charset="0"/>
-                        <a:cs typeface="Times New Roman" panose="02020603050405020304" pitchFamily="18" charset="0"/>
-                      </a:endParaRPr>
-                    </a:p>
-                  </a:txBody>
-                  <a:tcPr marL="108416" marR="108416" marT="54208" marB="54208"/>
-                </a:tc>
-                <a:tc>
-                  <a:txBody>
-                    <a:bodyPr/>
-                    <a:lstStyle/>
-                    <a:p>
-                      <a:pPr algn="ctr"/>
-                      <a:endParaRPr lang="en-US" sz="2100">
-                        <a:latin typeface="Times New Roman" panose="02020603050405020304" pitchFamily="18" charset="0"/>
-                        <a:cs typeface="Times New Roman" panose="02020603050405020304" pitchFamily="18" charset="0"/>
-                      </a:endParaRPr>
-                    </a:p>
-                  </a:txBody>
-                  <a:tcPr marL="108416" marR="108416" marT="54208" marB="54208"/>
-                </a:tc>
-                <a:tc>
-                  <a:txBody>
-                    <a:bodyPr/>
-                    <a:lstStyle/>
-                    <a:p>
-                      <a:pPr algn="ctr"/>
-                      <a:endParaRPr lang="en-US" sz="2100" dirty="0">
-                        <a:latin typeface="Times New Roman" panose="02020603050405020304" pitchFamily="18" charset="0"/>
-                        <a:cs typeface="Times New Roman" panose="02020603050405020304" pitchFamily="18" charset="0"/>
-                      </a:endParaRPr>
-                    </a:p>
-                  </a:txBody>
-                  <a:tcPr marL="108416" marR="108416" marT="54208" marB="54208"/>
-                </a:tc>
-                <a:extLst>
-                  <a:ext uri="{0D108BD9-81ED-4DB2-BD59-A6C34878D82A}">
-                    <a16:rowId xmlns:a16="http://schemas.microsoft.com/office/drawing/2014/main" val="2508150010"/>
                   </a:ext>
                 </a:extLst>
               </a:tr>
@@ -20068,86 +19058,6 @@
   </p:cSld>
   <p:clrMapOvr>
     <a:overrideClrMapping bg1="lt1" tx1="dk1" bg2="lt2" tx2="dk2" accent1="accent1" accent2="accent2" accent3="accent3" accent4="accent4" accent5="accent5" accent6="accent6" hlink="hlink" folHlink="folHlink"/>
-  </p:clrMapOvr>
-</p:sld>
-</file>
-
-<file path=ppt/slides/slide8.xml><?xml version="1.0" encoding="utf-8"?>
-<p:sld xmlns:a="http://schemas.openxmlformats.org/drawingml/2006/main" xmlns:r="http://schemas.openxmlformats.org/officeDocument/2006/relationships" xmlns:p="http://schemas.openxmlformats.org/presentationml/2006/main">
-  <p:cSld>
-    <p:spTree>
-      <p:nvGrpSpPr>
-        <p:cNvPr id="1" name=""/>
-        <p:cNvGrpSpPr/>
-        <p:nvPr/>
-      </p:nvGrpSpPr>
-      <p:grpSpPr>
-        <a:xfrm>
-          <a:off x="0" y="0"/>
-          <a:ext cx="0" cy="0"/>
-          <a:chOff x="0" y="0"/>
-          <a:chExt cx="0" cy="0"/>
-        </a:xfrm>
-      </p:grpSpPr>
-      <p:sp>
-        <p:nvSpPr>
-          <p:cNvPr id="2" name="Titel 1">
-            <a:extLst>
-              <a:ext uri="{FF2B5EF4-FFF2-40B4-BE49-F238E27FC236}">
-                <a16:creationId xmlns:a16="http://schemas.microsoft.com/office/drawing/2014/main" id="{4686D9AE-F14A-98A2-4A00-08FFBA8102A0}"/>
-              </a:ext>
-            </a:extLst>
-          </p:cNvPr>
-          <p:cNvSpPr>
-            <a:spLocks noGrp="1"/>
-          </p:cNvSpPr>
-          <p:nvPr>
-            <p:ph type="title"/>
-          </p:nvPr>
-        </p:nvSpPr>
-        <p:spPr/>
-        <p:txBody>
-          <a:bodyPr/>
-          <a:lstStyle/>
-          <a:p>
-            <a:endParaRPr lang="en-US"/>
-          </a:p>
-        </p:txBody>
-      </p:sp>
-      <p:sp>
-        <p:nvSpPr>
-          <p:cNvPr id="3" name="Inhaltsplatzhalter 2">
-            <a:extLst>
-              <a:ext uri="{FF2B5EF4-FFF2-40B4-BE49-F238E27FC236}">
-                <a16:creationId xmlns:a16="http://schemas.microsoft.com/office/drawing/2014/main" id="{906AA005-C2C5-5691-550F-2635BFF9C8B6}"/>
-              </a:ext>
-            </a:extLst>
-          </p:cNvPr>
-          <p:cNvSpPr>
-            <a:spLocks noGrp="1"/>
-          </p:cNvSpPr>
-          <p:nvPr>
-            <p:ph idx="1"/>
-          </p:nvPr>
-        </p:nvSpPr>
-        <p:spPr/>
-        <p:txBody>
-          <a:bodyPr/>
-          <a:lstStyle/>
-          <a:p>
-            <a:endParaRPr lang="en-US"/>
-          </a:p>
-        </p:txBody>
-      </p:sp>
-    </p:spTree>
-    <p:extLst>
-      <p:ext uri="{BB962C8B-B14F-4D97-AF65-F5344CB8AC3E}">
-        <p14:creationId xmlns:p14="http://schemas.microsoft.com/office/powerpoint/2010/main" val="313061371"/>
-      </p:ext>
-    </p:extLst>
-  </p:cSld>
-  <p:clrMapOvr>
-    <a:masterClrMapping/>
   </p:clrMapOvr>
 </p:sld>
 </file>
